--- a/第一次作业_刘继沐.pptx
+++ b/第一次作业_刘继沐.pptx
@@ -5,10 +5,10 @@
     <p:sldMasterId id="2147483649" r:id="rId1"/>
   </p:sldMasterIdLst>
   <p:notesMasterIdLst>
-    <p:notesMasterId r:id="rId30"/>
+    <p:notesMasterId r:id="rId39"/>
   </p:notesMasterIdLst>
   <p:handoutMasterIdLst>
-    <p:handoutMasterId r:id="rId31"/>
+    <p:handoutMasterId r:id="rId40"/>
   </p:handoutMasterIdLst>
   <p:sldIdLst>
     <p:sldId id="975" r:id="rId2"/>
@@ -38,7 +38,16 @@
     <p:sldId id="1001" r:id="rId26"/>
     <p:sldId id="1000" r:id="rId27"/>
     <p:sldId id="999" r:id="rId28"/>
-    <p:sldId id="876" r:id="rId29"/>
+    <p:sldId id="1004" r:id="rId29"/>
+    <p:sldId id="1005" r:id="rId30"/>
+    <p:sldId id="1006" r:id="rId31"/>
+    <p:sldId id="1007" r:id="rId32"/>
+    <p:sldId id="1008" r:id="rId33"/>
+    <p:sldId id="1009" r:id="rId34"/>
+    <p:sldId id="1012" r:id="rId35"/>
+    <p:sldId id="1010" r:id="rId36"/>
+    <p:sldId id="1011" r:id="rId37"/>
+    <p:sldId id="876" r:id="rId38"/>
   </p:sldIdLst>
   <p:sldSz cx="9144000" cy="6858000" type="screen4x3"/>
   <p:notesSz cx="9144000" cy="6858000"/>
@@ -6009,23 +6018,7 @@
             <a:pPr algn="l"/>
             <a:r>
               <a:rPr lang="zh-CN" altLang="en-US" dirty="0"/>
-              <a:t>调整</a:t>
-            </a:r>
-            <a:r>
-              <a:rPr lang="zh-CN" altLang="en-US" dirty="0"/>
-              <a:t>控制器</a:t>
-            </a:r>
-            <a:r>
-              <a:rPr lang="zh-CN" altLang="en-US" dirty="0"/>
-              <a:t>输入</a:t>
-            </a:r>
-            <a:r>
-              <a:rPr lang="zh-CN" altLang="en-US" dirty="0"/>
-              <a:t>语言</a:t>
-            </a:r>
-            <a:r>
-              <a:rPr lang="zh-CN" altLang="en-US" dirty="0"/>
-              <a:t>变量模糊子集的隶属</a:t>
+              <a:t>调整控制器输入语言变量模糊子集的隶属</a:t>
             </a:r>
             <a:r>
               <a:rPr lang="zh-CN" altLang="en-US" dirty="0" smtClean="0"/>
@@ -6396,43 +6389,257 @@
       </p:grpSpPr>
       <p:sp>
         <p:nvSpPr>
-          <p:cNvPr id="1676290" name="Rectangle 2"/>
+          <p:cNvPr id="2" name="标题 1"/>
           <p:cNvSpPr>
-            <a:spLocks noGrp="1" noChangeArrowheads="1"/>
+            <a:spLocks noGrp="1"/>
           </p:cNvSpPr>
           <p:nvPr>
-            <p:ph type="ctrTitle"/>
-          </p:nvPr>
-        </p:nvSpPr>
+            <p:ph type="title"/>
+          </p:nvPr>
+        </p:nvSpPr>
+        <p:spPr/>
+        <p:txBody>
+          <a:bodyPr/>
+          <a:lstStyle/>
+          <a:p>
+            <a:r>
+              <a:rPr lang="zh-CN" altLang="en-US" dirty="0" smtClean="0"/>
+              <a:t>题三</a:t>
+            </a:r>
+            <a:endParaRPr lang="zh-CN" altLang="en-US" dirty="0"/>
+          </a:p>
+        </p:txBody>
+      </p:sp>
+      <p:pic>
+        <p:nvPicPr>
+          <p:cNvPr id="10" name="内容占位符 9"/>
+          <p:cNvPicPr>
+            <a:picLocks noGrp="1" noChangeAspect="1"/>
+          </p:cNvPicPr>
+          <p:nvPr>
+            <p:ph idx="1"/>
+          </p:nvPr>
+        </p:nvPicPr>
+        <p:blipFill>
+          <a:blip r:embed="rId2"/>
+          <a:stretch>
+            <a:fillRect/>
+          </a:stretch>
+        </p:blipFill>
         <p:spPr>
           <a:xfrm>
-            <a:off x="685800" y="2209800"/>
-            <a:ext cx="7772400" cy="1470025"/>
+            <a:off x="431800" y="2625612"/>
+            <a:ext cx="8229600" cy="2351314"/>
           </a:xfrm>
+          <a:prstGeom prst="rect">
+            <a:avLst/>
+          </a:prstGeom>
         </p:spPr>
-        <p:txBody>
-          <a:bodyPr/>
-          <a:lstStyle/>
-          <a:p>
-            <a:r>
-              <a:rPr lang="zh-CN" altLang="en-US"/>
-              <a:t>谢	谢！</a:t>
-            </a:r>
-          </a:p>
-        </p:txBody>
-      </p:sp>
+      </p:pic>
     </p:spTree>
+    <p:extLst>
+      <p:ext uri="{BB962C8B-B14F-4D97-AF65-F5344CB8AC3E}">
+        <p14:creationId xmlns:p14="http://schemas.microsoft.com/office/powerpoint/2010/main" val="1290068834"/>
+      </p:ext>
+    </p:extLst>
   </p:cSld>
   <p:clrMapOvr>
     <a:masterClrMapping/>
   </p:clrMapOvr>
-  <p:timing>
-    <p:tnLst>
-      <p:par>
-        <p:cTn id="1" dur="indefinite" restart="never" nodeType="tmRoot"/>
-      </p:par>
-    </p:tnLst>
-  </p:timing>
+</p:sld>
+</file>
+
+<file path=ppt/slides/slide29.xml><?xml version="1.0" encoding="utf-8"?>
+<p:sld xmlns:a="http://schemas.openxmlformats.org/drawingml/2006/main" xmlns:r="http://schemas.openxmlformats.org/officeDocument/2006/relationships" xmlns:p="http://schemas.openxmlformats.org/presentationml/2006/main">
+  <p:cSld>
+    <p:spTree>
+      <p:nvGrpSpPr>
+        <p:cNvPr id="1" name=""/>
+        <p:cNvGrpSpPr/>
+        <p:nvPr/>
+      </p:nvGrpSpPr>
+      <p:grpSpPr>
+        <a:xfrm>
+          <a:off x="0" y="0"/>
+          <a:ext cx="0" cy="0"/>
+          <a:chOff x="0" y="0"/>
+          <a:chExt cx="0" cy="0"/>
+        </a:xfrm>
+      </p:grpSpPr>
+      <p:sp>
+        <p:nvSpPr>
+          <p:cNvPr id="2" name="标题 1"/>
+          <p:cNvSpPr>
+            <a:spLocks noGrp="1"/>
+          </p:cNvSpPr>
+          <p:nvPr>
+            <p:ph type="title"/>
+          </p:nvPr>
+        </p:nvSpPr>
+        <p:spPr/>
+        <p:txBody>
+          <a:bodyPr/>
+          <a:lstStyle/>
+          <a:p>
+            <a:r>
+              <a:rPr lang="zh-CN" altLang="en-US" dirty="0" smtClean="0"/>
+              <a:t>历史发展</a:t>
+            </a:r>
+            <a:endParaRPr lang="zh-CN" altLang="en-US" dirty="0"/>
+          </a:p>
+        </p:txBody>
+      </p:sp>
+      <p:sp>
+        <p:nvSpPr>
+          <p:cNvPr id="3" name="内容占位符 2"/>
+          <p:cNvSpPr>
+            <a:spLocks noGrp="1"/>
+          </p:cNvSpPr>
+          <p:nvPr>
+            <p:ph idx="1"/>
+          </p:nvPr>
+        </p:nvSpPr>
+        <p:spPr/>
+        <p:txBody>
+          <a:bodyPr/>
+          <a:lstStyle/>
+          <a:p>
+            <a:r>
+              <a:rPr lang="en-US" altLang="zh-CN" sz="2400" dirty="0" smtClean="0"/>
+              <a:t>50</a:t>
+            </a:r>
+            <a:r>
+              <a:rPr lang="zh-CN" altLang="en-US" sz="2400" dirty="0"/>
+              <a:t>年代末，前苏联</a:t>
+            </a:r>
+            <a:r>
+              <a:rPr lang="zh-CN" altLang="en-US" sz="2400" dirty="0" smtClean="0"/>
+              <a:t>科学家</a:t>
+            </a:r>
+            <a:r>
+              <a:rPr lang="en-US" altLang="zh-CN" sz="2400" dirty="0" err="1" smtClean="0"/>
+              <a:t>Emelyanov</a:t>
+            </a:r>
+            <a:r>
+              <a:rPr lang="zh-CN" altLang="en-US" sz="2400" dirty="0"/>
+              <a:t>和</a:t>
+            </a:r>
+            <a:r>
+              <a:rPr lang="en-US" altLang="zh-CN" sz="2400" dirty="0" err="1" smtClean="0"/>
+              <a:t>Utkin</a:t>
+            </a:r>
+            <a:r>
+              <a:rPr lang="zh-CN" altLang="en-US" sz="2400" dirty="0"/>
+              <a:t>等首次提出滑模</a:t>
+            </a:r>
+            <a:r>
+              <a:rPr lang="zh-CN" altLang="en-US" sz="2400" dirty="0" smtClean="0"/>
+              <a:t>变结构控制</a:t>
+            </a:r>
+            <a:r>
+              <a:rPr lang="en-US" altLang="zh-CN" sz="2400" dirty="0"/>
+              <a:t>(Sliding Mode Controller, SMC)</a:t>
+            </a:r>
+            <a:r>
+              <a:rPr lang="zh-CN" altLang="en-US" sz="2400" dirty="0"/>
+              <a:t>理论，</a:t>
+            </a:r>
+            <a:r>
+              <a:rPr lang="zh-CN" altLang="en-US" sz="2400" dirty="0" smtClean="0"/>
+              <a:t>以</a:t>
+            </a:r>
+            <a:r>
+              <a:rPr lang="zh-CN" altLang="en-US" sz="2400" dirty="0"/>
+              <a:t>误差及其导数作为输入变量研究单输入单输出线性系统的</a:t>
+            </a:r>
+            <a:r>
+              <a:rPr lang="zh-CN" altLang="en-US" sz="2400" dirty="0" smtClean="0"/>
+              <a:t>变结构控制。</a:t>
+            </a:r>
+            <a:endParaRPr lang="en-US" altLang="zh-CN" sz="2400" dirty="0"/>
+          </a:p>
+          <a:p>
+            <a:r>
+              <a:rPr lang="en-US" altLang="zh-CN" sz="2400" dirty="0"/>
+              <a:t>60 </a:t>
+            </a:r>
+            <a:r>
+              <a:rPr lang="zh-CN" altLang="en-US" sz="2400" dirty="0"/>
+              <a:t>年代末</a:t>
+            </a:r>
+            <a:r>
+              <a:rPr lang="zh-CN" altLang="en-US" sz="2400" dirty="0" smtClean="0"/>
+              <a:t>，西方</a:t>
+            </a:r>
+            <a:r>
+              <a:rPr lang="zh-CN" altLang="en-US" sz="2400" dirty="0"/>
+              <a:t>学者的加入，使得滑模控制理论更加完善，所研究的对象也由单输入单输出</a:t>
+            </a:r>
+            <a:r>
+              <a:rPr lang="zh-CN" altLang="en-US" sz="2400" dirty="0" smtClean="0"/>
+              <a:t>系统扩大</a:t>
+            </a:r>
+            <a:r>
+              <a:rPr lang="zh-CN" altLang="en-US" sz="2400" dirty="0"/>
+              <a:t>到多输入多输出系统和非线性系统，在此期间滑模控制理论取得了较大的进展</a:t>
+            </a:r>
+            <a:r>
+              <a:rPr lang="zh-CN" altLang="en-US" sz="2400" dirty="0" smtClean="0"/>
+              <a:t>，给</a:t>
+            </a:r>
+            <a:r>
+              <a:rPr lang="zh-CN" altLang="en-US" sz="2400" dirty="0"/>
+              <a:t>出了滑模的唯一性</a:t>
+            </a:r>
+            <a:r>
+              <a:rPr lang="zh-CN" altLang="en-US" sz="2400" dirty="0" smtClean="0"/>
+              <a:t>条件。</a:t>
+            </a:r>
+            <a:endParaRPr lang="en-US" altLang="zh-CN" sz="2400" dirty="0"/>
+          </a:p>
+          <a:p>
+            <a:r>
+              <a:rPr lang="en-US" altLang="zh-CN" sz="2400" dirty="0"/>
+              <a:t>80 </a:t>
+            </a:r>
+            <a:r>
+              <a:rPr lang="zh-CN" altLang="en-US" sz="2400" dirty="0"/>
+              <a:t>年代至今，随着计算机技术以及大功率电子切换器件的迅速发展，</a:t>
+            </a:r>
+            <a:r>
+              <a:rPr lang="zh-CN" altLang="en-US" sz="2400" dirty="0" smtClean="0"/>
+              <a:t>使得</a:t>
+            </a:r>
+            <a:r>
+              <a:rPr lang="zh-CN" altLang="en-US" sz="2400" dirty="0"/>
+              <a:t>滑模控制器由理论走向工程应用成为可能，由此滑模变结构控制理论和应用</a:t>
+            </a:r>
+            <a:r>
+              <a:rPr lang="zh-CN" altLang="en-US" sz="2400" dirty="0" smtClean="0"/>
+              <a:t>研究开始</a:t>
+            </a:r>
+            <a:r>
+              <a:rPr lang="zh-CN" altLang="en-US" sz="2400" dirty="0"/>
+              <a:t>进入快速发展的</a:t>
+            </a:r>
+            <a:r>
+              <a:rPr lang="zh-CN" altLang="en-US" sz="2400" dirty="0" smtClean="0"/>
+              <a:t>新时期。</a:t>
+            </a:r>
+            <a:endParaRPr lang="zh-CN" altLang="en-US" sz="2400" dirty="0"/>
+          </a:p>
+        </p:txBody>
+      </p:sp>
+    </p:spTree>
+    <p:extLst>
+      <p:ext uri="{BB962C8B-B14F-4D97-AF65-F5344CB8AC3E}">
+        <p14:creationId xmlns:p14="http://schemas.microsoft.com/office/powerpoint/2010/main" val="3422511799"/>
+      </p:ext>
+    </p:extLst>
+  </p:cSld>
+  <p:clrMapOvr>
+    <a:masterClrMapping/>
+  </p:clrMapOvr>
 </p:sld>
 </file>
 
@@ -6516,6 +6723,948 @@
   <p:clrMapOvr>
     <a:masterClrMapping/>
   </p:clrMapOvr>
+</p:sld>
+</file>
+
+<file path=ppt/slides/slide30.xml><?xml version="1.0" encoding="utf-8"?>
+<p:sld xmlns:a="http://schemas.openxmlformats.org/drawingml/2006/main" xmlns:r="http://schemas.openxmlformats.org/officeDocument/2006/relationships" xmlns:p="http://schemas.openxmlformats.org/presentationml/2006/main">
+  <p:cSld>
+    <p:spTree>
+      <p:nvGrpSpPr>
+        <p:cNvPr id="1" name=""/>
+        <p:cNvGrpSpPr/>
+        <p:nvPr/>
+      </p:nvGrpSpPr>
+      <p:grpSpPr>
+        <a:xfrm>
+          <a:off x="0" y="0"/>
+          <a:ext cx="0" cy="0"/>
+          <a:chOff x="0" y="0"/>
+          <a:chExt cx="0" cy="0"/>
+        </a:xfrm>
+      </p:grpSpPr>
+      <p:sp>
+        <p:nvSpPr>
+          <p:cNvPr id="2" name="标题 1"/>
+          <p:cNvSpPr>
+            <a:spLocks noGrp="1"/>
+          </p:cNvSpPr>
+          <p:nvPr>
+            <p:ph type="title"/>
+          </p:nvPr>
+        </p:nvSpPr>
+        <p:spPr/>
+        <p:txBody>
+          <a:bodyPr/>
+          <a:lstStyle/>
+          <a:p>
+            <a:r>
+              <a:rPr lang="zh-CN" altLang="en-US" dirty="0" smtClean="0"/>
+              <a:t>原理</a:t>
+            </a:r>
+            <a:endParaRPr lang="zh-CN" altLang="en-US" dirty="0"/>
+          </a:p>
+        </p:txBody>
+      </p:sp>
+      <p:sp>
+        <p:nvSpPr>
+          <p:cNvPr id="3" name="内容占位符 2"/>
+          <p:cNvSpPr>
+            <a:spLocks noGrp="1"/>
+          </p:cNvSpPr>
+          <p:nvPr>
+            <p:ph idx="1"/>
+          </p:nvPr>
+        </p:nvSpPr>
+        <p:spPr/>
+        <p:txBody>
+          <a:bodyPr/>
+          <a:lstStyle/>
+          <a:p>
+            <a:endParaRPr lang="zh-CN" altLang="en-US"/>
+          </a:p>
+        </p:txBody>
+      </p:sp>
+    </p:spTree>
+    <p:extLst>
+      <p:ext uri="{BB962C8B-B14F-4D97-AF65-F5344CB8AC3E}">
+        <p14:creationId xmlns:p14="http://schemas.microsoft.com/office/powerpoint/2010/main" val="1920913225"/>
+      </p:ext>
+    </p:extLst>
+  </p:cSld>
+  <p:clrMapOvr>
+    <a:masterClrMapping/>
+  </p:clrMapOvr>
+</p:sld>
+</file>
+
+<file path=ppt/slides/slide31.xml><?xml version="1.0" encoding="utf-8"?>
+<p:sld xmlns:a="http://schemas.openxmlformats.org/drawingml/2006/main" xmlns:r="http://schemas.openxmlformats.org/officeDocument/2006/relationships" xmlns:p="http://schemas.openxmlformats.org/presentationml/2006/main">
+  <p:cSld>
+    <p:spTree>
+      <p:nvGrpSpPr>
+        <p:cNvPr id="1" name=""/>
+        <p:cNvGrpSpPr/>
+        <p:nvPr/>
+      </p:nvGrpSpPr>
+      <p:grpSpPr>
+        <a:xfrm>
+          <a:off x="0" y="0"/>
+          <a:ext cx="0" cy="0"/>
+          <a:chOff x="0" y="0"/>
+          <a:chExt cx="0" cy="0"/>
+        </a:xfrm>
+      </p:grpSpPr>
+      <p:sp>
+        <p:nvSpPr>
+          <p:cNvPr id="2" name="标题 1"/>
+          <p:cNvSpPr>
+            <a:spLocks noGrp="1"/>
+          </p:cNvSpPr>
+          <p:nvPr>
+            <p:ph type="title"/>
+          </p:nvPr>
+        </p:nvSpPr>
+        <p:spPr/>
+        <p:txBody>
+          <a:bodyPr/>
+          <a:lstStyle/>
+          <a:p>
+            <a:r>
+              <a:rPr lang="zh-CN" altLang="en-US" dirty="0"/>
+              <a:t>优点</a:t>
+            </a:r>
+          </a:p>
+        </p:txBody>
+      </p:sp>
+      <p:sp>
+        <p:nvSpPr>
+          <p:cNvPr id="3" name="内容占位符 2"/>
+          <p:cNvSpPr>
+            <a:spLocks noGrp="1"/>
+          </p:cNvSpPr>
+          <p:nvPr>
+            <p:ph idx="1"/>
+          </p:nvPr>
+        </p:nvSpPr>
+        <p:spPr/>
+        <p:txBody>
+          <a:bodyPr/>
+          <a:lstStyle/>
+          <a:p>
+            <a:pPr marL="0" indent="0">
+              <a:buNone/>
+            </a:pPr>
+            <a:r>
+              <a:rPr lang="zh-CN" altLang="zh-CN" dirty="0"/>
+              <a:t>滑模控制以实现简单，和对满足匹配条件的外界干扰、模型的不确定性和未建模动态具有</a:t>
+            </a:r>
+            <a:r>
+              <a:rPr lang="zh-CN" altLang="zh-CN" dirty="0" smtClean="0"/>
+              <a:t>不变性</a:t>
+            </a:r>
+            <a:r>
+              <a:rPr lang="zh-CN" altLang="zh-CN" dirty="0"/>
+              <a:t>（亦称作完全鲁棒性）而著称。</a:t>
+            </a:r>
+            <a:endParaRPr lang="zh-CN" altLang="en-US" dirty="0"/>
+          </a:p>
+        </p:txBody>
+      </p:sp>
+    </p:spTree>
+    <p:extLst>
+      <p:ext uri="{BB962C8B-B14F-4D97-AF65-F5344CB8AC3E}">
+        <p14:creationId xmlns:p14="http://schemas.microsoft.com/office/powerpoint/2010/main" val="2184537428"/>
+      </p:ext>
+    </p:extLst>
+  </p:cSld>
+  <p:clrMapOvr>
+    <a:masterClrMapping/>
+  </p:clrMapOvr>
+</p:sld>
+</file>
+
+<file path=ppt/slides/slide32.xml><?xml version="1.0" encoding="utf-8"?>
+<p:sld xmlns:a="http://schemas.openxmlformats.org/drawingml/2006/main" xmlns:r="http://schemas.openxmlformats.org/officeDocument/2006/relationships" xmlns:p="http://schemas.openxmlformats.org/presentationml/2006/main">
+  <p:cSld>
+    <p:spTree>
+      <p:nvGrpSpPr>
+        <p:cNvPr id="1" name=""/>
+        <p:cNvGrpSpPr/>
+        <p:nvPr/>
+      </p:nvGrpSpPr>
+      <p:grpSpPr>
+        <a:xfrm>
+          <a:off x="0" y="0"/>
+          <a:ext cx="0" cy="0"/>
+          <a:chOff x="0" y="0"/>
+          <a:chExt cx="0" cy="0"/>
+        </a:xfrm>
+      </p:grpSpPr>
+      <p:sp>
+        <p:nvSpPr>
+          <p:cNvPr id="2" name="标题 1"/>
+          <p:cNvSpPr>
+            <a:spLocks noGrp="1"/>
+          </p:cNvSpPr>
+          <p:nvPr>
+            <p:ph type="title"/>
+          </p:nvPr>
+        </p:nvSpPr>
+        <p:spPr/>
+        <p:txBody>
+          <a:bodyPr/>
+          <a:lstStyle/>
+          <a:p>
+            <a:r>
+              <a:rPr lang="zh-CN" altLang="en-US" dirty="0" smtClean="0"/>
+              <a:t>问题</a:t>
+            </a:r>
+            <a:r>
+              <a:rPr lang="en-US" altLang="zh-CN" dirty="0" smtClean="0"/>
+              <a:t>	</a:t>
+            </a:r>
+            <a:endParaRPr lang="zh-CN" altLang="en-US" dirty="0"/>
+          </a:p>
+        </p:txBody>
+      </p:sp>
+      <p:sp>
+        <p:nvSpPr>
+          <p:cNvPr id="3" name="内容占位符 2"/>
+          <p:cNvSpPr>
+            <a:spLocks noGrp="1"/>
+          </p:cNvSpPr>
+          <p:nvPr>
+            <p:ph idx="1"/>
+          </p:nvPr>
+        </p:nvSpPr>
+        <p:spPr/>
+        <p:txBody>
+          <a:bodyPr/>
+          <a:lstStyle/>
+          <a:p>
+            <a:pPr marL="514350" indent="-514350">
+              <a:buFont typeface="+mj-lt"/>
+              <a:buAutoNum type="arabicPeriod"/>
+            </a:pPr>
+            <a:r>
+              <a:rPr lang="zh-CN" altLang="zh-CN" sz="2400" dirty="0" smtClean="0"/>
+              <a:t>抖振</a:t>
+            </a:r>
+            <a:r>
+              <a:rPr lang="zh-CN" altLang="zh-CN" sz="2400" dirty="0"/>
+              <a:t>问题：主要是由未建模的串联动态引起，同时切换装置的非理想性也是一个重要原因；</a:t>
+            </a:r>
+          </a:p>
+          <a:p>
+            <a:pPr marL="514350" indent="-514350">
+              <a:buFont typeface="+mj-lt"/>
+              <a:buAutoNum type="arabicPeriod"/>
+            </a:pPr>
+            <a:r>
+              <a:rPr lang="zh-CN" altLang="zh-CN" sz="2400" dirty="0" smtClean="0"/>
+              <a:t>控制精度</a:t>
+            </a:r>
+            <a:r>
+              <a:rPr lang="zh-CN" altLang="zh-CN" sz="2400" dirty="0"/>
+              <a:t>问题：在实际的、采样实现的传统滑模控制算法中，滑动误差正比于采样时间τ，也就是说，有限时间到达的传统滑模在具有零阶保持器的离散控制下，系统的状态保持在滑动模态上的精度是采样时间的一阶无穷小，即</a:t>
+            </a:r>
+            <a:r>
+              <a:rPr lang="en-US" altLang="zh-CN" sz="2400" dirty="0"/>
+              <a:t>O(</a:t>
+            </a:r>
+            <a:r>
+              <a:rPr lang="zh-CN" altLang="zh-CN" sz="2400" dirty="0"/>
+              <a:t>τ</a:t>
+            </a:r>
+            <a:r>
+              <a:rPr lang="en-US" altLang="zh-CN" sz="2400" dirty="0"/>
+              <a:t>) </a:t>
+            </a:r>
+            <a:r>
+              <a:rPr lang="zh-CN" altLang="zh-CN" sz="2400" dirty="0"/>
+              <a:t>；</a:t>
+            </a:r>
+          </a:p>
+          <a:p>
+            <a:pPr marL="514350" indent="-514350">
+              <a:buFont typeface="+mj-lt"/>
+              <a:buAutoNum type="arabicPeriod"/>
+            </a:pPr>
+            <a:r>
+              <a:rPr lang="zh-CN" altLang="zh-CN" sz="2400" dirty="0" smtClean="0"/>
+              <a:t>相对</a:t>
+            </a:r>
+            <a:r>
+              <a:rPr lang="zh-CN" altLang="zh-CN" sz="2400" dirty="0"/>
+              <a:t>阶的限制：传统滑模控制只有在系统关于滑模变量</a:t>
+            </a:r>
+            <a:r>
+              <a:rPr lang="en-US" altLang="zh-CN" sz="2400" dirty="0"/>
+              <a:t>s</a:t>
+            </a:r>
+            <a:r>
+              <a:rPr lang="zh-CN" altLang="zh-CN" sz="2400" dirty="0"/>
+              <a:t>的相对阶是</a:t>
+            </a:r>
+            <a:r>
+              <a:rPr lang="en-US" altLang="zh-CN" sz="2400" dirty="0"/>
+              <a:t>1</a:t>
+            </a:r>
+            <a:r>
+              <a:rPr lang="zh-CN" altLang="zh-CN" sz="2400" dirty="0"/>
+              <a:t>时才能应用，也就是说，控制量</a:t>
+            </a:r>
+            <a:r>
+              <a:rPr lang="en-US" altLang="zh-CN" sz="2400" dirty="0"/>
+              <a:t>u</a:t>
+            </a:r>
+            <a:r>
+              <a:rPr lang="zh-CN" altLang="zh-CN" sz="2400" dirty="0"/>
+              <a:t>必须显式出现在</a:t>
+            </a:r>
+            <a:r>
+              <a:rPr lang="en-US" altLang="zh-CN" sz="2400" dirty="0"/>
+              <a:t>s</a:t>
+            </a:r>
+            <a:r>
+              <a:rPr lang="zh-CN" altLang="zh-CN" sz="2400" dirty="0"/>
+              <a:t>中，这样就限制了滑模面的设计</a:t>
+            </a:r>
+            <a:r>
+              <a:rPr lang="zh-CN" altLang="zh-CN" sz="2400" dirty="0" smtClean="0"/>
+              <a:t>。</a:t>
+            </a:r>
+            <a:endParaRPr lang="zh-CN" altLang="zh-CN" sz="2400" dirty="0"/>
+          </a:p>
+        </p:txBody>
+      </p:sp>
+    </p:spTree>
+    <p:extLst>
+      <p:ext uri="{BB962C8B-B14F-4D97-AF65-F5344CB8AC3E}">
+        <p14:creationId xmlns:p14="http://schemas.microsoft.com/office/powerpoint/2010/main" val="3458279472"/>
+      </p:ext>
+    </p:extLst>
+  </p:cSld>
+  <p:clrMapOvr>
+    <a:masterClrMapping/>
+  </p:clrMapOvr>
+</p:sld>
+</file>
+
+<file path=ppt/slides/slide33.xml><?xml version="1.0" encoding="utf-8"?>
+<p:sld xmlns:a="http://schemas.openxmlformats.org/drawingml/2006/main" xmlns:r="http://schemas.openxmlformats.org/officeDocument/2006/relationships" xmlns:p="http://schemas.openxmlformats.org/presentationml/2006/main">
+  <p:cSld>
+    <p:spTree>
+      <p:nvGrpSpPr>
+        <p:cNvPr id="1" name=""/>
+        <p:cNvGrpSpPr/>
+        <p:nvPr/>
+      </p:nvGrpSpPr>
+      <p:grpSpPr>
+        <a:xfrm>
+          <a:off x="0" y="0"/>
+          <a:ext cx="0" cy="0"/>
+          <a:chOff x="0" y="0"/>
+          <a:chExt cx="0" cy="0"/>
+        </a:xfrm>
+      </p:grpSpPr>
+      <p:sp>
+        <p:nvSpPr>
+          <p:cNvPr id="2" name="标题 1"/>
+          <p:cNvSpPr>
+            <a:spLocks noGrp="1"/>
+          </p:cNvSpPr>
+          <p:nvPr>
+            <p:ph type="title"/>
+          </p:nvPr>
+        </p:nvSpPr>
+        <p:spPr/>
+        <p:txBody>
+          <a:bodyPr/>
+          <a:lstStyle/>
+          <a:p>
+            <a:r>
+              <a:rPr lang="zh-CN" altLang="zh-CN" dirty="0"/>
+              <a:t>与模糊控制相结合</a:t>
+            </a:r>
+            <a:endParaRPr lang="zh-CN" altLang="en-US" dirty="0"/>
+          </a:p>
+        </p:txBody>
+      </p:sp>
+      <p:sp>
+        <p:nvSpPr>
+          <p:cNvPr id="3" name="内容占位符 2"/>
+          <p:cNvSpPr>
+            <a:spLocks noGrp="1"/>
+          </p:cNvSpPr>
+          <p:nvPr>
+            <p:ph idx="1"/>
+          </p:nvPr>
+        </p:nvSpPr>
+        <p:spPr/>
+        <p:txBody>
+          <a:bodyPr/>
+          <a:lstStyle/>
+          <a:p>
+            <a:pPr marL="0" indent="0">
+              <a:buNone/>
+            </a:pPr>
+            <a:r>
+              <a:rPr lang="zh-CN" altLang="en-US" dirty="0"/>
+              <a:t>组合</a:t>
+            </a:r>
+            <a:r>
+              <a:rPr lang="zh-CN" altLang="en-US" dirty="0" smtClean="0"/>
+              <a:t>方式</a:t>
+            </a:r>
+            <a:r>
+              <a:rPr lang="en-US" altLang="zh-CN" dirty="0"/>
+              <a:t>(Combination Trend)</a:t>
+            </a:r>
+            <a:r>
+              <a:rPr lang="zh-CN" altLang="en-US" dirty="0" smtClean="0"/>
+              <a:t>，</a:t>
+            </a:r>
+            <a:r>
+              <a:rPr lang="zh-CN" altLang="en-US" dirty="0"/>
+              <a:t>以滑模控制器</a:t>
+            </a:r>
+            <a:r>
+              <a:rPr lang="zh-CN" altLang="en-US" dirty="0" smtClean="0"/>
+              <a:t>为主控制器</a:t>
+            </a:r>
+            <a:r>
+              <a:rPr lang="zh-CN" altLang="en-US" dirty="0"/>
+              <a:t>，模糊逻辑系统以辅助功能的形式出现，主要形式有</a:t>
+            </a:r>
+            <a:r>
+              <a:rPr lang="zh-CN" altLang="en-US" dirty="0" smtClean="0"/>
+              <a:t>：</a:t>
+            </a:r>
+            <a:endParaRPr lang="en-US" altLang="zh-CN" dirty="0" smtClean="0"/>
+          </a:p>
+          <a:p>
+            <a:pPr marL="514350" indent="-514350">
+              <a:buFont typeface="+mj-lt"/>
+              <a:buAutoNum type="arabicPeriod"/>
+            </a:pPr>
+            <a:r>
+              <a:rPr lang="zh-CN" altLang="en-US" dirty="0" smtClean="0"/>
+              <a:t>模糊</a:t>
+            </a:r>
+            <a:r>
+              <a:rPr lang="zh-CN" altLang="en-US" dirty="0"/>
+              <a:t>化切换面</a:t>
+            </a:r>
+            <a:r>
+              <a:rPr lang="zh-CN" altLang="en-US" dirty="0" smtClean="0"/>
+              <a:t>以减轻</a:t>
+            </a:r>
+            <a:r>
+              <a:rPr lang="zh-CN" altLang="en-US" dirty="0"/>
+              <a:t>滑模控制器的抖振现象</a:t>
+            </a:r>
+            <a:r>
+              <a:rPr lang="zh-CN" altLang="en-US" dirty="0" smtClean="0"/>
+              <a:t>；</a:t>
+            </a:r>
+            <a:endParaRPr lang="en-US" altLang="zh-CN" dirty="0" smtClean="0"/>
+          </a:p>
+          <a:p>
+            <a:pPr marL="514350" indent="-514350">
+              <a:buFont typeface="+mj-lt"/>
+              <a:buAutoNum type="arabicPeriod"/>
+            </a:pPr>
+            <a:r>
+              <a:rPr lang="zh-CN" altLang="en-US" dirty="0" smtClean="0"/>
+              <a:t>使用</a:t>
+            </a:r>
+            <a:r>
+              <a:rPr lang="zh-CN" altLang="en-US" dirty="0"/>
+              <a:t>模糊逻辑系统作为滑模控制器不连续控制项</a:t>
+            </a:r>
+            <a:r>
+              <a:rPr lang="zh-CN" altLang="en-US" dirty="0" smtClean="0"/>
+              <a:t>增益的调节器；</a:t>
+            </a:r>
+            <a:endParaRPr lang="en-US" altLang="zh-CN" dirty="0"/>
+          </a:p>
+          <a:p>
+            <a:pPr marL="514350" indent="-514350">
+              <a:buFont typeface="+mj-lt"/>
+              <a:buAutoNum type="arabicPeriod"/>
+            </a:pPr>
+            <a:r>
+              <a:rPr lang="zh-CN" altLang="en-US" dirty="0" smtClean="0"/>
+              <a:t>根据</a:t>
+            </a:r>
+            <a:r>
+              <a:rPr lang="zh-CN" altLang="en-US" dirty="0"/>
+              <a:t>控制系统运行状态，应用模糊逻辑系统调整</a:t>
+            </a:r>
+            <a:r>
+              <a:rPr lang="zh-CN" altLang="en-US" dirty="0" smtClean="0"/>
+              <a:t>以系统</a:t>
+            </a:r>
+            <a:r>
+              <a:rPr lang="zh-CN" altLang="en-US" dirty="0"/>
+              <a:t>特性为</a:t>
+            </a:r>
+            <a:r>
+              <a:rPr lang="zh-CN" altLang="en-US" dirty="0" smtClean="0"/>
+              <a:t>基础而</a:t>
+            </a:r>
+            <a:r>
+              <a:rPr lang="zh-CN" altLang="en-US" dirty="0"/>
+              <a:t>定义的不同滑模控制器输出。</a:t>
+            </a:r>
+          </a:p>
+        </p:txBody>
+      </p:sp>
+    </p:spTree>
+    <p:extLst>
+      <p:ext uri="{BB962C8B-B14F-4D97-AF65-F5344CB8AC3E}">
+        <p14:creationId xmlns:p14="http://schemas.microsoft.com/office/powerpoint/2010/main" val="1130556416"/>
+      </p:ext>
+    </p:extLst>
+  </p:cSld>
+  <p:clrMapOvr>
+    <a:masterClrMapping/>
+  </p:clrMapOvr>
+</p:sld>
+</file>
+
+<file path=ppt/slides/slide34.xml><?xml version="1.0" encoding="utf-8"?>
+<p:sld xmlns:a="http://schemas.openxmlformats.org/drawingml/2006/main" xmlns:r="http://schemas.openxmlformats.org/officeDocument/2006/relationships" xmlns:p="http://schemas.openxmlformats.org/presentationml/2006/main">
+  <p:cSld>
+    <p:spTree>
+      <p:nvGrpSpPr>
+        <p:cNvPr id="1" name=""/>
+        <p:cNvGrpSpPr/>
+        <p:nvPr/>
+      </p:nvGrpSpPr>
+      <p:grpSpPr>
+        <a:xfrm>
+          <a:off x="0" y="0"/>
+          <a:ext cx="0" cy="0"/>
+          <a:chOff x="0" y="0"/>
+          <a:chExt cx="0" cy="0"/>
+        </a:xfrm>
+      </p:grpSpPr>
+      <p:sp>
+        <p:nvSpPr>
+          <p:cNvPr id="2" name="标题 1"/>
+          <p:cNvSpPr>
+            <a:spLocks noGrp="1"/>
+          </p:cNvSpPr>
+          <p:nvPr>
+            <p:ph type="title"/>
+          </p:nvPr>
+        </p:nvSpPr>
+        <p:spPr/>
+        <p:txBody>
+          <a:bodyPr/>
+          <a:lstStyle/>
+          <a:p>
+            <a:r>
+              <a:rPr lang="zh-CN" altLang="en-US" dirty="0" smtClean="0"/>
+              <a:t>实例</a:t>
+            </a:r>
+            <a:endParaRPr lang="zh-CN" altLang="en-US" dirty="0"/>
+          </a:p>
+        </p:txBody>
+      </p:sp>
+      <p:sp>
+        <p:nvSpPr>
+          <p:cNvPr id="3" name="内容占位符 2"/>
+          <p:cNvSpPr>
+            <a:spLocks noGrp="1"/>
+          </p:cNvSpPr>
+          <p:nvPr>
+            <p:ph idx="1"/>
+          </p:nvPr>
+        </p:nvSpPr>
+        <p:spPr/>
+        <p:txBody>
+          <a:bodyPr/>
+          <a:lstStyle/>
+          <a:p>
+            <a:pPr marL="0" indent="0">
+              <a:buNone/>
+            </a:pPr>
+            <a:r>
+              <a:rPr lang="zh-CN" altLang="en-US" dirty="0"/>
+              <a:t>根据动态系统在不同工况下的特性，可将其分为主控制器与从控制器，</a:t>
+            </a:r>
+            <a:r>
+              <a:rPr lang="zh-CN" altLang="en-US" dirty="0" smtClean="0"/>
+              <a:t>分别对应</a:t>
+            </a:r>
+            <a:r>
+              <a:rPr lang="zh-CN" altLang="en-US" dirty="0"/>
+              <a:t>于不同的工作</a:t>
+            </a:r>
+            <a:r>
+              <a:rPr lang="zh-CN" altLang="en-US" dirty="0" smtClean="0"/>
+              <a:t>频域</a:t>
+            </a:r>
+            <a:r>
+              <a:rPr lang="zh-CN" altLang="en-US" dirty="0"/>
+              <a:t>。</a:t>
+            </a:r>
+          </a:p>
+        </p:txBody>
+      </p:sp>
+      <p:pic>
+        <p:nvPicPr>
+          <p:cNvPr id="6" name="图片 5"/>
+          <p:cNvPicPr>
+            <a:picLocks noChangeAspect="1"/>
+          </p:cNvPicPr>
+          <p:nvPr/>
+        </p:nvPicPr>
+        <p:blipFill>
+          <a:blip r:embed="rId2"/>
+          <a:stretch>
+            <a:fillRect/>
+          </a:stretch>
+        </p:blipFill>
+        <p:spPr>
+          <a:xfrm>
+            <a:off x="336954" y="3062436"/>
+            <a:ext cx="8477250" cy="3390900"/>
+          </a:xfrm>
+          <a:prstGeom prst="rect">
+            <a:avLst/>
+          </a:prstGeom>
+        </p:spPr>
+      </p:pic>
+    </p:spTree>
+    <p:extLst>
+      <p:ext uri="{BB962C8B-B14F-4D97-AF65-F5344CB8AC3E}">
+        <p14:creationId xmlns:p14="http://schemas.microsoft.com/office/powerpoint/2010/main" val="1651902925"/>
+      </p:ext>
+    </p:extLst>
+  </p:cSld>
+  <p:clrMapOvr>
+    <a:masterClrMapping/>
+  </p:clrMapOvr>
+</p:sld>
+</file>
+
+<file path=ppt/slides/slide35.xml><?xml version="1.0" encoding="utf-8"?>
+<p:sld xmlns:a="http://schemas.openxmlformats.org/drawingml/2006/main" xmlns:r="http://schemas.openxmlformats.org/officeDocument/2006/relationships" xmlns:p="http://schemas.openxmlformats.org/presentationml/2006/main">
+  <p:cSld>
+    <p:spTree>
+      <p:nvGrpSpPr>
+        <p:cNvPr id="1" name=""/>
+        <p:cNvGrpSpPr/>
+        <p:nvPr/>
+      </p:nvGrpSpPr>
+      <p:grpSpPr>
+        <a:xfrm>
+          <a:off x="0" y="0"/>
+          <a:ext cx="0" cy="0"/>
+          <a:chOff x="0" y="0"/>
+          <a:chExt cx="0" cy="0"/>
+        </a:xfrm>
+      </p:grpSpPr>
+      <p:sp>
+        <p:nvSpPr>
+          <p:cNvPr id="2" name="标题 1"/>
+          <p:cNvSpPr>
+            <a:spLocks noGrp="1"/>
+          </p:cNvSpPr>
+          <p:nvPr>
+            <p:ph type="title"/>
+          </p:nvPr>
+        </p:nvSpPr>
+        <p:spPr/>
+        <p:txBody>
+          <a:bodyPr/>
+          <a:lstStyle/>
+          <a:p>
+            <a:r>
+              <a:rPr lang="zh-CN" altLang="zh-CN" dirty="0"/>
+              <a:t>与模糊控制相结合</a:t>
+            </a:r>
+            <a:endParaRPr lang="zh-CN" altLang="en-US" dirty="0"/>
+          </a:p>
+        </p:txBody>
+      </p:sp>
+      <p:sp>
+        <p:nvSpPr>
+          <p:cNvPr id="3" name="内容占位符 2"/>
+          <p:cNvSpPr>
+            <a:spLocks noGrp="1"/>
+          </p:cNvSpPr>
+          <p:nvPr>
+            <p:ph idx="1"/>
+          </p:nvPr>
+        </p:nvSpPr>
+        <p:spPr/>
+        <p:txBody>
+          <a:bodyPr/>
+          <a:lstStyle/>
+          <a:p>
+            <a:pPr marL="0" indent="0">
+              <a:buNone/>
+            </a:pPr>
+            <a:r>
+              <a:rPr lang="zh-CN" altLang="zh-CN" dirty="0"/>
+              <a:t>融合</a:t>
+            </a:r>
+            <a:r>
+              <a:rPr lang="zh-CN" altLang="zh-CN" dirty="0" smtClean="0"/>
+              <a:t>方式</a:t>
+            </a:r>
+            <a:r>
+              <a:rPr lang="en-US" altLang="zh-CN" dirty="0"/>
+              <a:t>(Fusion Trend)</a:t>
+            </a:r>
+            <a:r>
+              <a:rPr lang="zh-CN" altLang="zh-CN" dirty="0" smtClean="0"/>
+              <a:t>，</a:t>
+            </a:r>
+            <a:r>
+              <a:rPr lang="zh-CN" altLang="zh-CN" dirty="0"/>
+              <a:t>模糊逻辑系统则是直接应用于滑模控制系统的设计中，或者将滑模控制系统用于模糊逻辑控制系统的设计中，其主要方法有</a:t>
+            </a:r>
+            <a:r>
+              <a:rPr lang="zh-CN" altLang="zh-CN" dirty="0" smtClean="0"/>
+              <a:t>：</a:t>
+            </a:r>
+            <a:endParaRPr lang="en-US" altLang="zh-CN" dirty="0" smtClean="0"/>
+          </a:p>
+          <a:p>
+            <a:pPr marL="514350" indent="-514350">
+              <a:buFont typeface="+mj-lt"/>
+              <a:buAutoNum type="arabicPeriod"/>
+            </a:pPr>
+            <a:r>
+              <a:rPr lang="zh-CN" altLang="zh-CN" dirty="0" smtClean="0"/>
+              <a:t>结合</a:t>
+            </a:r>
+            <a:r>
+              <a:rPr lang="zh-CN" altLang="zh-CN" dirty="0"/>
+              <a:t>模糊逻辑系统和滑模控制器设计的模糊滑模控制器，又称滑模模糊控制器</a:t>
+            </a:r>
+            <a:r>
+              <a:rPr lang="zh-CN" altLang="zh-CN" dirty="0" smtClean="0"/>
+              <a:t>；</a:t>
+            </a:r>
+            <a:endParaRPr lang="en-US" altLang="zh-CN" dirty="0" smtClean="0"/>
+          </a:p>
+          <a:p>
+            <a:pPr marL="514350" indent="-514350">
+              <a:buFont typeface="+mj-lt"/>
+              <a:buAutoNum type="arabicPeriod"/>
+            </a:pPr>
+            <a:r>
+              <a:rPr lang="zh-CN" altLang="zh-CN" dirty="0" smtClean="0"/>
+              <a:t>使用</a:t>
+            </a:r>
+            <a:r>
+              <a:rPr lang="zh-CN" altLang="zh-CN" dirty="0"/>
+              <a:t>模糊逻辑系统作为系统状态观测器来实现对具有模型不确定型的非线性系统的自适应调整。</a:t>
+            </a:r>
+            <a:endParaRPr lang="zh-CN" altLang="en-US" dirty="0"/>
+          </a:p>
+        </p:txBody>
+      </p:sp>
+    </p:spTree>
+    <p:extLst>
+      <p:ext uri="{BB962C8B-B14F-4D97-AF65-F5344CB8AC3E}">
+        <p14:creationId xmlns:p14="http://schemas.microsoft.com/office/powerpoint/2010/main" val="3591592764"/>
+      </p:ext>
+    </p:extLst>
+  </p:cSld>
+  <p:clrMapOvr>
+    <a:masterClrMapping/>
+  </p:clrMapOvr>
+</p:sld>
+</file>
+
+<file path=ppt/slides/slide36.xml><?xml version="1.0" encoding="utf-8"?>
+<p:sld xmlns:a="http://schemas.openxmlformats.org/drawingml/2006/main" xmlns:r="http://schemas.openxmlformats.org/officeDocument/2006/relationships" xmlns:p="http://schemas.openxmlformats.org/presentationml/2006/main">
+  <p:cSld>
+    <p:spTree>
+      <p:nvGrpSpPr>
+        <p:cNvPr id="1" name=""/>
+        <p:cNvGrpSpPr/>
+        <p:nvPr/>
+      </p:nvGrpSpPr>
+      <p:grpSpPr>
+        <a:xfrm>
+          <a:off x="0" y="0"/>
+          <a:ext cx="0" cy="0"/>
+          <a:chOff x="0" y="0"/>
+          <a:chExt cx="0" cy="0"/>
+        </a:xfrm>
+      </p:grpSpPr>
+      <p:sp>
+        <p:nvSpPr>
+          <p:cNvPr id="2" name="标题 1"/>
+          <p:cNvSpPr>
+            <a:spLocks noGrp="1"/>
+          </p:cNvSpPr>
+          <p:nvPr>
+            <p:ph type="title"/>
+          </p:nvPr>
+        </p:nvSpPr>
+        <p:spPr/>
+        <p:txBody>
+          <a:bodyPr/>
+          <a:lstStyle/>
+          <a:p>
+            <a:r>
+              <a:rPr lang="zh-CN" altLang="en-US" dirty="0" smtClean="0"/>
+              <a:t>实例</a:t>
+            </a:r>
+            <a:endParaRPr lang="zh-CN" altLang="en-US" dirty="0"/>
+          </a:p>
+        </p:txBody>
+      </p:sp>
+      <p:sp>
+        <p:nvSpPr>
+          <p:cNvPr id="3" name="内容占位符 2"/>
+          <p:cNvSpPr>
+            <a:spLocks noGrp="1"/>
+          </p:cNvSpPr>
+          <p:nvPr>
+            <p:ph idx="1"/>
+          </p:nvPr>
+        </p:nvSpPr>
+        <p:spPr/>
+        <p:txBody>
+          <a:bodyPr/>
+          <a:lstStyle/>
+          <a:p>
+            <a:r>
+              <a:rPr lang="zh-CN" altLang="en-US" dirty="0"/>
+              <a:t>利用模糊控制器与滑模控制器的相似特性，以滑模控制器的切换面</a:t>
+            </a:r>
+            <a:r>
+              <a:rPr lang="en-US" altLang="zh-CN" dirty="0"/>
+              <a:t>S(t)</a:t>
+            </a:r>
+            <a:r>
+              <a:rPr lang="zh-CN" altLang="en-US" dirty="0"/>
+              <a:t>及其变化率</a:t>
+            </a:r>
+            <a:r>
+              <a:rPr lang="en-US" altLang="zh-CN" dirty="0"/>
+              <a:t>S(t)</a:t>
+            </a:r>
+            <a:r>
+              <a:rPr lang="zh-CN" altLang="en-US" dirty="0"/>
+              <a:t>作为模糊控制器的输入量，从而实现对被控对象的有效控制，如图</a:t>
+            </a:r>
+            <a:r>
+              <a:rPr lang="en-US" altLang="zh-CN" dirty="0"/>
+              <a:t>2-7</a:t>
+            </a:r>
+            <a:r>
+              <a:rPr lang="zh-CN" altLang="en-US" dirty="0"/>
+              <a:t>所示。其优点是可大大减少模糊控制器的输入变量个数，使得模糊控制器的模糊推理速度得到有效提高。</a:t>
+            </a:r>
+          </a:p>
+        </p:txBody>
+      </p:sp>
+      <p:pic>
+        <p:nvPicPr>
+          <p:cNvPr id="4" name="图片 3"/>
+          <p:cNvPicPr>
+            <a:picLocks noChangeAspect="1"/>
+          </p:cNvPicPr>
+          <p:nvPr/>
+        </p:nvPicPr>
+        <p:blipFill>
+          <a:blip r:embed="rId2"/>
+          <a:stretch>
+            <a:fillRect/>
+          </a:stretch>
+        </p:blipFill>
+        <p:spPr>
+          <a:xfrm>
+            <a:off x="603250" y="4198256"/>
+            <a:ext cx="7886700" cy="2152650"/>
+          </a:xfrm>
+          <a:prstGeom prst="rect">
+            <a:avLst/>
+          </a:prstGeom>
+        </p:spPr>
+      </p:pic>
+    </p:spTree>
+    <p:extLst>
+      <p:ext uri="{BB962C8B-B14F-4D97-AF65-F5344CB8AC3E}">
+        <p14:creationId xmlns:p14="http://schemas.microsoft.com/office/powerpoint/2010/main" val="2385491119"/>
+      </p:ext>
+    </p:extLst>
+  </p:cSld>
+  <p:clrMapOvr>
+    <a:masterClrMapping/>
+  </p:clrMapOvr>
+</p:sld>
+</file>
+
+<file path=ppt/slides/slide37.xml><?xml version="1.0" encoding="utf-8"?>
+<p:sld xmlns:a="http://schemas.openxmlformats.org/drawingml/2006/main" xmlns:r="http://schemas.openxmlformats.org/officeDocument/2006/relationships" xmlns:p="http://schemas.openxmlformats.org/presentationml/2006/main">
+  <p:cSld>
+    <p:spTree>
+      <p:nvGrpSpPr>
+        <p:cNvPr id="1" name=""/>
+        <p:cNvGrpSpPr/>
+        <p:nvPr/>
+      </p:nvGrpSpPr>
+      <p:grpSpPr>
+        <a:xfrm>
+          <a:off x="0" y="0"/>
+          <a:ext cx="0" cy="0"/>
+          <a:chOff x="0" y="0"/>
+          <a:chExt cx="0" cy="0"/>
+        </a:xfrm>
+      </p:grpSpPr>
+      <p:sp>
+        <p:nvSpPr>
+          <p:cNvPr id="1676290" name="Rectangle 2"/>
+          <p:cNvSpPr>
+            <a:spLocks noGrp="1" noChangeArrowheads="1"/>
+          </p:cNvSpPr>
+          <p:nvPr>
+            <p:ph type="ctrTitle"/>
+          </p:nvPr>
+        </p:nvSpPr>
+        <p:spPr>
+          <a:xfrm>
+            <a:off x="685800" y="2209800"/>
+            <a:ext cx="7772400" cy="1470025"/>
+          </a:xfrm>
+        </p:spPr>
+        <p:txBody>
+          <a:bodyPr/>
+          <a:lstStyle/>
+          <a:p>
+            <a:r>
+              <a:rPr lang="zh-CN" altLang="en-US"/>
+              <a:t>谢	谢！</a:t>
+            </a:r>
+          </a:p>
+        </p:txBody>
+      </p:sp>
+    </p:spTree>
+  </p:cSld>
+  <p:clrMapOvr>
+    <a:masterClrMapping/>
+  </p:clrMapOvr>
+  <p:timing>
+    <p:tnLst>
+      <p:par>
+        <p:cTn id="1" dur="indefinite" restart="never" nodeType="tmRoot"/>
+      </p:par>
+    </p:tnLst>
+  </p:timing>
 </p:sld>
 </file>
 
@@ -6941,8 +8090,8 @@
           </a:p>
         </p:txBody>
       </p:sp>
-      <mc:AlternateContent xmlns:mc="http://schemas.openxmlformats.org/markup-compatibility/2006">
-        <mc:Choice xmlns:a14="http://schemas.microsoft.com/office/drawing/2010/main" Requires="a14">
+      <mc:AlternateContent xmlns:mc="http://schemas.openxmlformats.org/markup-compatibility/2006" xmlns:a14="http://schemas.microsoft.com/office/drawing/2010/main">
+        <mc:Choice Requires="a14">
           <p:sp>
             <p:nvSpPr>
               <p:cNvPr id="4" name="文本框 3"/>
@@ -6965,6 +8114,7 @@
               </a:bodyPr>
               <a:lstStyle/>
               <a:p>
+                <a:pPr/>
                 <a14:m>
                   <m:oMathPara xmlns:m="http://schemas.openxmlformats.org/officeDocument/2006/math">
                     <m:oMathParaPr>
@@ -7243,7 +8393,7 @@
             </p:txBody>
           </p:sp>
         </mc:Choice>
-        <mc:Fallback>
+        <mc:Fallback xmlns="">
           <p:sp>
             <p:nvSpPr>
               <p:cNvPr id="4" name="文本框 3"/>
@@ -7282,8 +8432,8 @@
           </p:sp>
         </mc:Fallback>
       </mc:AlternateContent>
-      <mc:AlternateContent xmlns:mc="http://schemas.openxmlformats.org/markup-compatibility/2006">
-        <mc:Choice xmlns:a14="http://schemas.microsoft.com/office/drawing/2010/main" Requires="a14">
+      <mc:AlternateContent xmlns:mc="http://schemas.openxmlformats.org/markup-compatibility/2006" xmlns:a14="http://schemas.microsoft.com/office/drawing/2010/main">
+        <mc:Choice Requires="a14">
           <p:sp>
             <p:nvSpPr>
               <p:cNvPr id="5" name="文本框 4"/>
@@ -7306,6 +8456,7 @@
               </a:bodyPr>
               <a:lstStyle/>
               <a:p>
+                <a:pPr/>
                 <a14:m>
                   <m:oMathPara xmlns:m="http://schemas.openxmlformats.org/officeDocument/2006/math">
                     <m:oMathParaPr>
@@ -7560,7 +8711,7 @@
             </p:txBody>
           </p:sp>
         </mc:Choice>
-        <mc:Fallback>
+        <mc:Fallback xmlns="">
           <p:sp>
             <p:nvSpPr>
               <p:cNvPr id="5" name="文本框 4"/>
@@ -7637,8 +8788,8 @@
           </a:p>
         </p:txBody>
       </p:sp>
-      <mc:AlternateContent xmlns:mc="http://schemas.openxmlformats.org/markup-compatibility/2006">
-        <mc:Choice xmlns:a14="http://schemas.microsoft.com/office/drawing/2010/main" Requires="a14">
+      <mc:AlternateContent xmlns:mc="http://schemas.openxmlformats.org/markup-compatibility/2006" xmlns:a14="http://schemas.microsoft.com/office/drawing/2010/main">
+        <mc:Choice Requires="a14">
           <p:sp>
             <p:nvSpPr>
               <p:cNvPr id="7" name="文本框 6"/>
@@ -7661,6 +8812,7 @@
               </a:bodyPr>
               <a:lstStyle/>
               <a:p>
+                <a:pPr/>
                 <a14:m>
                   <m:oMathPara xmlns:m="http://schemas.openxmlformats.org/officeDocument/2006/math">
                     <m:oMathParaPr>
@@ -7724,7 +8876,7 @@
             </p:txBody>
           </p:sp>
         </mc:Choice>
-        <mc:Fallback>
+        <mc:Fallback xmlns="">
           <p:sp>
             <p:nvSpPr>
               <p:cNvPr id="7" name="文本框 6"/>
@@ -7862,8 +9014,8 @@
           </a:p>
         </p:txBody>
       </p:sp>
-      <mc:AlternateContent xmlns:mc="http://schemas.openxmlformats.org/markup-compatibility/2006">
-        <mc:Choice xmlns:a14="http://schemas.microsoft.com/office/drawing/2010/main" Requires="a14">
+      <mc:AlternateContent xmlns:mc="http://schemas.openxmlformats.org/markup-compatibility/2006" xmlns:a14="http://schemas.microsoft.com/office/drawing/2010/main">
+        <mc:Choice Requires="a14">
           <p:sp>
             <p:nvSpPr>
               <p:cNvPr id="12" name="文本框 11"/>
@@ -7886,6 +9038,7 @@
               </a:bodyPr>
               <a:lstStyle/>
               <a:p>
+                <a:pPr/>
                 <a14:m>
                   <m:oMathPara xmlns:m="http://schemas.openxmlformats.org/officeDocument/2006/math">
                     <m:oMathParaPr>
@@ -7991,7 +9144,7 @@
             </p:txBody>
           </p:sp>
         </mc:Choice>
-        <mc:Fallback>
+        <mc:Fallback xmlns="">
           <p:sp>
             <p:nvSpPr>
               <p:cNvPr id="12" name="文本框 11"/>
@@ -8030,8 +9183,8 @@
           </p:sp>
         </mc:Fallback>
       </mc:AlternateContent>
-      <mc:AlternateContent xmlns:mc="http://schemas.openxmlformats.org/markup-compatibility/2006">
-        <mc:Choice xmlns:a14="http://schemas.microsoft.com/office/drawing/2010/main" Requires="a14">
+      <mc:AlternateContent xmlns:mc="http://schemas.openxmlformats.org/markup-compatibility/2006" xmlns:a14="http://schemas.microsoft.com/office/drawing/2010/main">
+        <mc:Choice Requires="a14">
           <p:sp>
             <p:nvSpPr>
               <p:cNvPr id="13" name="矩形 12"/>
@@ -8073,7 +9226,7 @@
             </p:txBody>
           </p:sp>
         </mc:Choice>
-        <mc:Fallback>
+        <mc:Fallback xmlns="">
           <p:sp>
             <p:nvSpPr>
               <p:cNvPr id="13" name="矩形 12"/>
@@ -8112,8 +9265,8 @@
           </p:sp>
         </mc:Fallback>
       </mc:AlternateContent>
-      <mc:AlternateContent xmlns:mc="http://schemas.openxmlformats.org/markup-compatibility/2006">
-        <mc:Choice xmlns:a14="http://schemas.microsoft.com/office/drawing/2010/main" Requires="a14">
+      <mc:AlternateContent xmlns:mc="http://schemas.openxmlformats.org/markup-compatibility/2006" xmlns:a14="http://schemas.microsoft.com/office/drawing/2010/main">
+        <mc:Choice Requires="a14">
           <p:sp>
             <p:nvSpPr>
               <p:cNvPr id="14" name="矩形 13"/>
@@ -8232,7 +9385,7 @@
             </p:txBody>
           </p:sp>
         </mc:Choice>
-        <mc:Fallback>
+        <mc:Fallback xmlns="">
           <p:sp>
             <p:nvSpPr>
               <p:cNvPr id="14" name="矩形 13"/>

--- a/第一次作业_刘继沐.pptx
+++ b/第一次作业_刘继沐.pptx
@@ -5,10 +5,10 @@
     <p:sldMasterId id="2147483649" r:id="rId1"/>
   </p:sldMasterIdLst>
   <p:notesMasterIdLst>
-    <p:notesMasterId r:id="rId39"/>
+    <p:notesMasterId r:id="rId42"/>
   </p:notesMasterIdLst>
   <p:handoutMasterIdLst>
-    <p:handoutMasterId r:id="rId40"/>
+    <p:handoutMasterId r:id="rId43"/>
   </p:handoutMasterIdLst>
   <p:sldIdLst>
     <p:sldId id="975" r:id="rId2"/>
@@ -41,13 +41,16 @@
     <p:sldId id="1004" r:id="rId29"/>
     <p:sldId id="1005" r:id="rId30"/>
     <p:sldId id="1006" r:id="rId31"/>
-    <p:sldId id="1007" r:id="rId32"/>
-    <p:sldId id="1008" r:id="rId33"/>
-    <p:sldId id="1009" r:id="rId34"/>
-    <p:sldId id="1012" r:id="rId35"/>
-    <p:sldId id="1010" r:id="rId36"/>
-    <p:sldId id="1011" r:id="rId37"/>
-    <p:sldId id="876" r:id="rId38"/>
+    <p:sldId id="1015" r:id="rId32"/>
+    <p:sldId id="1007" r:id="rId33"/>
+    <p:sldId id="1008" r:id="rId34"/>
+    <p:sldId id="1014" r:id="rId35"/>
+    <p:sldId id="1009" r:id="rId36"/>
+    <p:sldId id="1012" r:id="rId37"/>
+    <p:sldId id="1010" r:id="rId38"/>
+    <p:sldId id="1011" r:id="rId39"/>
+    <p:sldId id="1013" r:id="rId40"/>
+    <p:sldId id="876" r:id="rId41"/>
   </p:sldIdLst>
   <p:sldSz cx="9144000" cy="6858000" type="screen4x3"/>
   <p:notesSz cx="9144000" cy="6858000"/>
@@ -6768,23 +6771,1244 @@
       </p:sp>
       <p:sp>
         <p:nvSpPr>
-          <p:cNvPr id="3" name="内容占位符 2"/>
-          <p:cNvSpPr>
-            <a:spLocks noGrp="1"/>
+          <p:cNvPr id="4" name="Text Box 4"/>
+          <p:cNvSpPr txBox="1">
+            <a:spLocks noChangeArrowheads="1"/>
           </p:cNvSpPr>
-          <p:nvPr>
-            <p:ph idx="1"/>
-          </p:nvPr>
+          <p:nvPr/>
         </p:nvSpPr>
-        <p:spPr/>
+        <p:spPr bwMode="auto">
+          <a:xfrm>
+            <a:off x="779505" y="1877337"/>
+            <a:ext cx="7689850" cy="4431983"/>
+          </a:xfrm>
+          <a:prstGeom prst="rect">
+            <a:avLst/>
+          </a:prstGeom>
+          <a:noFill/>
+          <a:ln>
+            <a:noFill/>
+          </a:ln>
+          <a:effectLst/>
+          <a:extLst>
+            <a:ext uri="{909E8E84-426E-40DD-AFC4-6F175D3DCCD1}">
+              <a14:hiddenFill xmlns:a14="http://schemas.microsoft.com/office/drawing/2010/main">
+                <a:solidFill>
+                  <a:schemeClr val="accent1"/>
+                </a:solidFill>
+              </a14:hiddenFill>
+            </a:ext>
+            <a:ext uri="{91240B29-F687-4F45-9708-019B960494DF}">
+              <a14:hiddenLine xmlns:a14="http://schemas.microsoft.com/office/drawing/2010/main" w="9525">
+                <a:solidFill>
+                  <a:schemeClr val="tx1"/>
+                </a:solidFill>
+                <a:miter lim="800000"/>
+                <a:headEnd/>
+                <a:tailEnd/>
+              </a14:hiddenLine>
+            </a:ext>
+            <a:ext uri="{AF507438-7753-43E0-B8FC-AC1667EBCBE1}">
+              <a14:hiddenEffects xmlns:a14="http://schemas.microsoft.com/office/drawing/2010/main">
+                <a:effectLst>
+                  <a:outerShdw dist="35921" dir="2700000" algn="ctr" rotWithShape="0">
+                    <a:schemeClr val="bg2"/>
+                  </a:outerShdw>
+                </a:effectLst>
+              </a14:hiddenEffects>
+            </a:ext>
+          </a:extLst>
+        </p:spPr>
         <p:txBody>
-          <a:bodyPr/>
+          <a:bodyPr>
+            <a:spAutoFit/>
+          </a:bodyPr>
           <a:lstStyle/>
           <a:p>
-            <a:endParaRPr lang="zh-CN" altLang="en-US"/>
+            <a:pPr algn="just">
+              <a:lnSpc>
+                <a:spcPct val="120000"/>
+              </a:lnSpc>
+              <a:spcBef>
+                <a:spcPct val="50000"/>
+              </a:spcBef>
+            </a:pPr>
+            <a:r>
+              <a:rPr lang="zh-CN" altLang="en-US" dirty="0" smtClean="0">
+                <a:ea typeface="华文细黑" panose="02010600040101010101" pitchFamily="2" charset="-122"/>
+              </a:rPr>
+              <a:t>一般</a:t>
+            </a:r>
+            <a:r>
+              <a:rPr lang="zh-CN" altLang="en-US" dirty="0">
+                <a:ea typeface="华文细黑" panose="02010600040101010101" pitchFamily="2" charset="-122"/>
+              </a:rPr>
+              <a:t>地，具有右端不连续微分方程的系统可以描述</a:t>
+            </a:r>
+            <a:r>
+              <a:rPr lang="zh-CN" altLang="en-US" dirty="0" smtClean="0">
+                <a:ea typeface="华文细黑" panose="02010600040101010101" pitchFamily="2" charset="-122"/>
+              </a:rPr>
+              <a:t>为</a:t>
+            </a:r>
+            <a:endParaRPr lang="zh-CN" altLang="en-US" dirty="0" smtClean="0">
+              <a:latin typeface="华文细黑" panose="02010600040101010101" pitchFamily="2" charset="-122"/>
+              <a:ea typeface="华文细黑" panose="02010600040101010101" pitchFamily="2" charset="-122"/>
+            </a:endParaRPr>
+          </a:p>
+          <a:p>
+            <a:pPr algn="just">
+              <a:lnSpc>
+                <a:spcPct val="120000"/>
+              </a:lnSpc>
+              <a:spcBef>
+                <a:spcPct val="50000"/>
+              </a:spcBef>
+            </a:pPr>
+            <a:endParaRPr lang="zh-CN" altLang="en-US" sz="3600" dirty="0" smtClean="0"/>
+          </a:p>
+          <a:p>
+            <a:pPr algn="just">
+              <a:spcBef>
+                <a:spcPct val="50000"/>
+              </a:spcBef>
+            </a:pPr>
+            <a:endParaRPr lang="zh-CN" altLang="en-US" dirty="0"/>
+          </a:p>
+          <a:p>
+            <a:pPr algn="just">
+              <a:lnSpc>
+                <a:spcPct val="120000"/>
+              </a:lnSpc>
+              <a:spcBef>
+                <a:spcPct val="50000"/>
+              </a:spcBef>
+            </a:pPr>
+            <a:r>
+              <a:rPr lang="zh-CN" altLang="en-US" dirty="0">
+                <a:latin typeface="华文细黑" panose="02010600040101010101" pitchFamily="2" charset="-122"/>
+                <a:ea typeface="华文细黑" panose="02010600040101010101" pitchFamily="2" charset="-122"/>
+              </a:rPr>
+              <a:t>其中：                               是状态的   函数，称为</a:t>
+            </a:r>
+            <a:r>
+              <a:rPr lang="zh-CN" altLang="en-US" dirty="0">
+                <a:solidFill>
+                  <a:srgbClr val="FF3300"/>
+                </a:solidFill>
+                <a:latin typeface="华文细黑" panose="02010600040101010101" pitchFamily="2" charset="-122"/>
+                <a:ea typeface="华文细黑" panose="02010600040101010101" pitchFamily="2" charset="-122"/>
+              </a:rPr>
+              <a:t>切换函数</a:t>
+            </a:r>
+            <a:r>
+              <a:rPr lang="zh-CN" altLang="en-US" dirty="0">
+                <a:latin typeface="华文细黑" panose="02010600040101010101" pitchFamily="2" charset="-122"/>
+                <a:ea typeface="华文细黑" panose="02010600040101010101" pitchFamily="2" charset="-122"/>
+              </a:rPr>
+              <a:t>。满足可微分，即      存在。</a:t>
+            </a:r>
+            <a:r>
+              <a:rPr lang="zh-CN" altLang="en-US" dirty="0"/>
+              <a:t> 微分方程的右端          不连续，结构变化得到体现，即根据条件    的正负改变结构（           为一种系统结构，          为另一种系统结构。从而满足一定的控制要求。</a:t>
+            </a:r>
           </a:p>
         </p:txBody>
       </p:sp>
+      <p:graphicFrame>
+        <p:nvGraphicFramePr>
+          <p:cNvPr id="5" name="Object 19"/>
+          <p:cNvGraphicFramePr>
+            <a:graphicFrameLocks noChangeAspect="1"/>
+          </p:cNvGraphicFramePr>
+          <p:nvPr/>
+        </p:nvGraphicFramePr>
+        <p:xfrm>
+          <a:off x="1981200" y="2362200"/>
+          <a:ext cx="1828800" cy="538163"/>
+        </p:xfrm>
+        <a:graphic>
+          <a:graphicData uri="http://schemas.openxmlformats.org/presentationml/2006/ole">
+            <mc:AlternateContent xmlns:mc="http://schemas.openxmlformats.org/markup-compatibility/2006">
+              <mc:Choice xmlns:v="urn:schemas-microsoft-com:vml" Requires="v">
+                <p:oleObj spid="_x0000_s1059" name="Equation" r:id="rId3" imgW="647640" imgH="190440" progId="Equation.DSMT4">
+                  <p:embed/>
+                </p:oleObj>
+              </mc:Choice>
+              <mc:Fallback>
+                <p:oleObj name="Equation" r:id="rId3" imgW="647640" imgH="190440" progId="Equation.DSMT4">
+                  <p:embed/>
+                  <p:pic>
+                    <p:nvPicPr>
+                      <p:cNvPr id="0" name=""/>
+                      <p:cNvPicPr>
+                        <a:picLocks noChangeAspect="1" noChangeArrowheads="1"/>
+                      </p:cNvPicPr>
+                      <p:nvPr/>
+                    </p:nvPicPr>
+                    <p:blipFill>
+                      <a:blip r:embed="rId4">
+                        <a:extLst>
+                          <a:ext uri="{28A0092B-C50C-407E-A947-70E740481C1C}">
+                            <a14:useLocalDpi xmlns:a14="http://schemas.microsoft.com/office/drawing/2010/main" val="0"/>
+                          </a:ext>
+                        </a:extLst>
+                      </a:blip>
+                      <a:srcRect/>
+                      <a:stretch>
+                        <a:fillRect/>
+                      </a:stretch>
+                    </p:blipFill>
+                    <p:spPr bwMode="auto">
+                      <a:xfrm>
+                        <a:off x="1981200" y="2362200"/>
+                        <a:ext cx="1828800" cy="538163"/>
+                      </a:xfrm>
+                      <a:prstGeom prst="rect">
+                        <a:avLst/>
+                      </a:prstGeom>
+                      <a:noFill/>
+                      <a:ln>
+                        <a:noFill/>
+                      </a:ln>
+                      <a:effectLst/>
+                      <a:extLst>
+                        <a:ext uri="{909E8E84-426E-40DD-AFC4-6F175D3DCCD1}">
+                          <a14:hiddenFill xmlns:a14="http://schemas.microsoft.com/office/drawing/2010/main">
+                            <a:solidFill>
+                              <a:srgbClr val="FFFFFF"/>
+                            </a:solidFill>
+                          </a14:hiddenFill>
+                        </a:ext>
+                        <a:ext uri="{91240B29-F687-4F45-9708-019B960494DF}">
+                          <a14:hiddenLine xmlns:a14="http://schemas.microsoft.com/office/drawing/2010/main" w="9525">
+                            <a:solidFill>
+                              <a:srgbClr val="000000"/>
+                            </a:solidFill>
+                            <a:miter lim="800000"/>
+                            <a:headEnd/>
+                            <a:tailEnd/>
+                          </a14:hiddenLine>
+                        </a:ext>
+                        <a:ext uri="{AF507438-7753-43E0-B8FC-AC1667EBCBE1}">
+                          <a14:hiddenEffects xmlns:a14="http://schemas.microsoft.com/office/drawing/2010/main">
+                            <a:effectLst>
+                              <a:outerShdw dist="35921" dir="2700000" algn="ctr" rotWithShape="0">
+                                <a:srgbClr val="808080"/>
+                              </a:outerShdw>
+                            </a:effectLst>
+                          </a14:hiddenEffects>
+                        </a:ext>
+                      </a:extLst>
+                    </p:spPr>
+                  </p:pic>
+                </p:oleObj>
+              </mc:Fallback>
+            </mc:AlternateContent>
+          </a:graphicData>
+        </a:graphic>
+      </p:graphicFrame>
+      <p:graphicFrame>
+        <p:nvGraphicFramePr>
+          <p:cNvPr id="6" name="Object 22"/>
+          <p:cNvGraphicFramePr>
+            <a:graphicFrameLocks noChangeAspect="1"/>
+          </p:cNvGraphicFramePr>
+          <p:nvPr/>
+        </p:nvGraphicFramePr>
+        <p:xfrm>
+          <a:off x="3886200" y="2362200"/>
+          <a:ext cx="838200" cy="393700"/>
+        </p:xfrm>
+        <a:graphic>
+          <a:graphicData uri="http://schemas.openxmlformats.org/presentationml/2006/ole">
+            <mc:AlternateContent xmlns:mc="http://schemas.openxmlformats.org/markup-compatibility/2006">
+              <mc:Choice xmlns:v="urn:schemas-microsoft-com:vml" Requires="v">
+                <p:oleObj spid="_x0000_s1060" name="Equation" r:id="rId5" imgW="406080" imgH="190440" progId="Equation.DSMT4">
+                  <p:embed/>
+                </p:oleObj>
+              </mc:Choice>
+              <mc:Fallback>
+                <p:oleObj name="Equation" r:id="rId5" imgW="406080" imgH="190440" progId="Equation.DSMT4">
+                  <p:embed/>
+                  <p:pic>
+                    <p:nvPicPr>
+                      <p:cNvPr id="0" name=""/>
+                      <p:cNvPicPr>
+                        <a:picLocks noChangeAspect="1" noChangeArrowheads="1"/>
+                      </p:cNvPicPr>
+                      <p:nvPr/>
+                    </p:nvPicPr>
+                    <p:blipFill>
+                      <a:blip r:embed="rId6">
+                        <a:extLst>
+                          <a:ext uri="{28A0092B-C50C-407E-A947-70E740481C1C}">
+                            <a14:useLocalDpi xmlns:a14="http://schemas.microsoft.com/office/drawing/2010/main" val="0"/>
+                          </a:ext>
+                        </a:extLst>
+                      </a:blip>
+                      <a:srcRect/>
+                      <a:stretch>
+                        <a:fillRect/>
+                      </a:stretch>
+                    </p:blipFill>
+                    <p:spPr bwMode="auto">
+                      <a:xfrm>
+                        <a:off x="3886200" y="2362200"/>
+                        <a:ext cx="838200" cy="393700"/>
+                      </a:xfrm>
+                      <a:prstGeom prst="rect">
+                        <a:avLst/>
+                      </a:prstGeom>
+                      <a:noFill/>
+                      <a:ln>
+                        <a:noFill/>
+                      </a:ln>
+                      <a:effectLst/>
+                      <a:extLst>
+                        <a:ext uri="{909E8E84-426E-40DD-AFC4-6F175D3DCCD1}">
+                          <a14:hiddenFill xmlns:a14="http://schemas.microsoft.com/office/drawing/2010/main">
+                            <a:solidFill>
+                              <a:srgbClr val="FFFFFF"/>
+                            </a:solidFill>
+                          </a14:hiddenFill>
+                        </a:ext>
+                        <a:ext uri="{91240B29-F687-4F45-9708-019B960494DF}">
+                          <a14:hiddenLine xmlns:a14="http://schemas.microsoft.com/office/drawing/2010/main" w="9525">
+                            <a:solidFill>
+                              <a:srgbClr val="000000"/>
+                            </a:solidFill>
+                            <a:miter lim="800000"/>
+                            <a:headEnd/>
+                            <a:tailEnd/>
+                          </a14:hiddenLine>
+                        </a:ext>
+                        <a:ext uri="{AF507438-7753-43E0-B8FC-AC1667EBCBE1}">
+                          <a14:hiddenEffects xmlns:a14="http://schemas.microsoft.com/office/drawing/2010/main">
+                            <a:effectLst>
+                              <a:outerShdw dist="35921" dir="2700000" algn="ctr" rotWithShape="0">
+                                <a:srgbClr val="808080"/>
+                              </a:outerShdw>
+                            </a:effectLst>
+                          </a14:hiddenEffects>
+                        </a:ext>
+                      </a:extLst>
+                    </p:spPr>
+                  </p:pic>
+                </p:oleObj>
+              </mc:Fallback>
+            </mc:AlternateContent>
+          </a:graphicData>
+        </a:graphic>
+      </p:graphicFrame>
+      <p:graphicFrame>
+        <p:nvGraphicFramePr>
+          <p:cNvPr id="7" name="Object 23"/>
+          <p:cNvGraphicFramePr>
+            <a:graphicFrameLocks noChangeAspect="1"/>
+          </p:cNvGraphicFramePr>
+          <p:nvPr/>
+        </p:nvGraphicFramePr>
+        <p:xfrm>
+          <a:off x="4876800" y="2438400"/>
+          <a:ext cx="685800" cy="330200"/>
+        </p:xfrm>
+        <a:graphic>
+          <a:graphicData uri="http://schemas.openxmlformats.org/presentationml/2006/ole">
+            <mc:AlternateContent xmlns:mc="http://schemas.openxmlformats.org/markup-compatibility/2006">
+              <mc:Choice xmlns:v="urn:schemas-microsoft-com:vml" Requires="v">
+                <p:oleObj spid="_x0000_s1061" name="Equation" r:id="rId7" imgW="342720" imgH="164880" progId="Equation.DSMT4">
+                  <p:embed/>
+                </p:oleObj>
+              </mc:Choice>
+              <mc:Fallback>
+                <p:oleObj name="Equation" r:id="rId7" imgW="342720" imgH="164880" progId="Equation.DSMT4">
+                  <p:embed/>
+                  <p:pic>
+                    <p:nvPicPr>
+                      <p:cNvPr id="0" name=""/>
+                      <p:cNvPicPr>
+                        <a:picLocks noChangeAspect="1" noChangeArrowheads="1"/>
+                      </p:cNvPicPr>
+                      <p:nvPr/>
+                    </p:nvPicPr>
+                    <p:blipFill>
+                      <a:blip r:embed="rId8">
+                        <a:extLst>
+                          <a:ext uri="{28A0092B-C50C-407E-A947-70E740481C1C}">
+                            <a14:useLocalDpi xmlns:a14="http://schemas.microsoft.com/office/drawing/2010/main" val="0"/>
+                          </a:ext>
+                        </a:extLst>
+                      </a:blip>
+                      <a:srcRect/>
+                      <a:stretch>
+                        <a:fillRect/>
+                      </a:stretch>
+                    </p:blipFill>
+                    <p:spPr bwMode="auto">
+                      <a:xfrm>
+                        <a:off x="4876800" y="2438400"/>
+                        <a:ext cx="685800" cy="330200"/>
+                      </a:xfrm>
+                      <a:prstGeom prst="rect">
+                        <a:avLst/>
+                      </a:prstGeom>
+                      <a:noFill/>
+                      <a:ln>
+                        <a:noFill/>
+                      </a:ln>
+                      <a:effectLst/>
+                      <a:extLst>
+                        <a:ext uri="{909E8E84-426E-40DD-AFC4-6F175D3DCCD1}">
+                          <a14:hiddenFill xmlns:a14="http://schemas.microsoft.com/office/drawing/2010/main">
+                            <a:solidFill>
+                              <a:srgbClr val="FFFFFF"/>
+                            </a:solidFill>
+                          </a14:hiddenFill>
+                        </a:ext>
+                        <a:ext uri="{91240B29-F687-4F45-9708-019B960494DF}">
+                          <a14:hiddenLine xmlns:a14="http://schemas.microsoft.com/office/drawing/2010/main" w="9525">
+                            <a:solidFill>
+                              <a:srgbClr val="000000"/>
+                            </a:solidFill>
+                            <a:miter lim="800000"/>
+                            <a:headEnd/>
+                            <a:tailEnd/>
+                          </a14:hiddenLine>
+                        </a:ext>
+                        <a:ext uri="{AF507438-7753-43E0-B8FC-AC1667EBCBE1}">
+                          <a14:hiddenEffects xmlns:a14="http://schemas.microsoft.com/office/drawing/2010/main">
+                            <a:effectLst>
+                              <a:outerShdw dist="35921" dir="2700000" algn="ctr" rotWithShape="0">
+                                <a:srgbClr val="808080"/>
+                              </a:outerShdw>
+                            </a:effectLst>
+                          </a14:hiddenEffects>
+                        </a:ext>
+                      </a:extLst>
+                    </p:spPr>
+                  </p:pic>
+                </p:oleObj>
+              </mc:Fallback>
+            </mc:AlternateContent>
+          </a:graphicData>
+        </a:graphic>
+      </p:graphicFrame>
+      <p:graphicFrame>
+        <p:nvGraphicFramePr>
+          <p:cNvPr id="8" name="Object 24"/>
+          <p:cNvGraphicFramePr>
+            <a:graphicFrameLocks noChangeAspect="1"/>
+          </p:cNvGraphicFramePr>
+          <p:nvPr/>
+        </p:nvGraphicFramePr>
+        <p:xfrm>
+          <a:off x="1603375" y="2971800"/>
+          <a:ext cx="4721225" cy="911225"/>
+        </p:xfrm>
+        <a:graphic>
+          <a:graphicData uri="http://schemas.openxmlformats.org/presentationml/2006/ole">
+            <mc:AlternateContent xmlns:mc="http://schemas.openxmlformats.org/markup-compatibility/2006">
+              <mc:Choice xmlns:v="urn:schemas-microsoft-com:vml" Requires="v">
+                <p:oleObj spid="_x0000_s1062" name="Equation" r:id="rId9" imgW="2831760" imgH="545760" progId="Equation.DSMT4">
+                  <p:embed/>
+                </p:oleObj>
+              </mc:Choice>
+              <mc:Fallback>
+                <p:oleObj name="Equation" r:id="rId9" imgW="2831760" imgH="545760" progId="Equation.DSMT4">
+                  <p:embed/>
+                  <p:pic>
+                    <p:nvPicPr>
+                      <p:cNvPr id="0" name=""/>
+                      <p:cNvPicPr>
+                        <a:picLocks noChangeAspect="1" noChangeArrowheads="1"/>
+                      </p:cNvPicPr>
+                      <p:nvPr/>
+                    </p:nvPicPr>
+                    <p:blipFill>
+                      <a:blip r:embed="rId10">
+                        <a:extLst>
+                          <a:ext uri="{28A0092B-C50C-407E-A947-70E740481C1C}">
+                            <a14:useLocalDpi xmlns:a14="http://schemas.microsoft.com/office/drawing/2010/main" val="0"/>
+                          </a:ext>
+                        </a:extLst>
+                      </a:blip>
+                      <a:srcRect/>
+                      <a:stretch>
+                        <a:fillRect/>
+                      </a:stretch>
+                    </p:blipFill>
+                    <p:spPr bwMode="auto">
+                      <a:xfrm>
+                        <a:off x="1603375" y="2971800"/>
+                        <a:ext cx="4721225" cy="911225"/>
+                      </a:xfrm>
+                      <a:prstGeom prst="rect">
+                        <a:avLst/>
+                      </a:prstGeom>
+                      <a:noFill/>
+                      <a:ln>
+                        <a:noFill/>
+                      </a:ln>
+                      <a:effectLst/>
+                      <a:extLst>
+                        <a:ext uri="{909E8E84-426E-40DD-AFC4-6F175D3DCCD1}">
+                          <a14:hiddenFill xmlns:a14="http://schemas.microsoft.com/office/drawing/2010/main">
+                            <a:solidFill>
+                              <a:srgbClr val="FFFFFF"/>
+                            </a:solidFill>
+                          </a14:hiddenFill>
+                        </a:ext>
+                        <a:ext uri="{91240B29-F687-4F45-9708-019B960494DF}">
+                          <a14:hiddenLine xmlns:a14="http://schemas.microsoft.com/office/drawing/2010/main" w="9525">
+                            <a:solidFill>
+                              <a:srgbClr val="000000"/>
+                            </a:solidFill>
+                            <a:miter lim="800000"/>
+                            <a:headEnd/>
+                            <a:tailEnd/>
+                          </a14:hiddenLine>
+                        </a:ext>
+                        <a:ext uri="{AF507438-7753-43E0-B8FC-AC1667EBCBE1}">
+                          <a14:hiddenEffects xmlns:a14="http://schemas.microsoft.com/office/drawing/2010/main">
+                            <a:effectLst>
+                              <a:outerShdw dist="35921" dir="2700000" algn="ctr" rotWithShape="0">
+                                <a:srgbClr val="808080"/>
+                              </a:outerShdw>
+                            </a:effectLst>
+                          </a14:hiddenEffects>
+                        </a:ext>
+                      </a:extLst>
+                    </p:spPr>
+                  </p:pic>
+                </p:oleObj>
+              </mc:Fallback>
+            </mc:AlternateContent>
+          </a:graphicData>
+        </a:graphic>
+      </p:graphicFrame>
+      <p:graphicFrame>
+        <p:nvGraphicFramePr>
+          <p:cNvPr id="9" name="Object 25"/>
+          <p:cNvGraphicFramePr>
+            <a:graphicFrameLocks noChangeAspect="1"/>
+          </p:cNvGraphicFramePr>
+          <p:nvPr/>
+        </p:nvGraphicFramePr>
+        <p:xfrm>
+          <a:off x="1676400" y="4038600"/>
+          <a:ext cx="2514600" cy="433388"/>
+        </p:xfrm>
+        <a:graphic>
+          <a:graphicData uri="http://schemas.openxmlformats.org/presentationml/2006/ole">
+            <mc:AlternateContent xmlns:mc="http://schemas.openxmlformats.org/markup-compatibility/2006">
+              <mc:Choice xmlns:v="urn:schemas-microsoft-com:vml" Requires="v">
+                <p:oleObj spid="_x0000_s1063" name="Equation" r:id="rId11" imgW="1180800" imgH="203040" progId="Equation.DSMT4">
+                  <p:embed/>
+                </p:oleObj>
+              </mc:Choice>
+              <mc:Fallback>
+                <p:oleObj name="Equation" r:id="rId11" imgW="1180800" imgH="203040" progId="Equation.DSMT4">
+                  <p:embed/>
+                  <p:pic>
+                    <p:nvPicPr>
+                      <p:cNvPr id="0" name=""/>
+                      <p:cNvPicPr>
+                        <a:picLocks noChangeAspect="1" noChangeArrowheads="1"/>
+                      </p:cNvPicPr>
+                      <p:nvPr/>
+                    </p:nvPicPr>
+                    <p:blipFill>
+                      <a:blip r:embed="rId12">
+                        <a:extLst>
+                          <a:ext uri="{28A0092B-C50C-407E-A947-70E740481C1C}">
+                            <a14:useLocalDpi xmlns:a14="http://schemas.microsoft.com/office/drawing/2010/main" val="0"/>
+                          </a:ext>
+                        </a:extLst>
+                      </a:blip>
+                      <a:srcRect/>
+                      <a:stretch>
+                        <a:fillRect/>
+                      </a:stretch>
+                    </p:blipFill>
+                    <p:spPr bwMode="auto">
+                      <a:xfrm>
+                        <a:off x="1676400" y="4038600"/>
+                        <a:ext cx="2514600" cy="433388"/>
+                      </a:xfrm>
+                      <a:prstGeom prst="rect">
+                        <a:avLst/>
+                      </a:prstGeom>
+                      <a:noFill/>
+                      <a:ln>
+                        <a:noFill/>
+                      </a:ln>
+                      <a:effectLst/>
+                      <a:extLst>
+                        <a:ext uri="{909E8E84-426E-40DD-AFC4-6F175D3DCCD1}">
+                          <a14:hiddenFill xmlns:a14="http://schemas.microsoft.com/office/drawing/2010/main">
+                            <a:solidFill>
+                              <a:srgbClr val="FFFFFF"/>
+                            </a:solidFill>
+                          </a14:hiddenFill>
+                        </a:ext>
+                        <a:ext uri="{91240B29-F687-4F45-9708-019B960494DF}">
+                          <a14:hiddenLine xmlns:a14="http://schemas.microsoft.com/office/drawing/2010/main" w="9525">
+                            <a:solidFill>
+                              <a:srgbClr val="000000"/>
+                            </a:solidFill>
+                            <a:miter lim="800000"/>
+                            <a:headEnd/>
+                            <a:tailEnd/>
+                          </a14:hiddenLine>
+                        </a:ext>
+                        <a:ext uri="{AF507438-7753-43E0-B8FC-AC1667EBCBE1}">
+                          <a14:hiddenEffects xmlns:a14="http://schemas.microsoft.com/office/drawing/2010/main">
+                            <a:effectLst>
+                              <a:outerShdw dist="35921" dir="2700000" algn="ctr" rotWithShape="0">
+                                <a:srgbClr val="808080"/>
+                              </a:outerShdw>
+                            </a:effectLst>
+                          </a14:hiddenEffects>
+                        </a:ext>
+                      </a:extLst>
+                    </p:spPr>
+                  </p:pic>
+                </p:oleObj>
+              </mc:Fallback>
+            </mc:AlternateContent>
+          </a:graphicData>
+        </a:graphic>
+      </p:graphicFrame>
+      <p:graphicFrame>
+        <p:nvGraphicFramePr>
+          <p:cNvPr id="10" name="Object 26"/>
+          <p:cNvGraphicFramePr>
+            <a:graphicFrameLocks noChangeAspect="1"/>
+          </p:cNvGraphicFramePr>
+          <p:nvPr/>
+        </p:nvGraphicFramePr>
+        <p:xfrm>
+          <a:off x="5334000" y="4114800"/>
+          <a:ext cx="304800" cy="304800"/>
+        </p:xfrm>
+        <a:graphic>
+          <a:graphicData uri="http://schemas.openxmlformats.org/presentationml/2006/ole">
+            <mc:AlternateContent xmlns:mc="http://schemas.openxmlformats.org/markup-compatibility/2006">
+              <mc:Choice xmlns:v="urn:schemas-microsoft-com:vml" Requires="v">
+                <p:oleObj spid="_x0000_s1064" name="Equation" r:id="rId13" imgW="126720" imgH="126720" progId="Equation.DSMT4">
+                  <p:embed/>
+                </p:oleObj>
+              </mc:Choice>
+              <mc:Fallback>
+                <p:oleObj name="Equation" r:id="rId13" imgW="126720" imgH="126720" progId="Equation.DSMT4">
+                  <p:embed/>
+                  <p:pic>
+                    <p:nvPicPr>
+                      <p:cNvPr id="0" name=""/>
+                      <p:cNvPicPr>
+                        <a:picLocks noChangeAspect="1" noChangeArrowheads="1"/>
+                      </p:cNvPicPr>
+                      <p:nvPr/>
+                    </p:nvPicPr>
+                    <p:blipFill>
+                      <a:blip r:embed="rId14">
+                        <a:extLst>
+                          <a:ext uri="{28A0092B-C50C-407E-A947-70E740481C1C}">
+                            <a14:useLocalDpi xmlns:a14="http://schemas.microsoft.com/office/drawing/2010/main" val="0"/>
+                          </a:ext>
+                        </a:extLst>
+                      </a:blip>
+                      <a:srcRect/>
+                      <a:stretch>
+                        <a:fillRect/>
+                      </a:stretch>
+                    </p:blipFill>
+                    <p:spPr bwMode="auto">
+                      <a:xfrm>
+                        <a:off x="5334000" y="4114800"/>
+                        <a:ext cx="304800" cy="304800"/>
+                      </a:xfrm>
+                      <a:prstGeom prst="rect">
+                        <a:avLst/>
+                      </a:prstGeom>
+                      <a:noFill/>
+                      <a:ln>
+                        <a:noFill/>
+                      </a:ln>
+                      <a:effectLst/>
+                      <a:extLst>
+                        <a:ext uri="{909E8E84-426E-40DD-AFC4-6F175D3DCCD1}">
+                          <a14:hiddenFill xmlns:a14="http://schemas.microsoft.com/office/drawing/2010/main">
+                            <a:solidFill>
+                              <a:srgbClr val="FFFFFF"/>
+                            </a:solidFill>
+                          </a14:hiddenFill>
+                        </a:ext>
+                        <a:ext uri="{91240B29-F687-4F45-9708-019B960494DF}">
+                          <a14:hiddenLine xmlns:a14="http://schemas.microsoft.com/office/drawing/2010/main" w="9525">
+                            <a:solidFill>
+                              <a:srgbClr val="000000"/>
+                            </a:solidFill>
+                            <a:miter lim="800000"/>
+                            <a:headEnd/>
+                            <a:tailEnd/>
+                          </a14:hiddenLine>
+                        </a:ext>
+                        <a:ext uri="{AF507438-7753-43E0-B8FC-AC1667EBCBE1}">
+                          <a14:hiddenEffects xmlns:a14="http://schemas.microsoft.com/office/drawing/2010/main">
+                            <a:effectLst>
+                              <a:outerShdw dist="35921" dir="2700000" algn="ctr" rotWithShape="0">
+                                <a:srgbClr val="808080"/>
+                              </a:outerShdw>
+                            </a:effectLst>
+                          </a14:hiddenEffects>
+                        </a:ext>
+                      </a:extLst>
+                    </p:spPr>
+                  </p:pic>
+                </p:oleObj>
+              </mc:Fallback>
+            </mc:AlternateContent>
+          </a:graphicData>
+        </a:graphic>
+      </p:graphicFrame>
+      <p:graphicFrame>
+        <p:nvGraphicFramePr>
+          <p:cNvPr id="11" name="Object 29"/>
+          <p:cNvGraphicFramePr>
+            <a:graphicFrameLocks noChangeAspect="1"/>
+          </p:cNvGraphicFramePr>
+          <p:nvPr>
+            <p:extLst>
+              <p:ext uri="{D42A27DB-BD31-4B8C-83A1-F6EECF244321}">
+                <p14:modId xmlns:p14="http://schemas.microsoft.com/office/powerpoint/2010/main" val="490449516"/>
+              </p:ext>
+            </p:extLst>
+          </p:nvPr>
+        </p:nvGraphicFramePr>
+        <p:xfrm>
+          <a:off x="2956112" y="4419600"/>
+          <a:ext cx="533400" cy="514350"/>
+        </p:xfrm>
+        <a:graphic>
+          <a:graphicData uri="http://schemas.openxmlformats.org/presentationml/2006/ole">
+            <mc:AlternateContent xmlns:mc="http://schemas.openxmlformats.org/markup-compatibility/2006">
+              <mc:Choice xmlns:v="urn:schemas-microsoft-com:vml" Requires="v">
+                <p:oleObj spid="_x0000_s1065" name="Equation" r:id="rId15" imgW="368280" imgH="355320" progId="Equation.DSMT4">
+                  <p:embed/>
+                </p:oleObj>
+              </mc:Choice>
+              <mc:Fallback>
+                <p:oleObj name="Equation" r:id="rId15" imgW="368280" imgH="355320" progId="Equation.DSMT4">
+                  <p:embed/>
+                  <p:pic>
+                    <p:nvPicPr>
+                      <p:cNvPr id="0" name=""/>
+                      <p:cNvPicPr>
+                        <a:picLocks noChangeAspect="1" noChangeArrowheads="1"/>
+                      </p:cNvPicPr>
+                      <p:nvPr/>
+                    </p:nvPicPr>
+                    <p:blipFill>
+                      <a:blip r:embed="rId16">
+                        <a:extLst>
+                          <a:ext uri="{28A0092B-C50C-407E-A947-70E740481C1C}">
+                            <a14:useLocalDpi xmlns:a14="http://schemas.microsoft.com/office/drawing/2010/main" val="0"/>
+                          </a:ext>
+                        </a:extLst>
+                      </a:blip>
+                      <a:srcRect/>
+                      <a:stretch>
+                        <a:fillRect/>
+                      </a:stretch>
+                    </p:blipFill>
+                    <p:spPr bwMode="auto">
+                      <a:xfrm>
+                        <a:off x="2956112" y="4419600"/>
+                        <a:ext cx="533400" cy="514350"/>
+                      </a:xfrm>
+                      <a:prstGeom prst="rect">
+                        <a:avLst/>
+                      </a:prstGeom>
+                      <a:noFill/>
+                      <a:ln>
+                        <a:noFill/>
+                      </a:ln>
+                      <a:effectLst/>
+                      <a:extLst>
+                        <a:ext uri="{909E8E84-426E-40DD-AFC4-6F175D3DCCD1}">
+                          <a14:hiddenFill xmlns:a14="http://schemas.microsoft.com/office/drawing/2010/main">
+                            <a:solidFill>
+                              <a:srgbClr val="FFFFFF"/>
+                            </a:solidFill>
+                          </a14:hiddenFill>
+                        </a:ext>
+                        <a:ext uri="{91240B29-F687-4F45-9708-019B960494DF}">
+                          <a14:hiddenLine xmlns:a14="http://schemas.microsoft.com/office/drawing/2010/main" w="9525">
+                            <a:solidFill>
+                              <a:srgbClr val="000000"/>
+                            </a:solidFill>
+                            <a:miter lim="800000"/>
+                            <a:headEnd/>
+                            <a:tailEnd/>
+                          </a14:hiddenLine>
+                        </a:ext>
+                        <a:ext uri="{AF507438-7753-43E0-B8FC-AC1667EBCBE1}">
+                          <a14:hiddenEffects xmlns:a14="http://schemas.microsoft.com/office/drawing/2010/main">
+                            <a:effectLst>
+                              <a:outerShdw dist="35921" dir="2700000" algn="ctr" rotWithShape="0">
+                                <a:srgbClr val="808080"/>
+                              </a:outerShdw>
+                            </a:effectLst>
+                          </a14:hiddenEffects>
+                        </a:ext>
+                      </a:extLst>
+                    </p:spPr>
+                  </p:pic>
+                </p:oleObj>
+              </mc:Fallback>
+            </mc:AlternateContent>
+          </a:graphicData>
+        </a:graphic>
+      </p:graphicFrame>
+      <p:graphicFrame>
+        <p:nvGraphicFramePr>
+          <p:cNvPr id="12" name="Object 31"/>
+          <p:cNvGraphicFramePr>
+            <a:graphicFrameLocks noChangeAspect="1"/>
+          </p:cNvGraphicFramePr>
+          <p:nvPr>
+            <p:extLst>
+              <p:ext uri="{D42A27DB-BD31-4B8C-83A1-F6EECF244321}">
+                <p14:modId xmlns:p14="http://schemas.microsoft.com/office/powerpoint/2010/main" val="2740975151"/>
+              </p:ext>
+            </p:extLst>
+          </p:nvPr>
+        </p:nvGraphicFramePr>
+        <p:xfrm>
+          <a:off x="5483225" y="4933950"/>
+          <a:ext cx="533400" cy="339725"/>
+        </p:xfrm>
+        <a:graphic>
+          <a:graphicData uri="http://schemas.openxmlformats.org/presentationml/2006/ole">
+            <mc:AlternateContent xmlns:mc="http://schemas.openxmlformats.org/markup-compatibility/2006">
+              <mc:Choice xmlns:v="urn:schemas-microsoft-com:vml" Requires="v">
+                <p:oleObj spid="_x0000_s1066" name="Equation" r:id="rId17" imgW="317225" imgH="203024" progId="Equation.DSMT4">
+                  <p:embed/>
+                </p:oleObj>
+              </mc:Choice>
+              <mc:Fallback>
+                <p:oleObj name="Equation" r:id="rId17" imgW="317225" imgH="203024" progId="Equation.DSMT4">
+                  <p:embed/>
+                  <p:pic>
+                    <p:nvPicPr>
+                      <p:cNvPr id="0" name=""/>
+                      <p:cNvPicPr>
+                        <a:picLocks noChangeAspect="1" noChangeArrowheads="1"/>
+                      </p:cNvPicPr>
+                      <p:nvPr/>
+                    </p:nvPicPr>
+                    <p:blipFill>
+                      <a:blip r:embed="rId18">
+                        <a:extLst>
+                          <a:ext uri="{28A0092B-C50C-407E-A947-70E740481C1C}">
+                            <a14:useLocalDpi xmlns:a14="http://schemas.microsoft.com/office/drawing/2010/main" val="0"/>
+                          </a:ext>
+                        </a:extLst>
+                      </a:blip>
+                      <a:srcRect/>
+                      <a:stretch>
+                        <a:fillRect/>
+                      </a:stretch>
+                    </p:blipFill>
+                    <p:spPr bwMode="auto">
+                      <a:xfrm>
+                        <a:off x="5483225" y="4933950"/>
+                        <a:ext cx="533400" cy="339725"/>
+                      </a:xfrm>
+                      <a:prstGeom prst="rect">
+                        <a:avLst/>
+                      </a:prstGeom>
+                      <a:noFill/>
+                      <a:extLst>
+                        <a:ext uri="{909E8E84-426E-40DD-AFC4-6F175D3DCCD1}">
+                          <a14:hiddenFill xmlns:a14="http://schemas.microsoft.com/office/drawing/2010/main">
+                            <a:solidFill>
+                              <a:srgbClr val="FFFFFF"/>
+                            </a:solidFill>
+                          </a14:hiddenFill>
+                        </a:ext>
+                      </a:extLst>
+                    </p:spPr>
+                  </p:pic>
+                </p:oleObj>
+              </mc:Fallback>
+            </mc:AlternateContent>
+          </a:graphicData>
+        </a:graphic>
+      </p:graphicFrame>
+      <p:graphicFrame>
+        <p:nvGraphicFramePr>
+          <p:cNvPr id="13" name="Object 35"/>
+          <p:cNvGraphicFramePr>
+            <a:graphicFrameLocks noChangeAspect="1"/>
+          </p:cNvGraphicFramePr>
+          <p:nvPr/>
+        </p:nvGraphicFramePr>
+        <p:xfrm>
+          <a:off x="1143000" y="5334000"/>
+          <a:ext cx="990600" cy="404813"/>
+        </p:xfrm>
+        <a:graphic>
+          <a:graphicData uri="http://schemas.openxmlformats.org/presentationml/2006/ole">
+            <mc:AlternateContent xmlns:mc="http://schemas.openxmlformats.org/markup-compatibility/2006">
+              <mc:Choice xmlns:v="urn:schemas-microsoft-com:vml" Requires="v">
+                <p:oleObj spid="_x0000_s1067" name="Equation" r:id="rId19" imgW="558720" imgH="228600" progId="Equation.DSMT4">
+                  <p:embed/>
+                </p:oleObj>
+              </mc:Choice>
+              <mc:Fallback>
+                <p:oleObj name="Equation" r:id="rId19" imgW="558720" imgH="228600" progId="Equation.DSMT4">
+                  <p:embed/>
+                  <p:pic>
+                    <p:nvPicPr>
+                      <p:cNvPr id="0" name=""/>
+                      <p:cNvPicPr>
+                        <a:picLocks noChangeAspect="1" noChangeArrowheads="1"/>
+                      </p:cNvPicPr>
+                      <p:nvPr/>
+                    </p:nvPicPr>
+                    <p:blipFill>
+                      <a:blip r:embed="rId20">
+                        <a:extLst>
+                          <a:ext uri="{28A0092B-C50C-407E-A947-70E740481C1C}">
+                            <a14:useLocalDpi xmlns:a14="http://schemas.microsoft.com/office/drawing/2010/main" val="0"/>
+                          </a:ext>
+                        </a:extLst>
+                      </a:blip>
+                      <a:srcRect/>
+                      <a:stretch>
+                        <a:fillRect/>
+                      </a:stretch>
+                    </p:blipFill>
+                    <p:spPr bwMode="auto">
+                      <a:xfrm>
+                        <a:off x="1143000" y="5334000"/>
+                        <a:ext cx="990600" cy="404813"/>
+                      </a:xfrm>
+                      <a:prstGeom prst="rect">
+                        <a:avLst/>
+                      </a:prstGeom>
+                      <a:noFill/>
+                      <a:ln>
+                        <a:noFill/>
+                      </a:ln>
+                      <a:effectLst/>
+                      <a:extLst>
+                        <a:ext uri="{909E8E84-426E-40DD-AFC4-6F175D3DCCD1}">
+                          <a14:hiddenFill xmlns:a14="http://schemas.microsoft.com/office/drawing/2010/main">
+                            <a:solidFill>
+                              <a:srgbClr val="FFFFFF"/>
+                            </a:solidFill>
+                          </a14:hiddenFill>
+                        </a:ext>
+                        <a:ext uri="{91240B29-F687-4F45-9708-019B960494DF}">
+                          <a14:hiddenLine xmlns:a14="http://schemas.microsoft.com/office/drawing/2010/main" w="9525">
+                            <a:solidFill>
+                              <a:srgbClr val="000000"/>
+                            </a:solidFill>
+                            <a:miter lim="800000"/>
+                            <a:headEnd/>
+                            <a:tailEnd/>
+                          </a14:hiddenLine>
+                        </a:ext>
+                        <a:ext uri="{AF507438-7753-43E0-B8FC-AC1667EBCBE1}">
+                          <a14:hiddenEffects xmlns:a14="http://schemas.microsoft.com/office/drawing/2010/main">
+                            <a:effectLst>
+                              <a:outerShdw dist="35921" dir="2700000" algn="ctr" rotWithShape="0">
+                                <a:srgbClr val="808080"/>
+                              </a:outerShdw>
+                            </a:effectLst>
+                          </a14:hiddenEffects>
+                        </a:ext>
+                      </a:extLst>
+                    </p:spPr>
+                  </p:pic>
+                </p:oleObj>
+              </mc:Fallback>
+            </mc:AlternateContent>
+          </a:graphicData>
+        </a:graphic>
+      </p:graphicFrame>
+      <p:graphicFrame>
+        <p:nvGraphicFramePr>
+          <p:cNvPr id="14" name="Object 36"/>
+          <p:cNvGraphicFramePr>
+            <a:graphicFrameLocks noChangeAspect="1"/>
+          </p:cNvGraphicFramePr>
+          <p:nvPr/>
+        </p:nvGraphicFramePr>
+        <p:xfrm>
+          <a:off x="4572000" y="5334000"/>
+          <a:ext cx="990600" cy="404813"/>
+        </p:xfrm>
+        <a:graphic>
+          <a:graphicData uri="http://schemas.openxmlformats.org/presentationml/2006/ole">
+            <mc:AlternateContent xmlns:mc="http://schemas.openxmlformats.org/markup-compatibility/2006">
+              <mc:Choice xmlns:v="urn:schemas-microsoft-com:vml" Requires="v">
+                <p:oleObj spid="_x0000_s1068" name="Equation" r:id="rId21" imgW="558720" imgH="228600" progId="Equation.DSMT4">
+                  <p:embed/>
+                </p:oleObj>
+              </mc:Choice>
+              <mc:Fallback>
+                <p:oleObj name="Equation" r:id="rId21" imgW="558720" imgH="228600" progId="Equation.DSMT4">
+                  <p:embed/>
+                  <p:pic>
+                    <p:nvPicPr>
+                      <p:cNvPr id="0" name=""/>
+                      <p:cNvPicPr>
+                        <a:picLocks noChangeAspect="1" noChangeArrowheads="1"/>
+                      </p:cNvPicPr>
+                      <p:nvPr/>
+                    </p:nvPicPr>
+                    <p:blipFill>
+                      <a:blip r:embed="rId22">
+                        <a:extLst>
+                          <a:ext uri="{28A0092B-C50C-407E-A947-70E740481C1C}">
+                            <a14:useLocalDpi xmlns:a14="http://schemas.microsoft.com/office/drawing/2010/main" val="0"/>
+                          </a:ext>
+                        </a:extLst>
+                      </a:blip>
+                      <a:srcRect/>
+                      <a:stretch>
+                        <a:fillRect/>
+                      </a:stretch>
+                    </p:blipFill>
+                    <p:spPr bwMode="auto">
+                      <a:xfrm>
+                        <a:off x="4572000" y="5334000"/>
+                        <a:ext cx="990600" cy="404813"/>
+                      </a:xfrm>
+                      <a:prstGeom prst="rect">
+                        <a:avLst/>
+                      </a:prstGeom>
+                      <a:noFill/>
+                      <a:ln>
+                        <a:noFill/>
+                      </a:ln>
+                      <a:effectLst/>
+                      <a:extLst>
+                        <a:ext uri="{909E8E84-426E-40DD-AFC4-6F175D3DCCD1}">
+                          <a14:hiddenFill xmlns:a14="http://schemas.microsoft.com/office/drawing/2010/main">
+                            <a:solidFill>
+                              <a:srgbClr val="FFFFFF"/>
+                            </a:solidFill>
+                          </a14:hiddenFill>
+                        </a:ext>
+                        <a:ext uri="{91240B29-F687-4F45-9708-019B960494DF}">
+                          <a14:hiddenLine xmlns:a14="http://schemas.microsoft.com/office/drawing/2010/main" w="9525">
+                            <a:solidFill>
+                              <a:srgbClr val="000000"/>
+                            </a:solidFill>
+                            <a:miter lim="800000"/>
+                            <a:headEnd/>
+                            <a:tailEnd/>
+                          </a14:hiddenLine>
+                        </a:ext>
+                        <a:ext uri="{AF507438-7753-43E0-B8FC-AC1667EBCBE1}">
+                          <a14:hiddenEffects xmlns:a14="http://schemas.microsoft.com/office/drawing/2010/main">
+                            <a:effectLst>
+                              <a:outerShdw dist="35921" dir="2700000" algn="ctr" rotWithShape="0">
+                                <a:srgbClr val="808080"/>
+                              </a:outerShdw>
+                            </a:effectLst>
+                          </a14:hiddenEffects>
+                        </a:ext>
+                      </a:extLst>
+                    </p:spPr>
+                  </p:pic>
+                </p:oleObj>
+              </mc:Fallback>
+            </mc:AlternateContent>
+          </a:graphicData>
+        </a:graphic>
+      </p:graphicFrame>
+      <p:sp>
+        <p:nvSpPr>
+          <p:cNvPr id="15" name="Text Box 37"/>
+          <p:cNvSpPr txBox="1">
+            <a:spLocks noChangeArrowheads="1"/>
+          </p:cNvSpPr>
+          <p:nvPr/>
+        </p:nvSpPr>
+        <p:spPr bwMode="auto">
+          <a:xfrm>
+            <a:off x="6781800" y="3048000"/>
+            <a:ext cx="1524000" cy="457200"/>
+          </a:xfrm>
+          <a:prstGeom prst="rect">
+            <a:avLst/>
+          </a:prstGeom>
+          <a:noFill/>
+          <a:ln>
+            <a:noFill/>
+          </a:ln>
+          <a:effectLst/>
+          <a:extLst>
+            <a:ext uri="{909E8E84-426E-40DD-AFC4-6F175D3DCCD1}">
+              <a14:hiddenFill xmlns:a14="http://schemas.microsoft.com/office/drawing/2010/main">
+                <a:solidFill>
+                  <a:schemeClr val="accent1"/>
+                </a:solidFill>
+              </a14:hiddenFill>
+            </a:ext>
+            <a:ext uri="{91240B29-F687-4F45-9708-019B960494DF}">
+              <a14:hiddenLine xmlns:a14="http://schemas.microsoft.com/office/drawing/2010/main" w="9525" algn="ctr">
+                <a:solidFill>
+                  <a:srgbClr val="0000FF"/>
+                </a:solidFill>
+                <a:miter lim="800000"/>
+                <a:headEnd/>
+                <a:tailEnd/>
+              </a14:hiddenLine>
+            </a:ext>
+            <a:ext uri="{AF507438-7753-43E0-B8FC-AC1667EBCBE1}">
+              <a14:hiddenEffects xmlns:a14="http://schemas.microsoft.com/office/drawing/2010/main">
+                <a:effectLst>
+                  <a:outerShdw dist="35921" dir="2700000" algn="ctr" rotWithShape="0">
+                    <a:schemeClr val="bg2"/>
+                  </a:outerShdw>
+                </a:effectLst>
+              </a14:hiddenEffects>
+            </a:ext>
+          </a:extLst>
+        </p:spPr>
+        <p:txBody>
+          <a:bodyPr lIns="90000" tIns="46800" rIns="90000" bIns="46800">
+            <a:spAutoFit/>
+          </a:bodyPr>
+          <a:lstStyle/>
+          <a:p>
+            <a:pPr>
+              <a:spcBef>
+                <a:spcPct val="50000"/>
+              </a:spcBef>
+            </a:pPr>
+            <a:r>
+              <a:rPr lang="zh-CN" altLang="en-US" dirty="0"/>
+              <a:t>（</a:t>
+            </a:r>
+            <a:r>
+              <a:rPr lang="en-US" altLang="zh-CN" dirty="0"/>
+              <a:t>2.3.1</a:t>
+            </a:r>
+            <a:r>
+              <a:rPr lang="zh-CN" altLang="en-US" dirty="0"/>
+              <a:t>）</a:t>
+            </a:r>
+          </a:p>
+        </p:txBody>
+      </p:sp>
+      <p:graphicFrame>
+        <p:nvGraphicFramePr>
+          <p:cNvPr id="16" name="Object 38"/>
+          <p:cNvGraphicFramePr>
+            <a:graphicFrameLocks noChangeAspect="1"/>
+          </p:cNvGraphicFramePr>
+          <p:nvPr>
+            <p:extLst>
+              <p:ext uri="{D42A27DB-BD31-4B8C-83A1-F6EECF244321}">
+                <p14:modId xmlns:p14="http://schemas.microsoft.com/office/powerpoint/2010/main" val="1310071226"/>
+              </p:ext>
+            </p:extLst>
+          </p:nvPr>
+        </p:nvGraphicFramePr>
+        <p:xfrm>
+          <a:off x="6553200" y="4489450"/>
+          <a:ext cx="874713" cy="374650"/>
+        </p:xfrm>
+        <a:graphic>
+          <a:graphicData uri="http://schemas.openxmlformats.org/presentationml/2006/ole">
+            <mc:AlternateContent xmlns:mc="http://schemas.openxmlformats.org/markup-compatibility/2006">
+              <mc:Choice xmlns:v="urn:schemas-microsoft-com:vml" Requires="v">
+                <p:oleObj spid="_x0000_s1069" name="Equation" r:id="rId23" imgW="444240" imgH="190440" progId="Equation.DSMT4">
+                  <p:embed/>
+                </p:oleObj>
+              </mc:Choice>
+              <mc:Fallback>
+                <p:oleObj name="Equation" r:id="rId23" imgW="444240" imgH="190440" progId="Equation.DSMT4">
+                  <p:embed/>
+                  <p:pic>
+                    <p:nvPicPr>
+                      <p:cNvPr id="0" name=""/>
+                      <p:cNvPicPr>
+                        <a:picLocks noChangeAspect="1" noChangeArrowheads="1"/>
+                      </p:cNvPicPr>
+                      <p:nvPr/>
+                    </p:nvPicPr>
+                    <p:blipFill>
+                      <a:blip r:embed="rId24">
+                        <a:extLst>
+                          <a:ext uri="{28A0092B-C50C-407E-A947-70E740481C1C}">
+                            <a14:useLocalDpi xmlns:a14="http://schemas.microsoft.com/office/drawing/2010/main" val="0"/>
+                          </a:ext>
+                        </a:extLst>
+                      </a:blip>
+                      <a:srcRect/>
+                      <a:stretch>
+                        <a:fillRect/>
+                      </a:stretch>
+                    </p:blipFill>
+                    <p:spPr bwMode="auto">
+                      <a:xfrm>
+                        <a:off x="6553200" y="4489450"/>
+                        <a:ext cx="874713" cy="374650"/>
+                      </a:xfrm>
+                      <a:prstGeom prst="rect">
+                        <a:avLst/>
+                      </a:prstGeom>
+                      <a:noFill/>
+                      <a:ln>
+                        <a:noFill/>
+                      </a:ln>
+                      <a:effectLst/>
+                      <a:extLst>
+                        <a:ext uri="{909E8E84-426E-40DD-AFC4-6F175D3DCCD1}">
+                          <a14:hiddenFill xmlns:a14="http://schemas.microsoft.com/office/drawing/2010/main">
+                            <a:solidFill>
+                              <a:srgbClr val="FFFFFF"/>
+                            </a:solidFill>
+                          </a14:hiddenFill>
+                        </a:ext>
+                        <a:ext uri="{91240B29-F687-4F45-9708-019B960494DF}">
+                          <a14:hiddenLine xmlns:a14="http://schemas.microsoft.com/office/drawing/2010/main" w="9525">
+                            <a:solidFill>
+                              <a:srgbClr val="000000"/>
+                            </a:solidFill>
+                            <a:miter lim="800000"/>
+                            <a:headEnd/>
+                            <a:tailEnd/>
+                          </a14:hiddenLine>
+                        </a:ext>
+                        <a:ext uri="{AF507438-7753-43E0-B8FC-AC1667EBCBE1}">
+                          <a14:hiddenEffects xmlns:a14="http://schemas.microsoft.com/office/drawing/2010/main">
+                            <a:effectLst>
+                              <a:outerShdw dist="35921" dir="2700000" algn="ctr" rotWithShape="0">
+                                <a:srgbClr val="808080"/>
+                              </a:outerShdw>
+                            </a:effectLst>
+                          </a14:hiddenEffects>
+                        </a:ext>
+                      </a:extLst>
+                    </p:spPr>
+                  </p:pic>
+                </p:oleObj>
+              </mc:Fallback>
+            </mc:AlternateContent>
+          </a:graphicData>
+        </a:graphic>
+      </p:graphicFrame>
     </p:spTree>
     <p:extLst>
       <p:ext uri="{BB962C8B-B14F-4D97-AF65-F5344CB8AC3E}">
@@ -6830,10 +8054,7 @@
           <a:bodyPr/>
           <a:lstStyle/>
           <a:p>
-            <a:r>
-              <a:rPr lang="zh-CN" altLang="en-US" dirty="0"/>
-              <a:t>优点</a:t>
-            </a:r>
+            <a:endParaRPr lang="zh-CN" altLang="en-US"/>
           </a:p>
         </p:txBody>
       </p:sp>
@@ -6852,29 +8073,14 @@
           <a:bodyPr/>
           <a:lstStyle/>
           <a:p>
-            <a:pPr marL="0" indent="0">
-              <a:buNone/>
-            </a:pPr>
-            <a:r>
-              <a:rPr lang="zh-CN" altLang="zh-CN" dirty="0"/>
-              <a:t>滑模控制以实现简单，和对满足匹配条件的外界干扰、模型的不确定性和未建模动态具有</a:t>
-            </a:r>
-            <a:r>
-              <a:rPr lang="zh-CN" altLang="zh-CN" dirty="0" smtClean="0"/>
-              <a:t>不变性</a:t>
-            </a:r>
-            <a:r>
-              <a:rPr lang="zh-CN" altLang="zh-CN" dirty="0"/>
-              <a:t>（亦称作完全鲁棒性）而著称。</a:t>
-            </a:r>
-            <a:endParaRPr lang="zh-CN" altLang="en-US" dirty="0"/>
+            <a:endParaRPr lang="zh-CN" altLang="en-US"/>
           </a:p>
         </p:txBody>
       </p:sp>
     </p:spTree>
     <p:extLst>
       <p:ext uri="{BB962C8B-B14F-4D97-AF65-F5344CB8AC3E}">
-        <p14:creationId xmlns:p14="http://schemas.microsoft.com/office/powerpoint/2010/main" val="2184537428"/>
+        <p14:creationId xmlns:p14="http://schemas.microsoft.com/office/powerpoint/2010/main" val="1981385802"/>
       </p:ext>
     </p:extLst>
   </p:cSld>
@@ -6917,14 +8123,9 @@
           <a:lstStyle/>
           <a:p>
             <a:r>
-              <a:rPr lang="zh-CN" altLang="en-US" dirty="0" smtClean="0"/>
-              <a:t>问题</a:t>
-            </a:r>
-            <a:r>
-              <a:rPr lang="en-US" altLang="zh-CN" dirty="0" smtClean="0"/>
-              <a:t>	</a:t>
-            </a:r>
-            <a:endParaRPr lang="zh-CN" altLang="en-US" dirty="0"/>
+              <a:rPr lang="zh-CN" altLang="en-US" dirty="0"/>
+              <a:t>优点</a:t>
+            </a:r>
           </a:p>
         </p:txBody>
       </p:sp>
@@ -6943,106 +8144,29 @@
           <a:bodyPr/>
           <a:lstStyle/>
           <a:p>
-            <a:pPr marL="514350" indent="-514350">
-              <a:buFont typeface="+mj-lt"/>
-              <a:buAutoNum type="arabicPeriod"/>
+            <a:pPr marL="0" indent="0">
+              <a:buNone/>
             </a:pPr>
             <a:r>
-              <a:rPr lang="zh-CN" altLang="zh-CN" sz="2400" dirty="0" smtClean="0"/>
-              <a:t>抖振</a:t>
-            </a:r>
-            <a:r>
-              <a:rPr lang="zh-CN" altLang="zh-CN" sz="2400" dirty="0"/>
-              <a:t>问题：主要是由未建模的串联动态引起，同时切换装置的非理想性也是一个重要原因；</a:t>
-            </a:r>
-          </a:p>
-          <a:p>
-            <a:pPr marL="514350" indent="-514350">
-              <a:buFont typeface="+mj-lt"/>
-              <a:buAutoNum type="arabicPeriod"/>
-            </a:pPr>
-            <a:r>
-              <a:rPr lang="zh-CN" altLang="zh-CN" sz="2400" dirty="0" smtClean="0"/>
-              <a:t>控制精度</a:t>
-            </a:r>
-            <a:r>
-              <a:rPr lang="zh-CN" altLang="zh-CN" sz="2400" dirty="0"/>
-              <a:t>问题：在实际的、采样实现的传统滑模控制算法中，滑动误差正比于采样时间τ，也就是说，有限时间到达的传统滑模在具有零阶保持器的离散控制下，系统的状态保持在滑动模态上的精度是采样时间的一阶无穷小，即</a:t>
-            </a:r>
-            <a:r>
-              <a:rPr lang="en-US" altLang="zh-CN" sz="2400" dirty="0"/>
-              <a:t>O(</a:t>
-            </a:r>
-            <a:r>
-              <a:rPr lang="zh-CN" altLang="zh-CN" sz="2400" dirty="0"/>
-              <a:t>τ</a:t>
-            </a:r>
-            <a:r>
-              <a:rPr lang="en-US" altLang="zh-CN" sz="2400" dirty="0"/>
-              <a:t>) </a:t>
-            </a:r>
-            <a:r>
-              <a:rPr lang="zh-CN" altLang="zh-CN" sz="2400" dirty="0"/>
-              <a:t>；</a:t>
-            </a:r>
-          </a:p>
-          <a:p>
-            <a:pPr marL="514350" indent="-514350">
-              <a:buFont typeface="+mj-lt"/>
-              <a:buAutoNum type="arabicPeriod"/>
-            </a:pPr>
-            <a:r>
-              <a:rPr lang="zh-CN" altLang="zh-CN" sz="2400" dirty="0" smtClean="0"/>
-              <a:t>相对</a:t>
-            </a:r>
-            <a:r>
-              <a:rPr lang="zh-CN" altLang="zh-CN" sz="2400" dirty="0"/>
-              <a:t>阶的限制：传统滑模控制只有在系统关于滑模变量</a:t>
-            </a:r>
-            <a:r>
-              <a:rPr lang="en-US" altLang="zh-CN" sz="2400" dirty="0"/>
-              <a:t>s</a:t>
-            </a:r>
-            <a:r>
-              <a:rPr lang="zh-CN" altLang="zh-CN" sz="2400" dirty="0"/>
-              <a:t>的相对阶是</a:t>
-            </a:r>
-            <a:r>
-              <a:rPr lang="en-US" altLang="zh-CN" sz="2400" dirty="0"/>
-              <a:t>1</a:t>
-            </a:r>
-            <a:r>
-              <a:rPr lang="zh-CN" altLang="zh-CN" sz="2400" dirty="0"/>
-              <a:t>时才能应用，也就是说，控制量</a:t>
-            </a:r>
-            <a:r>
-              <a:rPr lang="en-US" altLang="zh-CN" sz="2400" dirty="0"/>
-              <a:t>u</a:t>
-            </a:r>
-            <a:r>
-              <a:rPr lang="zh-CN" altLang="zh-CN" sz="2400" dirty="0"/>
-              <a:t>必须显式出现在</a:t>
-            </a:r>
-            <a:r>
-              <a:rPr lang="en-US" altLang="zh-CN" sz="2400" dirty="0"/>
-              <a:t>s</a:t>
-            </a:r>
-            <a:r>
-              <a:rPr lang="zh-CN" altLang="zh-CN" sz="2400" dirty="0"/>
-              <a:t>中，这样就限制了滑模面的设计</a:t>
-            </a:r>
-            <a:r>
-              <a:rPr lang="zh-CN" altLang="zh-CN" sz="2400" dirty="0" smtClean="0"/>
-              <a:t>。</a:t>
-            </a:r>
-            <a:endParaRPr lang="zh-CN" altLang="zh-CN" sz="2400" dirty="0"/>
+              <a:rPr lang="zh-CN" altLang="zh-CN" dirty="0"/>
+              <a:t>滑模控制以实现简单，和对满足匹配条件的外界干扰、模型的不确定性和未建模动态具有</a:t>
+            </a:r>
+            <a:r>
+              <a:rPr lang="zh-CN" altLang="zh-CN" dirty="0" smtClean="0"/>
+              <a:t>不变性</a:t>
+            </a:r>
+            <a:r>
+              <a:rPr lang="zh-CN" altLang="zh-CN" dirty="0"/>
+              <a:t>（亦称作完全鲁棒性）而著称。</a:t>
+            </a:r>
+            <a:endParaRPr lang="zh-CN" altLang="en-US" dirty="0"/>
           </a:p>
         </p:txBody>
       </p:sp>
     </p:spTree>
     <p:extLst>
       <p:ext uri="{BB962C8B-B14F-4D97-AF65-F5344CB8AC3E}">
-        <p14:creationId xmlns:p14="http://schemas.microsoft.com/office/powerpoint/2010/main" val="3458279472"/>
+        <p14:creationId xmlns:p14="http://schemas.microsoft.com/office/powerpoint/2010/main" val="2184537428"/>
       </p:ext>
     </p:extLst>
   </p:cSld>
@@ -7085,10 +8209,252 @@
           <a:lstStyle/>
           <a:p>
             <a:r>
+              <a:rPr lang="zh-CN" altLang="en-US" dirty="0" smtClean="0"/>
+              <a:t>问题</a:t>
+            </a:r>
+            <a:r>
+              <a:rPr lang="en-US" altLang="zh-CN" dirty="0" smtClean="0"/>
+              <a:t>	</a:t>
+            </a:r>
+            <a:endParaRPr lang="zh-CN" altLang="en-US" dirty="0"/>
+          </a:p>
+        </p:txBody>
+      </p:sp>
+      <p:sp>
+        <p:nvSpPr>
+          <p:cNvPr id="3" name="内容占位符 2"/>
+          <p:cNvSpPr>
+            <a:spLocks noGrp="1"/>
+          </p:cNvSpPr>
+          <p:nvPr>
+            <p:ph idx="1"/>
+          </p:nvPr>
+        </p:nvSpPr>
+        <p:spPr/>
+        <p:txBody>
+          <a:bodyPr/>
+          <a:lstStyle/>
+          <a:p>
+            <a:pPr marL="514350" indent="-514350">
+              <a:buFont typeface="+mj-lt"/>
+              <a:buAutoNum type="arabicPeriod"/>
+            </a:pPr>
+            <a:r>
+              <a:rPr lang="zh-CN" altLang="zh-CN" sz="2400" dirty="0" smtClean="0"/>
+              <a:t>抖振</a:t>
+            </a:r>
+            <a:r>
+              <a:rPr lang="zh-CN" altLang="zh-CN" sz="2400" dirty="0"/>
+              <a:t>问题：主要是由未建模的串联动态引起，同时切换装置的非理想性也是一个重要原因；</a:t>
+            </a:r>
+          </a:p>
+          <a:p>
+            <a:pPr marL="514350" indent="-514350">
+              <a:buFont typeface="+mj-lt"/>
+              <a:buAutoNum type="arabicPeriod"/>
+            </a:pPr>
+            <a:r>
+              <a:rPr lang="zh-CN" altLang="zh-CN" sz="2400" dirty="0" smtClean="0"/>
+              <a:t>控制精度</a:t>
+            </a:r>
+            <a:r>
+              <a:rPr lang="zh-CN" altLang="zh-CN" sz="2400" dirty="0"/>
+              <a:t>问题：在实际的、采样实现的传统滑模控制算法中，滑动误差正比于采样时间τ，也就是说，有限时间到达的传统滑模在具有零阶保持器的离散控制下，系统的状态保持在滑动模态上的精度是采样时间的一阶无穷小，即</a:t>
+            </a:r>
+            <a:r>
+              <a:rPr lang="en-US" altLang="zh-CN" sz="2400" dirty="0"/>
+              <a:t>O(</a:t>
+            </a:r>
+            <a:r>
+              <a:rPr lang="zh-CN" altLang="zh-CN" sz="2400" dirty="0"/>
+              <a:t>τ</a:t>
+            </a:r>
+            <a:r>
+              <a:rPr lang="en-US" altLang="zh-CN" sz="2400" dirty="0"/>
+              <a:t>) </a:t>
+            </a:r>
+            <a:r>
+              <a:rPr lang="zh-CN" altLang="zh-CN" sz="2400" dirty="0"/>
+              <a:t>；</a:t>
+            </a:r>
+          </a:p>
+          <a:p>
+            <a:pPr marL="514350" indent="-514350">
+              <a:buFont typeface="+mj-lt"/>
+              <a:buAutoNum type="arabicPeriod"/>
+            </a:pPr>
+            <a:r>
+              <a:rPr lang="zh-CN" altLang="zh-CN" sz="2400" dirty="0" smtClean="0"/>
+              <a:t>相对</a:t>
+            </a:r>
+            <a:r>
+              <a:rPr lang="zh-CN" altLang="zh-CN" sz="2400" dirty="0"/>
+              <a:t>阶的限制：传统滑模控制只有在系统关于滑模变量</a:t>
+            </a:r>
+            <a:r>
+              <a:rPr lang="en-US" altLang="zh-CN" sz="2400" dirty="0"/>
+              <a:t>s</a:t>
+            </a:r>
+            <a:r>
+              <a:rPr lang="zh-CN" altLang="zh-CN" sz="2400" dirty="0"/>
+              <a:t>的相对阶是</a:t>
+            </a:r>
+            <a:r>
+              <a:rPr lang="en-US" altLang="zh-CN" sz="2400" dirty="0"/>
+              <a:t>1</a:t>
+            </a:r>
+            <a:r>
+              <a:rPr lang="zh-CN" altLang="zh-CN" sz="2400" dirty="0"/>
+              <a:t>时才能应用，也就是说，控制量</a:t>
+            </a:r>
+            <a:r>
+              <a:rPr lang="en-US" altLang="zh-CN" sz="2400" dirty="0"/>
+              <a:t>u</a:t>
+            </a:r>
+            <a:r>
+              <a:rPr lang="zh-CN" altLang="zh-CN" sz="2400" dirty="0"/>
+              <a:t>必须显式出现在</a:t>
+            </a:r>
+            <a:r>
+              <a:rPr lang="en-US" altLang="zh-CN" sz="2400" dirty="0"/>
+              <a:t>s</a:t>
+            </a:r>
+            <a:r>
+              <a:rPr lang="zh-CN" altLang="zh-CN" sz="2400" dirty="0"/>
+              <a:t>中，这样就限制了滑模面的设计</a:t>
+            </a:r>
+            <a:r>
+              <a:rPr lang="zh-CN" altLang="zh-CN" sz="2400" dirty="0" smtClean="0"/>
+              <a:t>。</a:t>
+            </a:r>
+            <a:endParaRPr lang="zh-CN" altLang="zh-CN" sz="2400" dirty="0"/>
+          </a:p>
+        </p:txBody>
+      </p:sp>
+    </p:spTree>
+    <p:extLst>
+      <p:ext uri="{BB962C8B-B14F-4D97-AF65-F5344CB8AC3E}">
+        <p14:creationId xmlns:p14="http://schemas.microsoft.com/office/powerpoint/2010/main" val="3458279472"/>
+      </p:ext>
+    </p:extLst>
+  </p:cSld>
+  <p:clrMapOvr>
+    <a:masterClrMapping/>
+  </p:clrMapOvr>
+</p:sld>
+</file>
+
+<file path=ppt/slides/slide34.xml><?xml version="1.0" encoding="utf-8"?>
+<p:sld xmlns:a="http://schemas.openxmlformats.org/drawingml/2006/main" xmlns:r="http://schemas.openxmlformats.org/officeDocument/2006/relationships" xmlns:p="http://schemas.openxmlformats.org/presentationml/2006/main">
+  <p:cSld>
+    <p:spTree>
+      <p:nvGrpSpPr>
+        <p:cNvPr id="1" name=""/>
+        <p:cNvGrpSpPr/>
+        <p:nvPr/>
+      </p:nvGrpSpPr>
+      <p:grpSpPr>
+        <a:xfrm>
+          <a:off x="0" y="0"/>
+          <a:ext cx="0" cy="0"/>
+          <a:chOff x="0" y="0"/>
+          <a:chExt cx="0" cy="0"/>
+        </a:xfrm>
+      </p:grpSpPr>
+      <p:sp>
+        <p:nvSpPr>
+          <p:cNvPr id="2" name="标题 1"/>
+          <p:cNvSpPr>
+            <a:spLocks noGrp="1"/>
+          </p:cNvSpPr>
+          <p:nvPr>
+            <p:ph type="title"/>
+          </p:nvPr>
+        </p:nvSpPr>
+        <p:spPr/>
+        <p:txBody>
+          <a:bodyPr/>
+          <a:lstStyle/>
+          <a:p>
+            <a:r>
               <a:rPr lang="zh-CN" altLang="zh-CN" dirty="0"/>
               <a:t>与模糊控制相结合</a:t>
             </a:r>
             <a:endParaRPr lang="zh-CN" altLang="en-US" dirty="0"/>
+          </a:p>
+        </p:txBody>
+      </p:sp>
+      <p:sp>
+        <p:nvSpPr>
+          <p:cNvPr id="3" name="内容占位符 2"/>
+          <p:cNvSpPr>
+            <a:spLocks noGrp="1"/>
+          </p:cNvSpPr>
+          <p:nvPr>
+            <p:ph idx="1"/>
+          </p:nvPr>
+        </p:nvSpPr>
+        <p:spPr/>
+        <p:txBody>
+          <a:bodyPr/>
+          <a:lstStyle/>
+          <a:p>
+            <a:r>
+              <a:rPr lang="zh-CN" altLang="en-US" dirty="0"/>
+              <a:t>模糊滑模控制器结合了滑模和模糊控制器的优点，即模糊滑模控制器保持了常规滑模控制器原有的鲁棒性和模糊控制器不依赖系统模型的特性，从而有效地降低或消除了抖振的幅值，并使得控制系统的控制精度得到有效提高。</a:t>
+            </a:r>
+          </a:p>
+        </p:txBody>
+      </p:sp>
+    </p:spTree>
+    <p:extLst>
+      <p:ext uri="{BB962C8B-B14F-4D97-AF65-F5344CB8AC3E}">
+        <p14:creationId xmlns:p14="http://schemas.microsoft.com/office/powerpoint/2010/main" val="390159062"/>
+      </p:ext>
+    </p:extLst>
+  </p:cSld>
+  <p:clrMapOvr>
+    <a:masterClrMapping/>
+  </p:clrMapOvr>
+</p:sld>
+</file>
+
+<file path=ppt/slides/slide35.xml><?xml version="1.0" encoding="utf-8"?>
+<p:sld xmlns:a="http://schemas.openxmlformats.org/drawingml/2006/main" xmlns:r="http://schemas.openxmlformats.org/officeDocument/2006/relationships" xmlns:p="http://schemas.openxmlformats.org/presentationml/2006/main">
+  <p:cSld>
+    <p:spTree>
+      <p:nvGrpSpPr>
+        <p:cNvPr id="1" name=""/>
+        <p:cNvGrpSpPr/>
+        <p:nvPr/>
+      </p:nvGrpSpPr>
+      <p:grpSpPr>
+        <a:xfrm>
+          <a:off x="0" y="0"/>
+          <a:ext cx="0" cy="0"/>
+          <a:chOff x="0" y="0"/>
+          <a:chExt cx="0" cy="0"/>
+        </a:xfrm>
+      </p:grpSpPr>
+      <p:sp>
+        <p:nvSpPr>
+          <p:cNvPr id="2" name="标题 1"/>
+          <p:cNvSpPr>
+            <a:spLocks noGrp="1"/>
+          </p:cNvSpPr>
+          <p:nvPr>
+            <p:ph type="title"/>
+          </p:nvPr>
+        </p:nvSpPr>
+        <p:spPr/>
+        <p:txBody>
+          <a:bodyPr/>
+          <a:lstStyle/>
+          <a:p>
+            <a:r>
+              <a:rPr lang="zh-CN" altLang="en-US" dirty="0"/>
+              <a:t>构成方式</a:t>
+            </a:r>
           </a:p>
         </p:txBody>
       </p:sp>
@@ -7235,7 +8601,7 @@
 </p:sld>
 </file>
 
-<file path=ppt/slides/slide34.xml><?xml version="1.0" encoding="utf-8"?>
+<file path=ppt/slides/slide36.xml><?xml version="1.0" encoding="utf-8"?>
 <p:sld xmlns:a="http://schemas.openxmlformats.org/drawingml/2006/main" xmlns:r="http://schemas.openxmlformats.org/officeDocument/2006/relationships" xmlns:p="http://schemas.openxmlformats.org/presentationml/2006/main">
   <p:cSld>
     <p:spTree>
@@ -7353,7 +8719,7 @@
 </p:sld>
 </file>
 
-<file path=ppt/slides/slide35.xml><?xml version="1.0" encoding="utf-8"?>
+<file path=ppt/slides/slide37.xml><?xml version="1.0" encoding="utf-8"?>
 <p:sld xmlns:a="http://schemas.openxmlformats.org/drawingml/2006/main" xmlns:r="http://schemas.openxmlformats.org/officeDocument/2006/relationships" xmlns:p="http://schemas.openxmlformats.org/presentationml/2006/main">
   <p:cSld>
     <p:spTree>
@@ -7386,10 +8752,9 @@
           <a:lstStyle/>
           <a:p>
             <a:r>
-              <a:rPr lang="zh-CN" altLang="zh-CN" dirty="0"/>
-              <a:t>与模糊控制相结合</a:t>
-            </a:r>
-            <a:endParaRPr lang="zh-CN" altLang="en-US" dirty="0"/>
+              <a:rPr lang="zh-CN" altLang="en-US" dirty="0"/>
+              <a:t>构成方式</a:t>
+            </a:r>
           </a:p>
         </p:txBody>
       </p:sp>
@@ -7486,7 +8851,7 @@
 </p:sld>
 </file>
 
-<file path=ppt/slides/slide36.xml><?xml version="1.0" encoding="utf-8"?>
+<file path=ppt/slides/slide38.xml><?xml version="1.0" encoding="utf-8"?>
 <p:sld xmlns:a="http://schemas.openxmlformats.org/drawingml/2006/main" xmlns:r="http://schemas.openxmlformats.org/officeDocument/2006/relationships" xmlns:p="http://schemas.openxmlformats.org/presentationml/2006/main">
   <p:cSld>
     <p:spTree>
@@ -7543,31 +8908,59 @@
           <a:p>
             <a:r>
               <a:rPr lang="zh-CN" altLang="en-US" dirty="0"/>
-              <a:t>利用模糊控制器与滑模控制器的相似特性，以滑模控制器的切换面</a:t>
-            </a:r>
-            <a:r>
-              <a:rPr lang="en-US" altLang="zh-CN" dirty="0"/>
-              <a:t>S(t)</a:t>
+              <a:t>利用模糊控制器与滑模控制器的相似特性，以滑模控制器的切换</a:t>
+            </a:r>
+            <a:r>
+              <a:rPr lang="zh-CN" altLang="en-US" dirty="0" smtClean="0"/>
+              <a:t>面 </a:t>
+            </a:r>
+            <a:r>
+              <a:rPr lang="en-US" altLang="zh-CN" dirty="0" smtClean="0"/>
+              <a:t>S(t) </a:t>
+            </a:r>
+            <a:r>
+              <a:rPr lang="zh-CN" altLang="en-US" dirty="0" smtClean="0"/>
+              <a:t>及其</a:t>
             </a:r>
             <a:r>
               <a:rPr lang="zh-CN" altLang="en-US" dirty="0"/>
-              <a:t>及其变化率</a:t>
-            </a:r>
-            <a:r>
-              <a:rPr lang="en-US" altLang="zh-CN" dirty="0"/>
-              <a:t>S(t)</a:t>
+              <a:t>变化</a:t>
+            </a:r>
+            <a:r>
+              <a:rPr lang="zh-CN" altLang="en-US" dirty="0" smtClean="0"/>
+              <a:t>率 </a:t>
+            </a:r>
+            <a:r>
+              <a:rPr lang="en-US" altLang="zh-CN" dirty="0" err="1" smtClean="0"/>
+              <a:t>dS</a:t>
+            </a:r>
+            <a:r>
+              <a:rPr lang="en-US" altLang="zh-CN" dirty="0" smtClean="0"/>
+              <a:t>(t)/</a:t>
+            </a:r>
+            <a:r>
+              <a:rPr lang="en-US" altLang="zh-CN" dirty="0" err="1" smtClean="0"/>
+              <a:t>dt</a:t>
+            </a:r>
+            <a:r>
+              <a:rPr lang="en-US" altLang="zh-CN" dirty="0" smtClean="0"/>
+              <a:t> </a:t>
+            </a:r>
+            <a:r>
+              <a:rPr lang="zh-CN" altLang="en-US" dirty="0" smtClean="0"/>
+              <a:t>作为</a:t>
             </a:r>
             <a:r>
               <a:rPr lang="zh-CN" altLang="en-US" dirty="0"/>
-              <a:t>作为模糊控制器的输入量，从而实现对被控对象的有效控制，如图</a:t>
-            </a:r>
-            <a:r>
-              <a:rPr lang="en-US" altLang="zh-CN" dirty="0"/>
-              <a:t>2-7</a:t>
+              <a:t>模糊控制器的输入量，从而实现对被控对象的有效</a:t>
+            </a:r>
+            <a:r>
+              <a:rPr lang="zh-CN" altLang="en-US" dirty="0" smtClean="0"/>
+              <a:t>控制。</a:t>
             </a:r>
             <a:r>
               <a:rPr lang="zh-CN" altLang="en-US" dirty="0"/>
-              <a:t>所示。其优点是可大大减少模糊控制器的输入变量个数，使得模糊控制器的模糊推理速度得到有效提高。</a:t>
+              <a:t>其优点是可大大减少模糊控制器的输入变量个数，使得模糊控制器的模糊推理速度得到有效提高。</a:t>
             </a:r>
           </a:p>
         </p:txBody>
@@ -7609,7 +9002,7 @@
 </p:sld>
 </file>
 
-<file path=ppt/slides/slide37.xml><?xml version="1.0" encoding="utf-8"?>
+<file path=ppt/slides/slide39.xml><?xml version="1.0" encoding="utf-8"?>
 <p:sld xmlns:a="http://schemas.openxmlformats.org/drawingml/2006/main" xmlns:r="http://schemas.openxmlformats.org/officeDocument/2006/relationships" xmlns:p="http://schemas.openxmlformats.org/presentationml/2006/main">
   <p:cSld>
     <p:spTree>
@@ -7628,43 +9021,56 @@
       </p:grpSpPr>
       <p:sp>
         <p:nvSpPr>
-          <p:cNvPr id="1676290" name="Rectangle 2"/>
+          <p:cNvPr id="2" name="标题 1"/>
           <p:cNvSpPr>
-            <a:spLocks noGrp="1" noChangeArrowheads="1"/>
+            <a:spLocks noGrp="1"/>
           </p:cNvSpPr>
           <p:nvPr>
-            <p:ph type="ctrTitle"/>
+            <p:ph type="title"/>
           </p:nvPr>
         </p:nvSpPr>
-        <p:spPr>
-          <a:xfrm>
-            <a:off x="685800" y="2209800"/>
-            <a:ext cx="7772400" cy="1470025"/>
-          </a:xfrm>
-        </p:spPr>
+        <p:spPr/>
         <p:txBody>
           <a:bodyPr/>
           <a:lstStyle/>
           <a:p>
             <a:r>
-              <a:rPr lang="zh-CN" altLang="en-US"/>
-              <a:t>谢	谢！</a:t>
-            </a:r>
+              <a:rPr lang="zh-CN" altLang="en-US" dirty="0" smtClean="0"/>
+              <a:t>题四</a:t>
+            </a:r>
+            <a:endParaRPr lang="zh-CN" altLang="en-US" dirty="0"/>
+          </a:p>
+        </p:txBody>
+      </p:sp>
+      <p:sp>
+        <p:nvSpPr>
+          <p:cNvPr id="3" name="内容占位符 2"/>
+          <p:cNvSpPr>
+            <a:spLocks noGrp="1"/>
+          </p:cNvSpPr>
+          <p:nvPr>
+            <p:ph idx="1"/>
+          </p:nvPr>
+        </p:nvSpPr>
+        <p:spPr/>
+        <p:txBody>
+          <a:bodyPr/>
+          <a:lstStyle/>
+          <a:p>
+            <a:endParaRPr lang="zh-CN" altLang="en-US" dirty="0"/>
           </a:p>
         </p:txBody>
       </p:sp>
     </p:spTree>
+    <p:extLst>
+      <p:ext uri="{BB962C8B-B14F-4D97-AF65-F5344CB8AC3E}">
+        <p14:creationId xmlns:p14="http://schemas.microsoft.com/office/powerpoint/2010/main" val="4106389348"/>
+      </p:ext>
+    </p:extLst>
   </p:cSld>
   <p:clrMapOvr>
     <a:masterClrMapping/>
   </p:clrMapOvr>
-  <p:timing>
-    <p:tnLst>
-      <p:par>
-        <p:cTn id="1" dur="indefinite" restart="never" nodeType="tmRoot"/>
-      </p:par>
-    </p:tnLst>
-  </p:timing>
 </p:sld>
 </file>
 
@@ -7812,6 +9218,65 @@
   <p:clrMapOvr>
     <a:masterClrMapping/>
   </p:clrMapOvr>
+</p:sld>
+</file>
+
+<file path=ppt/slides/slide40.xml><?xml version="1.0" encoding="utf-8"?>
+<p:sld xmlns:a="http://schemas.openxmlformats.org/drawingml/2006/main" xmlns:r="http://schemas.openxmlformats.org/officeDocument/2006/relationships" xmlns:p="http://schemas.openxmlformats.org/presentationml/2006/main">
+  <p:cSld>
+    <p:spTree>
+      <p:nvGrpSpPr>
+        <p:cNvPr id="1" name=""/>
+        <p:cNvGrpSpPr/>
+        <p:nvPr/>
+      </p:nvGrpSpPr>
+      <p:grpSpPr>
+        <a:xfrm>
+          <a:off x="0" y="0"/>
+          <a:ext cx="0" cy="0"/>
+          <a:chOff x="0" y="0"/>
+          <a:chExt cx="0" cy="0"/>
+        </a:xfrm>
+      </p:grpSpPr>
+      <p:sp>
+        <p:nvSpPr>
+          <p:cNvPr id="1676290" name="Rectangle 2"/>
+          <p:cNvSpPr>
+            <a:spLocks noGrp="1" noChangeArrowheads="1"/>
+          </p:cNvSpPr>
+          <p:nvPr>
+            <p:ph type="ctrTitle"/>
+          </p:nvPr>
+        </p:nvSpPr>
+        <p:spPr>
+          <a:xfrm>
+            <a:off x="685800" y="2209800"/>
+            <a:ext cx="7772400" cy="1470025"/>
+          </a:xfrm>
+        </p:spPr>
+        <p:txBody>
+          <a:bodyPr/>
+          <a:lstStyle/>
+          <a:p>
+            <a:r>
+              <a:rPr lang="zh-CN" altLang="en-US"/>
+              <a:t>谢	谢！</a:t>
+            </a:r>
+          </a:p>
+        </p:txBody>
+      </p:sp>
+    </p:spTree>
+  </p:cSld>
+  <p:clrMapOvr>
+    <a:masterClrMapping/>
+  </p:clrMapOvr>
+  <p:timing>
+    <p:tnLst>
+      <p:par>
+        <p:cTn id="1" dur="indefinite" restart="never" nodeType="tmRoot"/>
+      </p:par>
+    </p:tnLst>
+  </p:timing>
 </p:sld>
 </file>
 

--- a/第一次作业_刘继沐.pptx
+++ b/第一次作业_刘继沐.pptx
@@ -5,10 +5,10 @@
     <p:sldMasterId id="2147483649" r:id="rId1"/>
   </p:sldMasterIdLst>
   <p:notesMasterIdLst>
-    <p:notesMasterId r:id="rId42"/>
+    <p:notesMasterId r:id="rId50"/>
   </p:notesMasterIdLst>
   <p:handoutMasterIdLst>
-    <p:handoutMasterId r:id="rId43"/>
+    <p:handoutMasterId r:id="rId51"/>
   </p:handoutMasterIdLst>
   <p:sldIdLst>
     <p:sldId id="975" r:id="rId2"/>
@@ -40,17 +40,25 @@
     <p:sldId id="999" r:id="rId28"/>
     <p:sldId id="1004" r:id="rId29"/>
     <p:sldId id="1005" r:id="rId30"/>
-    <p:sldId id="1006" r:id="rId31"/>
+    <p:sldId id="1023" r:id="rId31"/>
     <p:sldId id="1015" r:id="rId32"/>
-    <p:sldId id="1007" r:id="rId33"/>
-    <p:sldId id="1008" r:id="rId34"/>
-    <p:sldId id="1014" r:id="rId35"/>
-    <p:sldId id="1009" r:id="rId36"/>
-    <p:sldId id="1012" r:id="rId37"/>
-    <p:sldId id="1010" r:id="rId38"/>
-    <p:sldId id="1011" r:id="rId39"/>
-    <p:sldId id="1013" r:id="rId40"/>
-    <p:sldId id="876" r:id="rId41"/>
+    <p:sldId id="1016" r:id="rId33"/>
+    <p:sldId id="1017" r:id="rId34"/>
+    <p:sldId id="1018" r:id="rId35"/>
+    <p:sldId id="1007" r:id="rId36"/>
+    <p:sldId id="1008" r:id="rId37"/>
+    <p:sldId id="1014" r:id="rId38"/>
+    <p:sldId id="1009" r:id="rId39"/>
+    <p:sldId id="1012" r:id="rId40"/>
+    <p:sldId id="1010" r:id="rId41"/>
+    <p:sldId id="1011" r:id="rId42"/>
+    <p:sldId id="1013" r:id="rId43"/>
+    <p:sldId id="1019" r:id="rId44"/>
+    <p:sldId id="1021" r:id="rId45"/>
+    <p:sldId id="1022" r:id="rId46"/>
+    <p:sldId id="1020" r:id="rId47"/>
+    <p:sldId id="1024" r:id="rId48"/>
+    <p:sldId id="876" r:id="rId49"/>
   </p:sldIdLst>
   <p:sldSz cx="9144000" cy="6858000" type="screen4x3"/>
   <p:notesSz cx="9144000" cy="6858000"/>
@@ -6762,1257 +6770,856 @@
           <a:lstStyle/>
           <a:p>
             <a:r>
-              <a:rPr lang="zh-CN" altLang="en-US" dirty="0" smtClean="0"/>
+              <a:rPr lang="zh-CN" altLang="en-US" dirty="0"/>
               <a:t>原理</a:t>
             </a:r>
-            <a:endParaRPr lang="zh-CN" altLang="en-US" dirty="0"/>
           </a:p>
         </p:txBody>
       </p:sp>
-      <p:sp>
-        <p:nvSpPr>
-          <p:cNvPr id="4" name="Text Box 4"/>
-          <p:cNvSpPr txBox="1">
-            <a:spLocks noChangeArrowheads="1"/>
-          </p:cNvSpPr>
-          <p:nvPr/>
-        </p:nvSpPr>
-        <p:spPr bwMode="auto">
-          <a:xfrm>
-            <a:off x="779505" y="1877337"/>
-            <a:ext cx="7689850" cy="4431983"/>
-          </a:xfrm>
-          <a:prstGeom prst="rect">
-            <a:avLst/>
-          </a:prstGeom>
-          <a:noFill/>
-          <a:ln>
-            <a:noFill/>
-          </a:ln>
-          <a:effectLst/>
-          <a:extLst>
-            <a:ext uri="{909E8E84-426E-40DD-AFC4-6F175D3DCCD1}">
-              <a14:hiddenFill xmlns:a14="http://schemas.microsoft.com/office/drawing/2010/main">
-                <a:solidFill>
-                  <a:schemeClr val="accent1"/>
-                </a:solidFill>
-              </a14:hiddenFill>
-            </a:ext>
-            <a:ext uri="{91240B29-F687-4F45-9708-019B960494DF}">
-              <a14:hiddenLine xmlns:a14="http://schemas.microsoft.com/office/drawing/2010/main" w="9525">
-                <a:solidFill>
-                  <a:schemeClr val="tx1"/>
-                </a:solidFill>
-                <a:miter lim="800000"/>
-                <a:headEnd/>
-                <a:tailEnd/>
-              </a14:hiddenLine>
-            </a:ext>
-            <a:ext uri="{AF507438-7753-43E0-B8FC-AC1667EBCBE1}">
-              <a14:hiddenEffects xmlns:a14="http://schemas.microsoft.com/office/drawing/2010/main">
-                <a:effectLst>
-                  <a:outerShdw dist="35921" dir="2700000" algn="ctr" rotWithShape="0">
-                    <a:schemeClr val="bg2"/>
-                  </a:outerShdw>
-                </a:effectLst>
-              </a14:hiddenEffects>
-            </a:ext>
-          </a:extLst>
-        </p:spPr>
-        <p:txBody>
-          <a:bodyPr>
-            <a:spAutoFit/>
-          </a:bodyPr>
-          <a:lstStyle/>
-          <a:p>
-            <a:pPr algn="just">
-              <a:lnSpc>
-                <a:spcPct val="120000"/>
-              </a:lnSpc>
-              <a:spcBef>
-                <a:spcPct val="50000"/>
-              </a:spcBef>
-            </a:pPr>
-            <a:r>
-              <a:rPr lang="zh-CN" altLang="en-US" dirty="0" smtClean="0">
-                <a:ea typeface="华文细黑" panose="02010600040101010101" pitchFamily="2" charset="-122"/>
-              </a:rPr>
-              <a:t>一般</a:t>
-            </a:r>
-            <a:r>
-              <a:rPr lang="zh-CN" altLang="en-US" dirty="0">
-                <a:ea typeface="华文细黑" panose="02010600040101010101" pitchFamily="2" charset="-122"/>
-              </a:rPr>
-              <a:t>地，具有右端不连续微分方程的系统可以描述</a:t>
-            </a:r>
-            <a:r>
-              <a:rPr lang="zh-CN" altLang="en-US" dirty="0" smtClean="0">
-                <a:ea typeface="华文细黑" panose="02010600040101010101" pitchFamily="2" charset="-122"/>
-              </a:rPr>
-              <a:t>为</a:t>
-            </a:r>
-            <a:endParaRPr lang="zh-CN" altLang="en-US" dirty="0" smtClean="0">
-              <a:latin typeface="华文细黑" panose="02010600040101010101" pitchFamily="2" charset="-122"/>
-              <a:ea typeface="华文细黑" panose="02010600040101010101" pitchFamily="2" charset="-122"/>
-            </a:endParaRPr>
-          </a:p>
-          <a:p>
-            <a:pPr algn="just">
-              <a:lnSpc>
-                <a:spcPct val="120000"/>
-              </a:lnSpc>
-              <a:spcBef>
-                <a:spcPct val="50000"/>
-              </a:spcBef>
-            </a:pPr>
-            <a:endParaRPr lang="zh-CN" altLang="en-US" sz="3600" dirty="0" smtClean="0"/>
-          </a:p>
-          <a:p>
-            <a:pPr algn="just">
-              <a:spcBef>
-                <a:spcPct val="50000"/>
-              </a:spcBef>
-            </a:pPr>
-            <a:endParaRPr lang="zh-CN" altLang="en-US" dirty="0"/>
-          </a:p>
-          <a:p>
-            <a:pPr algn="just">
-              <a:lnSpc>
-                <a:spcPct val="120000"/>
-              </a:lnSpc>
-              <a:spcBef>
-                <a:spcPct val="50000"/>
-              </a:spcBef>
-            </a:pPr>
-            <a:r>
-              <a:rPr lang="zh-CN" altLang="en-US" dirty="0">
-                <a:latin typeface="华文细黑" panose="02010600040101010101" pitchFamily="2" charset="-122"/>
-                <a:ea typeface="华文细黑" panose="02010600040101010101" pitchFamily="2" charset="-122"/>
-              </a:rPr>
-              <a:t>其中：                               是状态的   函数，称为</a:t>
-            </a:r>
-            <a:r>
-              <a:rPr lang="zh-CN" altLang="en-US" dirty="0">
-                <a:solidFill>
-                  <a:srgbClr val="FF3300"/>
-                </a:solidFill>
-                <a:latin typeface="华文细黑" panose="02010600040101010101" pitchFamily="2" charset="-122"/>
-                <a:ea typeface="华文细黑" panose="02010600040101010101" pitchFamily="2" charset="-122"/>
-              </a:rPr>
-              <a:t>切换函数</a:t>
-            </a:r>
-            <a:r>
-              <a:rPr lang="zh-CN" altLang="en-US" dirty="0">
-                <a:latin typeface="华文细黑" panose="02010600040101010101" pitchFamily="2" charset="-122"/>
-                <a:ea typeface="华文细黑" panose="02010600040101010101" pitchFamily="2" charset="-122"/>
-              </a:rPr>
-              <a:t>。满足可微分，即      存在。</a:t>
-            </a:r>
-            <a:r>
-              <a:rPr lang="zh-CN" altLang="en-US" dirty="0"/>
-              <a:t> 微分方程的右端          不连续，结构变化得到体现，即根据条件    的正负改变结构（           为一种系统结构，          为另一种系统结构。从而满足一定的控制要求。</a:t>
-            </a:r>
-          </a:p>
-        </p:txBody>
-      </p:sp>
-      <p:graphicFrame>
-        <p:nvGraphicFramePr>
-          <p:cNvPr id="5" name="Object 19"/>
-          <p:cNvGraphicFramePr>
-            <a:graphicFrameLocks noChangeAspect="1"/>
-          </p:cNvGraphicFramePr>
-          <p:nvPr/>
-        </p:nvGraphicFramePr>
-        <p:xfrm>
-          <a:off x="1981200" y="2362200"/>
-          <a:ext cx="1828800" cy="538163"/>
-        </p:xfrm>
-        <a:graphic>
-          <a:graphicData uri="http://schemas.openxmlformats.org/presentationml/2006/ole">
-            <mc:AlternateContent xmlns:mc="http://schemas.openxmlformats.org/markup-compatibility/2006">
-              <mc:Choice xmlns:v="urn:schemas-microsoft-com:vml" Requires="v">
-                <p:oleObj spid="_x0000_s1059" name="Equation" r:id="rId3" imgW="647640" imgH="190440" progId="Equation.DSMT4">
-                  <p:embed/>
-                </p:oleObj>
-              </mc:Choice>
-              <mc:Fallback>
-                <p:oleObj name="Equation" r:id="rId3" imgW="647640" imgH="190440" progId="Equation.DSMT4">
-                  <p:embed/>
-                  <p:pic>
-                    <p:nvPicPr>
-                      <p:cNvPr id="0" name=""/>
-                      <p:cNvPicPr>
-                        <a:picLocks noChangeAspect="1" noChangeArrowheads="1"/>
-                      </p:cNvPicPr>
-                      <p:nvPr/>
-                    </p:nvPicPr>
-                    <p:blipFill>
-                      <a:blip r:embed="rId4">
-                        <a:extLst>
-                          <a:ext uri="{28A0092B-C50C-407E-A947-70E740481C1C}">
-                            <a14:useLocalDpi xmlns:a14="http://schemas.microsoft.com/office/drawing/2010/main" val="0"/>
-                          </a:ext>
-                        </a:extLst>
-                      </a:blip>
-                      <a:srcRect/>
-                      <a:stretch>
-                        <a:fillRect/>
-                      </a:stretch>
-                    </p:blipFill>
-                    <p:spPr bwMode="auto">
-                      <a:xfrm>
-                        <a:off x="1981200" y="2362200"/>
-                        <a:ext cx="1828800" cy="538163"/>
-                      </a:xfrm>
-                      <a:prstGeom prst="rect">
-                        <a:avLst/>
-                      </a:prstGeom>
-                      <a:noFill/>
-                      <a:ln>
-                        <a:noFill/>
-                      </a:ln>
-                      <a:effectLst/>
-                      <a:extLst>
-                        <a:ext uri="{909E8E84-426E-40DD-AFC4-6F175D3DCCD1}">
-                          <a14:hiddenFill xmlns:a14="http://schemas.microsoft.com/office/drawing/2010/main">
-                            <a:solidFill>
-                              <a:srgbClr val="FFFFFF"/>
-                            </a:solidFill>
-                          </a14:hiddenFill>
-                        </a:ext>
-                        <a:ext uri="{91240B29-F687-4F45-9708-019B960494DF}">
-                          <a14:hiddenLine xmlns:a14="http://schemas.microsoft.com/office/drawing/2010/main" w="9525">
-                            <a:solidFill>
-                              <a:srgbClr val="000000"/>
-                            </a:solidFill>
-                            <a:miter lim="800000"/>
-                            <a:headEnd/>
-                            <a:tailEnd/>
-                          </a14:hiddenLine>
-                        </a:ext>
-                        <a:ext uri="{AF507438-7753-43E0-B8FC-AC1667EBCBE1}">
-                          <a14:hiddenEffects xmlns:a14="http://schemas.microsoft.com/office/drawing/2010/main">
-                            <a:effectLst>
-                              <a:outerShdw dist="35921" dir="2700000" algn="ctr" rotWithShape="0">
-                                <a:srgbClr val="808080"/>
-                              </a:outerShdw>
-                            </a:effectLst>
-                          </a14:hiddenEffects>
-                        </a:ext>
-                      </a:extLst>
-                    </p:spPr>
-                  </p:pic>
-                </p:oleObj>
-              </mc:Fallback>
-            </mc:AlternateContent>
-          </a:graphicData>
-        </a:graphic>
-      </p:graphicFrame>
-      <p:graphicFrame>
-        <p:nvGraphicFramePr>
-          <p:cNvPr id="6" name="Object 22"/>
-          <p:cNvGraphicFramePr>
-            <a:graphicFrameLocks noChangeAspect="1"/>
-          </p:cNvGraphicFramePr>
-          <p:nvPr/>
-        </p:nvGraphicFramePr>
-        <p:xfrm>
-          <a:off x="3886200" y="2362200"/>
-          <a:ext cx="838200" cy="393700"/>
-        </p:xfrm>
-        <a:graphic>
-          <a:graphicData uri="http://schemas.openxmlformats.org/presentationml/2006/ole">
-            <mc:AlternateContent xmlns:mc="http://schemas.openxmlformats.org/markup-compatibility/2006">
-              <mc:Choice xmlns:v="urn:schemas-microsoft-com:vml" Requires="v">
-                <p:oleObj spid="_x0000_s1060" name="Equation" r:id="rId5" imgW="406080" imgH="190440" progId="Equation.DSMT4">
-                  <p:embed/>
-                </p:oleObj>
-              </mc:Choice>
-              <mc:Fallback>
-                <p:oleObj name="Equation" r:id="rId5" imgW="406080" imgH="190440" progId="Equation.DSMT4">
-                  <p:embed/>
-                  <p:pic>
-                    <p:nvPicPr>
-                      <p:cNvPr id="0" name=""/>
-                      <p:cNvPicPr>
-                        <a:picLocks noChangeAspect="1" noChangeArrowheads="1"/>
-                      </p:cNvPicPr>
-                      <p:nvPr/>
-                    </p:nvPicPr>
-                    <p:blipFill>
-                      <a:blip r:embed="rId6">
-                        <a:extLst>
-                          <a:ext uri="{28A0092B-C50C-407E-A947-70E740481C1C}">
-                            <a14:useLocalDpi xmlns:a14="http://schemas.microsoft.com/office/drawing/2010/main" val="0"/>
-                          </a:ext>
-                        </a:extLst>
-                      </a:blip>
-                      <a:srcRect/>
-                      <a:stretch>
-                        <a:fillRect/>
-                      </a:stretch>
-                    </p:blipFill>
-                    <p:spPr bwMode="auto">
-                      <a:xfrm>
-                        <a:off x="3886200" y="2362200"/>
-                        <a:ext cx="838200" cy="393700"/>
-                      </a:xfrm>
-                      <a:prstGeom prst="rect">
-                        <a:avLst/>
-                      </a:prstGeom>
-                      <a:noFill/>
-                      <a:ln>
-                        <a:noFill/>
-                      </a:ln>
-                      <a:effectLst/>
-                      <a:extLst>
-                        <a:ext uri="{909E8E84-426E-40DD-AFC4-6F175D3DCCD1}">
-                          <a14:hiddenFill xmlns:a14="http://schemas.microsoft.com/office/drawing/2010/main">
-                            <a:solidFill>
-                              <a:srgbClr val="FFFFFF"/>
-                            </a:solidFill>
-                          </a14:hiddenFill>
-                        </a:ext>
-                        <a:ext uri="{91240B29-F687-4F45-9708-019B960494DF}">
-                          <a14:hiddenLine xmlns:a14="http://schemas.microsoft.com/office/drawing/2010/main" w="9525">
-                            <a:solidFill>
-                              <a:srgbClr val="000000"/>
-                            </a:solidFill>
-                            <a:miter lim="800000"/>
-                            <a:headEnd/>
-                            <a:tailEnd/>
-                          </a14:hiddenLine>
-                        </a:ext>
-                        <a:ext uri="{AF507438-7753-43E0-B8FC-AC1667EBCBE1}">
-                          <a14:hiddenEffects xmlns:a14="http://schemas.microsoft.com/office/drawing/2010/main">
-                            <a:effectLst>
-                              <a:outerShdw dist="35921" dir="2700000" algn="ctr" rotWithShape="0">
-                                <a:srgbClr val="808080"/>
-                              </a:outerShdw>
-                            </a:effectLst>
-                          </a14:hiddenEffects>
-                        </a:ext>
-                      </a:extLst>
-                    </p:spPr>
-                  </p:pic>
-                </p:oleObj>
-              </mc:Fallback>
-            </mc:AlternateContent>
-          </a:graphicData>
-        </a:graphic>
-      </p:graphicFrame>
-      <p:graphicFrame>
-        <p:nvGraphicFramePr>
-          <p:cNvPr id="7" name="Object 23"/>
-          <p:cNvGraphicFramePr>
-            <a:graphicFrameLocks noChangeAspect="1"/>
-          </p:cNvGraphicFramePr>
-          <p:nvPr/>
-        </p:nvGraphicFramePr>
-        <p:xfrm>
-          <a:off x="4876800" y="2438400"/>
-          <a:ext cx="685800" cy="330200"/>
-        </p:xfrm>
-        <a:graphic>
-          <a:graphicData uri="http://schemas.openxmlformats.org/presentationml/2006/ole">
-            <mc:AlternateContent xmlns:mc="http://schemas.openxmlformats.org/markup-compatibility/2006">
-              <mc:Choice xmlns:v="urn:schemas-microsoft-com:vml" Requires="v">
-                <p:oleObj spid="_x0000_s1061" name="Equation" r:id="rId7" imgW="342720" imgH="164880" progId="Equation.DSMT4">
-                  <p:embed/>
-                </p:oleObj>
-              </mc:Choice>
-              <mc:Fallback>
-                <p:oleObj name="Equation" r:id="rId7" imgW="342720" imgH="164880" progId="Equation.DSMT4">
-                  <p:embed/>
-                  <p:pic>
-                    <p:nvPicPr>
-                      <p:cNvPr id="0" name=""/>
-                      <p:cNvPicPr>
-                        <a:picLocks noChangeAspect="1" noChangeArrowheads="1"/>
-                      </p:cNvPicPr>
-                      <p:nvPr/>
-                    </p:nvPicPr>
-                    <p:blipFill>
-                      <a:blip r:embed="rId8">
-                        <a:extLst>
-                          <a:ext uri="{28A0092B-C50C-407E-A947-70E740481C1C}">
-                            <a14:useLocalDpi xmlns:a14="http://schemas.microsoft.com/office/drawing/2010/main" val="0"/>
-                          </a:ext>
-                        </a:extLst>
-                      </a:blip>
-                      <a:srcRect/>
-                      <a:stretch>
-                        <a:fillRect/>
-                      </a:stretch>
-                    </p:blipFill>
-                    <p:spPr bwMode="auto">
-                      <a:xfrm>
-                        <a:off x="4876800" y="2438400"/>
-                        <a:ext cx="685800" cy="330200"/>
-                      </a:xfrm>
-                      <a:prstGeom prst="rect">
-                        <a:avLst/>
-                      </a:prstGeom>
-                      <a:noFill/>
-                      <a:ln>
-                        <a:noFill/>
-                      </a:ln>
-                      <a:effectLst/>
-                      <a:extLst>
-                        <a:ext uri="{909E8E84-426E-40DD-AFC4-6F175D3DCCD1}">
-                          <a14:hiddenFill xmlns:a14="http://schemas.microsoft.com/office/drawing/2010/main">
-                            <a:solidFill>
-                              <a:srgbClr val="FFFFFF"/>
-                            </a:solidFill>
-                          </a14:hiddenFill>
-                        </a:ext>
-                        <a:ext uri="{91240B29-F687-4F45-9708-019B960494DF}">
-                          <a14:hiddenLine xmlns:a14="http://schemas.microsoft.com/office/drawing/2010/main" w="9525">
-                            <a:solidFill>
-                              <a:srgbClr val="000000"/>
-                            </a:solidFill>
-                            <a:miter lim="800000"/>
-                            <a:headEnd/>
-                            <a:tailEnd/>
-                          </a14:hiddenLine>
-                        </a:ext>
-                        <a:ext uri="{AF507438-7753-43E0-B8FC-AC1667EBCBE1}">
-                          <a14:hiddenEffects xmlns:a14="http://schemas.microsoft.com/office/drawing/2010/main">
-                            <a:effectLst>
-                              <a:outerShdw dist="35921" dir="2700000" algn="ctr" rotWithShape="0">
-                                <a:srgbClr val="808080"/>
-                              </a:outerShdw>
-                            </a:effectLst>
-                          </a14:hiddenEffects>
-                        </a:ext>
-                      </a:extLst>
-                    </p:spPr>
-                  </p:pic>
-                </p:oleObj>
-              </mc:Fallback>
-            </mc:AlternateContent>
-          </a:graphicData>
-        </a:graphic>
-      </p:graphicFrame>
-      <p:graphicFrame>
-        <p:nvGraphicFramePr>
-          <p:cNvPr id="8" name="Object 24"/>
-          <p:cNvGraphicFramePr>
-            <a:graphicFrameLocks noChangeAspect="1"/>
-          </p:cNvGraphicFramePr>
-          <p:nvPr/>
-        </p:nvGraphicFramePr>
-        <p:xfrm>
-          <a:off x="1603375" y="2971800"/>
-          <a:ext cx="4721225" cy="911225"/>
-        </p:xfrm>
-        <a:graphic>
-          <a:graphicData uri="http://schemas.openxmlformats.org/presentationml/2006/ole">
-            <mc:AlternateContent xmlns:mc="http://schemas.openxmlformats.org/markup-compatibility/2006">
-              <mc:Choice xmlns:v="urn:schemas-microsoft-com:vml" Requires="v">
-                <p:oleObj spid="_x0000_s1062" name="Equation" r:id="rId9" imgW="2831760" imgH="545760" progId="Equation.DSMT4">
-                  <p:embed/>
-                </p:oleObj>
-              </mc:Choice>
-              <mc:Fallback>
-                <p:oleObj name="Equation" r:id="rId9" imgW="2831760" imgH="545760" progId="Equation.DSMT4">
-                  <p:embed/>
-                  <p:pic>
-                    <p:nvPicPr>
-                      <p:cNvPr id="0" name=""/>
-                      <p:cNvPicPr>
-                        <a:picLocks noChangeAspect="1" noChangeArrowheads="1"/>
-                      </p:cNvPicPr>
-                      <p:nvPr/>
-                    </p:nvPicPr>
-                    <p:blipFill>
-                      <a:blip r:embed="rId10">
-                        <a:extLst>
-                          <a:ext uri="{28A0092B-C50C-407E-A947-70E740481C1C}">
-                            <a14:useLocalDpi xmlns:a14="http://schemas.microsoft.com/office/drawing/2010/main" val="0"/>
-                          </a:ext>
-                        </a:extLst>
-                      </a:blip>
-                      <a:srcRect/>
-                      <a:stretch>
-                        <a:fillRect/>
-                      </a:stretch>
-                    </p:blipFill>
-                    <p:spPr bwMode="auto">
-                      <a:xfrm>
-                        <a:off x="1603375" y="2971800"/>
-                        <a:ext cx="4721225" cy="911225"/>
-                      </a:xfrm>
-                      <a:prstGeom prst="rect">
-                        <a:avLst/>
-                      </a:prstGeom>
-                      <a:noFill/>
-                      <a:ln>
-                        <a:noFill/>
-                      </a:ln>
-                      <a:effectLst/>
-                      <a:extLst>
-                        <a:ext uri="{909E8E84-426E-40DD-AFC4-6F175D3DCCD1}">
-                          <a14:hiddenFill xmlns:a14="http://schemas.microsoft.com/office/drawing/2010/main">
-                            <a:solidFill>
-                              <a:srgbClr val="FFFFFF"/>
-                            </a:solidFill>
-                          </a14:hiddenFill>
-                        </a:ext>
-                        <a:ext uri="{91240B29-F687-4F45-9708-019B960494DF}">
-                          <a14:hiddenLine xmlns:a14="http://schemas.microsoft.com/office/drawing/2010/main" w="9525">
-                            <a:solidFill>
-                              <a:srgbClr val="000000"/>
-                            </a:solidFill>
-                            <a:miter lim="800000"/>
-                            <a:headEnd/>
-                            <a:tailEnd/>
-                          </a14:hiddenLine>
-                        </a:ext>
-                        <a:ext uri="{AF507438-7753-43E0-B8FC-AC1667EBCBE1}">
-                          <a14:hiddenEffects xmlns:a14="http://schemas.microsoft.com/office/drawing/2010/main">
-                            <a:effectLst>
-                              <a:outerShdw dist="35921" dir="2700000" algn="ctr" rotWithShape="0">
-                                <a:srgbClr val="808080"/>
-                              </a:outerShdw>
-                            </a:effectLst>
-                          </a14:hiddenEffects>
-                        </a:ext>
-                      </a:extLst>
-                    </p:spPr>
-                  </p:pic>
-                </p:oleObj>
-              </mc:Fallback>
-            </mc:AlternateContent>
-          </a:graphicData>
-        </a:graphic>
-      </p:graphicFrame>
-      <p:graphicFrame>
-        <p:nvGraphicFramePr>
-          <p:cNvPr id="9" name="Object 25"/>
-          <p:cNvGraphicFramePr>
-            <a:graphicFrameLocks noChangeAspect="1"/>
-          </p:cNvGraphicFramePr>
-          <p:nvPr/>
-        </p:nvGraphicFramePr>
-        <p:xfrm>
-          <a:off x="1676400" y="4038600"/>
-          <a:ext cx="2514600" cy="433388"/>
-        </p:xfrm>
-        <a:graphic>
-          <a:graphicData uri="http://schemas.openxmlformats.org/presentationml/2006/ole">
-            <mc:AlternateContent xmlns:mc="http://schemas.openxmlformats.org/markup-compatibility/2006">
-              <mc:Choice xmlns:v="urn:schemas-microsoft-com:vml" Requires="v">
-                <p:oleObj spid="_x0000_s1063" name="Equation" r:id="rId11" imgW="1180800" imgH="203040" progId="Equation.DSMT4">
-                  <p:embed/>
-                </p:oleObj>
-              </mc:Choice>
-              <mc:Fallback>
-                <p:oleObj name="Equation" r:id="rId11" imgW="1180800" imgH="203040" progId="Equation.DSMT4">
-                  <p:embed/>
-                  <p:pic>
-                    <p:nvPicPr>
-                      <p:cNvPr id="0" name=""/>
-                      <p:cNvPicPr>
-                        <a:picLocks noChangeAspect="1" noChangeArrowheads="1"/>
-                      </p:cNvPicPr>
-                      <p:nvPr/>
-                    </p:nvPicPr>
-                    <p:blipFill>
-                      <a:blip r:embed="rId12">
-                        <a:extLst>
-                          <a:ext uri="{28A0092B-C50C-407E-A947-70E740481C1C}">
-                            <a14:useLocalDpi xmlns:a14="http://schemas.microsoft.com/office/drawing/2010/main" val="0"/>
-                          </a:ext>
-                        </a:extLst>
-                      </a:blip>
-                      <a:srcRect/>
-                      <a:stretch>
-                        <a:fillRect/>
-                      </a:stretch>
-                    </p:blipFill>
-                    <p:spPr bwMode="auto">
-                      <a:xfrm>
-                        <a:off x="1676400" y="4038600"/>
-                        <a:ext cx="2514600" cy="433388"/>
-                      </a:xfrm>
-                      <a:prstGeom prst="rect">
-                        <a:avLst/>
-                      </a:prstGeom>
-                      <a:noFill/>
-                      <a:ln>
-                        <a:noFill/>
-                      </a:ln>
-                      <a:effectLst/>
-                      <a:extLst>
-                        <a:ext uri="{909E8E84-426E-40DD-AFC4-6F175D3DCCD1}">
-                          <a14:hiddenFill xmlns:a14="http://schemas.microsoft.com/office/drawing/2010/main">
-                            <a:solidFill>
-                              <a:srgbClr val="FFFFFF"/>
-                            </a:solidFill>
-                          </a14:hiddenFill>
-                        </a:ext>
-                        <a:ext uri="{91240B29-F687-4F45-9708-019B960494DF}">
-                          <a14:hiddenLine xmlns:a14="http://schemas.microsoft.com/office/drawing/2010/main" w="9525">
-                            <a:solidFill>
-                              <a:srgbClr val="000000"/>
-                            </a:solidFill>
-                            <a:miter lim="800000"/>
-                            <a:headEnd/>
-                            <a:tailEnd/>
-                          </a14:hiddenLine>
-                        </a:ext>
-                        <a:ext uri="{AF507438-7753-43E0-B8FC-AC1667EBCBE1}">
-                          <a14:hiddenEffects xmlns:a14="http://schemas.microsoft.com/office/drawing/2010/main">
-                            <a:effectLst>
-                              <a:outerShdw dist="35921" dir="2700000" algn="ctr" rotWithShape="0">
-                                <a:srgbClr val="808080"/>
-                              </a:outerShdw>
-                            </a:effectLst>
-                          </a14:hiddenEffects>
-                        </a:ext>
-                      </a:extLst>
-                    </p:spPr>
-                  </p:pic>
-                </p:oleObj>
-              </mc:Fallback>
-            </mc:AlternateContent>
-          </a:graphicData>
-        </a:graphic>
-      </p:graphicFrame>
-      <p:graphicFrame>
-        <p:nvGraphicFramePr>
-          <p:cNvPr id="10" name="Object 26"/>
-          <p:cNvGraphicFramePr>
-            <a:graphicFrameLocks noChangeAspect="1"/>
-          </p:cNvGraphicFramePr>
-          <p:nvPr/>
-        </p:nvGraphicFramePr>
-        <p:xfrm>
-          <a:off x="5334000" y="4114800"/>
-          <a:ext cx="304800" cy="304800"/>
-        </p:xfrm>
-        <a:graphic>
-          <a:graphicData uri="http://schemas.openxmlformats.org/presentationml/2006/ole">
-            <mc:AlternateContent xmlns:mc="http://schemas.openxmlformats.org/markup-compatibility/2006">
-              <mc:Choice xmlns:v="urn:schemas-microsoft-com:vml" Requires="v">
-                <p:oleObj spid="_x0000_s1064" name="Equation" r:id="rId13" imgW="126720" imgH="126720" progId="Equation.DSMT4">
-                  <p:embed/>
-                </p:oleObj>
-              </mc:Choice>
-              <mc:Fallback>
-                <p:oleObj name="Equation" r:id="rId13" imgW="126720" imgH="126720" progId="Equation.DSMT4">
-                  <p:embed/>
-                  <p:pic>
-                    <p:nvPicPr>
-                      <p:cNvPr id="0" name=""/>
-                      <p:cNvPicPr>
-                        <a:picLocks noChangeAspect="1" noChangeArrowheads="1"/>
-                      </p:cNvPicPr>
-                      <p:nvPr/>
-                    </p:nvPicPr>
-                    <p:blipFill>
-                      <a:blip r:embed="rId14">
-                        <a:extLst>
-                          <a:ext uri="{28A0092B-C50C-407E-A947-70E740481C1C}">
-                            <a14:useLocalDpi xmlns:a14="http://schemas.microsoft.com/office/drawing/2010/main" val="0"/>
-                          </a:ext>
-                        </a:extLst>
-                      </a:blip>
-                      <a:srcRect/>
-                      <a:stretch>
-                        <a:fillRect/>
-                      </a:stretch>
-                    </p:blipFill>
-                    <p:spPr bwMode="auto">
-                      <a:xfrm>
-                        <a:off x="5334000" y="4114800"/>
-                        <a:ext cx="304800" cy="304800"/>
-                      </a:xfrm>
-                      <a:prstGeom prst="rect">
-                        <a:avLst/>
-                      </a:prstGeom>
-                      <a:noFill/>
-                      <a:ln>
-                        <a:noFill/>
-                      </a:ln>
-                      <a:effectLst/>
-                      <a:extLst>
-                        <a:ext uri="{909E8E84-426E-40DD-AFC4-6F175D3DCCD1}">
-                          <a14:hiddenFill xmlns:a14="http://schemas.microsoft.com/office/drawing/2010/main">
-                            <a:solidFill>
-                              <a:srgbClr val="FFFFFF"/>
-                            </a:solidFill>
-                          </a14:hiddenFill>
-                        </a:ext>
-                        <a:ext uri="{91240B29-F687-4F45-9708-019B960494DF}">
-                          <a14:hiddenLine xmlns:a14="http://schemas.microsoft.com/office/drawing/2010/main" w="9525">
-                            <a:solidFill>
-                              <a:srgbClr val="000000"/>
-                            </a:solidFill>
-                            <a:miter lim="800000"/>
-                            <a:headEnd/>
-                            <a:tailEnd/>
-                          </a14:hiddenLine>
-                        </a:ext>
-                        <a:ext uri="{AF507438-7753-43E0-B8FC-AC1667EBCBE1}">
-                          <a14:hiddenEffects xmlns:a14="http://schemas.microsoft.com/office/drawing/2010/main">
-                            <a:effectLst>
-                              <a:outerShdw dist="35921" dir="2700000" algn="ctr" rotWithShape="0">
-                                <a:srgbClr val="808080"/>
-                              </a:outerShdw>
-                            </a:effectLst>
-                          </a14:hiddenEffects>
-                        </a:ext>
-                      </a:extLst>
-                    </p:spPr>
-                  </p:pic>
-                </p:oleObj>
-              </mc:Fallback>
-            </mc:AlternateContent>
-          </a:graphicData>
-        </a:graphic>
-      </p:graphicFrame>
-      <p:graphicFrame>
-        <p:nvGraphicFramePr>
-          <p:cNvPr id="11" name="Object 29"/>
-          <p:cNvGraphicFramePr>
-            <a:graphicFrameLocks noChangeAspect="1"/>
-          </p:cNvGraphicFramePr>
-          <p:nvPr>
-            <p:extLst>
-              <p:ext uri="{D42A27DB-BD31-4B8C-83A1-F6EECF244321}">
-                <p14:modId xmlns:p14="http://schemas.microsoft.com/office/powerpoint/2010/main" val="490449516"/>
-              </p:ext>
-            </p:extLst>
-          </p:nvPr>
-        </p:nvGraphicFramePr>
-        <p:xfrm>
-          <a:off x="2956112" y="4419600"/>
-          <a:ext cx="533400" cy="514350"/>
-        </p:xfrm>
-        <a:graphic>
-          <a:graphicData uri="http://schemas.openxmlformats.org/presentationml/2006/ole">
-            <mc:AlternateContent xmlns:mc="http://schemas.openxmlformats.org/markup-compatibility/2006">
-              <mc:Choice xmlns:v="urn:schemas-microsoft-com:vml" Requires="v">
-                <p:oleObj spid="_x0000_s1065" name="Equation" r:id="rId15" imgW="368280" imgH="355320" progId="Equation.DSMT4">
-                  <p:embed/>
-                </p:oleObj>
-              </mc:Choice>
-              <mc:Fallback>
-                <p:oleObj name="Equation" r:id="rId15" imgW="368280" imgH="355320" progId="Equation.DSMT4">
-                  <p:embed/>
-                  <p:pic>
-                    <p:nvPicPr>
-                      <p:cNvPr id="0" name=""/>
-                      <p:cNvPicPr>
-                        <a:picLocks noChangeAspect="1" noChangeArrowheads="1"/>
-                      </p:cNvPicPr>
-                      <p:nvPr/>
-                    </p:nvPicPr>
-                    <p:blipFill>
-                      <a:blip r:embed="rId16">
-                        <a:extLst>
-                          <a:ext uri="{28A0092B-C50C-407E-A947-70E740481C1C}">
-                            <a14:useLocalDpi xmlns:a14="http://schemas.microsoft.com/office/drawing/2010/main" val="0"/>
-                          </a:ext>
-                        </a:extLst>
-                      </a:blip>
-                      <a:srcRect/>
-                      <a:stretch>
-                        <a:fillRect/>
-                      </a:stretch>
-                    </p:blipFill>
-                    <p:spPr bwMode="auto">
-                      <a:xfrm>
-                        <a:off x="2956112" y="4419600"/>
-                        <a:ext cx="533400" cy="514350"/>
-                      </a:xfrm>
-                      <a:prstGeom prst="rect">
-                        <a:avLst/>
-                      </a:prstGeom>
-                      <a:noFill/>
-                      <a:ln>
-                        <a:noFill/>
-                      </a:ln>
-                      <a:effectLst/>
-                      <a:extLst>
-                        <a:ext uri="{909E8E84-426E-40DD-AFC4-6F175D3DCCD1}">
-                          <a14:hiddenFill xmlns:a14="http://schemas.microsoft.com/office/drawing/2010/main">
-                            <a:solidFill>
-                              <a:srgbClr val="FFFFFF"/>
-                            </a:solidFill>
-                          </a14:hiddenFill>
-                        </a:ext>
-                        <a:ext uri="{91240B29-F687-4F45-9708-019B960494DF}">
-                          <a14:hiddenLine xmlns:a14="http://schemas.microsoft.com/office/drawing/2010/main" w="9525">
-                            <a:solidFill>
-                              <a:srgbClr val="000000"/>
-                            </a:solidFill>
-                            <a:miter lim="800000"/>
-                            <a:headEnd/>
-                            <a:tailEnd/>
-                          </a14:hiddenLine>
-                        </a:ext>
-                        <a:ext uri="{AF507438-7753-43E0-B8FC-AC1667EBCBE1}">
-                          <a14:hiddenEffects xmlns:a14="http://schemas.microsoft.com/office/drawing/2010/main">
-                            <a:effectLst>
-                              <a:outerShdw dist="35921" dir="2700000" algn="ctr" rotWithShape="0">
-                                <a:srgbClr val="808080"/>
-                              </a:outerShdw>
-                            </a:effectLst>
-                          </a14:hiddenEffects>
-                        </a:ext>
-                      </a:extLst>
-                    </p:spPr>
-                  </p:pic>
-                </p:oleObj>
-              </mc:Fallback>
-            </mc:AlternateContent>
-          </a:graphicData>
-        </a:graphic>
-      </p:graphicFrame>
-      <p:graphicFrame>
-        <p:nvGraphicFramePr>
-          <p:cNvPr id="12" name="Object 31"/>
-          <p:cNvGraphicFramePr>
-            <a:graphicFrameLocks noChangeAspect="1"/>
-          </p:cNvGraphicFramePr>
-          <p:nvPr>
-            <p:extLst>
-              <p:ext uri="{D42A27DB-BD31-4B8C-83A1-F6EECF244321}">
-                <p14:modId xmlns:p14="http://schemas.microsoft.com/office/powerpoint/2010/main" val="2740975151"/>
-              </p:ext>
-            </p:extLst>
-          </p:nvPr>
-        </p:nvGraphicFramePr>
-        <p:xfrm>
-          <a:off x="5483225" y="4933950"/>
-          <a:ext cx="533400" cy="339725"/>
-        </p:xfrm>
-        <a:graphic>
-          <a:graphicData uri="http://schemas.openxmlformats.org/presentationml/2006/ole">
-            <mc:AlternateContent xmlns:mc="http://schemas.openxmlformats.org/markup-compatibility/2006">
-              <mc:Choice xmlns:v="urn:schemas-microsoft-com:vml" Requires="v">
-                <p:oleObj spid="_x0000_s1066" name="Equation" r:id="rId17" imgW="317225" imgH="203024" progId="Equation.DSMT4">
-                  <p:embed/>
-                </p:oleObj>
-              </mc:Choice>
-              <mc:Fallback>
-                <p:oleObj name="Equation" r:id="rId17" imgW="317225" imgH="203024" progId="Equation.DSMT4">
-                  <p:embed/>
-                  <p:pic>
-                    <p:nvPicPr>
-                      <p:cNvPr id="0" name=""/>
-                      <p:cNvPicPr>
-                        <a:picLocks noChangeAspect="1" noChangeArrowheads="1"/>
-                      </p:cNvPicPr>
-                      <p:nvPr/>
-                    </p:nvPicPr>
-                    <p:blipFill>
-                      <a:blip r:embed="rId18">
-                        <a:extLst>
-                          <a:ext uri="{28A0092B-C50C-407E-A947-70E740481C1C}">
-                            <a14:useLocalDpi xmlns:a14="http://schemas.microsoft.com/office/drawing/2010/main" val="0"/>
-                          </a:ext>
-                        </a:extLst>
-                      </a:blip>
-                      <a:srcRect/>
-                      <a:stretch>
-                        <a:fillRect/>
-                      </a:stretch>
-                    </p:blipFill>
-                    <p:spPr bwMode="auto">
-                      <a:xfrm>
-                        <a:off x="5483225" y="4933950"/>
-                        <a:ext cx="533400" cy="339725"/>
-                      </a:xfrm>
-                      <a:prstGeom prst="rect">
-                        <a:avLst/>
-                      </a:prstGeom>
-                      <a:noFill/>
-                      <a:extLst>
-                        <a:ext uri="{909E8E84-426E-40DD-AFC4-6F175D3DCCD1}">
-                          <a14:hiddenFill xmlns:a14="http://schemas.microsoft.com/office/drawing/2010/main">
-                            <a:solidFill>
-                              <a:srgbClr val="FFFFFF"/>
-                            </a:solidFill>
-                          </a14:hiddenFill>
-                        </a:ext>
-                      </a:extLst>
-                    </p:spPr>
-                  </p:pic>
-                </p:oleObj>
-              </mc:Fallback>
-            </mc:AlternateContent>
-          </a:graphicData>
-        </a:graphic>
-      </p:graphicFrame>
-      <p:graphicFrame>
-        <p:nvGraphicFramePr>
-          <p:cNvPr id="13" name="Object 35"/>
-          <p:cNvGraphicFramePr>
-            <a:graphicFrameLocks noChangeAspect="1"/>
-          </p:cNvGraphicFramePr>
-          <p:nvPr/>
-        </p:nvGraphicFramePr>
-        <p:xfrm>
-          <a:off x="1143000" y="5334000"/>
-          <a:ext cx="990600" cy="404813"/>
-        </p:xfrm>
-        <a:graphic>
-          <a:graphicData uri="http://schemas.openxmlformats.org/presentationml/2006/ole">
-            <mc:AlternateContent xmlns:mc="http://schemas.openxmlformats.org/markup-compatibility/2006">
-              <mc:Choice xmlns:v="urn:schemas-microsoft-com:vml" Requires="v">
-                <p:oleObj spid="_x0000_s1067" name="Equation" r:id="rId19" imgW="558720" imgH="228600" progId="Equation.DSMT4">
-                  <p:embed/>
-                </p:oleObj>
-              </mc:Choice>
-              <mc:Fallback>
-                <p:oleObj name="Equation" r:id="rId19" imgW="558720" imgH="228600" progId="Equation.DSMT4">
-                  <p:embed/>
-                  <p:pic>
-                    <p:nvPicPr>
-                      <p:cNvPr id="0" name=""/>
-                      <p:cNvPicPr>
-                        <a:picLocks noChangeAspect="1" noChangeArrowheads="1"/>
-                      </p:cNvPicPr>
-                      <p:nvPr/>
-                    </p:nvPicPr>
-                    <p:blipFill>
-                      <a:blip r:embed="rId20">
-                        <a:extLst>
-                          <a:ext uri="{28A0092B-C50C-407E-A947-70E740481C1C}">
-                            <a14:useLocalDpi xmlns:a14="http://schemas.microsoft.com/office/drawing/2010/main" val="0"/>
-                          </a:ext>
-                        </a:extLst>
-                      </a:blip>
-                      <a:srcRect/>
-                      <a:stretch>
-                        <a:fillRect/>
-                      </a:stretch>
-                    </p:blipFill>
-                    <p:spPr bwMode="auto">
-                      <a:xfrm>
-                        <a:off x="1143000" y="5334000"/>
-                        <a:ext cx="990600" cy="404813"/>
-                      </a:xfrm>
-                      <a:prstGeom prst="rect">
-                        <a:avLst/>
-                      </a:prstGeom>
-                      <a:noFill/>
-                      <a:ln>
-                        <a:noFill/>
-                      </a:ln>
-                      <a:effectLst/>
-                      <a:extLst>
-                        <a:ext uri="{909E8E84-426E-40DD-AFC4-6F175D3DCCD1}">
-                          <a14:hiddenFill xmlns:a14="http://schemas.microsoft.com/office/drawing/2010/main">
-                            <a:solidFill>
-                              <a:srgbClr val="FFFFFF"/>
-                            </a:solidFill>
-                          </a14:hiddenFill>
-                        </a:ext>
-                        <a:ext uri="{91240B29-F687-4F45-9708-019B960494DF}">
-                          <a14:hiddenLine xmlns:a14="http://schemas.microsoft.com/office/drawing/2010/main" w="9525">
-                            <a:solidFill>
-                              <a:srgbClr val="000000"/>
-                            </a:solidFill>
-                            <a:miter lim="800000"/>
-                            <a:headEnd/>
-                            <a:tailEnd/>
-                          </a14:hiddenLine>
-                        </a:ext>
-                        <a:ext uri="{AF507438-7753-43E0-B8FC-AC1667EBCBE1}">
-                          <a14:hiddenEffects xmlns:a14="http://schemas.microsoft.com/office/drawing/2010/main">
-                            <a:effectLst>
-                              <a:outerShdw dist="35921" dir="2700000" algn="ctr" rotWithShape="0">
-                                <a:srgbClr val="808080"/>
-                              </a:outerShdw>
-                            </a:effectLst>
-                          </a14:hiddenEffects>
-                        </a:ext>
-                      </a:extLst>
-                    </p:spPr>
-                  </p:pic>
-                </p:oleObj>
-              </mc:Fallback>
-            </mc:AlternateContent>
-          </a:graphicData>
-        </a:graphic>
-      </p:graphicFrame>
-      <p:graphicFrame>
-        <p:nvGraphicFramePr>
-          <p:cNvPr id="14" name="Object 36"/>
-          <p:cNvGraphicFramePr>
-            <a:graphicFrameLocks noChangeAspect="1"/>
-          </p:cNvGraphicFramePr>
-          <p:nvPr/>
-        </p:nvGraphicFramePr>
-        <p:xfrm>
-          <a:off x="4572000" y="5334000"/>
-          <a:ext cx="990600" cy="404813"/>
-        </p:xfrm>
-        <a:graphic>
-          <a:graphicData uri="http://schemas.openxmlformats.org/presentationml/2006/ole">
-            <mc:AlternateContent xmlns:mc="http://schemas.openxmlformats.org/markup-compatibility/2006">
-              <mc:Choice xmlns:v="urn:schemas-microsoft-com:vml" Requires="v">
-                <p:oleObj spid="_x0000_s1068" name="Equation" r:id="rId21" imgW="558720" imgH="228600" progId="Equation.DSMT4">
-                  <p:embed/>
-                </p:oleObj>
-              </mc:Choice>
-              <mc:Fallback>
-                <p:oleObj name="Equation" r:id="rId21" imgW="558720" imgH="228600" progId="Equation.DSMT4">
-                  <p:embed/>
-                  <p:pic>
-                    <p:nvPicPr>
-                      <p:cNvPr id="0" name=""/>
-                      <p:cNvPicPr>
-                        <a:picLocks noChangeAspect="1" noChangeArrowheads="1"/>
-                      </p:cNvPicPr>
-                      <p:nvPr/>
-                    </p:nvPicPr>
-                    <p:blipFill>
-                      <a:blip r:embed="rId22">
-                        <a:extLst>
-                          <a:ext uri="{28A0092B-C50C-407E-A947-70E740481C1C}">
-                            <a14:useLocalDpi xmlns:a14="http://schemas.microsoft.com/office/drawing/2010/main" val="0"/>
-                          </a:ext>
-                        </a:extLst>
-                      </a:blip>
-                      <a:srcRect/>
-                      <a:stretch>
-                        <a:fillRect/>
-                      </a:stretch>
-                    </p:blipFill>
-                    <p:spPr bwMode="auto">
-                      <a:xfrm>
-                        <a:off x="4572000" y="5334000"/>
-                        <a:ext cx="990600" cy="404813"/>
-                      </a:xfrm>
-                      <a:prstGeom prst="rect">
-                        <a:avLst/>
-                      </a:prstGeom>
-                      <a:noFill/>
-                      <a:ln>
-                        <a:noFill/>
-                      </a:ln>
-                      <a:effectLst/>
-                      <a:extLst>
-                        <a:ext uri="{909E8E84-426E-40DD-AFC4-6F175D3DCCD1}">
-                          <a14:hiddenFill xmlns:a14="http://schemas.microsoft.com/office/drawing/2010/main">
-                            <a:solidFill>
-                              <a:srgbClr val="FFFFFF"/>
-                            </a:solidFill>
-                          </a14:hiddenFill>
-                        </a:ext>
-                        <a:ext uri="{91240B29-F687-4F45-9708-019B960494DF}">
-                          <a14:hiddenLine xmlns:a14="http://schemas.microsoft.com/office/drawing/2010/main" w="9525">
-                            <a:solidFill>
-                              <a:srgbClr val="000000"/>
-                            </a:solidFill>
-                            <a:miter lim="800000"/>
-                            <a:headEnd/>
-                            <a:tailEnd/>
-                          </a14:hiddenLine>
-                        </a:ext>
-                        <a:ext uri="{AF507438-7753-43E0-B8FC-AC1667EBCBE1}">
-                          <a14:hiddenEffects xmlns:a14="http://schemas.microsoft.com/office/drawing/2010/main">
-                            <a:effectLst>
-                              <a:outerShdw dist="35921" dir="2700000" algn="ctr" rotWithShape="0">
-                                <a:srgbClr val="808080"/>
-                              </a:outerShdw>
-                            </a:effectLst>
-                          </a14:hiddenEffects>
-                        </a:ext>
-                      </a:extLst>
-                    </p:spPr>
-                  </p:pic>
-                </p:oleObj>
-              </mc:Fallback>
-            </mc:AlternateContent>
-          </a:graphicData>
-        </a:graphic>
-      </p:graphicFrame>
-      <p:sp>
-        <p:nvSpPr>
-          <p:cNvPr id="15" name="Text Box 37"/>
-          <p:cNvSpPr txBox="1">
-            <a:spLocks noChangeArrowheads="1"/>
-          </p:cNvSpPr>
-          <p:nvPr/>
-        </p:nvSpPr>
-        <p:spPr bwMode="auto">
-          <a:xfrm>
-            <a:off x="6781800" y="3048000"/>
-            <a:ext cx="1524000" cy="457200"/>
-          </a:xfrm>
-          <a:prstGeom prst="rect">
-            <a:avLst/>
-          </a:prstGeom>
-          <a:noFill/>
-          <a:ln>
-            <a:noFill/>
-          </a:ln>
-          <a:effectLst/>
-          <a:extLst>
-            <a:ext uri="{909E8E84-426E-40DD-AFC4-6F175D3DCCD1}">
-              <a14:hiddenFill xmlns:a14="http://schemas.microsoft.com/office/drawing/2010/main">
-                <a:solidFill>
-                  <a:schemeClr val="accent1"/>
-                </a:solidFill>
-              </a14:hiddenFill>
-            </a:ext>
-            <a:ext uri="{91240B29-F687-4F45-9708-019B960494DF}">
-              <a14:hiddenLine xmlns:a14="http://schemas.microsoft.com/office/drawing/2010/main" w="9525" algn="ctr">
-                <a:solidFill>
-                  <a:srgbClr val="0000FF"/>
-                </a:solidFill>
-                <a:miter lim="800000"/>
-                <a:headEnd/>
-                <a:tailEnd/>
-              </a14:hiddenLine>
-            </a:ext>
-            <a:ext uri="{AF507438-7753-43E0-B8FC-AC1667EBCBE1}">
-              <a14:hiddenEffects xmlns:a14="http://schemas.microsoft.com/office/drawing/2010/main">
-                <a:effectLst>
-                  <a:outerShdw dist="35921" dir="2700000" algn="ctr" rotWithShape="0">
-                    <a:schemeClr val="bg2"/>
-                  </a:outerShdw>
-                </a:effectLst>
-              </a14:hiddenEffects>
-            </a:ext>
-          </a:extLst>
-        </p:spPr>
-        <p:txBody>
-          <a:bodyPr lIns="90000" tIns="46800" rIns="90000" bIns="46800">
-            <a:spAutoFit/>
-          </a:bodyPr>
-          <a:lstStyle/>
-          <a:p>
-            <a:pPr>
-              <a:spcBef>
-                <a:spcPct val="50000"/>
-              </a:spcBef>
-            </a:pPr>
-            <a:r>
-              <a:rPr lang="zh-CN" altLang="en-US" dirty="0"/>
-              <a:t>（</a:t>
-            </a:r>
-            <a:r>
-              <a:rPr lang="en-US" altLang="zh-CN" dirty="0"/>
-              <a:t>2.3.1</a:t>
-            </a:r>
-            <a:r>
-              <a:rPr lang="zh-CN" altLang="en-US" dirty="0"/>
-              <a:t>）</a:t>
-            </a:r>
-          </a:p>
-        </p:txBody>
-      </p:sp>
-      <p:graphicFrame>
-        <p:nvGraphicFramePr>
-          <p:cNvPr id="16" name="Object 38"/>
-          <p:cNvGraphicFramePr>
-            <a:graphicFrameLocks noChangeAspect="1"/>
-          </p:cNvGraphicFramePr>
-          <p:nvPr>
-            <p:extLst>
-              <p:ext uri="{D42A27DB-BD31-4B8C-83A1-F6EECF244321}">
-                <p14:modId xmlns:p14="http://schemas.microsoft.com/office/powerpoint/2010/main" val="1310071226"/>
-              </p:ext>
-            </p:extLst>
-          </p:nvPr>
-        </p:nvGraphicFramePr>
-        <p:xfrm>
-          <a:off x="6553200" y="4489450"/>
-          <a:ext cx="874713" cy="374650"/>
-        </p:xfrm>
-        <a:graphic>
-          <a:graphicData uri="http://schemas.openxmlformats.org/presentationml/2006/ole">
-            <mc:AlternateContent xmlns:mc="http://schemas.openxmlformats.org/markup-compatibility/2006">
-              <mc:Choice xmlns:v="urn:schemas-microsoft-com:vml" Requires="v">
-                <p:oleObj spid="_x0000_s1069" name="Equation" r:id="rId23" imgW="444240" imgH="190440" progId="Equation.DSMT4">
-                  <p:embed/>
-                </p:oleObj>
-              </mc:Choice>
-              <mc:Fallback>
-                <p:oleObj name="Equation" r:id="rId23" imgW="444240" imgH="190440" progId="Equation.DSMT4">
-                  <p:embed/>
-                  <p:pic>
-                    <p:nvPicPr>
-                      <p:cNvPr id="0" name=""/>
-                      <p:cNvPicPr>
-                        <a:picLocks noChangeAspect="1" noChangeArrowheads="1"/>
-                      </p:cNvPicPr>
-                      <p:nvPr/>
-                    </p:nvPicPr>
-                    <p:blipFill>
-                      <a:blip r:embed="rId24">
-                        <a:extLst>
-                          <a:ext uri="{28A0092B-C50C-407E-A947-70E740481C1C}">
-                            <a14:useLocalDpi xmlns:a14="http://schemas.microsoft.com/office/drawing/2010/main" val="0"/>
-                          </a:ext>
-                        </a:extLst>
-                      </a:blip>
-                      <a:srcRect/>
-                      <a:stretch>
-                        <a:fillRect/>
-                      </a:stretch>
-                    </p:blipFill>
-                    <p:spPr bwMode="auto">
-                      <a:xfrm>
-                        <a:off x="6553200" y="4489450"/>
-                        <a:ext cx="874713" cy="374650"/>
-                      </a:xfrm>
-                      <a:prstGeom prst="rect">
-                        <a:avLst/>
-                      </a:prstGeom>
-                      <a:noFill/>
-                      <a:ln>
-                        <a:noFill/>
-                      </a:ln>
-                      <a:effectLst/>
-                      <a:extLst>
-                        <a:ext uri="{909E8E84-426E-40DD-AFC4-6F175D3DCCD1}">
-                          <a14:hiddenFill xmlns:a14="http://schemas.microsoft.com/office/drawing/2010/main">
-                            <a:solidFill>
-                              <a:srgbClr val="FFFFFF"/>
-                            </a:solidFill>
-                          </a14:hiddenFill>
-                        </a:ext>
-                        <a:ext uri="{91240B29-F687-4F45-9708-019B960494DF}">
-                          <a14:hiddenLine xmlns:a14="http://schemas.microsoft.com/office/drawing/2010/main" w="9525">
-                            <a:solidFill>
-                              <a:srgbClr val="000000"/>
-                            </a:solidFill>
-                            <a:miter lim="800000"/>
-                            <a:headEnd/>
-                            <a:tailEnd/>
-                          </a14:hiddenLine>
-                        </a:ext>
-                        <a:ext uri="{AF507438-7753-43E0-B8FC-AC1667EBCBE1}">
-                          <a14:hiddenEffects xmlns:a14="http://schemas.microsoft.com/office/drawing/2010/main">
-                            <a:effectLst>
-                              <a:outerShdw dist="35921" dir="2700000" algn="ctr" rotWithShape="0">
-                                <a:srgbClr val="808080"/>
-                              </a:outerShdw>
-                            </a:effectLst>
-                          </a14:hiddenEffects>
-                        </a:ext>
-                      </a:extLst>
-                    </p:spPr>
-                  </p:pic>
-                </p:oleObj>
-              </mc:Fallback>
-            </mc:AlternateContent>
-          </a:graphicData>
-        </a:graphic>
-      </p:graphicFrame>
+      <mc:AlternateContent xmlns:mc="http://schemas.openxmlformats.org/markup-compatibility/2006" xmlns:a14="http://schemas.microsoft.com/office/drawing/2010/main">
+        <mc:Choice Requires="a14">
+          <p:sp>
+            <p:nvSpPr>
+              <p:cNvPr id="3" name="内容占位符 2"/>
+              <p:cNvSpPr>
+                <a:spLocks noGrp="1"/>
+              </p:cNvSpPr>
+              <p:nvPr>
+                <p:ph idx="1"/>
+              </p:nvPr>
+            </p:nvSpPr>
+            <p:spPr/>
+            <p:txBody>
+              <a:bodyPr/>
+              <a:lstStyle/>
+              <a:p>
+                <a:pPr marL="0" indent="0">
+                  <a:buNone/>
+                </a:pPr>
+                <a:r>
+                  <a:rPr lang="zh-CN" altLang="zh-CN" sz="2400" dirty="0"/>
+                  <a:t>一般地，具有右端不连续微分方程的系统可以描述为</a:t>
+                </a:r>
+              </a:p>
+              <a:p>
+                <a:pPr marL="0" indent="0">
+                  <a:buNone/>
+                </a:pPr>
+                <a14:m>
+                  <m:oMathPara xmlns:m="http://schemas.openxmlformats.org/officeDocument/2006/math">
+                    <m:oMathParaPr>
+                      <m:jc m:val="centerGroup"/>
+                    </m:oMathParaPr>
+                    <m:oMath xmlns:m="http://schemas.openxmlformats.org/officeDocument/2006/math">
+                      <m:acc>
+                        <m:accPr>
+                          <m:chr m:val="̇"/>
+                          <m:ctrlPr>
+                            <a:rPr lang="zh-CN" altLang="zh-CN" sz="2400" i="1">
+                              <a:latin typeface="Cambria Math" panose="02040503050406030204" pitchFamily="18" charset="0"/>
+                            </a:rPr>
+                          </m:ctrlPr>
+                        </m:accPr>
+                        <m:e>
+                          <m:r>
+                            <a:rPr lang="en-US" altLang="zh-CN" sz="2400" i="1">
+                              <a:latin typeface="Cambria Math" panose="02040503050406030204" pitchFamily="18" charset="0"/>
+                            </a:rPr>
+                            <m:t>𝑥</m:t>
+                          </m:r>
+                        </m:e>
+                      </m:acc>
+                      <m:r>
+                        <a:rPr lang="en-US" altLang="zh-CN" sz="2400" i="1">
+                          <a:latin typeface="Cambria Math" panose="02040503050406030204" pitchFamily="18" charset="0"/>
+                        </a:rPr>
+                        <m:t>=</m:t>
+                      </m:r>
+                      <m:r>
+                        <a:rPr lang="en-US" altLang="zh-CN" sz="2400" i="1">
+                          <a:latin typeface="Cambria Math" panose="02040503050406030204" pitchFamily="18" charset="0"/>
+                        </a:rPr>
+                        <m:t>𝑓</m:t>
+                      </m:r>
+                      <m:d>
+                        <m:dPr>
+                          <m:ctrlPr>
+                            <a:rPr lang="zh-CN" altLang="zh-CN" sz="2400" i="1">
+                              <a:latin typeface="Cambria Math" panose="02040503050406030204" pitchFamily="18" charset="0"/>
+                            </a:rPr>
+                          </m:ctrlPr>
+                        </m:dPr>
+                        <m:e>
+                          <m:r>
+                            <a:rPr lang="en-US" altLang="zh-CN" sz="2400" i="1">
+                              <a:latin typeface="Cambria Math" panose="02040503050406030204" pitchFamily="18" charset="0"/>
+                            </a:rPr>
+                            <m:t>𝑥</m:t>
+                          </m:r>
+                          <m:r>
+                            <a:rPr lang="en-US" altLang="zh-CN" sz="2400" i="1">
+                              <a:latin typeface="Cambria Math" panose="02040503050406030204" pitchFamily="18" charset="0"/>
+                            </a:rPr>
+                            <m:t>,</m:t>
+                          </m:r>
+                          <m:r>
+                            <a:rPr lang="en-US" altLang="zh-CN" sz="2400" i="1">
+                              <a:latin typeface="Cambria Math" panose="02040503050406030204" pitchFamily="18" charset="0"/>
+                            </a:rPr>
+                            <m:t>𝑢</m:t>
+                          </m:r>
+                        </m:e>
+                      </m:d>
+                      <m:r>
+                        <a:rPr lang="en-US" altLang="zh-CN" sz="2400" i="1">
+                          <a:latin typeface="Cambria Math" panose="02040503050406030204" pitchFamily="18" charset="0"/>
+                        </a:rPr>
+                        <m:t>,  </m:t>
+                      </m:r>
+                      <m:r>
+                        <a:rPr lang="en-US" altLang="zh-CN" sz="2400" i="1">
+                          <a:latin typeface="Cambria Math" panose="02040503050406030204" pitchFamily="18" charset="0"/>
+                        </a:rPr>
+                        <m:t>𝑥</m:t>
+                      </m:r>
+                      <m:r>
+                        <a:rPr lang="en-US" altLang="zh-CN" sz="2400" i="1">
+                          <a:latin typeface="Cambria Math" panose="02040503050406030204" pitchFamily="18" charset="0"/>
+                        </a:rPr>
+                        <m:t>∈</m:t>
+                      </m:r>
+                      <m:sSup>
+                        <m:sSupPr>
+                          <m:ctrlPr>
+                            <a:rPr lang="zh-CN" altLang="zh-CN" sz="2400" i="1">
+                              <a:latin typeface="Cambria Math" panose="02040503050406030204" pitchFamily="18" charset="0"/>
+                            </a:rPr>
+                          </m:ctrlPr>
+                        </m:sSupPr>
+                        <m:e>
+                          <m:r>
+                            <a:rPr lang="en-US" altLang="zh-CN" sz="2400" i="1">
+                              <a:latin typeface="Cambria Math" panose="02040503050406030204" pitchFamily="18" charset="0"/>
+                            </a:rPr>
+                            <m:t>ℝ</m:t>
+                          </m:r>
+                        </m:e>
+                        <m:sup>
+                          <m:r>
+                            <a:rPr lang="en-US" altLang="zh-CN" sz="2400" i="1">
+                              <a:latin typeface="Cambria Math" panose="02040503050406030204" pitchFamily="18" charset="0"/>
+                            </a:rPr>
+                            <m:t>𝑛</m:t>
+                          </m:r>
+                        </m:sup>
+                      </m:sSup>
+                      <m:r>
+                        <a:rPr lang="en-US" altLang="zh-CN" sz="2400" i="1">
+                          <a:latin typeface="Cambria Math" panose="02040503050406030204" pitchFamily="18" charset="0"/>
+                        </a:rPr>
+                        <m:t>,</m:t>
+                      </m:r>
+                      <m:r>
+                        <a:rPr lang="en-US" altLang="zh-CN" sz="2400" i="1">
+                          <a:latin typeface="Cambria Math" panose="02040503050406030204" pitchFamily="18" charset="0"/>
+                        </a:rPr>
+                        <m:t>𝑢</m:t>
+                      </m:r>
+                      <m:r>
+                        <a:rPr lang="en-US" altLang="zh-CN" sz="2400" i="1">
+                          <a:latin typeface="Cambria Math" panose="02040503050406030204" pitchFamily="18" charset="0"/>
+                        </a:rPr>
+                        <m:t>∈</m:t>
+                      </m:r>
+                      <m:r>
+                        <a:rPr lang="en-US" altLang="zh-CN" sz="2400" i="1">
+                          <a:latin typeface="Cambria Math" panose="02040503050406030204" pitchFamily="18" charset="0"/>
+                        </a:rPr>
+                        <m:t>ℝ</m:t>
+                      </m:r>
+                    </m:oMath>
+                  </m:oMathPara>
+                </a14:m>
+                <a:endParaRPr lang="zh-CN" altLang="zh-CN" sz="2400" dirty="0"/>
+              </a:p>
+              <a:p>
+                <a:pPr marL="0" indent="0">
+                  <a:buNone/>
+                </a:pPr>
+                <a14:m>
+                  <m:oMathPara xmlns:m="http://schemas.openxmlformats.org/officeDocument/2006/math">
+                    <m:oMathParaPr>
+                      <m:jc m:val="centerGroup"/>
+                    </m:oMathParaPr>
+                    <m:oMath xmlns:m="http://schemas.openxmlformats.org/officeDocument/2006/math">
+                      <m:r>
+                        <a:rPr lang="en-US" altLang="zh-CN" sz="2400" i="1">
+                          <a:latin typeface="Cambria Math" panose="02040503050406030204" pitchFamily="18" charset="0"/>
+                        </a:rPr>
+                        <m:t>𝑢</m:t>
+                      </m:r>
+                      <m:r>
+                        <a:rPr lang="en-US" altLang="zh-CN" sz="2400" i="1">
+                          <a:latin typeface="Cambria Math" panose="02040503050406030204" pitchFamily="18" charset="0"/>
+                        </a:rPr>
+                        <m:t>=</m:t>
+                      </m:r>
+                      <m:d>
+                        <m:dPr>
+                          <m:begChr m:val="{"/>
+                          <m:endChr m:val=""/>
+                          <m:ctrlPr>
+                            <a:rPr lang="zh-CN" altLang="zh-CN" sz="2400" i="1">
+                              <a:latin typeface="Cambria Math" panose="02040503050406030204" pitchFamily="18" charset="0"/>
+                            </a:rPr>
+                          </m:ctrlPr>
+                        </m:dPr>
+                        <m:e>
+                          <m:m>
+                            <m:mPr>
+                              <m:mcs>
+                                <m:mc>
+                                  <m:mcPr>
+                                    <m:count m:val="2"/>
+                                    <m:mcJc m:val="center"/>
+                                  </m:mcPr>
+                                </m:mc>
+                              </m:mcs>
+                              <m:ctrlPr>
+                                <a:rPr lang="zh-CN" altLang="zh-CN" sz="2400" i="1">
+                                  <a:latin typeface="Cambria Math" panose="02040503050406030204" pitchFamily="18" charset="0"/>
+                                </a:rPr>
+                              </m:ctrlPr>
+                            </m:mPr>
+                            <m:mr>
+                              <m:e>
+                                <m:sSup>
+                                  <m:sSupPr>
+                                    <m:ctrlPr>
+                                      <a:rPr lang="zh-CN" altLang="zh-CN" sz="2400" i="1">
+                                        <a:latin typeface="Cambria Math" panose="02040503050406030204" pitchFamily="18" charset="0"/>
+                                      </a:rPr>
+                                    </m:ctrlPr>
+                                  </m:sSupPr>
+                                  <m:e>
+                                    <m:r>
+                                      <a:rPr lang="en-US" altLang="zh-CN" sz="2400" i="1">
+                                        <a:latin typeface="Cambria Math" panose="02040503050406030204" pitchFamily="18" charset="0"/>
+                                      </a:rPr>
+                                      <m:t>𝑢</m:t>
+                                    </m:r>
+                                  </m:e>
+                                  <m:sup>
+                                    <m:r>
+                                      <a:rPr lang="en-US" altLang="zh-CN" sz="2400" i="1">
+                                        <a:latin typeface="Cambria Math" panose="02040503050406030204" pitchFamily="18" charset="0"/>
+                                      </a:rPr>
+                                      <m:t>+</m:t>
+                                    </m:r>
+                                  </m:sup>
+                                </m:sSup>
+                                <m:d>
+                                  <m:dPr>
+                                    <m:ctrlPr>
+                                      <a:rPr lang="zh-CN" altLang="zh-CN" sz="2400" i="1">
+                                        <a:latin typeface="Cambria Math" panose="02040503050406030204" pitchFamily="18" charset="0"/>
+                                      </a:rPr>
+                                    </m:ctrlPr>
+                                  </m:dPr>
+                                  <m:e>
+                                    <m:r>
+                                      <a:rPr lang="en-US" altLang="zh-CN" sz="2400" i="1">
+                                        <a:latin typeface="Cambria Math" panose="02040503050406030204" pitchFamily="18" charset="0"/>
+                                      </a:rPr>
+                                      <m:t>𝑥</m:t>
+                                    </m:r>
+                                  </m:e>
+                                </m:d>
+                              </m:e>
+                              <m:e>
+                                <m:r>
+                                  <a:rPr lang="en-US" altLang="zh-CN" sz="2400" i="1">
+                                    <a:latin typeface="Cambria Math" panose="02040503050406030204" pitchFamily="18" charset="0"/>
+                                  </a:rPr>
+                                  <m:t>𝑠</m:t>
+                                </m:r>
+                                <m:d>
+                                  <m:dPr>
+                                    <m:ctrlPr>
+                                      <a:rPr lang="zh-CN" altLang="zh-CN" sz="2400" i="1">
+                                        <a:latin typeface="Cambria Math" panose="02040503050406030204" pitchFamily="18" charset="0"/>
+                                      </a:rPr>
+                                    </m:ctrlPr>
+                                  </m:dPr>
+                                  <m:e>
+                                    <m:r>
+                                      <a:rPr lang="en-US" altLang="zh-CN" sz="2400" i="1">
+                                        <a:latin typeface="Cambria Math" panose="02040503050406030204" pitchFamily="18" charset="0"/>
+                                      </a:rPr>
+                                      <m:t>𝑥</m:t>
+                                    </m:r>
+                                  </m:e>
+                                </m:d>
+                                <m:r>
+                                  <a:rPr lang="en-US" altLang="zh-CN" sz="2400" i="1">
+                                    <a:latin typeface="Cambria Math" panose="02040503050406030204" pitchFamily="18" charset="0"/>
+                                  </a:rPr>
+                                  <m:t>&gt;0</m:t>
+                                </m:r>
+                              </m:e>
+                            </m:mr>
+                            <m:mr>
+                              <m:e>
+                                <m:sSup>
+                                  <m:sSupPr>
+                                    <m:ctrlPr>
+                                      <a:rPr lang="zh-CN" altLang="zh-CN" sz="2400" i="1">
+                                        <a:latin typeface="Cambria Math" panose="02040503050406030204" pitchFamily="18" charset="0"/>
+                                      </a:rPr>
+                                    </m:ctrlPr>
+                                  </m:sSupPr>
+                                  <m:e>
+                                    <m:r>
+                                      <a:rPr lang="en-US" altLang="zh-CN" sz="2400" i="1">
+                                        <a:latin typeface="Cambria Math" panose="02040503050406030204" pitchFamily="18" charset="0"/>
+                                      </a:rPr>
+                                      <m:t>𝑢</m:t>
+                                    </m:r>
+                                  </m:e>
+                                  <m:sup>
+                                    <m:r>
+                                      <a:rPr lang="en-US" altLang="zh-CN" sz="2400" i="1">
+                                        <a:latin typeface="Cambria Math" panose="02040503050406030204" pitchFamily="18" charset="0"/>
+                                      </a:rPr>
+                                      <m:t>−</m:t>
+                                    </m:r>
+                                  </m:sup>
+                                </m:sSup>
+                                <m:d>
+                                  <m:dPr>
+                                    <m:ctrlPr>
+                                      <a:rPr lang="zh-CN" altLang="zh-CN" sz="2400" i="1">
+                                        <a:latin typeface="Cambria Math" panose="02040503050406030204" pitchFamily="18" charset="0"/>
+                                      </a:rPr>
+                                    </m:ctrlPr>
+                                  </m:dPr>
+                                  <m:e>
+                                    <m:r>
+                                      <a:rPr lang="en-US" altLang="zh-CN" sz="2400" i="1">
+                                        <a:latin typeface="Cambria Math" panose="02040503050406030204" pitchFamily="18" charset="0"/>
+                                      </a:rPr>
+                                      <m:t>𝑥</m:t>
+                                    </m:r>
+                                  </m:e>
+                                </m:d>
+                              </m:e>
+                              <m:e>
+                                <m:r>
+                                  <a:rPr lang="en-US" altLang="zh-CN" sz="2400" i="1">
+                                    <a:latin typeface="Cambria Math" panose="02040503050406030204" pitchFamily="18" charset="0"/>
+                                  </a:rPr>
+                                  <m:t>𝑠</m:t>
+                                </m:r>
+                                <m:d>
+                                  <m:dPr>
+                                    <m:ctrlPr>
+                                      <a:rPr lang="zh-CN" altLang="zh-CN" sz="2400" i="1">
+                                        <a:latin typeface="Cambria Math" panose="02040503050406030204" pitchFamily="18" charset="0"/>
+                                      </a:rPr>
+                                    </m:ctrlPr>
+                                  </m:dPr>
+                                  <m:e>
+                                    <m:r>
+                                      <a:rPr lang="en-US" altLang="zh-CN" sz="2400" i="1">
+                                        <a:latin typeface="Cambria Math" panose="02040503050406030204" pitchFamily="18" charset="0"/>
+                                      </a:rPr>
+                                      <m:t>𝑥</m:t>
+                                    </m:r>
+                                  </m:e>
+                                </m:d>
+                                <m:r>
+                                  <a:rPr lang="en-US" altLang="zh-CN" sz="2400" i="1">
+                                    <a:latin typeface="Cambria Math" panose="02040503050406030204" pitchFamily="18" charset="0"/>
+                                  </a:rPr>
+                                  <m:t>&lt;0</m:t>
+                                </m:r>
+                              </m:e>
+                            </m:mr>
+                          </m:m>
+                        </m:e>
+                      </m:d>
+                    </m:oMath>
+                  </m:oMathPara>
+                </a14:m>
+                <a:endParaRPr lang="zh-CN" altLang="zh-CN" sz="2400" dirty="0"/>
+              </a:p>
+              <a:p>
+                <a:pPr marL="0" indent="0">
+                  <a:buNone/>
+                </a:pPr>
+                <a:r>
+                  <a:rPr lang="zh-CN" altLang="zh-CN" sz="2400" dirty="0"/>
+                  <a:t>其中：</a:t>
+                </a:r>
+                <a14:m>
+                  <m:oMath xmlns:m="http://schemas.openxmlformats.org/officeDocument/2006/math">
+                    <m:r>
+                      <a:rPr lang="en-US" altLang="zh-CN" sz="2400" i="1">
+                        <a:latin typeface="Cambria Math" panose="02040503050406030204" pitchFamily="18" charset="0"/>
+                      </a:rPr>
+                      <m:t>𝑠</m:t>
+                    </m:r>
+                    <m:d>
+                      <m:dPr>
+                        <m:ctrlPr>
+                          <a:rPr lang="zh-CN" altLang="zh-CN" sz="2400" i="1">
+                            <a:latin typeface="Cambria Math" panose="02040503050406030204" pitchFamily="18" charset="0"/>
+                          </a:rPr>
+                        </m:ctrlPr>
+                      </m:dPr>
+                      <m:e>
+                        <m:r>
+                          <a:rPr lang="en-US" altLang="zh-CN" sz="2400" i="1">
+                            <a:latin typeface="Cambria Math" panose="02040503050406030204" pitchFamily="18" charset="0"/>
+                          </a:rPr>
+                          <m:t>𝑥</m:t>
+                        </m:r>
+                      </m:e>
+                    </m:d>
+                    <m:r>
+                      <a:rPr lang="en-US" altLang="zh-CN" sz="2400" i="1">
+                        <a:latin typeface="Cambria Math" panose="02040503050406030204" pitchFamily="18" charset="0"/>
+                      </a:rPr>
+                      <m:t>=</m:t>
+                    </m:r>
+                    <m:r>
+                      <a:rPr lang="en-US" altLang="zh-CN" sz="2400" i="1">
+                        <a:latin typeface="Cambria Math" panose="02040503050406030204" pitchFamily="18" charset="0"/>
+                      </a:rPr>
+                      <m:t>𝑠</m:t>
+                    </m:r>
+                    <m:d>
+                      <m:dPr>
+                        <m:ctrlPr>
+                          <a:rPr lang="zh-CN" altLang="zh-CN" sz="2400" i="1">
+                            <a:latin typeface="Cambria Math" panose="02040503050406030204" pitchFamily="18" charset="0"/>
+                          </a:rPr>
+                        </m:ctrlPr>
+                      </m:dPr>
+                      <m:e>
+                        <m:sSub>
+                          <m:sSubPr>
+                            <m:ctrlPr>
+                              <a:rPr lang="zh-CN" altLang="zh-CN" sz="2400" i="1">
+                                <a:latin typeface="Cambria Math" panose="02040503050406030204" pitchFamily="18" charset="0"/>
+                              </a:rPr>
+                            </m:ctrlPr>
+                          </m:sSubPr>
+                          <m:e>
+                            <m:r>
+                              <a:rPr lang="en-US" altLang="zh-CN" sz="2400" i="1">
+                                <a:latin typeface="Cambria Math" panose="02040503050406030204" pitchFamily="18" charset="0"/>
+                              </a:rPr>
+                              <m:t>𝑥</m:t>
+                            </m:r>
+                          </m:e>
+                          <m:sub>
+                            <m:r>
+                              <a:rPr lang="en-US" altLang="zh-CN" sz="2400" i="1">
+                                <a:latin typeface="Cambria Math" panose="02040503050406030204" pitchFamily="18" charset="0"/>
+                              </a:rPr>
+                              <m:t>1</m:t>
+                            </m:r>
+                          </m:sub>
+                        </m:sSub>
+                        <m:r>
+                          <a:rPr lang="en-US" altLang="zh-CN" sz="2400" i="1">
+                            <a:latin typeface="Cambria Math" panose="02040503050406030204" pitchFamily="18" charset="0"/>
+                          </a:rPr>
+                          <m:t>,</m:t>
+                        </m:r>
+                        <m:sSub>
+                          <m:sSubPr>
+                            <m:ctrlPr>
+                              <a:rPr lang="zh-CN" altLang="zh-CN" sz="2400" i="1">
+                                <a:latin typeface="Cambria Math" panose="02040503050406030204" pitchFamily="18" charset="0"/>
+                              </a:rPr>
+                            </m:ctrlPr>
+                          </m:sSubPr>
+                          <m:e>
+                            <m:r>
+                              <a:rPr lang="en-US" altLang="zh-CN" sz="2400" i="1">
+                                <a:latin typeface="Cambria Math" panose="02040503050406030204" pitchFamily="18" charset="0"/>
+                              </a:rPr>
+                              <m:t>𝑥</m:t>
+                            </m:r>
+                          </m:e>
+                          <m:sub>
+                            <m:r>
+                              <a:rPr lang="en-US" altLang="zh-CN" sz="2400" i="1">
+                                <a:latin typeface="Cambria Math" panose="02040503050406030204" pitchFamily="18" charset="0"/>
+                              </a:rPr>
+                              <m:t>2</m:t>
+                            </m:r>
+                          </m:sub>
+                        </m:sSub>
+                        <m:r>
+                          <a:rPr lang="en-US" altLang="zh-CN" sz="2400" i="1">
+                            <a:latin typeface="Cambria Math" panose="02040503050406030204" pitchFamily="18" charset="0"/>
+                          </a:rPr>
+                          <m:t>,…,</m:t>
+                        </m:r>
+                        <m:sSub>
+                          <m:sSubPr>
+                            <m:ctrlPr>
+                              <a:rPr lang="zh-CN" altLang="zh-CN" sz="2400" i="1">
+                                <a:latin typeface="Cambria Math" panose="02040503050406030204" pitchFamily="18" charset="0"/>
+                              </a:rPr>
+                            </m:ctrlPr>
+                          </m:sSubPr>
+                          <m:e>
+                            <m:r>
+                              <a:rPr lang="en-US" altLang="zh-CN" sz="2400" i="1">
+                                <a:latin typeface="Cambria Math" panose="02040503050406030204" pitchFamily="18" charset="0"/>
+                              </a:rPr>
+                              <m:t>𝑥</m:t>
+                            </m:r>
+                          </m:e>
+                          <m:sub>
+                            <m:r>
+                              <a:rPr lang="en-US" altLang="zh-CN" sz="2400" i="1">
+                                <a:latin typeface="Cambria Math" panose="02040503050406030204" pitchFamily="18" charset="0"/>
+                              </a:rPr>
+                              <m:t>𝑛</m:t>
+                            </m:r>
+                          </m:sub>
+                        </m:sSub>
+                      </m:e>
+                    </m:d>
+                  </m:oMath>
+                </a14:m>
+                <a:r>
+                  <a:rPr lang="zh-CN" altLang="zh-CN" sz="2400" dirty="0"/>
+                  <a:t>是状态</a:t>
+                </a:r>
+                <a14:m>
+                  <m:oMath xmlns:m="http://schemas.openxmlformats.org/officeDocument/2006/math">
+                    <m:r>
+                      <a:rPr lang="en-US" altLang="zh-CN" sz="2400" i="1">
+                        <a:latin typeface="Cambria Math" panose="02040503050406030204" pitchFamily="18" charset="0"/>
+                      </a:rPr>
+                      <m:t>𝑥</m:t>
+                    </m:r>
+                  </m:oMath>
+                </a14:m>
+                <a:r>
+                  <a:rPr lang="zh-CN" altLang="zh-CN" sz="2400" dirty="0"/>
+                  <a:t>的函数，称为</a:t>
+                </a:r>
+                <a:r>
+                  <a:rPr lang="zh-CN" altLang="zh-CN" sz="2400" dirty="0">
+                    <a:solidFill>
+                      <a:srgbClr val="FF0000"/>
+                    </a:solidFill>
+                  </a:rPr>
+                  <a:t>切换函数</a:t>
+                </a:r>
+                <a:r>
+                  <a:rPr lang="zh-CN" altLang="zh-CN" sz="2400" dirty="0"/>
+                  <a:t>。满足可微分，即</a:t>
+                </a:r>
+                <a14:m>
+                  <m:oMath xmlns:m="http://schemas.openxmlformats.org/officeDocument/2006/math">
+                    <m:f>
+                      <m:fPr>
+                        <m:ctrlPr>
+                          <a:rPr lang="zh-CN" altLang="zh-CN" sz="2400" i="1">
+                            <a:latin typeface="Cambria Math" panose="02040503050406030204" pitchFamily="18" charset="0"/>
+                          </a:rPr>
+                        </m:ctrlPr>
+                      </m:fPr>
+                      <m:num>
+                        <m:r>
+                          <a:rPr lang="en-US" altLang="zh-CN" sz="2400" i="1">
+                            <a:latin typeface="Cambria Math" panose="02040503050406030204" pitchFamily="18" charset="0"/>
+                          </a:rPr>
+                          <m:t>𝑑𝑆</m:t>
+                        </m:r>
+                        <m:r>
+                          <a:rPr lang="en-US" altLang="zh-CN" sz="2400" i="1">
+                            <a:latin typeface="Cambria Math" panose="02040503050406030204" pitchFamily="18" charset="0"/>
+                          </a:rPr>
+                          <m:t>(</m:t>
+                        </m:r>
+                        <m:r>
+                          <a:rPr lang="en-US" altLang="zh-CN" sz="2400" i="1">
+                            <a:latin typeface="Cambria Math" panose="02040503050406030204" pitchFamily="18" charset="0"/>
+                          </a:rPr>
+                          <m:t>𝑥</m:t>
+                        </m:r>
+                        <m:r>
+                          <a:rPr lang="en-US" altLang="zh-CN" sz="2400" i="1">
+                            <a:latin typeface="Cambria Math" panose="02040503050406030204" pitchFamily="18" charset="0"/>
+                          </a:rPr>
+                          <m:t>)</m:t>
+                        </m:r>
+                      </m:num>
+                      <m:den>
+                        <m:r>
+                          <a:rPr lang="en-US" altLang="zh-CN" sz="2400" i="1">
+                            <a:latin typeface="Cambria Math" panose="02040503050406030204" pitchFamily="18" charset="0"/>
+                          </a:rPr>
+                          <m:t>𝑑𝑡</m:t>
+                        </m:r>
+                      </m:den>
+                    </m:f>
+                  </m:oMath>
+                </a14:m>
+                <a:r>
+                  <a:rPr lang="zh-CN" altLang="zh-CN" sz="2400" dirty="0"/>
+                  <a:t>存在。 微分方程的右端</a:t>
+                </a:r>
+                <a14:m>
+                  <m:oMath xmlns:m="http://schemas.openxmlformats.org/officeDocument/2006/math">
+                    <m:r>
+                      <a:rPr lang="en-US" altLang="zh-CN" sz="2400" i="1">
+                        <a:latin typeface="Cambria Math" panose="02040503050406030204" pitchFamily="18" charset="0"/>
+                      </a:rPr>
+                      <m:t>𝑓</m:t>
+                    </m:r>
+                    <m:d>
+                      <m:dPr>
+                        <m:ctrlPr>
+                          <a:rPr lang="zh-CN" altLang="zh-CN" sz="2400" i="1">
+                            <a:latin typeface="Cambria Math" panose="02040503050406030204" pitchFamily="18" charset="0"/>
+                          </a:rPr>
+                        </m:ctrlPr>
+                      </m:dPr>
+                      <m:e>
+                        <m:r>
+                          <a:rPr lang="en-US" altLang="zh-CN" sz="2400" i="1">
+                            <a:latin typeface="Cambria Math" panose="02040503050406030204" pitchFamily="18" charset="0"/>
+                          </a:rPr>
+                          <m:t>𝑥</m:t>
+                        </m:r>
+                        <m:r>
+                          <a:rPr lang="en-US" altLang="zh-CN" sz="2400" i="1">
+                            <a:latin typeface="Cambria Math" panose="02040503050406030204" pitchFamily="18" charset="0"/>
+                          </a:rPr>
+                          <m:t>,</m:t>
+                        </m:r>
+                        <m:r>
+                          <a:rPr lang="en-US" altLang="zh-CN" sz="2400" i="1">
+                            <a:latin typeface="Cambria Math" panose="02040503050406030204" pitchFamily="18" charset="0"/>
+                          </a:rPr>
+                          <m:t>𝑢</m:t>
+                        </m:r>
+                      </m:e>
+                    </m:d>
+                  </m:oMath>
+                </a14:m>
+                <a:r>
+                  <a:rPr lang="zh-CN" altLang="zh-CN" sz="2400" dirty="0"/>
+                  <a:t>不连续，结构变化得到体现，即根据条件</a:t>
+                </a:r>
+                <a14:m>
+                  <m:oMath xmlns:m="http://schemas.openxmlformats.org/officeDocument/2006/math">
+                    <m:r>
+                      <a:rPr lang="en-US" altLang="zh-CN" sz="2400" i="1">
+                        <a:latin typeface="Cambria Math" panose="02040503050406030204" pitchFamily="18" charset="0"/>
+                      </a:rPr>
+                      <m:t>𝑠</m:t>
+                    </m:r>
+                    <m:d>
+                      <m:dPr>
+                        <m:ctrlPr>
+                          <a:rPr lang="zh-CN" altLang="zh-CN" sz="2400" i="1">
+                            <a:latin typeface="Cambria Math" panose="02040503050406030204" pitchFamily="18" charset="0"/>
+                          </a:rPr>
+                        </m:ctrlPr>
+                      </m:dPr>
+                      <m:e>
+                        <m:r>
+                          <a:rPr lang="en-US" altLang="zh-CN" sz="2400" i="1">
+                            <a:latin typeface="Cambria Math" panose="02040503050406030204" pitchFamily="18" charset="0"/>
+                          </a:rPr>
+                          <m:t>𝑥</m:t>
+                        </m:r>
+                      </m:e>
+                    </m:d>
+                  </m:oMath>
+                </a14:m>
+                <a:r>
+                  <a:rPr lang="zh-CN" altLang="zh-CN" sz="2400" dirty="0"/>
+                  <a:t>的正负改变结构，</a:t>
+                </a:r>
+                <a14:m>
+                  <m:oMath xmlns:m="http://schemas.openxmlformats.org/officeDocument/2006/math">
+                    <m:r>
+                      <a:rPr lang="en-US" altLang="zh-CN" sz="2400" i="1">
+                        <a:latin typeface="Cambria Math" panose="02040503050406030204" pitchFamily="18" charset="0"/>
+                      </a:rPr>
+                      <m:t>𝑓</m:t>
+                    </m:r>
+                    <m:d>
+                      <m:dPr>
+                        <m:ctrlPr>
+                          <a:rPr lang="zh-CN" altLang="zh-CN" sz="2400" i="1">
+                            <a:latin typeface="Cambria Math" panose="02040503050406030204" pitchFamily="18" charset="0"/>
+                          </a:rPr>
+                        </m:ctrlPr>
+                      </m:dPr>
+                      <m:e>
+                        <m:r>
+                          <a:rPr lang="en-US" altLang="zh-CN" sz="2400" i="1">
+                            <a:latin typeface="Cambria Math" panose="02040503050406030204" pitchFamily="18" charset="0"/>
+                          </a:rPr>
+                          <m:t>𝑥</m:t>
+                        </m:r>
+                        <m:r>
+                          <a:rPr lang="en-US" altLang="zh-CN" sz="2400" i="1">
+                            <a:latin typeface="Cambria Math" panose="02040503050406030204" pitchFamily="18" charset="0"/>
+                          </a:rPr>
+                          <m:t>,</m:t>
+                        </m:r>
+                        <m:sSup>
+                          <m:sSupPr>
+                            <m:ctrlPr>
+                              <a:rPr lang="zh-CN" altLang="zh-CN" sz="2400" i="1">
+                                <a:latin typeface="Cambria Math" panose="02040503050406030204" pitchFamily="18" charset="0"/>
+                              </a:rPr>
+                            </m:ctrlPr>
+                          </m:sSupPr>
+                          <m:e>
+                            <m:r>
+                              <a:rPr lang="en-US" altLang="zh-CN" sz="2400" i="1">
+                                <a:latin typeface="Cambria Math" panose="02040503050406030204" pitchFamily="18" charset="0"/>
+                              </a:rPr>
+                              <m:t>𝑢</m:t>
+                            </m:r>
+                          </m:e>
+                          <m:sup>
+                            <m:r>
+                              <a:rPr lang="en-US" altLang="zh-CN" sz="2400" i="1">
+                                <a:latin typeface="Cambria Math" panose="02040503050406030204" pitchFamily="18" charset="0"/>
+                              </a:rPr>
+                              <m:t>+</m:t>
+                            </m:r>
+                          </m:sup>
+                        </m:sSup>
+                      </m:e>
+                    </m:d>
+                  </m:oMath>
+                </a14:m>
+                <a:r>
+                  <a:rPr lang="zh-CN" altLang="zh-CN" sz="2400" dirty="0"/>
+                  <a:t>为一种系统结构，</a:t>
+                </a:r>
+                <a14:m>
+                  <m:oMath xmlns:m="http://schemas.openxmlformats.org/officeDocument/2006/math">
+                    <m:r>
+                      <a:rPr lang="en-US" altLang="zh-CN" sz="2400" i="1">
+                        <a:latin typeface="Cambria Math" panose="02040503050406030204" pitchFamily="18" charset="0"/>
+                      </a:rPr>
+                      <m:t>𝑓</m:t>
+                    </m:r>
+                    <m:d>
+                      <m:dPr>
+                        <m:ctrlPr>
+                          <a:rPr lang="zh-CN" altLang="zh-CN" sz="2400" i="1">
+                            <a:latin typeface="Cambria Math" panose="02040503050406030204" pitchFamily="18" charset="0"/>
+                          </a:rPr>
+                        </m:ctrlPr>
+                      </m:dPr>
+                      <m:e>
+                        <m:r>
+                          <a:rPr lang="en-US" altLang="zh-CN" sz="2400" i="1">
+                            <a:latin typeface="Cambria Math" panose="02040503050406030204" pitchFamily="18" charset="0"/>
+                          </a:rPr>
+                          <m:t>𝑥</m:t>
+                        </m:r>
+                        <m:r>
+                          <a:rPr lang="en-US" altLang="zh-CN" sz="2400" i="1">
+                            <a:latin typeface="Cambria Math" panose="02040503050406030204" pitchFamily="18" charset="0"/>
+                          </a:rPr>
+                          <m:t>,</m:t>
+                        </m:r>
+                        <m:sSup>
+                          <m:sSupPr>
+                            <m:ctrlPr>
+                              <a:rPr lang="zh-CN" altLang="zh-CN" sz="2400" i="1">
+                                <a:latin typeface="Cambria Math" panose="02040503050406030204" pitchFamily="18" charset="0"/>
+                              </a:rPr>
+                            </m:ctrlPr>
+                          </m:sSupPr>
+                          <m:e>
+                            <m:r>
+                              <a:rPr lang="en-US" altLang="zh-CN" sz="2400" i="1">
+                                <a:latin typeface="Cambria Math" panose="02040503050406030204" pitchFamily="18" charset="0"/>
+                              </a:rPr>
+                              <m:t>𝑢</m:t>
+                            </m:r>
+                          </m:e>
+                          <m:sup>
+                            <m:r>
+                              <a:rPr lang="en-US" altLang="zh-CN" sz="2400" i="1">
+                                <a:latin typeface="Cambria Math" panose="02040503050406030204" pitchFamily="18" charset="0"/>
+                              </a:rPr>
+                              <m:t>−</m:t>
+                            </m:r>
+                          </m:sup>
+                        </m:sSup>
+                      </m:e>
+                    </m:d>
+                  </m:oMath>
+                </a14:m>
+                <a:r>
+                  <a:rPr lang="zh-CN" altLang="zh-CN" sz="2400" dirty="0"/>
+                  <a:t>为另一种系统结构。从而满足一定的控制要求。</a:t>
+                </a:r>
+                <a:endParaRPr lang="zh-CN" altLang="en-US" sz="2400" dirty="0"/>
+              </a:p>
+            </p:txBody>
+          </p:sp>
+        </mc:Choice>
+        <mc:Fallback xmlns="">
+          <p:sp>
+            <p:nvSpPr>
+              <p:cNvPr id="3" name="内容占位符 2"/>
+              <p:cNvSpPr>
+                <a:spLocks noGrp="1" noRot="1" noChangeAspect="1" noMove="1" noResize="1" noEditPoints="1" noAdjustHandles="1" noChangeArrowheads="1" noChangeShapeType="1" noTextEdit="1"/>
+              </p:cNvSpPr>
+              <p:nvPr>
+                <p:ph idx="1"/>
+              </p:nvPr>
+            </p:nvSpPr>
+            <p:spPr>
+              <a:blipFill rotWithShape="0">
+                <a:blip r:embed="rId2"/>
+                <a:stretch>
+                  <a:fillRect l="-1185" t="-1203" r="-4815"/>
+                </a:stretch>
+              </a:blipFill>
+            </p:spPr>
+            <p:txBody>
+              <a:bodyPr/>
+              <a:lstStyle/>
+              <a:p>
+                <a:r>
+                  <a:rPr lang="zh-CN" altLang="en-US">
+                    <a:noFill/>
+                  </a:rPr>
+                  <a:t> </a:t>
+                </a:r>
+              </a:p>
+            </p:txBody>
+          </p:sp>
+        </mc:Fallback>
+      </mc:AlternateContent>
     </p:spTree>
     <p:extLst>
       <p:ext uri="{BB962C8B-B14F-4D97-AF65-F5344CB8AC3E}">
-        <p14:creationId xmlns:p14="http://schemas.microsoft.com/office/powerpoint/2010/main" val="1920913225"/>
+        <p14:creationId xmlns:p14="http://schemas.microsoft.com/office/powerpoint/2010/main" val="2915430360"/>
       </p:ext>
     </p:extLst>
   </p:cSld>
@@ -8054,29 +7661,475 @@
           <a:bodyPr/>
           <a:lstStyle/>
           <a:p>
-            <a:endParaRPr lang="zh-CN" altLang="en-US"/>
+            <a:r>
+              <a:rPr lang="zh-CN" altLang="en-US" dirty="0"/>
+              <a:t>原理</a:t>
+            </a:r>
           </a:p>
         </p:txBody>
       </p:sp>
+      <mc:AlternateContent xmlns:mc="http://schemas.openxmlformats.org/markup-compatibility/2006" xmlns:a14="http://schemas.microsoft.com/office/drawing/2010/main">
+        <mc:Choice Requires="a14">
+          <p:sp>
+            <p:nvSpPr>
+              <p:cNvPr id="5" name="内容占位符 4"/>
+              <p:cNvSpPr>
+                <a:spLocks noGrp="1"/>
+              </p:cNvSpPr>
+              <p:nvPr>
+                <p:ph idx="1"/>
+              </p:nvPr>
+            </p:nvSpPr>
+            <p:spPr/>
+            <p:txBody>
+              <a:bodyPr/>
+              <a:lstStyle/>
+              <a:p>
+                <a:pPr marL="0" indent="0">
+                  <a:buNone/>
+                </a:pPr>
+                <a:r>
+                  <a:rPr lang="zh-CN" altLang="zh-CN" sz="2400" dirty="0"/>
+                  <a:t>微分方程在</a:t>
+                </a:r>
+                <a14:m>
+                  <m:oMath xmlns:m="http://schemas.openxmlformats.org/officeDocument/2006/math">
+                    <m:r>
+                      <a:rPr lang="en-US" altLang="zh-CN" sz="2400" i="1">
+                        <a:latin typeface="Cambria Math" panose="02040503050406030204" pitchFamily="18" charset="0"/>
+                      </a:rPr>
+                      <m:t>𝑠</m:t>
+                    </m:r>
+                    <m:d>
+                      <m:dPr>
+                        <m:ctrlPr>
+                          <a:rPr lang="zh-CN" altLang="zh-CN" sz="2400" i="1">
+                            <a:latin typeface="Cambria Math" panose="02040503050406030204" pitchFamily="18" charset="0"/>
+                          </a:rPr>
+                        </m:ctrlPr>
+                      </m:dPr>
+                      <m:e>
+                        <m:r>
+                          <a:rPr lang="en-US" altLang="zh-CN" sz="2400" i="1">
+                            <a:latin typeface="Cambria Math" panose="02040503050406030204" pitchFamily="18" charset="0"/>
+                          </a:rPr>
+                          <m:t>𝑥</m:t>
+                        </m:r>
+                      </m:e>
+                    </m:d>
+                    <m:r>
+                      <a:rPr lang="en-US" altLang="zh-CN" sz="2400" i="1">
+                        <a:latin typeface="Cambria Math" panose="02040503050406030204" pitchFamily="18" charset="0"/>
+                      </a:rPr>
+                      <m:t>=0</m:t>
+                    </m:r>
+                  </m:oMath>
+                </a14:m>
+                <a:r>
+                  <a:rPr lang="zh-CN" altLang="zh-CN" sz="2400" dirty="0"/>
+                  <a:t>上没有定义，因此需确定其上系统微分方程：</a:t>
+                </a:r>
+              </a:p>
+              <a:p>
+                <a:pPr marL="0" indent="0">
+                  <a:buNone/>
+                </a:pPr>
+                <a14:m>
+                  <m:oMathPara xmlns:m="http://schemas.openxmlformats.org/officeDocument/2006/math">
+                    <m:oMathParaPr>
+                      <m:jc m:val="centerGroup"/>
+                    </m:oMathParaPr>
+                    <m:oMath xmlns:m="http://schemas.openxmlformats.org/officeDocument/2006/math">
+                      <m:d>
+                        <m:dPr>
+                          <m:begChr m:val="{"/>
+                          <m:endChr m:val=""/>
+                          <m:ctrlPr>
+                            <a:rPr lang="zh-CN" altLang="zh-CN" sz="2400" i="1">
+                              <a:latin typeface="Cambria Math" panose="02040503050406030204" pitchFamily="18" charset="0"/>
+                            </a:rPr>
+                          </m:ctrlPr>
+                        </m:dPr>
+                        <m:e>
+                          <m:eqArr>
+                            <m:eqArrPr>
+                              <m:ctrlPr>
+                                <a:rPr lang="zh-CN" altLang="zh-CN" sz="2400" i="1">
+                                  <a:latin typeface="Cambria Math" panose="02040503050406030204" pitchFamily="18" charset="0"/>
+                                </a:rPr>
+                              </m:ctrlPr>
+                            </m:eqArrPr>
+                            <m:e>
+                              <m:acc>
+                                <m:accPr>
+                                  <m:chr m:val="̇"/>
+                                  <m:ctrlPr>
+                                    <a:rPr lang="zh-CN" altLang="zh-CN" sz="2400" i="1">
+                                      <a:latin typeface="Cambria Math" panose="02040503050406030204" pitchFamily="18" charset="0"/>
+                                    </a:rPr>
+                                  </m:ctrlPr>
+                                </m:accPr>
+                                <m:e>
+                                  <m:r>
+                                    <a:rPr lang="en-US" altLang="zh-CN" sz="2400" i="1">
+                                      <a:latin typeface="Cambria Math" panose="02040503050406030204" pitchFamily="18" charset="0"/>
+                                    </a:rPr>
+                                    <m:t>𝑥</m:t>
+                                  </m:r>
+                                </m:e>
+                              </m:acc>
+                              <m:r>
+                                <a:rPr lang="en-US" altLang="zh-CN" sz="2400" i="1">
+                                  <a:latin typeface="Cambria Math" panose="02040503050406030204" pitchFamily="18" charset="0"/>
+                                </a:rPr>
+                                <m:t>=</m:t>
+                              </m:r>
+                              <m:r>
+                                <a:rPr lang="en-US" altLang="zh-CN" sz="2400" i="1">
+                                  <a:latin typeface="Cambria Math" panose="02040503050406030204" pitchFamily="18" charset="0"/>
+                                </a:rPr>
+                                <m:t>𝑓</m:t>
+                              </m:r>
+                              <m:d>
+                                <m:dPr>
+                                  <m:ctrlPr>
+                                    <a:rPr lang="zh-CN" altLang="zh-CN" sz="2400" i="1">
+                                      <a:latin typeface="Cambria Math" panose="02040503050406030204" pitchFamily="18" charset="0"/>
+                                    </a:rPr>
+                                  </m:ctrlPr>
+                                </m:dPr>
+                                <m:e>
+                                  <m:r>
+                                    <a:rPr lang="en-US" altLang="zh-CN" sz="2400" i="1">
+                                      <a:latin typeface="Cambria Math" panose="02040503050406030204" pitchFamily="18" charset="0"/>
+                                    </a:rPr>
+                                    <m:t>𝑥</m:t>
+                                  </m:r>
+                                  <m:r>
+                                    <a:rPr lang="en-US" altLang="zh-CN" sz="2400" i="1">
+                                      <a:latin typeface="Cambria Math" panose="02040503050406030204" pitchFamily="18" charset="0"/>
+                                    </a:rPr>
+                                    <m:t>,</m:t>
+                                  </m:r>
+                                  <m:sSub>
+                                    <m:sSubPr>
+                                      <m:ctrlPr>
+                                        <a:rPr lang="zh-CN" altLang="zh-CN" sz="2400" i="1">
+                                          <a:latin typeface="Cambria Math" panose="02040503050406030204" pitchFamily="18" charset="0"/>
+                                        </a:rPr>
+                                      </m:ctrlPr>
+                                    </m:sSubPr>
+                                    <m:e>
+                                      <m:r>
+                                        <a:rPr lang="en-US" altLang="zh-CN" sz="2400" i="1">
+                                          <a:latin typeface="Cambria Math" panose="02040503050406030204" pitchFamily="18" charset="0"/>
+                                        </a:rPr>
+                                        <m:t>𝑢</m:t>
+                                      </m:r>
+                                    </m:e>
+                                    <m:sub>
+                                      <m:r>
+                                        <a:rPr lang="en-US" altLang="zh-CN" sz="2400" i="1">
+                                          <a:latin typeface="Cambria Math" panose="02040503050406030204" pitchFamily="18" charset="0"/>
+                                        </a:rPr>
+                                        <m:t>0</m:t>
+                                      </m:r>
+                                    </m:sub>
+                                  </m:sSub>
+                                </m:e>
+                              </m:d>
+                            </m:e>
+                            <m:e>
+                              <m:r>
+                                <a:rPr lang="en-US" altLang="zh-CN" sz="2400" i="1">
+                                  <a:latin typeface="Cambria Math" panose="02040503050406030204" pitchFamily="18" charset="0"/>
+                                </a:rPr>
+                                <m:t>𝑠</m:t>
+                              </m:r>
+                              <m:d>
+                                <m:dPr>
+                                  <m:ctrlPr>
+                                    <a:rPr lang="zh-CN" altLang="zh-CN" sz="2400" i="1">
+                                      <a:latin typeface="Cambria Math" panose="02040503050406030204" pitchFamily="18" charset="0"/>
+                                    </a:rPr>
+                                  </m:ctrlPr>
+                                </m:dPr>
+                                <m:e>
+                                  <m:r>
+                                    <a:rPr lang="en-US" altLang="zh-CN" sz="2400" i="1">
+                                      <a:latin typeface="Cambria Math" panose="02040503050406030204" pitchFamily="18" charset="0"/>
+                                    </a:rPr>
+                                    <m:t>𝑥</m:t>
+                                  </m:r>
+                                </m:e>
+                              </m:d>
+                              <m:r>
+                                <a:rPr lang="en-US" altLang="zh-CN" sz="2400" i="1">
+                                  <a:latin typeface="Cambria Math" panose="02040503050406030204" pitchFamily="18" charset="0"/>
+                                </a:rPr>
+                                <m:t>=0</m:t>
+                              </m:r>
+                            </m:e>
+                          </m:eqArr>
+                        </m:e>
+                      </m:d>
+                    </m:oMath>
+                  </m:oMathPara>
+                </a14:m>
+                <a:endParaRPr lang="zh-CN" altLang="zh-CN" sz="2400" dirty="0"/>
+              </a:p>
+              <a:p>
+                <a:pPr marL="0" indent="0">
+                  <a:buNone/>
+                </a:pPr>
+                <a:r>
+                  <a:rPr lang="zh-CN" altLang="zh-CN" sz="2400" dirty="0"/>
+                  <a:t>独立变量变为</a:t>
+                </a:r>
+                <a:r>
+                  <a:rPr lang="en-US" altLang="zh-CN" sz="2400" dirty="0"/>
+                  <a:t>n-1</a:t>
+                </a:r>
+                <a:r>
+                  <a:rPr lang="zh-CN" altLang="zh-CN" sz="2400" dirty="0"/>
+                  <a:t>个，滑模面上方程较原方程阶数降低。</a:t>
+                </a:r>
+              </a:p>
+              <a:p>
+                <a:pPr marL="0" indent="0">
+                  <a:buNone/>
+                </a:pPr>
+                <a:r>
+                  <a:rPr lang="zh-CN" altLang="zh-CN" sz="2400" dirty="0"/>
+                  <a:t>我们称</a:t>
+                </a:r>
+                <a14:m>
+                  <m:oMath xmlns:m="http://schemas.openxmlformats.org/officeDocument/2006/math">
+                    <m:r>
+                      <a:rPr lang="en-US" altLang="zh-CN" sz="2400" i="1">
+                        <a:latin typeface="Cambria Math" panose="02040503050406030204" pitchFamily="18" charset="0"/>
+                      </a:rPr>
+                      <m:t>𝑠</m:t>
+                    </m:r>
+                    <m:d>
+                      <m:dPr>
+                        <m:ctrlPr>
+                          <a:rPr lang="zh-CN" altLang="zh-CN" sz="2400" i="1">
+                            <a:latin typeface="Cambria Math" panose="02040503050406030204" pitchFamily="18" charset="0"/>
+                          </a:rPr>
+                        </m:ctrlPr>
+                      </m:dPr>
+                      <m:e>
+                        <m:r>
+                          <a:rPr lang="en-US" altLang="zh-CN" sz="2400" i="1">
+                            <a:latin typeface="Cambria Math" panose="02040503050406030204" pitchFamily="18" charset="0"/>
+                          </a:rPr>
+                          <m:t>𝑥</m:t>
+                        </m:r>
+                      </m:e>
+                    </m:d>
+                    <m:r>
+                      <a:rPr lang="en-US" altLang="zh-CN" sz="2400" i="1">
+                        <a:latin typeface="Cambria Math" panose="02040503050406030204" pitchFamily="18" charset="0"/>
+                      </a:rPr>
+                      <m:t>=0</m:t>
+                    </m:r>
+                  </m:oMath>
+                </a14:m>
+                <a:r>
+                  <a:rPr lang="zh-CN" altLang="zh-CN" sz="2400" dirty="0"/>
+                  <a:t>为</a:t>
+                </a:r>
+                <a:r>
+                  <a:rPr lang="zh-CN" altLang="zh-CN" sz="2400" dirty="0">
+                    <a:solidFill>
+                      <a:srgbClr val="FF0000"/>
+                    </a:solidFill>
+                  </a:rPr>
+                  <a:t>不连续面、滑模面、切换面</a:t>
+                </a:r>
+                <a:r>
+                  <a:rPr lang="zh-CN" altLang="zh-CN" sz="2400" dirty="0"/>
+                  <a:t>。它将状态空间分为两部分，如下图所示。</a:t>
+                </a:r>
+                <a:endParaRPr lang="zh-CN" altLang="en-US" sz="2400" dirty="0"/>
+              </a:p>
+            </p:txBody>
+          </p:sp>
+        </mc:Choice>
+        <mc:Fallback xmlns="">
+          <p:sp>
+            <p:nvSpPr>
+              <p:cNvPr id="5" name="内容占位符 4"/>
+              <p:cNvSpPr>
+                <a:spLocks noGrp="1" noRot="1" noChangeAspect="1" noMove="1" noResize="1" noEditPoints="1" noAdjustHandles="1" noChangeArrowheads="1" noChangeShapeType="1" noTextEdit="1"/>
+              </p:cNvSpPr>
+              <p:nvPr>
+                <p:ph idx="1"/>
+              </p:nvPr>
+            </p:nvSpPr>
+            <p:spPr>
+              <a:blipFill rotWithShape="0">
+                <a:blip r:embed="rId3"/>
+                <a:stretch>
+                  <a:fillRect l="-1185" t="-1203"/>
+                </a:stretch>
+              </a:blipFill>
+            </p:spPr>
+            <p:txBody>
+              <a:bodyPr/>
+              <a:lstStyle/>
+              <a:p>
+                <a:r>
+                  <a:rPr lang="zh-CN" altLang="en-US">
+                    <a:noFill/>
+                  </a:rPr>
+                  <a:t> </a:t>
+                </a:r>
+              </a:p>
+            </p:txBody>
+          </p:sp>
+        </mc:Fallback>
+      </mc:AlternateContent>
       <p:sp>
         <p:nvSpPr>
-          <p:cNvPr id="3" name="内容占位符 2"/>
+          <p:cNvPr id="6" name="Rectangle 7"/>
           <p:cNvSpPr>
-            <a:spLocks noGrp="1"/>
+            <a:spLocks noChangeArrowheads="1"/>
           </p:cNvSpPr>
-          <p:nvPr>
-            <p:ph idx="1"/>
-          </p:nvPr>
+          <p:nvPr/>
         </p:nvSpPr>
-        <p:spPr/>
+        <p:spPr bwMode="auto">
+          <a:xfrm>
+            <a:off x="0" y="0"/>
+            <a:ext cx="9144000" cy="0"/>
+          </a:xfrm>
+          <a:prstGeom prst="rect">
+            <a:avLst/>
+          </a:prstGeom>
+          <a:noFill/>
+          <a:ln>
+            <a:noFill/>
+          </a:ln>
+          <a:effectLst/>
+          <a:extLst>
+            <a:ext uri="{909E8E84-426E-40DD-AFC4-6F175D3DCCD1}">
+              <a14:hiddenFill xmlns:a14="http://schemas.microsoft.com/office/drawing/2010/main">
+                <a:solidFill>
+                  <a:schemeClr val="accent1"/>
+                </a:solidFill>
+              </a14:hiddenFill>
+            </a:ext>
+            <a:ext uri="{91240B29-F687-4F45-9708-019B960494DF}">
+              <a14:hiddenLine xmlns:a14="http://schemas.microsoft.com/office/drawing/2010/main" w="9525">
+                <a:solidFill>
+                  <a:schemeClr val="tx1"/>
+                </a:solidFill>
+                <a:miter lim="800000"/>
+                <a:headEnd/>
+                <a:tailEnd/>
+              </a14:hiddenLine>
+            </a:ext>
+            <a:ext uri="{AF507438-7753-43E0-B8FC-AC1667EBCBE1}">
+              <a14:hiddenEffects xmlns:a14="http://schemas.microsoft.com/office/drawing/2010/main">
+                <a:effectLst>
+                  <a:outerShdw dist="35921" dir="2700000" algn="ctr" rotWithShape="0">
+                    <a:schemeClr val="bg2"/>
+                  </a:outerShdw>
+                </a:effectLst>
+              </a14:hiddenEffects>
+            </a:ext>
+          </a:extLst>
+        </p:spPr>
         <p:txBody>
-          <a:bodyPr/>
+          <a:bodyPr vert="horz" wrap="none" lIns="91440" tIns="45720" rIns="91440" bIns="45720" numCol="1" anchor="ctr" anchorCtr="0" compatLnSpc="1">
+            <a:prstTxWarp prst="textNoShape">
+              <a:avLst/>
+            </a:prstTxWarp>
+            <a:spAutoFit/>
+          </a:bodyPr>
           <a:lstStyle/>
           <a:p>
             <a:endParaRPr lang="zh-CN" altLang="en-US"/>
           </a:p>
         </p:txBody>
       </p:sp>
+      <p:graphicFrame>
+        <p:nvGraphicFramePr>
+          <p:cNvPr id="7" name="对象 6"/>
+          <p:cNvGraphicFramePr>
+            <a:graphicFrameLocks noChangeAspect="1"/>
+          </p:cNvGraphicFramePr>
+          <p:nvPr>
+            <p:extLst>
+              <p:ext uri="{D42A27DB-BD31-4B8C-83A1-F6EECF244321}">
+                <p14:modId xmlns:p14="http://schemas.microsoft.com/office/powerpoint/2010/main" val="1843237491"/>
+              </p:ext>
+            </p:extLst>
+          </p:nvPr>
+        </p:nvGraphicFramePr>
+        <p:xfrm>
+          <a:off x="2555875" y="4429844"/>
+          <a:ext cx="3981450" cy="2095500"/>
+        </p:xfrm>
+        <a:graphic>
+          <a:graphicData uri="http://schemas.openxmlformats.org/presentationml/2006/ole">
+            <mc:AlternateContent xmlns:mc="http://schemas.openxmlformats.org/markup-compatibility/2006">
+              <mc:Choice xmlns:v="urn:schemas-microsoft-com:vml" Requires="v">
+                <p:oleObj spid="_x0000_s2060" name="Visio" r:id="rId5" imgW="3981243" imgH="2095615" progId="Visio.Drawing.11">
+                  <p:embed/>
+                </p:oleObj>
+              </mc:Choice>
+              <mc:Fallback>
+                <p:oleObj name="Visio" r:id="rId5" imgW="3981243" imgH="2095615" progId="Visio.Drawing.11">
+                  <p:embed/>
+                  <p:pic>
+                    <p:nvPicPr>
+                      <p:cNvPr id="0" name="Object 6"/>
+                      <p:cNvPicPr>
+                        <a:picLocks noChangeAspect="1" noChangeArrowheads="1"/>
+                      </p:cNvPicPr>
+                      <p:nvPr/>
+                    </p:nvPicPr>
+                    <p:blipFill>
+                      <a:blip r:embed="rId6">
+                        <a:extLst>
+                          <a:ext uri="{28A0092B-C50C-407E-A947-70E740481C1C}">
+                            <a14:useLocalDpi xmlns:a14="http://schemas.microsoft.com/office/drawing/2010/main" val="0"/>
+                          </a:ext>
+                        </a:extLst>
+                      </a:blip>
+                      <a:srcRect/>
+                      <a:stretch>
+                        <a:fillRect/>
+                      </a:stretch>
+                    </p:blipFill>
+                    <p:spPr bwMode="auto">
+                      <a:xfrm>
+                        <a:off x="2555875" y="4429844"/>
+                        <a:ext cx="3981450" cy="2095500"/>
+                      </a:xfrm>
+                      <a:prstGeom prst="rect">
+                        <a:avLst/>
+                      </a:prstGeom>
+                      <a:noFill/>
+                      <a:extLst>
+                        <a:ext uri="{909E8E84-426E-40DD-AFC4-6F175D3DCCD1}">
+                          <a14:hiddenFill xmlns:a14="http://schemas.microsoft.com/office/drawing/2010/main">
+                            <a:solidFill>
+                              <a:srgbClr val="FFFFFF"/>
+                            </a:solidFill>
+                          </a14:hiddenFill>
+                        </a:ext>
+                      </a:extLst>
+                    </p:spPr>
+                  </p:pic>
+                </p:oleObj>
+              </mc:Fallback>
+            </mc:AlternateContent>
+          </a:graphicData>
+        </a:graphic>
+      </p:graphicFrame>
     </p:spTree>
     <p:extLst>
       <p:ext uri="{BB962C8B-B14F-4D97-AF65-F5344CB8AC3E}">
@@ -8124,14 +8177,14 @@
           <a:p>
             <a:r>
               <a:rPr lang="zh-CN" altLang="en-US" dirty="0"/>
-              <a:t>优点</a:t>
+              <a:t>原理</a:t>
             </a:r>
           </a:p>
         </p:txBody>
       </p:sp>
       <p:sp>
         <p:nvSpPr>
-          <p:cNvPr id="3" name="内容占位符 2"/>
+          <p:cNvPr id="5" name="内容占位符 4"/>
           <p:cNvSpPr>
             <a:spLocks noGrp="1"/>
           </p:cNvSpPr>
@@ -8148,25 +8201,112 @@
               <a:buNone/>
             </a:pPr>
             <a:r>
-              <a:rPr lang="zh-CN" altLang="zh-CN" dirty="0"/>
-              <a:t>滑模控制以实现简单，和对满足匹配条件的外界干扰、模型的不确定性和未建模动态具有</a:t>
-            </a:r>
-            <a:r>
-              <a:rPr lang="zh-CN" altLang="zh-CN" dirty="0" smtClean="0"/>
-              <a:t>不变性</a:t>
-            </a:r>
-            <a:r>
-              <a:rPr lang="zh-CN" altLang="zh-CN" dirty="0"/>
-              <a:t>（亦称作完全鲁棒性）而著称。</a:t>
-            </a:r>
-            <a:endParaRPr lang="zh-CN" altLang="en-US" dirty="0"/>
+              <a:rPr lang="zh-CN" altLang="zh-CN" sz="2400" dirty="0"/>
+              <a:t>在切换面上的运动点有</a:t>
+            </a:r>
+            <a:r>
+              <a:rPr lang="en-US" altLang="zh-CN" sz="2400" dirty="0"/>
+              <a:t>3</a:t>
+            </a:r>
+            <a:r>
+              <a:rPr lang="zh-CN" altLang="zh-CN" sz="2400" dirty="0"/>
+              <a:t>种情况：</a:t>
+            </a:r>
+          </a:p>
+          <a:p>
+            <a:pPr marL="0" indent="0">
+              <a:buNone/>
+            </a:pPr>
+            <a:r>
+              <a:rPr lang="en-US" altLang="zh-CN" sz="2400" dirty="0"/>
+              <a:t>(1) </a:t>
+            </a:r>
+            <a:r>
+              <a:rPr lang="zh-CN" altLang="zh-CN" sz="2400" dirty="0">
+                <a:solidFill>
+                  <a:srgbClr val="FF0000"/>
+                </a:solidFill>
+              </a:rPr>
+              <a:t>常点</a:t>
+            </a:r>
+            <a:r>
+              <a:rPr lang="zh-CN" altLang="zh-CN" sz="2400" dirty="0"/>
+              <a:t>——状态点处在切换面上附近时，从切换面上的这个点穿越切换面而过，切换面上这样的点就称作常点，如上图中点</a:t>
+            </a:r>
+            <a:r>
+              <a:rPr lang="en-US" altLang="zh-CN" sz="2400" dirty="0"/>
+              <a:t>A</a:t>
+            </a:r>
+            <a:r>
+              <a:rPr lang="zh-CN" altLang="zh-CN" sz="2400" dirty="0"/>
+              <a:t>所示。</a:t>
+            </a:r>
+          </a:p>
+          <a:p>
+            <a:pPr marL="0" indent="0">
+              <a:buNone/>
+            </a:pPr>
+            <a:r>
+              <a:rPr lang="en-US" altLang="zh-CN" sz="2400" dirty="0"/>
+              <a:t>(2) </a:t>
+            </a:r>
+            <a:r>
+              <a:rPr lang="zh-CN" altLang="zh-CN" sz="2400" dirty="0">
+                <a:solidFill>
+                  <a:srgbClr val="FF0000"/>
+                </a:solidFill>
+              </a:rPr>
+              <a:t>起点</a:t>
+            </a:r>
+            <a:r>
+              <a:rPr lang="zh-CN" altLang="zh-CN" sz="2400" dirty="0"/>
+              <a:t>——状态点处在切换面上某点附近时，将从切换面的两边中的一边离开切换面上的这个点，切换面上这样的点就称作起点，如上图中点</a:t>
+            </a:r>
+            <a:r>
+              <a:rPr lang="en-US" altLang="zh-CN" sz="2400" dirty="0"/>
+              <a:t>B</a:t>
+            </a:r>
+            <a:r>
+              <a:rPr lang="zh-CN" altLang="zh-CN" sz="2400" dirty="0"/>
+              <a:t>所示。</a:t>
+            </a:r>
+          </a:p>
+          <a:p>
+            <a:pPr marL="0" indent="0">
+              <a:buNone/>
+            </a:pPr>
+            <a:r>
+              <a:rPr lang="en-US" altLang="zh-CN" sz="2400" dirty="0"/>
+              <a:t>(3) </a:t>
+            </a:r>
+            <a:r>
+              <a:rPr lang="zh-CN" altLang="zh-CN" sz="2400" dirty="0">
+                <a:solidFill>
+                  <a:srgbClr val="FF0000"/>
+                </a:solidFill>
+              </a:rPr>
+              <a:t>止点</a:t>
+            </a:r>
+            <a:r>
+              <a:rPr lang="zh-CN" altLang="zh-CN" sz="2400" dirty="0"/>
+              <a:t>——状态点处在切换面上某点附近时，将从切换面的两边中的一边趋向该点，切换面上这样的点就称作止点，如上图中点</a:t>
+            </a:r>
+            <a:r>
+              <a:rPr lang="en-US" altLang="zh-CN" sz="2400" dirty="0"/>
+              <a:t>C</a:t>
+            </a:r>
+            <a:r>
+              <a:rPr lang="zh-CN" altLang="zh-CN" sz="2400" dirty="0"/>
+              <a:t>所示。</a:t>
+            </a:r>
+            <a:endParaRPr lang="zh-CN" altLang="en-US" sz="2400" dirty="0"/>
           </a:p>
         </p:txBody>
       </p:sp>
     </p:spTree>
     <p:extLst>
       <p:ext uri="{BB962C8B-B14F-4D97-AF65-F5344CB8AC3E}">
-        <p14:creationId xmlns:p14="http://schemas.microsoft.com/office/powerpoint/2010/main" val="2184537428"/>
+        <p14:creationId xmlns:p14="http://schemas.microsoft.com/office/powerpoint/2010/main" val="2425929972"/>
       </p:ext>
     </p:extLst>
   </p:cSld>
@@ -8209,132 +8349,357 @@
           <a:lstStyle/>
           <a:p>
             <a:r>
-              <a:rPr lang="zh-CN" altLang="en-US" dirty="0" smtClean="0"/>
-              <a:t>问题</a:t>
-            </a:r>
-            <a:r>
-              <a:rPr lang="en-US" altLang="zh-CN" dirty="0" smtClean="0"/>
-              <a:t>	</a:t>
-            </a:r>
-            <a:endParaRPr lang="zh-CN" altLang="en-US" dirty="0"/>
+              <a:rPr lang="zh-CN" altLang="en-US" dirty="0"/>
+              <a:t>原理</a:t>
+            </a:r>
           </a:p>
         </p:txBody>
       </p:sp>
-      <p:sp>
-        <p:nvSpPr>
-          <p:cNvPr id="3" name="内容占位符 2"/>
-          <p:cNvSpPr>
-            <a:spLocks noGrp="1"/>
-          </p:cNvSpPr>
-          <p:nvPr>
-            <p:ph idx="1"/>
-          </p:nvPr>
-        </p:nvSpPr>
-        <p:spPr/>
-        <p:txBody>
-          <a:bodyPr/>
-          <a:lstStyle/>
-          <a:p>
-            <a:pPr marL="514350" indent="-514350">
-              <a:buFont typeface="+mj-lt"/>
-              <a:buAutoNum type="arabicPeriod"/>
-            </a:pPr>
-            <a:r>
-              <a:rPr lang="zh-CN" altLang="zh-CN" sz="2400" dirty="0" smtClean="0"/>
-              <a:t>抖振</a:t>
-            </a:r>
-            <a:r>
-              <a:rPr lang="zh-CN" altLang="zh-CN" sz="2400" dirty="0"/>
-              <a:t>问题：主要是由未建模的串联动态引起，同时切换装置的非理想性也是一个重要原因；</a:t>
-            </a:r>
-          </a:p>
-          <a:p>
-            <a:pPr marL="514350" indent="-514350">
-              <a:buFont typeface="+mj-lt"/>
-              <a:buAutoNum type="arabicPeriod"/>
-            </a:pPr>
-            <a:r>
-              <a:rPr lang="zh-CN" altLang="zh-CN" sz="2400" dirty="0" smtClean="0"/>
-              <a:t>控制精度</a:t>
-            </a:r>
-            <a:r>
-              <a:rPr lang="zh-CN" altLang="zh-CN" sz="2400" dirty="0"/>
-              <a:t>问题：在实际的、采样实现的传统滑模控制算法中，滑动误差正比于采样时间τ，也就是说，有限时间到达的传统滑模在具有零阶保持器的离散控制下，系统的状态保持在滑动模态上的精度是采样时间的一阶无穷小，即</a:t>
-            </a:r>
-            <a:r>
-              <a:rPr lang="en-US" altLang="zh-CN" sz="2400" dirty="0"/>
-              <a:t>O(</a:t>
-            </a:r>
-            <a:r>
-              <a:rPr lang="zh-CN" altLang="zh-CN" sz="2400" dirty="0"/>
-              <a:t>τ</a:t>
-            </a:r>
-            <a:r>
-              <a:rPr lang="en-US" altLang="zh-CN" sz="2400" dirty="0"/>
-              <a:t>) </a:t>
-            </a:r>
-            <a:r>
-              <a:rPr lang="zh-CN" altLang="zh-CN" sz="2400" dirty="0"/>
-              <a:t>；</a:t>
-            </a:r>
-          </a:p>
-          <a:p>
-            <a:pPr marL="514350" indent="-514350">
-              <a:buFont typeface="+mj-lt"/>
-              <a:buAutoNum type="arabicPeriod"/>
-            </a:pPr>
-            <a:r>
-              <a:rPr lang="zh-CN" altLang="zh-CN" sz="2400" dirty="0" smtClean="0"/>
-              <a:t>相对</a:t>
-            </a:r>
-            <a:r>
-              <a:rPr lang="zh-CN" altLang="zh-CN" sz="2400" dirty="0"/>
-              <a:t>阶的限制：传统滑模控制只有在系统关于滑模变量</a:t>
-            </a:r>
-            <a:r>
-              <a:rPr lang="en-US" altLang="zh-CN" sz="2400" dirty="0"/>
-              <a:t>s</a:t>
-            </a:r>
-            <a:r>
-              <a:rPr lang="zh-CN" altLang="zh-CN" sz="2400" dirty="0"/>
-              <a:t>的相对阶是</a:t>
-            </a:r>
-            <a:r>
-              <a:rPr lang="en-US" altLang="zh-CN" sz="2400" dirty="0"/>
-              <a:t>1</a:t>
-            </a:r>
-            <a:r>
-              <a:rPr lang="zh-CN" altLang="zh-CN" sz="2400" dirty="0"/>
-              <a:t>时才能应用，也就是说，控制量</a:t>
-            </a:r>
-            <a:r>
-              <a:rPr lang="en-US" altLang="zh-CN" sz="2400" dirty="0"/>
-              <a:t>u</a:t>
-            </a:r>
-            <a:r>
-              <a:rPr lang="zh-CN" altLang="zh-CN" sz="2400" dirty="0"/>
-              <a:t>必须显式出现在</a:t>
-            </a:r>
-            <a:r>
-              <a:rPr lang="en-US" altLang="zh-CN" sz="2400" dirty="0"/>
-              <a:t>s</a:t>
-            </a:r>
-            <a:r>
-              <a:rPr lang="zh-CN" altLang="zh-CN" sz="2400" dirty="0"/>
-              <a:t>中，这样就限制了滑模面的设计</a:t>
-            </a:r>
-            <a:r>
-              <a:rPr lang="zh-CN" altLang="zh-CN" sz="2400" dirty="0" smtClean="0"/>
-              <a:t>。</a:t>
-            </a:r>
-            <a:endParaRPr lang="zh-CN" altLang="zh-CN" sz="2400" dirty="0"/>
-          </a:p>
-        </p:txBody>
-      </p:sp>
+      <mc:AlternateContent xmlns:mc="http://schemas.openxmlformats.org/markup-compatibility/2006" xmlns:a14="http://schemas.microsoft.com/office/drawing/2010/main">
+        <mc:Choice Requires="a14">
+          <p:sp>
+            <p:nvSpPr>
+              <p:cNvPr id="5" name="内容占位符 4"/>
+              <p:cNvSpPr>
+                <a:spLocks noGrp="1"/>
+              </p:cNvSpPr>
+              <p:nvPr>
+                <p:ph idx="1"/>
+              </p:nvPr>
+            </p:nvSpPr>
+            <p:spPr/>
+            <p:txBody>
+              <a:bodyPr/>
+              <a:lstStyle/>
+              <a:p>
+                <a:pPr marL="0" indent="0">
+                  <a:buNone/>
+                </a:pPr>
+                <a:r>
+                  <a:rPr lang="zh-CN" altLang="zh-CN" sz="2400" dirty="0"/>
+                  <a:t>若切换面上某一区域内所有点都是止点，则一旦状态点趋近该区域，就会被“吸引”到该区域内运动。此时，称在切换面上所有的点都是止点的区域为“</a:t>
+                </a:r>
+                <a:r>
+                  <a:rPr lang="zh-CN" altLang="zh-CN" sz="2400" dirty="0">
+                    <a:solidFill>
+                      <a:srgbClr val="FF0000"/>
+                    </a:solidFill>
+                  </a:rPr>
+                  <a:t>滑动模态</a:t>
+                </a:r>
+                <a:r>
+                  <a:rPr lang="zh-CN" altLang="zh-CN" sz="2400" dirty="0"/>
+                  <a:t>”区域。系统在滑动模态区域中的运动就叫做“</a:t>
+                </a:r>
+                <a:r>
+                  <a:rPr lang="zh-CN" altLang="zh-CN" sz="2400" dirty="0">
+                    <a:solidFill>
+                      <a:srgbClr val="FF0000"/>
+                    </a:solidFill>
+                  </a:rPr>
+                  <a:t>滑动模态运动</a:t>
+                </a:r>
+                <a:r>
+                  <a:rPr lang="zh-CN" altLang="zh-CN" sz="2400" dirty="0"/>
+                  <a:t>”。按照滑动模态区域上的点都必须是止点这一要求，当状态点到达切换面附近时，必有：</a:t>
+                </a:r>
+              </a:p>
+              <a:p>
+                <a:pPr marL="0" indent="0">
+                  <a:buNone/>
+                </a:pPr>
+                <a14:m>
+                  <m:oMathPara xmlns:m="http://schemas.openxmlformats.org/officeDocument/2006/math">
+                    <m:oMathParaPr>
+                      <m:jc m:val="centerGroup"/>
+                    </m:oMathParaPr>
+                    <m:oMath xmlns:m="http://schemas.openxmlformats.org/officeDocument/2006/math">
+                      <m:d>
+                        <m:dPr>
+                          <m:begChr m:val="{"/>
+                          <m:endChr m:val=""/>
+                          <m:ctrlPr>
+                            <a:rPr lang="zh-CN" altLang="zh-CN" sz="2400" i="1">
+                              <a:latin typeface="Cambria Math" panose="02040503050406030204" pitchFamily="18" charset="0"/>
+                            </a:rPr>
+                          </m:ctrlPr>
+                        </m:dPr>
+                        <m:e>
+                          <m:eqArr>
+                            <m:eqArrPr>
+                              <m:ctrlPr>
+                                <a:rPr lang="zh-CN" altLang="zh-CN" sz="2400" i="1">
+                                  <a:latin typeface="Cambria Math" panose="02040503050406030204" pitchFamily="18" charset="0"/>
+                                </a:rPr>
+                              </m:ctrlPr>
+                            </m:eqArrPr>
+                            <m:e>
+                              <m:func>
+                                <m:funcPr>
+                                  <m:ctrlPr>
+                                    <a:rPr lang="zh-CN" altLang="zh-CN" sz="2400" i="1">
+                                      <a:latin typeface="Cambria Math" panose="02040503050406030204" pitchFamily="18" charset="0"/>
+                                    </a:rPr>
+                                  </m:ctrlPr>
+                                </m:funcPr>
+                                <m:fName>
+                                  <m:limLow>
+                                    <m:limLowPr>
+                                      <m:ctrlPr>
+                                        <a:rPr lang="zh-CN" altLang="zh-CN" sz="2400" i="1">
+                                          <a:latin typeface="Cambria Math" panose="02040503050406030204" pitchFamily="18" charset="0"/>
+                                        </a:rPr>
+                                      </m:ctrlPr>
+                                    </m:limLowPr>
+                                    <m:e>
+                                      <m:r>
+                                        <m:rPr>
+                                          <m:sty m:val="p"/>
+                                        </m:rPr>
+                                        <a:rPr lang="en-US" altLang="zh-CN" sz="2400">
+                                          <a:latin typeface="Cambria Math" panose="02040503050406030204" pitchFamily="18" charset="0"/>
+                                        </a:rPr>
+                                        <m:t>lim</m:t>
+                                      </m:r>
+                                    </m:e>
+                                    <m:lim>
+                                      <m:r>
+                                        <a:rPr lang="en-US" altLang="zh-CN" sz="2400" i="1">
+                                          <a:latin typeface="Cambria Math" panose="02040503050406030204" pitchFamily="18" charset="0"/>
+                                        </a:rPr>
+                                        <m:t>𝑠</m:t>
+                                      </m:r>
+                                      <m:r>
+                                        <a:rPr lang="en-US" altLang="zh-CN" sz="2400" i="1">
+                                          <a:latin typeface="Cambria Math" panose="02040503050406030204" pitchFamily="18" charset="0"/>
+                                        </a:rPr>
+                                        <m:t>→</m:t>
+                                      </m:r>
+                                      <m:sSup>
+                                        <m:sSupPr>
+                                          <m:ctrlPr>
+                                            <a:rPr lang="zh-CN" altLang="zh-CN" sz="2400" i="1">
+                                              <a:latin typeface="Cambria Math" panose="02040503050406030204" pitchFamily="18" charset="0"/>
+                                            </a:rPr>
+                                          </m:ctrlPr>
+                                        </m:sSupPr>
+                                        <m:e>
+                                          <m:r>
+                                            <a:rPr lang="en-US" altLang="zh-CN" sz="2400" i="1">
+                                              <a:latin typeface="Cambria Math" panose="02040503050406030204" pitchFamily="18" charset="0"/>
+                                            </a:rPr>
+                                            <m:t>0</m:t>
+                                          </m:r>
+                                        </m:e>
+                                        <m:sup>
+                                          <m:r>
+                                            <a:rPr lang="en-US" altLang="zh-CN" sz="2400" i="1">
+                                              <a:latin typeface="Cambria Math" panose="02040503050406030204" pitchFamily="18" charset="0"/>
+                                            </a:rPr>
+                                            <m:t>+</m:t>
+                                          </m:r>
+                                        </m:sup>
+                                      </m:sSup>
+                                    </m:lim>
+                                  </m:limLow>
+                                </m:fName>
+                                <m:e>
+                                  <m:acc>
+                                    <m:accPr>
+                                      <m:chr m:val="̇"/>
+                                      <m:ctrlPr>
+                                        <a:rPr lang="zh-CN" altLang="zh-CN" sz="2400" i="1">
+                                          <a:latin typeface="Cambria Math" panose="02040503050406030204" pitchFamily="18" charset="0"/>
+                                        </a:rPr>
+                                      </m:ctrlPr>
+                                    </m:accPr>
+                                    <m:e>
+                                      <m:r>
+                                        <a:rPr lang="en-US" altLang="zh-CN" sz="2400" i="1">
+                                          <a:latin typeface="Cambria Math" panose="02040503050406030204" pitchFamily="18" charset="0"/>
+                                        </a:rPr>
+                                        <m:t>𝑠</m:t>
+                                      </m:r>
+                                    </m:e>
+                                  </m:acc>
+                                  <m:r>
+                                    <a:rPr lang="en-US" altLang="zh-CN" sz="2400" i="1">
+                                      <a:latin typeface="Cambria Math" panose="02040503050406030204" pitchFamily="18" charset="0"/>
+                                    </a:rPr>
+                                    <m:t>&lt;0</m:t>
+                                  </m:r>
+                                </m:e>
+                              </m:func>
+                            </m:e>
+                            <m:e>
+                              <m:func>
+                                <m:funcPr>
+                                  <m:ctrlPr>
+                                    <a:rPr lang="zh-CN" altLang="zh-CN" sz="2400" i="1">
+                                      <a:latin typeface="Cambria Math" panose="02040503050406030204" pitchFamily="18" charset="0"/>
+                                    </a:rPr>
+                                  </m:ctrlPr>
+                                </m:funcPr>
+                                <m:fName>
+                                  <m:limLow>
+                                    <m:limLowPr>
+                                      <m:ctrlPr>
+                                        <a:rPr lang="zh-CN" altLang="zh-CN" sz="2400" i="1">
+                                          <a:latin typeface="Cambria Math" panose="02040503050406030204" pitchFamily="18" charset="0"/>
+                                        </a:rPr>
+                                      </m:ctrlPr>
+                                    </m:limLowPr>
+                                    <m:e>
+                                      <m:r>
+                                        <m:rPr>
+                                          <m:sty m:val="p"/>
+                                        </m:rPr>
+                                        <a:rPr lang="en-US" altLang="zh-CN" sz="2400">
+                                          <a:latin typeface="Cambria Math" panose="02040503050406030204" pitchFamily="18" charset="0"/>
+                                        </a:rPr>
+                                        <m:t>lim</m:t>
+                                      </m:r>
+                                    </m:e>
+                                    <m:lim>
+                                      <m:r>
+                                        <a:rPr lang="en-US" altLang="zh-CN" sz="2400" i="1">
+                                          <a:latin typeface="Cambria Math" panose="02040503050406030204" pitchFamily="18" charset="0"/>
+                                        </a:rPr>
+                                        <m:t>𝑠</m:t>
+                                      </m:r>
+                                      <m:r>
+                                        <a:rPr lang="en-US" altLang="zh-CN" sz="2400" i="1">
+                                          <a:latin typeface="Cambria Math" panose="02040503050406030204" pitchFamily="18" charset="0"/>
+                                        </a:rPr>
+                                        <m:t>→</m:t>
+                                      </m:r>
+                                      <m:sSup>
+                                        <m:sSupPr>
+                                          <m:ctrlPr>
+                                            <a:rPr lang="zh-CN" altLang="zh-CN" sz="2400" i="1">
+                                              <a:latin typeface="Cambria Math" panose="02040503050406030204" pitchFamily="18" charset="0"/>
+                                            </a:rPr>
+                                          </m:ctrlPr>
+                                        </m:sSupPr>
+                                        <m:e>
+                                          <m:r>
+                                            <a:rPr lang="en-US" altLang="zh-CN" sz="2400" i="1">
+                                              <a:latin typeface="Cambria Math" panose="02040503050406030204" pitchFamily="18" charset="0"/>
+                                            </a:rPr>
+                                            <m:t>0</m:t>
+                                          </m:r>
+                                        </m:e>
+                                        <m:sup>
+                                          <m:r>
+                                            <a:rPr lang="en-US" altLang="zh-CN" sz="2400" i="1">
+                                              <a:latin typeface="Cambria Math" panose="02040503050406030204" pitchFamily="18" charset="0"/>
+                                            </a:rPr>
+                                            <m:t>−</m:t>
+                                          </m:r>
+                                        </m:sup>
+                                      </m:sSup>
+                                    </m:lim>
+                                  </m:limLow>
+                                </m:fName>
+                                <m:e>
+                                  <m:acc>
+                                    <m:accPr>
+                                      <m:chr m:val="̇"/>
+                                      <m:ctrlPr>
+                                        <a:rPr lang="zh-CN" altLang="zh-CN" sz="2400" i="1">
+                                          <a:latin typeface="Cambria Math" panose="02040503050406030204" pitchFamily="18" charset="0"/>
+                                        </a:rPr>
+                                      </m:ctrlPr>
+                                    </m:accPr>
+                                    <m:e>
+                                      <m:r>
+                                        <a:rPr lang="en-US" altLang="zh-CN" sz="2400" i="1">
+                                          <a:latin typeface="Cambria Math" panose="02040503050406030204" pitchFamily="18" charset="0"/>
+                                        </a:rPr>
+                                        <m:t>𝑠</m:t>
+                                      </m:r>
+                                    </m:e>
+                                  </m:acc>
+                                  <m:r>
+                                    <a:rPr lang="en-US" altLang="zh-CN" sz="2400" i="1">
+                                      <a:latin typeface="Cambria Math" panose="02040503050406030204" pitchFamily="18" charset="0"/>
+                                    </a:rPr>
+                                    <m:t>&gt;0</m:t>
+                                  </m:r>
+                                </m:e>
+                              </m:func>
+                            </m:e>
+                          </m:eqArr>
+                        </m:e>
+                      </m:d>
+                    </m:oMath>
+                  </m:oMathPara>
+                </a14:m>
+                <a:endParaRPr lang="zh-CN" altLang="zh-CN" sz="2400" dirty="0"/>
+              </a:p>
+              <a:p>
+                <a:pPr marL="0" indent="0">
+                  <a:buNone/>
+                </a:pPr>
+                <a:r>
+                  <a:rPr lang="zh-CN" altLang="zh-CN" sz="2400" dirty="0"/>
+                  <a:t>上式称为</a:t>
+                </a:r>
+                <a:r>
+                  <a:rPr lang="zh-CN" altLang="zh-CN" sz="2400" dirty="0">
+                    <a:solidFill>
+                      <a:srgbClr val="FF0000"/>
+                    </a:solidFill>
+                  </a:rPr>
+                  <a:t>局部到达条件</a:t>
+                </a:r>
+                <a:r>
+                  <a:rPr lang="zh-CN" altLang="zh-CN" sz="2400" dirty="0"/>
+                  <a:t>。</a:t>
+                </a:r>
+                <a:endParaRPr lang="zh-CN" altLang="en-US" sz="2400" dirty="0"/>
+              </a:p>
+            </p:txBody>
+          </p:sp>
+        </mc:Choice>
+        <mc:Fallback xmlns="">
+          <p:sp>
+            <p:nvSpPr>
+              <p:cNvPr id="5" name="内容占位符 4"/>
+              <p:cNvSpPr>
+                <a:spLocks noGrp="1" noRot="1" noChangeAspect="1" noMove="1" noResize="1" noEditPoints="1" noAdjustHandles="1" noChangeArrowheads="1" noChangeShapeType="1" noTextEdit="1"/>
+              </p:cNvSpPr>
+              <p:nvPr>
+                <p:ph idx="1"/>
+              </p:nvPr>
+            </p:nvSpPr>
+            <p:spPr>
+              <a:blipFill rotWithShape="0">
+                <a:blip r:embed="rId2"/>
+                <a:stretch>
+                  <a:fillRect l="-1185" t="-1203"/>
+                </a:stretch>
+              </a:blipFill>
+            </p:spPr>
+            <p:txBody>
+              <a:bodyPr/>
+              <a:lstStyle/>
+              <a:p>
+                <a:r>
+                  <a:rPr lang="zh-CN" altLang="en-US">
+                    <a:noFill/>
+                  </a:rPr>
+                  <a:t> </a:t>
+                </a:r>
+              </a:p>
+            </p:txBody>
+          </p:sp>
+        </mc:Fallback>
+      </mc:AlternateContent>
     </p:spTree>
     <p:extLst>
       <p:ext uri="{BB962C8B-B14F-4D97-AF65-F5344CB8AC3E}">
-        <p14:creationId xmlns:p14="http://schemas.microsoft.com/office/powerpoint/2010/main" val="3458279472"/>
+        <p14:creationId xmlns:p14="http://schemas.microsoft.com/office/powerpoint/2010/main" val="2611819094"/>
       </p:ext>
     </p:extLst>
   </p:cSld>
@@ -8377,39 +8742,367 @@
           <a:lstStyle/>
           <a:p>
             <a:r>
-              <a:rPr lang="zh-CN" altLang="zh-CN" dirty="0"/>
-              <a:t>与模糊控制相结合</a:t>
-            </a:r>
-            <a:endParaRPr lang="zh-CN" altLang="en-US" dirty="0"/>
+              <a:rPr lang="zh-CN" altLang="en-US" dirty="0"/>
+              <a:t>原理</a:t>
+            </a:r>
           </a:p>
         </p:txBody>
       </p:sp>
-      <p:sp>
-        <p:nvSpPr>
-          <p:cNvPr id="3" name="内容占位符 2"/>
-          <p:cNvSpPr>
-            <a:spLocks noGrp="1"/>
-          </p:cNvSpPr>
-          <p:nvPr>
-            <p:ph idx="1"/>
-          </p:nvPr>
-        </p:nvSpPr>
-        <p:spPr/>
-        <p:txBody>
-          <a:bodyPr/>
-          <a:lstStyle/>
-          <a:p>
-            <a:r>
-              <a:rPr lang="zh-CN" altLang="en-US" dirty="0"/>
-              <a:t>模糊滑模控制器结合了滑模和模糊控制器的优点，即模糊滑模控制器保持了常规滑模控制器原有的鲁棒性和模糊控制器不依赖系统模型的特性，从而有效地降低或消除了抖振的幅值，并使得控制系统的控制精度得到有效提高。</a:t>
-            </a:r>
-          </a:p>
-        </p:txBody>
-      </p:sp>
+      <mc:AlternateContent xmlns:mc="http://schemas.openxmlformats.org/markup-compatibility/2006" xmlns:a14="http://schemas.microsoft.com/office/drawing/2010/main">
+        <mc:Choice Requires="a14">
+          <p:sp>
+            <p:nvSpPr>
+              <p:cNvPr id="5" name="内容占位符 4"/>
+              <p:cNvSpPr>
+                <a:spLocks noGrp="1"/>
+              </p:cNvSpPr>
+              <p:nvPr>
+                <p:ph idx="1"/>
+              </p:nvPr>
+            </p:nvSpPr>
+            <p:spPr>
+              <a:xfrm>
+                <a:off x="395536" y="1027584"/>
+                <a:ext cx="8460680" cy="5497760"/>
+              </a:xfrm>
+            </p:spPr>
+            <p:txBody>
+              <a:bodyPr/>
+              <a:lstStyle/>
+              <a:p>
+                <a:pPr marL="0" indent="0">
+                  <a:buNone/>
+                </a:pPr>
+                <a:r>
+                  <a:rPr lang="zh-CN" altLang="zh-CN" sz="2400" dirty="0" smtClean="0"/>
+                  <a:t>对</a:t>
+                </a:r>
+                <a:r>
+                  <a:rPr lang="zh-CN" altLang="zh-CN" sz="2400" dirty="0"/>
+                  <a:t>局部到达条件扩展可得</a:t>
+                </a:r>
+                <a:r>
+                  <a:rPr lang="zh-CN" altLang="zh-CN" sz="2400" dirty="0">
+                    <a:solidFill>
+                      <a:srgbClr val="FF0000"/>
+                    </a:solidFill>
+                  </a:rPr>
+                  <a:t>全局到达条件</a:t>
+                </a:r>
+                <a:r>
+                  <a:rPr lang="zh-CN" altLang="zh-CN" sz="2400" dirty="0"/>
+                  <a:t>：</a:t>
+                </a:r>
+              </a:p>
+              <a:p>
+                <a:pPr marL="0" indent="0">
+                  <a:buNone/>
+                </a:pPr>
+                <a14:m>
+                  <m:oMathPara xmlns:m="http://schemas.openxmlformats.org/officeDocument/2006/math">
+                    <m:oMathParaPr>
+                      <m:jc m:val="centerGroup"/>
+                    </m:oMathParaPr>
+                    <m:oMath xmlns:m="http://schemas.openxmlformats.org/officeDocument/2006/math">
+                      <m:r>
+                        <a:rPr lang="en-US" altLang="zh-CN" sz="2400" i="1">
+                          <a:latin typeface="Cambria Math" panose="02040503050406030204" pitchFamily="18" charset="0"/>
+                        </a:rPr>
+                        <m:t>𝑠</m:t>
+                      </m:r>
+                      <m:acc>
+                        <m:accPr>
+                          <m:chr m:val="̇"/>
+                          <m:ctrlPr>
+                            <a:rPr lang="zh-CN" altLang="zh-CN" sz="2400" i="1">
+                              <a:latin typeface="Cambria Math" panose="02040503050406030204" pitchFamily="18" charset="0"/>
+                            </a:rPr>
+                          </m:ctrlPr>
+                        </m:accPr>
+                        <m:e>
+                          <m:r>
+                            <a:rPr lang="en-US" altLang="zh-CN" sz="2400" i="1">
+                              <a:latin typeface="Cambria Math" panose="02040503050406030204" pitchFamily="18" charset="0"/>
+                            </a:rPr>
+                            <m:t>𝑠</m:t>
+                          </m:r>
+                        </m:e>
+                      </m:acc>
+                      <m:r>
+                        <a:rPr lang="en-US" altLang="zh-CN" sz="2400" i="1">
+                          <a:latin typeface="Cambria Math" panose="02040503050406030204" pitchFamily="18" charset="0"/>
+                        </a:rPr>
+                        <m:t>&lt;0</m:t>
+                      </m:r>
+                    </m:oMath>
+                  </m:oMathPara>
+                </a14:m>
+                <a:endParaRPr lang="zh-CN" altLang="zh-CN" sz="2400" dirty="0"/>
+              </a:p>
+              <a:p>
+                <a:pPr marL="0" indent="0">
+                  <a:buNone/>
+                </a:pPr>
+                <a:r>
+                  <a:rPr lang="zh-CN" altLang="zh-CN" sz="2400" dirty="0"/>
+                  <a:t>相应地，构造</a:t>
+                </a:r>
+                <a:r>
+                  <a:rPr lang="zh-CN" altLang="zh-CN" sz="2400" dirty="0">
+                    <a:solidFill>
+                      <a:srgbClr val="FF0000"/>
+                    </a:solidFill>
+                  </a:rPr>
+                  <a:t>李雅普诺夫型到达条件</a:t>
+                </a:r>
+                <a:r>
+                  <a:rPr lang="zh-CN" altLang="zh-CN" sz="2400" dirty="0"/>
+                  <a:t>：</a:t>
+                </a:r>
+              </a:p>
+              <a:p>
+                <a:pPr marL="0" indent="0">
+                  <a:buNone/>
+                </a:pPr>
+                <a14:m>
+                  <m:oMathPara xmlns:m="http://schemas.openxmlformats.org/officeDocument/2006/math">
+                    <m:oMathParaPr>
+                      <m:jc m:val="centerGroup"/>
+                    </m:oMathParaPr>
+                    <m:oMath xmlns:m="http://schemas.openxmlformats.org/officeDocument/2006/math">
+                      <m:d>
+                        <m:dPr>
+                          <m:begChr m:val="{"/>
+                          <m:endChr m:val=""/>
+                          <m:ctrlPr>
+                            <a:rPr lang="zh-CN" altLang="zh-CN" sz="2400" i="1">
+                              <a:latin typeface="Cambria Math" panose="02040503050406030204" pitchFamily="18" charset="0"/>
+                            </a:rPr>
+                          </m:ctrlPr>
+                        </m:dPr>
+                        <m:e>
+                          <m:eqArr>
+                            <m:eqArrPr>
+                              <m:ctrlPr>
+                                <a:rPr lang="zh-CN" altLang="zh-CN" sz="2400" i="1">
+                                  <a:latin typeface="Cambria Math" panose="02040503050406030204" pitchFamily="18" charset="0"/>
+                                </a:rPr>
+                              </m:ctrlPr>
+                            </m:eqArrPr>
+                            <m:e>
+                              <m:r>
+                                <a:rPr lang="en-US" altLang="zh-CN" sz="2400" i="1">
+                                  <a:latin typeface="Cambria Math" panose="02040503050406030204" pitchFamily="18" charset="0"/>
+                                </a:rPr>
+                                <m:t>𝑉</m:t>
+                              </m:r>
+                              <m:r>
+                                <a:rPr lang="en-US" altLang="zh-CN" sz="2400" i="1">
+                                  <a:latin typeface="Cambria Math" panose="02040503050406030204" pitchFamily="18" charset="0"/>
+                                </a:rPr>
+                                <m:t>=</m:t>
+                              </m:r>
+                              <m:f>
+                                <m:fPr>
+                                  <m:ctrlPr>
+                                    <a:rPr lang="zh-CN" altLang="zh-CN" sz="2400" i="1">
+                                      <a:latin typeface="Cambria Math" panose="02040503050406030204" pitchFamily="18" charset="0"/>
+                                    </a:rPr>
+                                  </m:ctrlPr>
+                                </m:fPr>
+                                <m:num>
+                                  <m:r>
+                                    <a:rPr lang="en-US" altLang="zh-CN" sz="2400" i="1">
+                                      <a:latin typeface="Cambria Math" panose="02040503050406030204" pitchFamily="18" charset="0"/>
+                                    </a:rPr>
+                                    <m:t>1</m:t>
+                                  </m:r>
+                                </m:num>
+                                <m:den>
+                                  <m:r>
+                                    <a:rPr lang="en-US" altLang="zh-CN" sz="2400" i="1">
+                                      <a:latin typeface="Cambria Math" panose="02040503050406030204" pitchFamily="18" charset="0"/>
+                                    </a:rPr>
+                                    <m:t>2</m:t>
+                                  </m:r>
+                                </m:den>
+                              </m:f>
+                              <m:sSup>
+                                <m:sSupPr>
+                                  <m:ctrlPr>
+                                    <a:rPr lang="zh-CN" altLang="zh-CN" sz="2400" i="1">
+                                      <a:latin typeface="Cambria Math" panose="02040503050406030204" pitchFamily="18" charset="0"/>
+                                    </a:rPr>
+                                  </m:ctrlPr>
+                                </m:sSupPr>
+                                <m:e>
+                                  <m:r>
+                                    <a:rPr lang="en-US" altLang="zh-CN" sz="2400" i="1">
+                                      <a:latin typeface="Cambria Math" panose="02040503050406030204" pitchFamily="18" charset="0"/>
+                                    </a:rPr>
+                                    <m:t>𝑠</m:t>
+                                  </m:r>
+                                </m:e>
+                                <m:sup>
+                                  <m:r>
+                                    <a:rPr lang="en-US" altLang="zh-CN" sz="2400" i="1">
+                                      <a:latin typeface="Cambria Math" panose="02040503050406030204" pitchFamily="18" charset="0"/>
+                                    </a:rPr>
+                                    <m:t>2</m:t>
+                                  </m:r>
+                                </m:sup>
+                              </m:sSup>
+                            </m:e>
+                            <m:e>
+                              <m:func>
+                                <m:funcPr>
+                                  <m:ctrlPr>
+                                    <a:rPr lang="zh-CN" altLang="zh-CN" sz="2400" i="1">
+                                      <a:latin typeface="Cambria Math" panose="02040503050406030204" pitchFamily="18" charset="0"/>
+                                    </a:rPr>
+                                  </m:ctrlPr>
+                                </m:funcPr>
+                                <m:fName>
+                                  <m:acc>
+                                    <m:accPr>
+                                      <m:chr m:val="̇"/>
+                                      <m:ctrlPr>
+                                        <a:rPr lang="zh-CN" altLang="zh-CN" sz="2400" i="1">
+                                          <a:latin typeface="Cambria Math" panose="02040503050406030204" pitchFamily="18" charset="0"/>
+                                        </a:rPr>
+                                      </m:ctrlPr>
+                                    </m:accPr>
+                                    <m:e>
+                                      <m:r>
+                                        <a:rPr lang="en-US" altLang="zh-CN" sz="2400" i="1">
+                                          <a:latin typeface="Cambria Math" panose="02040503050406030204" pitchFamily="18" charset="0"/>
+                                        </a:rPr>
+                                        <m:t>𝑉</m:t>
+                                      </m:r>
+                                    </m:e>
+                                  </m:acc>
+                                </m:fName>
+                                <m:e>
+                                  <m:r>
+                                    <a:rPr lang="en-US" altLang="zh-CN" sz="2400" i="1">
+                                      <a:latin typeface="Cambria Math" panose="02040503050406030204" pitchFamily="18" charset="0"/>
+                                    </a:rPr>
+                                    <m:t>&lt;0</m:t>
+                                  </m:r>
+                                </m:e>
+                              </m:func>
+                            </m:e>
+                          </m:eqArr>
+                        </m:e>
+                      </m:d>
+                    </m:oMath>
+                  </m:oMathPara>
+                </a14:m>
+                <a:endParaRPr lang="zh-CN" altLang="zh-CN" sz="2400" dirty="0"/>
+              </a:p>
+              <a:p>
+                <a:pPr marL="0" indent="0">
+                  <a:buNone/>
+                </a:pPr>
+                <a:r>
+                  <a:rPr lang="zh-CN" altLang="zh-CN" sz="2400" dirty="0"/>
+                  <a:t>满足上述到达条件，状态点将向切换面趋近，切换面为止点区。</a:t>
+                </a:r>
+              </a:p>
+              <a:p>
+                <a:pPr marL="0" indent="0">
+                  <a:buNone/>
+                </a:pPr>
+                <a:r>
+                  <a:rPr lang="zh-CN" altLang="zh-CN" sz="2400" dirty="0"/>
+                  <a:t>滑模变结构控制三要素：</a:t>
+                </a:r>
+              </a:p>
+              <a:p>
+                <a:pPr marL="0" indent="0">
+                  <a:buNone/>
+                </a:pPr>
+                <a:r>
+                  <a:rPr lang="en-US" altLang="zh-CN" sz="2400" dirty="0"/>
+                  <a:t>(1) </a:t>
+                </a:r>
+                <a:r>
+                  <a:rPr lang="zh-CN" altLang="zh-CN" sz="2400" dirty="0"/>
+                  <a:t>满足可达性条件，即在切换面以外的运动点都将在有限时间内到达切换面；</a:t>
+                </a:r>
+              </a:p>
+              <a:p>
+                <a:pPr marL="0" indent="0">
+                  <a:buNone/>
+                </a:pPr>
+                <a:r>
+                  <a:rPr lang="en-US" altLang="zh-CN" sz="2400" dirty="0"/>
+                  <a:t>(2) </a:t>
+                </a:r>
+                <a:r>
+                  <a:rPr lang="zh-CN" altLang="zh-CN" sz="2400" dirty="0"/>
+                  <a:t>滑动模态存在性；</a:t>
+                </a:r>
+              </a:p>
+              <a:p>
+                <a:pPr marL="0" indent="0">
+                  <a:buNone/>
+                </a:pPr>
+                <a:r>
+                  <a:rPr lang="en-US" altLang="zh-CN" sz="2400" dirty="0"/>
+                  <a:t>(3) </a:t>
+                </a:r>
+                <a:r>
+                  <a:rPr lang="zh-CN" altLang="zh-CN" sz="2400" dirty="0"/>
+                  <a:t>保证滑动模态运动的渐近稳定性并具有良好的动态品质。</a:t>
+                </a:r>
+                <a:endParaRPr lang="zh-CN" altLang="en-US" sz="2400" dirty="0"/>
+              </a:p>
+            </p:txBody>
+          </p:sp>
+        </mc:Choice>
+        <mc:Fallback xmlns="">
+          <p:sp>
+            <p:nvSpPr>
+              <p:cNvPr id="5" name="内容占位符 4"/>
+              <p:cNvSpPr>
+                <a:spLocks noGrp="1" noRot="1" noChangeAspect="1" noMove="1" noResize="1" noEditPoints="1" noAdjustHandles="1" noChangeArrowheads="1" noChangeShapeType="1" noTextEdit="1"/>
+              </p:cNvSpPr>
+              <p:nvPr>
+                <p:ph idx="1"/>
+              </p:nvPr>
+            </p:nvSpPr>
+            <p:spPr>
+              <a:xfrm>
+                <a:off x="395536" y="1027584"/>
+                <a:ext cx="8460680" cy="5497760"/>
+              </a:xfrm>
+              <a:blipFill rotWithShape="0">
+                <a:blip r:embed="rId2"/>
+                <a:stretch>
+                  <a:fillRect l="-1153" t="-1110" r="-4107" b="-999"/>
+                </a:stretch>
+              </a:blipFill>
+            </p:spPr>
+            <p:txBody>
+              <a:bodyPr/>
+              <a:lstStyle/>
+              <a:p>
+                <a:r>
+                  <a:rPr lang="zh-CN" altLang="en-US">
+                    <a:noFill/>
+                  </a:rPr>
+                  <a:t> </a:t>
+                </a:r>
+              </a:p>
+            </p:txBody>
+          </p:sp>
+        </mc:Fallback>
+      </mc:AlternateContent>
     </p:spTree>
     <p:extLst>
       <p:ext uri="{BB962C8B-B14F-4D97-AF65-F5344CB8AC3E}">
-        <p14:creationId xmlns:p14="http://schemas.microsoft.com/office/powerpoint/2010/main" val="390159062"/>
+        <p14:creationId xmlns:p14="http://schemas.microsoft.com/office/powerpoint/2010/main" val="2035228783"/>
       </p:ext>
     </p:extLst>
   </p:cSld>
@@ -8453,7 +9146,7 @@
           <a:p>
             <a:r>
               <a:rPr lang="zh-CN" altLang="en-US" dirty="0"/>
-              <a:t>构成方式</a:t>
+              <a:t>优点</a:t>
             </a:r>
           </a:p>
         </p:txBody>
@@ -8477,121 +9170,25 @@
               <a:buNone/>
             </a:pPr>
             <a:r>
-              <a:rPr lang="zh-CN" altLang="en-US" dirty="0"/>
-              <a:t>组合</a:t>
-            </a:r>
-            <a:r>
-              <a:rPr lang="zh-CN" altLang="en-US" dirty="0" smtClean="0"/>
-              <a:t>方式</a:t>
-            </a:r>
-            <a:r>
-              <a:rPr lang="en-US" altLang="zh-CN" dirty="0"/>
-              <a:t>(Combination Trend)</a:t>
-            </a:r>
-            <a:r>
-              <a:rPr lang="zh-CN" altLang="en-US" dirty="0" smtClean="0"/>
-              <a:t>，</a:t>
-            </a:r>
-            <a:r>
-              <a:rPr lang="zh-CN" altLang="en-US" dirty="0"/>
-              <a:t>以滑模控制器</a:t>
-            </a:r>
-            <a:r>
-              <a:rPr lang="zh-CN" altLang="en-US" dirty="0" smtClean="0"/>
-              <a:t>为主控制器</a:t>
-            </a:r>
-            <a:r>
-              <a:rPr lang="zh-CN" altLang="en-US" dirty="0"/>
-              <a:t>，模糊逻辑系统以辅助功能的形式出现，主要形式有</a:t>
-            </a:r>
-            <a:r>
-              <a:rPr lang="zh-CN" altLang="en-US" dirty="0" smtClean="0"/>
-              <a:t>：</a:t>
-            </a:r>
-            <a:endParaRPr lang="en-US" altLang="zh-CN" dirty="0" smtClean="0"/>
-          </a:p>
-          <a:p>
-            <a:pPr marL="514350" indent="-514350">
-              <a:buFont typeface="+mj-lt"/>
-              <a:buAutoNum type="arabicPeriod"/>
-            </a:pPr>
-            <a:r>
-              <a:rPr lang="zh-CN" altLang="en-US" dirty="0" smtClean="0"/>
-              <a:t>模糊</a:t>
-            </a:r>
-            <a:r>
-              <a:rPr lang="zh-CN" altLang="en-US" dirty="0"/>
-              <a:t>化切换面</a:t>
-            </a:r>
-            <a:r>
-              <a:rPr lang="zh-CN" altLang="en-US" dirty="0" smtClean="0"/>
-              <a:t>以减轻</a:t>
-            </a:r>
-            <a:r>
-              <a:rPr lang="zh-CN" altLang="en-US" dirty="0"/>
-              <a:t>滑模控制器的抖振现象</a:t>
-            </a:r>
-            <a:r>
-              <a:rPr lang="zh-CN" altLang="en-US" dirty="0" smtClean="0"/>
-              <a:t>；</a:t>
-            </a:r>
-            <a:endParaRPr lang="en-US" altLang="zh-CN" dirty="0" smtClean="0"/>
-          </a:p>
-          <a:p>
-            <a:pPr marL="514350" indent="-514350">
-              <a:buFont typeface="+mj-lt"/>
-              <a:buAutoNum type="arabicPeriod"/>
-            </a:pPr>
-            <a:r>
-              <a:rPr lang="zh-CN" altLang="en-US" dirty="0" smtClean="0"/>
-              <a:t>使用</a:t>
-            </a:r>
-            <a:r>
-              <a:rPr lang="zh-CN" altLang="en-US" dirty="0"/>
-              <a:t>模糊逻辑系统作为滑模控制器不连续控制项</a:t>
-            </a:r>
-            <a:r>
-              <a:rPr lang="zh-CN" altLang="en-US" dirty="0" smtClean="0"/>
-              <a:t>增益的调节器；</a:t>
-            </a:r>
-            <a:endParaRPr lang="en-US" altLang="zh-CN" dirty="0"/>
-          </a:p>
-          <a:p>
-            <a:pPr marL="514350" indent="-514350">
-              <a:buFont typeface="+mj-lt"/>
-              <a:buAutoNum type="arabicPeriod"/>
-            </a:pPr>
-            <a:r>
-              <a:rPr lang="zh-CN" altLang="en-US" dirty="0" smtClean="0"/>
-              <a:t>根据</a:t>
-            </a:r>
-            <a:r>
-              <a:rPr lang="zh-CN" altLang="en-US" dirty="0"/>
-              <a:t>控制系统运行状态，应用模糊逻辑系统调整</a:t>
-            </a:r>
-            <a:r>
-              <a:rPr lang="zh-CN" altLang="en-US" dirty="0" smtClean="0"/>
-              <a:t>以系统</a:t>
-            </a:r>
-            <a:r>
-              <a:rPr lang="zh-CN" altLang="en-US" dirty="0"/>
-              <a:t>特性为</a:t>
-            </a:r>
-            <a:r>
-              <a:rPr lang="zh-CN" altLang="en-US" dirty="0" smtClean="0"/>
-              <a:t>基础而</a:t>
-            </a:r>
-            <a:r>
-              <a:rPr lang="zh-CN" altLang="en-US" dirty="0"/>
-              <a:t>定义的不同滑模控制器输出。</a:t>
-            </a:r>
+              <a:rPr lang="zh-CN" altLang="zh-CN" dirty="0"/>
+              <a:t>滑模控制以实现简单，和对满足匹配条件的外界干扰、模型的不确定性和未建模动态具有</a:t>
+            </a:r>
+            <a:r>
+              <a:rPr lang="zh-CN" altLang="zh-CN" dirty="0" smtClean="0"/>
+              <a:t>不变性</a:t>
+            </a:r>
+            <a:r>
+              <a:rPr lang="zh-CN" altLang="zh-CN" dirty="0"/>
+              <a:t>（亦称作完全鲁棒性）而著称。</a:t>
+            </a:r>
+            <a:endParaRPr lang="zh-CN" altLang="en-US" dirty="0"/>
           </a:p>
         </p:txBody>
       </p:sp>
     </p:spTree>
     <p:extLst>
       <p:ext uri="{BB962C8B-B14F-4D97-AF65-F5344CB8AC3E}">
-        <p14:creationId xmlns:p14="http://schemas.microsoft.com/office/powerpoint/2010/main" val="1130556416"/>
+        <p14:creationId xmlns:p14="http://schemas.microsoft.com/office/powerpoint/2010/main" val="2184537428"/>
       </p:ext>
     </p:extLst>
   </p:cSld>
@@ -8635,7 +9232,11 @@
           <a:p>
             <a:r>
               <a:rPr lang="zh-CN" altLang="en-US" dirty="0" smtClean="0"/>
-              <a:t>实例</a:t>
+              <a:t>问题</a:t>
+            </a:r>
+            <a:r>
+              <a:rPr lang="en-US" altLang="zh-CN" dirty="0" smtClean="0"/>
+              <a:t>	</a:t>
             </a:r>
             <a:endParaRPr lang="zh-CN" altLang="en-US" dirty="0"/>
           </a:p>
@@ -8656,60 +9257,106 @@
           <a:bodyPr/>
           <a:lstStyle/>
           <a:p>
-            <a:pPr marL="0" indent="0">
-              <a:buNone/>
+            <a:pPr marL="514350" indent="-514350">
+              <a:buFont typeface="+mj-lt"/>
+              <a:buAutoNum type="arabicPeriod"/>
             </a:pPr>
             <a:r>
-              <a:rPr lang="zh-CN" altLang="en-US" dirty="0"/>
-              <a:t>根据动态系统在不同工况下的特性，可将其分为主控制器与从控制器，</a:t>
-            </a:r>
-            <a:r>
-              <a:rPr lang="zh-CN" altLang="en-US" dirty="0" smtClean="0"/>
-              <a:t>分别对应</a:t>
-            </a:r>
-            <a:r>
-              <a:rPr lang="zh-CN" altLang="en-US" dirty="0"/>
-              <a:t>于不同的工作</a:t>
-            </a:r>
-            <a:r>
-              <a:rPr lang="zh-CN" altLang="en-US" dirty="0" smtClean="0"/>
-              <a:t>频域</a:t>
-            </a:r>
-            <a:r>
-              <a:rPr lang="zh-CN" altLang="en-US" dirty="0"/>
+              <a:rPr lang="zh-CN" altLang="zh-CN" sz="2400" dirty="0" smtClean="0"/>
+              <a:t>抖振</a:t>
+            </a:r>
+            <a:r>
+              <a:rPr lang="zh-CN" altLang="zh-CN" sz="2400" dirty="0"/>
+              <a:t>问题：主要是由未建模的串联动态引起，同时切换装置的非理想性也是一个重要原因；</a:t>
+            </a:r>
+          </a:p>
+          <a:p>
+            <a:pPr marL="514350" indent="-514350">
+              <a:buFont typeface="+mj-lt"/>
+              <a:buAutoNum type="arabicPeriod"/>
+            </a:pPr>
+            <a:r>
+              <a:rPr lang="zh-CN" altLang="zh-CN" sz="2400" dirty="0" smtClean="0"/>
+              <a:t>控制精度</a:t>
+            </a:r>
+            <a:r>
+              <a:rPr lang="zh-CN" altLang="zh-CN" sz="2400" dirty="0"/>
+              <a:t>问题：在实际的、采样实现的传统滑模控制算法中，滑动误差正比于采样时间τ，也就是说，有限时间到达的传统滑模在具有零阶保持器的离散控制下，系统的状态保持在滑动模态上的精度是采样时间的一阶无穷小，即</a:t>
+            </a:r>
+            <a:r>
+              <a:rPr lang="en-US" altLang="zh-CN" sz="2400" dirty="0"/>
+              <a:t>O(</a:t>
+            </a:r>
+            <a:r>
+              <a:rPr lang="zh-CN" altLang="zh-CN" sz="2400" dirty="0"/>
+              <a:t>τ</a:t>
+            </a:r>
+            <a:r>
+              <a:rPr lang="en-US" altLang="zh-CN" sz="2400" dirty="0"/>
+              <a:t>) </a:t>
+            </a:r>
+            <a:r>
+              <a:rPr lang="zh-CN" altLang="zh-CN" sz="2400" dirty="0"/>
+              <a:t>；</a:t>
+            </a:r>
+          </a:p>
+          <a:p>
+            <a:pPr marL="514350" indent="-514350">
+              <a:buFont typeface="+mj-lt"/>
+              <a:buAutoNum type="arabicPeriod"/>
+            </a:pPr>
+            <a:r>
+              <a:rPr lang="zh-CN" altLang="zh-CN" sz="2400" dirty="0" smtClean="0"/>
+              <a:t>相对</a:t>
+            </a:r>
+            <a:r>
+              <a:rPr lang="zh-CN" altLang="zh-CN" sz="2400" dirty="0"/>
+              <a:t>阶的限制：传统滑模控制只有在系统关于滑模变量</a:t>
+            </a:r>
+            <a:r>
+              <a:rPr lang="en-US" altLang="zh-CN" sz="2400" dirty="0"/>
+              <a:t>s</a:t>
+            </a:r>
+            <a:r>
+              <a:rPr lang="zh-CN" altLang="zh-CN" sz="2400" dirty="0"/>
+              <a:t>的相对阶是</a:t>
+            </a:r>
+            <a:r>
+              <a:rPr lang="en-US" altLang="zh-CN" sz="2400" dirty="0"/>
+              <a:t>1</a:t>
+            </a:r>
+            <a:r>
+              <a:rPr lang="zh-CN" altLang="zh-CN" sz="2400" dirty="0"/>
+              <a:t>时才能应用，也就是说，控制量</a:t>
+            </a:r>
+            <a:r>
+              <a:rPr lang="en-US" altLang="zh-CN" sz="2400" dirty="0"/>
+              <a:t>u</a:t>
+            </a:r>
+            <a:r>
+              <a:rPr lang="zh-CN" altLang="zh-CN" sz="2400" dirty="0"/>
+              <a:t>必须显式出现在</a:t>
+            </a:r>
+            <a:r>
+              <a:rPr lang="en-US" altLang="zh-CN" sz="2400" dirty="0"/>
+              <a:t>s</a:t>
+            </a:r>
+            <a:r>
+              <a:rPr lang="zh-CN" altLang="zh-CN" sz="2400" dirty="0"/>
+              <a:t>中，这样就限制了滑模面的设计</a:t>
+            </a:r>
+            <a:r>
+              <a:rPr lang="zh-CN" altLang="zh-CN" sz="2400" dirty="0" smtClean="0"/>
               <a:t>。</a:t>
             </a:r>
+            <a:endParaRPr lang="zh-CN" altLang="zh-CN" sz="2400" dirty="0"/>
           </a:p>
         </p:txBody>
       </p:sp>
-      <p:pic>
-        <p:nvPicPr>
-          <p:cNvPr id="6" name="图片 5"/>
-          <p:cNvPicPr>
-            <a:picLocks noChangeAspect="1"/>
-          </p:cNvPicPr>
-          <p:nvPr/>
-        </p:nvPicPr>
-        <p:blipFill>
-          <a:blip r:embed="rId2"/>
-          <a:stretch>
-            <a:fillRect/>
-          </a:stretch>
-        </p:blipFill>
-        <p:spPr>
-          <a:xfrm>
-            <a:off x="336954" y="3062436"/>
-            <a:ext cx="8477250" cy="3390900"/>
-          </a:xfrm>
-          <a:prstGeom prst="rect">
-            <a:avLst/>
-          </a:prstGeom>
-        </p:spPr>
-      </p:pic>
     </p:spTree>
     <p:extLst>
       <p:ext uri="{BB962C8B-B14F-4D97-AF65-F5344CB8AC3E}">
-        <p14:creationId xmlns:p14="http://schemas.microsoft.com/office/powerpoint/2010/main" val="1651902925"/>
+        <p14:creationId xmlns:p14="http://schemas.microsoft.com/office/powerpoint/2010/main" val="3458279472"/>
       </p:ext>
     </p:extLst>
   </p:cSld>
@@ -8752,9 +9399,10 @@
           <a:lstStyle/>
           <a:p>
             <a:r>
-              <a:rPr lang="zh-CN" altLang="en-US" dirty="0"/>
-              <a:t>构成方式</a:t>
-            </a:r>
+              <a:rPr lang="zh-CN" altLang="zh-CN" dirty="0"/>
+              <a:t>与模糊控制相结合</a:t>
+            </a:r>
+            <a:endParaRPr lang="zh-CN" altLang="en-US" dirty="0"/>
           </a:p>
         </p:txBody>
       </p:sp>
@@ -8773,75 +9421,17 @@
           <a:bodyPr/>
           <a:lstStyle/>
           <a:p>
-            <a:pPr marL="0" indent="0">
-              <a:buNone/>
-            </a:pPr>
-            <a:r>
-              <a:rPr lang="zh-CN" altLang="zh-CN" dirty="0"/>
-              <a:t>融合</a:t>
-            </a:r>
-            <a:r>
-              <a:rPr lang="zh-CN" altLang="zh-CN" dirty="0" smtClean="0"/>
-              <a:t>方式</a:t>
-            </a:r>
-            <a:r>
-              <a:rPr lang="en-US" altLang="zh-CN" dirty="0"/>
-              <a:t>(Fusion Trend)</a:t>
-            </a:r>
-            <a:r>
-              <a:rPr lang="zh-CN" altLang="zh-CN" dirty="0" smtClean="0"/>
-              <a:t>，</a:t>
-            </a:r>
-            <a:r>
-              <a:rPr lang="zh-CN" altLang="zh-CN" dirty="0"/>
-              <a:t>模糊逻辑系统则是直接应用于滑模控制系统的设计中，或者将滑模控制系统用于模糊逻辑控制系统的设计中，其主要方法有</a:t>
-            </a:r>
-            <a:r>
-              <a:rPr lang="zh-CN" altLang="zh-CN" dirty="0" smtClean="0"/>
-              <a:t>：</a:t>
-            </a:r>
-            <a:endParaRPr lang="en-US" altLang="zh-CN" dirty="0" smtClean="0"/>
-          </a:p>
-          <a:p>
-            <a:pPr marL="514350" indent="-514350">
-              <a:buFont typeface="+mj-lt"/>
-              <a:buAutoNum type="arabicPeriod"/>
-            </a:pPr>
-            <a:r>
-              <a:rPr lang="zh-CN" altLang="zh-CN" dirty="0" smtClean="0"/>
-              <a:t>结合</a:t>
-            </a:r>
-            <a:r>
-              <a:rPr lang="zh-CN" altLang="zh-CN" dirty="0"/>
-              <a:t>模糊逻辑系统和滑模控制器设计的模糊滑模控制器，又称滑模模糊控制器</a:t>
-            </a:r>
-            <a:r>
-              <a:rPr lang="zh-CN" altLang="zh-CN" dirty="0" smtClean="0"/>
-              <a:t>；</a:t>
-            </a:r>
-            <a:endParaRPr lang="en-US" altLang="zh-CN" dirty="0" smtClean="0"/>
-          </a:p>
-          <a:p>
-            <a:pPr marL="514350" indent="-514350">
-              <a:buFont typeface="+mj-lt"/>
-              <a:buAutoNum type="arabicPeriod"/>
-            </a:pPr>
-            <a:r>
-              <a:rPr lang="zh-CN" altLang="zh-CN" dirty="0" smtClean="0"/>
-              <a:t>使用</a:t>
-            </a:r>
-            <a:r>
-              <a:rPr lang="zh-CN" altLang="zh-CN" dirty="0"/>
-              <a:t>模糊逻辑系统作为系统状态观测器来实现对具有模型不确定型的非线性系统的自适应调整。</a:t>
-            </a:r>
-            <a:endParaRPr lang="zh-CN" altLang="en-US" dirty="0"/>
+            <a:r>
+              <a:rPr lang="zh-CN" altLang="en-US" dirty="0"/>
+              <a:t>模糊滑模控制器结合了滑模和模糊控制器的优点，即模糊滑模控制器保持了常规滑模控制器原有的鲁棒性和模糊控制器不依赖系统模型的特性，从而有效地降低或消除了抖振的幅值，并使得控制系统的控制精度得到有效提高。</a:t>
+            </a:r>
           </a:p>
         </p:txBody>
       </p:sp>
     </p:spTree>
     <p:extLst>
       <p:ext uri="{BB962C8B-B14F-4D97-AF65-F5344CB8AC3E}">
-        <p14:creationId xmlns:p14="http://schemas.microsoft.com/office/powerpoint/2010/main" val="3591592764"/>
+        <p14:creationId xmlns:p14="http://schemas.microsoft.com/office/powerpoint/2010/main" val="390159062"/>
       </p:ext>
     </p:extLst>
   </p:cSld>
@@ -8884,10 +9474,9 @@
           <a:lstStyle/>
           <a:p>
             <a:r>
-              <a:rPr lang="zh-CN" altLang="en-US" dirty="0" smtClean="0"/>
-              <a:t>实例</a:t>
-            </a:r>
-            <a:endParaRPr lang="zh-CN" altLang="en-US" dirty="0"/>
+              <a:rPr lang="zh-CN" altLang="en-US" dirty="0"/>
+              <a:t>构成方式</a:t>
+            </a:r>
           </a:p>
         </p:txBody>
       </p:sp>
@@ -8906,93 +9495,125 @@
           <a:bodyPr/>
           <a:lstStyle/>
           <a:p>
+            <a:pPr marL="0" indent="0">
+              <a:buNone/>
+            </a:pPr>
             <a:r>
               <a:rPr lang="zh-CN" altLang="en-US" dirty="0"/>
-              <a:t>利用模糊控制器与滑模控制器的相似特性，以滑模控制器的切换</a:t>
+              <a:t>组合</a:t>
             </a:r>
             <a:r>
               <a:rPr lang="zh-CN" altLang="en-US" dirty="0" smtClean="0"/>
-              <a:t>面 </a:t>
-            </a:r>
-            <a:r>
-              <a:rPr lang="en-US" altLang="zh-CN" dirty="0" smtClean="0"/>
-              <a:t>S(t) </a:t>
+              <a:t>方式</a:t>
+            </a:r>
+            <a:r>
+              <a:rPr lang="en-US" altLang="zh-CN" dirty="0"/>
+              <a:t>(Combination Trend)</a:t>
             </a:r>
             <a:r>
               <a:rPr lang="zh-CN" altLang="en-US" dirty="0" smtClean="0"/>
-              <a:t>及其</a:t>
+              <a:t>，</a:t>
             </a:r>
             <a:r>
               <a:rPr lang="zh-CN" altLang="en-US" dirty="0"/>
-              <a:t>变化</a:t>
+              <a:t>以滑模控制器</a:t>
             </a:r>
             <a:r>
               <a:rPr lang="zh-CN" altLang="en-US" dirty="0" smtClean="0"/>
-              <a:t>率 </a:t>
-            </a:r>
-            <a:r>
-              <a:rPr lang="en-US" altLang="zh-CN" dirty="0" err="1" smtClean="0"/>
-              <a:t>dS</a:t>
-            </a:r>
-            <a:r>
-              <a:rPr lang="en-US" altLang="zh-CN" dirty="0" smtClean="0"/>
-              <a:t>(t)/</a:t>
-            </a:r>
-            <a:r>
-              <a:rPr lang="en-US" altLang="zh-CN" dirty="0" err="1" smtClean="0"/>
-              <a:t>dt</a:t>
-            </a:r>
-            <a:r>
-              <a:rPr lang="en-US" altLang="zh-CN" dirty="0" smtClean="0"/>
-              <a:t> </a:t>
+              <a:t>为主控制器</a:t>
+            </a:r>
+            <a:r>
+              <a:rPr lang="zh-CN" altLang="en-US" dirty="0"/>
+              <a:t>，模糊逻辑系统以辅助功能的形式出现，主要形式有</a:t>
             </a:r>
             <a:r>
               <a:rPr lang="zh-CN" altLang="en-US" dirty="0" smtClean="0"/>
-              <a:t>作为</a:t>
+              <a:t>：</a:t>
+            </a:r>
+            <a:endParaRPr lang="en-US" altLang="zh-CN" dirty="0" smtClean="0"/>
+          </a:p>
+          <a:p>
+            <a:pPr marL="514350" indent="-514350">
+              <a:buFont typeface="+mj-lt"/>
+              <a:buAutoNum type="arabicPeriod"/>
+            </a:pPr>
+            <a:r>
+              <a:rPr lang="zh-CN" altLang="en-US" dirty="0" smtClean="0"/>
+              <a:t>模糊</a:t>
             </a:r>
             <a:r>
               <a:rPr lang="zh-CN" altLang="en-US" dirty="0"/>
-              <a:t>模糊控制器的输入量，从而实现对被控对象的有效</a:t>
+              <a:t>化切换面</a:t>
             </a:r>
             <a:r>
               <a:rPr lang="zh-CN" altLang="en-US" dirty="0" smtClean="0"/>
-              <a:t>控制。</a:t>
+              <a:t>以减轻</a:t>
             </a:r>
             <a:r>
               <a:rPr lang="zh-CN" altLang="en-US" dirty="0"/>
-              <a:t>其优点是可大大减少模糊控制器的输入变量个数，使得模糊控制器的模糊推理速度得到有效提高。</a:t>
+              <a:t>滑模控制器的抖振现象</a:t>
+            </a:r>
+            <a:r>
+              <a:rPr lang="zh-CN" altLang="en-US" dirty="0" smtClean="0"/>
+              <a:t>；</a:t>
+            </a:r>
+            <a:endParaRPr lang="en-US" altLang="zh-CN" dirty="0" smtClean="0"/>
+          </a:p>
+          <a:p>
+            <a:pPr marL="514350" indent="-514350">
+              <a:buFont typeface="+mj-lt"/>
+              <a:buAutoNum type="arabicPeriod"/>
+            </a:pPr>
+            <a:r>
+              <a:rPr lang="zh-CN" altLang="en-US" dirty="0" smtClean="0"/>
+              <a:t>使用</a:t>
+            </a:r>
+            <a:r>
+              <a:rPr lang="zh-CN" altLang="en-US" dirty="0"/>
+              <a:t>模糊逻辑系统作为滑模控制器不连续控制项</a:t>
+            </a:r>
+            <a:r>
+              <a:rPr lang="zh-CN" altLang="en-US" dirty="0" smtClean="0"/>
+              <a:t>增益的调节器；</a:t>
+            </a:r>
+            <a:endParaRPr lang="en-US" altLang="zh-CN" dirty="0"/>
+          </a:p>
+          <a:p>
+            <a:pPr marL="514350" indent="-514350">
+              <a:buFont typeface="+mj-lt"/>
+              <a:buAutoNum type="arabicPeriod"/>
+            </a:pPr>
+            <a:r>
+              <a:rPr lang="zh-CN" altLang="en-US" dirty="0" smtClean="0"/>
+              <a:t>根据</a:t>
+            </a:r>
+            <a:r>
+              <a:rPr lang="zh-CN" altLang="en-US" dirty="0"/>
+              <a:t>控制系统运行状态，应用模糊逻辑系统调整</a:t>
+            </a:r>
+            <a:r>
+              <a:rPr lang="zh-CN" altLang="en-US" dirty="0" smtClean="0"/>
+              <a:t>以系统</a:t>
+            </a:r>
+            <a:r>
+              <a:rPr lang="zh-CN" altLang="en-US" dirty="0"/>
+              <a:t>特性为</a:t>
+            </a:r>
+            <a:r>
+              <a:rPr lang="zh-CN" altLang="en-US" dirty="0" smtClean="0"/>
+              <a:t>基础而</a:t>
+            </a:r>
+            <a:r>
+              <a:rPr lang="zh-CN" altLang="en-US" dirty="0"/>
+              <a:t>定义的不同滑模控制器输出。</a:t>
             </a:r>
           </a:p>
         </p:txBody>
       </p:sp>
-      <p:pic>
-        <p:nvPicPr>
-          <p:cNvPr id="4" name="图片 3"/>
-          <p:cNvPicPr>
-            <a:picLocks noChangeAspect="1"/>
-          </p:cNvPicPr>
-          <p:nvPr/>
-        </p:nvPicPr>
-        <p:blipFill>
-          <a:blip r:embed="rId2"/>
-          <a:stretch>
-            <a:fillRect/>
-          </a:stretch>
-        </p:blipFill>
-        <p:spPr>
-          <a:xfrm>
-            <a:off x="603250" y="4198256"/>
-            <a:ext cx="7886700" cy="2152650"/>
-          </a:xfrm>
-          <a:prstGeom prst="rect">
-            <a:avLst/>
-          </a:prstGeom>
-        </p:spPr>
-      </p:pic>
     </p:spTree>
     <p:extLst>
       <p:ext uri="{BB962C8B-B14F-4D97-AF65-F5344CB8AC3E}">
-        <p14:creationId xmlns:p14="http://schemas.microsoft.com/office/powerpoint/2010/main" val="2385491119"/>
+        <p14:creationId xmlns:p14="http://schemas.microsoft.com/office/powerpoint/2010/main" val="1130556416"/>
       </p:ext>
     </p:extLst>
   </p:cSld>
@@ -9036,7 +9657,7 @@
           <a:p>
             <a:r>
               <a:rPr lang="zh-CN" altLang="en-US" dirty="0" smtClean="0"/>
-              <a:t>题四</a:t>
+              <a:t>实例</a:t>
             </a:r>
             <a:endParaRPr lang="zh-CN" altLang="en-US" dirty="0"/>
           </a:p>
@@ -9057,14 +9678,60 @@
           <a:bodyPr/>
           <a:lstStyle/>
           <a:p>
-            <a:endParaRPr lang="zh-CN" altLang="en-US" dirty="0"/>
+            <a:pPr marL="0" indent="0">
+              <a:buNone/>
+            </a:pPr>
+            <a:r>
+              <a:rPr lang="zh-CN" altLang="en-US" dirty="0"/>
+              <a:t>根据动态系统在不同工况下的特性，可将其分为主控制器与从控制器，</a:t>
+            </a:r>
+            <a:r>
+              <a:rPr lang="zh-CN" altLang="en-US" dirty="0" smtClean="0"/>
+              <a:t>分别对应</a:t>
+            </a:r>
+            <a:r>
+              <a:rPr lang="zh-CN" altLang="en-US" dirty="0"/>
+              <a:t>于不同的工作</a:t>
+            </a:r>
+            <a:r>
+              <a:rPr lang="zh-CN" altLang="en-US" dirty="0" smtClean="0"/>
+              <a:t>频域</a:t>
+            </a:r>
+            <a:r>
+              <a:rPr lang="zh-CN" altLang="en-US" dirty="0"/>
+              <a:t>。</a:t>
+            </a:r>
           </a:p>
         </p:txBody>
       </p:sp>
+      <p:pic>
+        <p:nvPicPr>
+          <p:cNvPr id="6" name="图片 5"/>
+          <p:cNvPicPr>
+            <a:picLocks noChangeAspect="1"/>
+          </p:cNvPicPr>
+          <p:nvPr/>
+        </p:nvPicPr>
+        <p:blipFill>
+          <a:blip r:embed="rId2"/>
+          <a:stretch>
+            <a:fillRect/>
+          </a:stretch>
+        </p:blipFill>
+        <p:spPr>
+          <a:xfrm>
+            <a:off x="336954" y="3062436"/>
+            <a:ext cx="8477250" cy="3390900"/>
+          </a:xfrm>
+          <a:prstGeom prst="rect">
+            <a:avLst/>
+          </a:prstGeom>
+        </p:spPr>
+      </p:pic>
     </p:spTree>
     <p:extLst>
       <p:ext uri="{BB962C8B-B14F-4D97-AF65-F5344CB8AC3E}">
-        <p14:creationId xmlns:p14="http://schemas.microsoft.com/office/powerpoint/2010/main" val="4106389348"/>
+        <p14:creationId xmlns:p14="http://schemas.microsoft.com/office/powerpoint/2010/main" val="1651902925"/>
       </p:ext>
     </p:extLst>
   </p:cSld>
@@ -9222,6 +9889,3285 @@
 </file>
 
 <file path=ppt/slides/slide40.xml><?xml version="1.0" encoding="utf-8"?>
+<p:sld xmlns:a="http://schemas.openxmlformats.org/drawingml/2006/main" xmlns:r="http://schemas.openxmlformats.org/officeDocument/2006/relationships" xmlns:p="http://schemas.openxmlformats.org/presentationml/2006/main">
+  <p:cSld>
+    <p:spTree>
+      <p:nvGrpSpPr>
+        <p:cNvPr id="1" name=""/>
+        <p:cNvGrpSpPr/>
+        <p:nvPr/>
+      </p:nvGrpSpPr>
+      <p:grpSpPr>
+        <a:xfrm>
+          <a:off x="0" y="0"/>
+          <a:ext cx="0" cy="0"/>
+          <a:chOff x="0" y="0"/>
+          <a:chExt cx="0" cy="0"/>
+        </a:xfrm>
+      </p:grpSpPr>
+      <p:sp>
+        <p:nvSpPr>
+          <p:cNvPr id="2" name="标题 1"/>
+          <p:cNvSpPr>
+            <a:spLocks noGrp="1"/>
+          </p:cNvSpPr>
+          <p:nvPr>
+            <p:ph type="title"/>
+          </p:nvPr>
+        </p:nvSpPr>
+        <p:spPr/>
+        <p:txBody>
+          <a:bodyPr/>
+          <a:lstStyle/>
+          <a:p>
+            <a:r>
+              <a:rPr lang="zh-CN" altLang="en-US" dirty="0"/>
+              <a:t>构成方式</a:t>
+            </a:r>
+          </a:p>
+        </p:txBody>
+      </p:sp>
+      <p:sp>
+        <p:nvSpPr>
+          <p:cNvPr id="3" name="内容占位符 2"/>
+          <p:cNvSpPr>
+            <a:spLocks noGrp="1"/>
+          </p:cNvSpPr>
+          <p:nvPr>
+            <p:ph idx="1"/>
+          </p:nvPr>
+        </p:nvSpPr>
+        <p:spPr/>
+        <p:txBody>
+          <a:bodyPr/>
+          <a:lstStyle/>
+          <a:p>
+            <a:pPr marL="0" indent="0">
+              <a:buNone/>
+            </a:pPr>
+            <a:r>
+              <a:rPr lang="zh-CN" altLang="zh-CN" dirty="0"/>
+              <a:t>融合</a:t>
+            </a:r>
+            <a:r>
+              <a:rPr lang="zh-CN" altLang="zh-CN" dirty="0" smtClean="0"/>
+              <a:t>方式</a:t>
+            </a:r>
+            <a:r>
+              <a:rPr lang="en-US" altLang="zh-CN" dirty="0"/>
+              <a:t>(Fusion Trend)</a:t>
+            </a:r>
+            <a:r>
+              <a:rPr lang="zh-CN" altLang="zh-CN" dirty="0" smtClean="0"/>
+              <a:t>，</a:t>
+            </a:r>
+            <a:r>
+              <a:rPr lang="zh-CN" altLang="zh-CN" dirty="0"/>
+              <a:t>模糊逻辑系统则是直接应用于滑模控制系统的设计中，或者将滑模控制系统用于模糊逻辑控制系统的设计中，其主要方法有</a:t>
+            </a:r>
+            <a:r>
+              <a:rPr lang="zh-CN" altLang="zh-CN" dirty="0" smtClean="0"/>
+              <a:t>：</a:t>
+            </a:r>
+            <a:endParaRPr lang="en-US" altLang="zh-CN" dirty="0" smtClean="0"/>
+          </a:p>
+          <a:p>
+            <a:pPr marL="514350" indent="-514350">
+              <a:buFont typeface="+mj-lt"/>
+              <a:buAutoNum type="arabicPeriod"/>
+            </a:pPr>
+            <a:r>
+              <a:rPr lang="zh-CN" altLang="zh-CN" dirty="0" smtClean="0"/>
+              <a:t>结合</a:t>
+            </a:r>
+            <a:r>
+              <a:rPr lang="zh-CN" altLang="zh-CN" dirty="0"/>
+              <a:t>模糊逻辑系统和滑模控制器设计的模糊滑模控制器，又称滑模模糊控制器</a:t>
+            </a:r>
+            <a:r>
+              <a:rPr lang="zh-CN" altLang="zh-CN" dirty="0" smtClean="0"/>
+              <a:t>；</a:t>
+            </a:r>
+            <a:endParaRPr lang="en-US" altLang="zh-CN" dirty="0" smtClean="0"/>
+          </a:p>
+          <a:p>
+            <a:pPr marL="514350" indent="-514350">
+              <a:buFont typeface="+mj-lt"/>
+              <a:buAutoNum type="arabicPeriod"/>
+            </a:pPr>
+            <a:r>
+              <a:rPr lang="zh-CN" altLang="zh-CN" dirty="0" smtClean="0"/>
+              <a:t>使用</a:t>
+            </a:r>
+            <a:r>
+              <a:rPr lang="zh-CN" altLang="zh-CN" dirty="0"/>
+              <a:t>模糊逻辑系统作为系统状态观测器来实现对具有模型不确定型的非线性系统的自适应调整。</a:t>
+            </a:r>
+            <a:endParaRPr lang="zh-CN" altLang="en-US" dirty="0"/>
+          </a:p>
+        </p:txBody>
+      </p:sp>
+    </p:spTree>
+    <p:extLst>
+      <p:ext uri="{BB962C8B-B14F-4D97-AF65-F5344CB8AC3E}">
+        <p14:creationId xmlns:p14="http://schemas.microsoft.com/office/powerpoint/2010/main" val="3591592764"/>
+      </p:ext>
+    </p:extLst>
+  </p:cSld>
+  <p:clrMapOvr>
+    <a:masterClrMapping/>
+  </p:clrMapOvr>
+</p:sld>
+</file>
+
+<file path=ppt/slides/slide41.xml><?xml version="1.0" encoding="utf-8"?>
+<p:sld xmlns:a="http://schemas.openxmlformats.org/drawingml/2006/main" xmlns:r="http://schemas.openxmlformats.org/officeDocument/2006/relationships" xmlns:p="http://schemas.openxmlformats.org/presentationml/2006/main">
+  <p:cSld>
+    <p:spTree>
+      <p:nvGrpSpPr>
+        <p:cNvPr id="1" name=""/>
+        <p:cNvGrpSpPr/>
+        <p:nvPr/>
+      </p:nvGrpSpPr>
+      <p:grpSpPr>
+        <a:xfrm>
+          <a:off x="0" y="0"/>
+          <a:ext cx="0" cy="0"/>
+          <a:chOff x="0" y="0"/>
+          <a:chExt cx="0" cy="0"/>
+        </a:xfrm>
+      </p:grpSpPr>
+      <p:sp>
+        <p:nvSpPr>
+          <p:cNvPr id="2" name="标题 1"/>
+          <p:cNvSpPr>
+            <a:spLocks noGrp="1"/>
+          </p:cNvSpPr>
+          <p:nvPr>
+            <p:ph type="title"/>
+          </p:nvPr>
+        </p:nvSpPr>
+        <p:spPr/>
+        <p:txBody>
+          <a:bodyPr/>
+          <a:lstStyle/>
+          <a:p>
+            <a:r>
+              <a:rPr lang="zh-CN" altLang="en-US" dirty="0" smtClean="0"/>
+              <a:t>实例</a:t>
+            </a:r>
+            <a:endParaRPr lang="zh-CN" altLang="en-US" dirty="0"/>
+          </a:p>
+        </p:txBody>
+      </p:sp>
+      <p:sp>
+        <p:nvSpPr>
+          <p:cNvPr id="3" name="内容占位符 2"/>
+          <p:cNvSpPr>
+            <a:spLocks noGrp="1"/>
+          </p:cNvSpPr>
+          <p:nvPr>
+            <p:ph idx="1"/>
+          </p:nvPr>
+        </p:nvSpPr>
+        <p:spPr/>
+        <p:txBody>
+          <a:bodyPr/>
+          <a:lstStyle/>
+          <a:p>
+            <a:r>
+              <a:rPr lang="zh-CN" altLang="en-US" dirty="0"/>
+              <a:t>利用模糊控制器与滑模控制器的相似特性，以滑模控制器的切换</a:t>
+            </a:r>
+            <a:r>
+              <a:rPr lang="zh-CN" altLang="en-US" dirty="0" smtClean="0"/>
+              <a:t>面 </a:t>
+            </a:r>
+            <a:r>
+              <a:rPr lang="en-US" altLang="zh-CN" dirty="0" smtClean="0"/>
+              <a:t>S(t) </a:t>
+            </a:r>
+            <a:r>
+              <a:rPr lang="zh-CN" altLang="en-US" dirty="0" smtClean="0"/>
+              <a:t>及其</a:t>
+            </a:r>
+            <a:r>
+              <a:rPr lang="zh-CN" altLang="en-US" dirty="0"/>
+              <a:t>变化</a:t>
+            </a:r>
+            <a:r>
+              <a:rPr lang="zh-CN" altLang="en-US" dirty="0" smtClean="0"/>
+              <a:t>率 </a:t>
+            </a:r>
+            <a:r>
+              <a:rPr lang="en-US" altLang="zh-CN" dirty="0" err="1" smtClean="0"/>
+              <a:t>dS</a:t>
+            </a:r>
+            <a:r>
+              <a:rPr lang="en-US" altLang="zh-CN" dirty="0" smtClean="0"/>
+              <a:t>(t)/</a:t>
+            </a:r>
+            <a:r>
+              <a:rPr lang="en-US" altLang="zh-CN" dirty="0" err="1" smtClean="0"/>
+              <a:t>dt</a:t>
+            </a:r>
+            <a:r>
+              <a:rPr lang="en-US" altLang="zh-CN" dirty="0" smtClean="0"/>
+              <a:t> </a:t>
+            </a:r>
+            <a:r>
+              <a:rPr lang="zh-CN" altLang="en-US" dirty="0" smtClean="0"/>
+              <a:t>作为</a:t>
+            </a:r>
+            <a:r>
+              <a:rPr lang="zh-CN" altLang="en-US" dirty="0"/>
+              <a:t>模糊控制器的输入量，从而实现对被控对象的有效</a:t>
+            </a:r>
+            <a:r>
+              <a:rPr lang="zh-CN" altLang="en-US" dirty="0" smtClean="0"/>
+              <a:t>控制。</a:t>
+            </a:r>
+            <a:r>
+              <a:rPr lang="zh-CN" altLang="en-US" dirty="0"/>
+              <a:t>其优点是可大大减少模糊控制器的输入变量个数，使得模糊控制器的模糊推理速度得到有效提高。</a:t>
+            </a:r>
+          </a:p>
+        </p:txBody>
+      </p:sp>
+      <p:pic>
+        <p:nvPicPr>
+          <p:cNvPr id="4" name="图片 3"/>
+          <p:cNvPicPr>
+            <a:picLocks noChangeAspect="1"/>
+          </p:cNvPicPr>
+          <p:nvPr/>
+        </p:nvPicPr>
+        <p:blipFill>
+          <a:blip r:embed="rId2"/>
+          <a:stretch>
+            <a:fillRect/>
+          </a:stretch>
+        </p:blipFill>
+        <p:spPr>
+          <a:xfrm>
+            <a:off x="603250" y="4198256"/>
+            <a:ext cx="7886700" cy="2152650"/>
+          </a:xfrm>
+          <a:prstGeom prst="rect">
+            <a:avLst/>
+          </a:prstGeom>
+        </p:spPr>
+      </p:pic>
+    </p:spTree>
+    <p:extLst>
+      <p:ext uri="{BB962C8B-B14F-4D97-AF65-F5344CB8AC3E}">
+        <p14:creationId xmlns:p14="http://schemas.microsoft.com/office/powerpoint/2010/main" val="2385491119"/>
+      </p:ext>
+    </p:extLst>
+  </p:cSld>
+  <p:clrMapOvr>
+    <a:masterClrMapping/>
+  </p:clrMapOvr>
+</p:sld>
+</file>
+
+<file path=ppt/slides/slide42.xml><?xml version="1.0" encoding="utf-8"?>
+<p:sld xmlns:a="http://schemas.openxmlformats.org/drawingml/2006/main" xmlns:r="http://schemas.openxmlformats.org/officeDocument/2006/relationships" xmlns:p="http://schemas.openxmlformats.org/presentationml/2006/main">
+  <p:cSld>
+    <p:spTree>
+      <p:nvGrpSpPr>
+        <p:cNvPr id="1" name=""/>
+        <p:cNvGrpSpPr/>
+        <p:nvPr/>
+      </p:nvGrpSpPr>
+      <p:grpSpPr>
+        <a:xfrm>
+          <a:off x="0" y="0"/>
+          <a:ext cx="0" cy="0"/>
+          <a:chOff x="0" y="0"/>
+          <a:chExt cx="0" cy="0"/>
+        </a:xfrm>
+      </p:grpSpPr>
+      <p:sp>
+        <p:nvSpPr>
+          <p:cNvPr id="2" name="标题 1"/>
+          <p:cNvSpPr>
+            <a:spLocks noGrp="1"/>
+          </p:cNvSpPr>
+          <p:nvPr>
+            <p:ph type="title"/>
+          </p:nvPr>
+        </p:nvSpPr>
+        <p:spPr/>
+        <p:txBody>
+          <a:bodyPr/>
+          <a:lstStyle/>
+          <a:p>
+            <a:r>
+              <a:rPr lang="zh-CN" altLang="en-US" dirty="0" smtClean="0"/>
+              <a:t>题四</a:t>
+            </a:r>
+            <a:endParaRPr lang="zh-CN" altLang="en-US" dirty="0"/>
+          </a:p>
+        </p:txBody>
+      </p:sp>
+      <p:pic>
+        <p:nvPicPr>
+          <p:cNvPr id="4" name="内容占位符 3"/>
+          <p:cNvPicPr>
+            <a:picLocks noGrp="1" noChangeAspect="1"/>
+          </p:cNvPicPr>
+          <p:nvPr>
+            <p:ph idx="1"/>
+          </p:nvPr>
+        </p:nvPicPr>
+        <p:blipFill>
+          <a:blip r:embed="rId2"/>
+          <a:stretch>
+            <a:fillRect/>
+          </a:stretch>
+        </p:blipFill>
+        <p:spPr>
+          <a:xfrm>
+            <a:off x="855662" y="3301206"/>
+            <a:ext cx="7381875" cy="1000125"/>
+          </a:xfrm>
+          <a:prstGeom prst="rect">
+            <a:avLst/>
+          </a:prstGeom>
+        </p:spPr>
+      </p:pic>
+    </p:spTree>
+    <p:extLst>
+      <p:ext uri="{BB962C8B-B14F-4D97-AF65-F5344CB8AC3E}">
+        <p14:creationId xmlns:p14="http://schemas.microsoft.com/office/powerpoint/2010/main" val="4106389348"/>
+      </p:ext>
+    </p:extLst>
+  </p:cSld>
+  <p:clrMapOvr>
+    <a:masterClrMapping/>
+  </p:clrMapOvr>
+</p:sld>
+</file>
+
+<file path=ppt/slides/slide43.xml><?xml version="1.0" encoding="utf-8"?>
+<p:sld xmlns:a="http://schemas.openxmlformats.org/drawingml/2006/main" xmlns:r="http://schemas.openxmlformats.org/officeDocument/2006/relationships" xmlns:p="http://schemas.openxmlformats.org/presentationml/2006/main">
+  <p:cSld>
+    <p:spTree>
+      <p:nvGrpSpPr>
+        <p:cNvPr id="1" name=""/>
+        <p:cNvGrpSpPr/>
+        <p:nvPr/>
+      </p:nvGrpSpPr>
+      <p:grpSpPr>
+        <a:xfrm>
+          <a:off x="0" y="0"/>
+          <a:ext cx="0" cy="0"/>
+          <a:chOff x="0" y="0"/>
+          <a:chExt cx="0" cy="0"/>
+        </a:xfrm>
+      </p:grpSpPr>
+      <p:sp>
+        <p:nvSpPr>
+          <p:cNvPr id="2" name="标题 1"/>
+          <p:cNvSpPr>
+            <a:spLocks noGrp="1"/>
+          </p:cNvSpPr>
+          <p:nvPr>
+            <p:ph type="title"/>
+          </p:nvPr>
+        </p:nvSpPr>
+        <p:spPr/>
+        <p:txBody>
+          <a:bodyPr/>
+          <a:lstStyle/>
+          <a:p>
+            <a:r>
+              <a:rPr lang="zh-CN" altLang="en-US" dirty="0" smtClean="0"/>
+              <a:t>应用一：</a:t>
+            </a:r>
+            <a:r>
+              <a:rPr lang="en-US" altLang="zh-CN" dirty="0" smtClean="0"/>
+              <a:t>ZMP</a:t>
+            </a:r>
+            <a:r>
+              <a:rPr lang="zh-CN" altLang="en-US" dirty="0" smtClean="0"/>
+              <a:t>轨迹调整</a:t>
+            </a:r>
+            <a:endParaRPr lang="zh-CN" altLang="en-US" dirty="0"/>
+          </a:p>
+        </p:txBody>
+      </p:sp>
+      <p:sp>
+        <p:nvSpPr>
+          <p:cNvPr id="3" name="内容占位符 2"/>
+          <p:cNvSpPr>
+            <a:spLocks noGrp="1"/>
+          </p:cNvSpPr>
+          <p:nvPr>
+            <p:ph idx="1"/>
+          </p:nvPr>
+        </p:nvSpPr>
+        <p:spPr/>
+        <p:txBody>
+          <a:bodyPr/>
+          <a:lstStyle/>
+          <a:p>
+            <a:pPr marL="0" indent="0" algn="just">
+              <a:buNone/>
+            </a:pPr>
+            <a:r>
+              <a:rPr lang="zh-CN" altLang="zh-CN" sz="2400" dirty="0"/>
+              <a:t>双足机器人在步行过程中容易受到干扰而使零力矩点</a:t>
+            </a:r>
+            <a:r>
+              <a:rPr lang="en-US" altLang="zh-CN" sz="2400" dirty="0"/>
+              <a:t>(ZMP)</a:t>
+            </a:r>
+            <a:r>
+              <a:rPr lang="zh-CN" altLang="zh-CN" sz="2400" dirty="0"/>
+              <a:t>轨迹偏离期望值，导致不能稳定行走。针对以上问题，在完成步态规划后，利用</a:t>
+            </a:r>
+            <a:r>
+              <a:rPr lang="en-US" altLang="zh-CN" sz="2400" dirty="0"/>
+              <a:t>ZMP</a:t>
+            </a:r>
+            <a:r>
+              <a:rPr lang="zh-CN" altLang="zh-CN" sz="2400" dirty="0"/>
+              <a:t>计算公式得到期望</a:t>
+            </a:r>
+            <a:r>
+              <a:rPr lang="en-US" altLang="zh-CN" sz="2400" dirty="0"/>
+              <a:t>ZMP</a:t>
+            </a:r>
+            <a:r>
+              <a:rPr lang="zh-CN" altLang="zh-CN" sz="2400" dirty="0"/>
+              <a:t>轨迹，而后根据机器人脚底安装的压力传感器测得压力值，计算出实际的</a:t>
+            </a:r>
+            <a:r>
+              <a:rPr lang="en-US" altLang="zh-CN" sz="2400" dirty="0"/>
+              <a:t>ZMP</a:t>
+            </a:r>
+            <a:r>
+              <a:rPr lang="zh-CN" altLang="zh-CN" sz="2400" dirty="0"/>
+              <a:t>，当</a:t>
+            </a:r>
+            <a:r>
+              <a:rPr lang="en-US" altLang="zh-CN" sz="2400" dirty="0"/>
+              <a:t>ZMP</a:t>
+            </a:r>
+            <a:r>
+              <a:rPr lang="zh-CN" altLang="zh-CN" sz="2400" dirty="0"/>
+              <a:t>的实际值与期望值之间出现偏差时，采用模糊控制的方法调整髋关节角度，实现</a:t>
+            </a:r>
+            <a:r>
+              <a:rPr lang="en-US" altLang="zh-CN" sz="2400" dirty="0"/>
+              <a:t>ZMP</a:t>
+            </a:r>
+            <a:r>
+              <a:rPr lang="zh-CN" altLang="zh-CN" sz="2400" dirty="0"/>
+              <a:t>在线调整。</a:t>
+            </a:r>
+            <a:endParaRPr lang="zh-CN" altLang="en-US" sz="2400" dirty="0"/>
+          </a:p>
+        </p:txBody>
+      </p:sp>
+      <p:pic>
+        <p:nvPicPr>
+          <p:cNvPr id="4" name="图片 3"/>
+          <p:cNvPicPr>
+            <a:picLocks noChangeAspect="1"/>
+          </p:cNvPicPr>
+          <p:nvPr/>
+        </p:nvPicPr>
+        <p:blipFill>
+          <a:blip r:embed="rId2"/>
+          <a:stretch>
+            <a:fillRect/>
+          </a:stretch>
+        </p:blipFill>
+        <p:spPr>
+          <a:xfrm>
+            <a:off x="1214437" y="4149080"/>
+            <a:ext cx="6715125" cy="1533525"/>
+          </a:xfrm>
+          <a:prstGeom prst="rect">
+            <a:avLst/>
+          </a:prstGeom>
+        </p:spPr>
+      </p:pic>
+    </p:spTree>
+    <p:extLst>
+      <p:ext uri="{BB962C8B-B14F-4D97-AF65-F5344CB8AC3E}">
+        <p14:creationId xmlns:p14="http://schemas.microsoft.com/office/powerpoint/2010/main" val="3328767780"/>
+      </p:ext>
+    </p:extLst>
+  </p:cSld>
+  <p:clrMapOvr>
+    <a:masterClrMapping/>
+  </p:clrMapOvr>
+</p:sld>
+</file>
+
+<file path=ppt/slides/slide44.xml><?xml version="1.0" encoding="utf-8"?>
+<p:sld xmlns:a="http://schemas.openxmlformats.org/drawingml/2006/main" xmlns:r="http://schemas.openxmlformats.org/officeDocument/2006/relationships" xmlns:p="http://schemas.openxmlformats.org/presentationml/2006/main">
+  <p:cSld>
+    <p:spTree>
+      <p:nvGrpSpPr>
+        <p:cNvPr id="1" name=""/>
+        <p:cNvGrpSpPr/>
+        <p:nvPr/>
+      </p:nvGrpSpPr>
+      <p:grpSpPr>
+        <a:xfrm>
+          <a:off x="0" y="0"/>
+          <a:ext cx="0" cy="0"/>
+          <a:chOff x="0" y="0"/>
+          <a:chExt cx="0" cy="0"/>
+        </a:xfrm>
+      </p:grpSpPr>
+      <p:sp>
+        <p:nvSpPr>
+          <p:cNvPr id="2" name="标题 1"/>
+          <p:cNvSpPr>
+            <a:spLocks noGrp="1"/>
+          </p:cNvSpPr>
+          <p:nvPr>
+            <p:ph type="title"/>
+          </p:nvPr>
+        </p:nvSpPr>
+        <p:spPr/>
+        <p:txBody>
+          <a:bodyPr/>
+          <a:lstStyle/>
+          <a:p>
+            <a:r>
+              <a:rPr lang="zh-CN" altLang="en-US" dirty="0" smtClean="0"/>
+              <a:t>          应用二：</a:t>
+            </a:r>
+            <a:r>
+              <a:rPr lang="zh-CN" altLang="zh-CN" dirty="0" smtClean="0"/>
+              <a:t>六</a:t>
+            </a:r>
+            <a:r>
+              <a:rPr lang="zh-CN" altLang="zh-CN" dirty="0"/>
+              <a:t>足机器人腿部柔顺控制</a:t>
+            </a:r>
+            <a:endParaRPr lang="zh-CN" altLang="en-US" dirty="0"/>
+          </a:p>
+        </p:txBody>
+      </p:sp>
+      <mc:AlternateContent xmlns:mc="http://schemas.openxmlformats.org/markup-compatibility/2006" xmlns:a14="http://schemas.microsoft.com/office/drawing/2010/main">
+        <mc:Choice Requires="a14">
+          <p:sp>
+            <p:nvSpPr>
+              <p:cNvPr id="3" name="内容占位符 2"/>
+              <p:cNvSpPr>
+                <a:spLocks noGrp="1"/>
+              </p:cNvSpPr>
+              <p:nvPr>
+                <p:ph idx="1"/>
+              </p:nvPr>
+            </p:nvSpPr>
+            <p:spPr/>
+            <p:txBody>
+              <a:bodyPr/>
+              <a:lstStyle/>
+              <a:p>
+                <a:pPr marL="0" indent="0">
+                  <a:buNone/>
+                </a:pPr>
+                <a:r>
+                  <a:rPr lang="zh-CN" altLang="en-US" sz="2400" dirty="0" smtClean="0"/>
+                  <a:t>为适应不平、柔软地形，机器人腿部采用阻抗控制。</a:t>
+                </a:r>
+                <a:r>
+                  <a:rPr lang="zh-CN" altLang="zh-CN" sz="2400" dirty="0"/>
+                  <a:t>机器人的腿部简化为弹簧</a:t>
+                </a:r>
+                <a:r>
+                  <a:rPr lang="en-US" altLang="zh-CN" sz="2400" dirty="0" smtClean="0"/>
+                  <a:t>-</a:t>
+                </a:r>
+                <a:r>
+                  <a:rPr lang="zh-CN" altLang="zh-CN" sz="2400" dirty="0" smtClean="0"/>
+                  <a:t>阻尼模型</a:t>
+                </a:r>
+                <a:endParaRPr lang="en-US" altLang="zh-CN" sz="2400" dirty="0" smtClean="0"/>
+              </a:p>
+              <a:p>
+                <a:pPr marL="0" indent="0">
+                  <a:buNone/>
+                </a:pPr>
+                <a14:m>
+                  <m:oMathPara xmlns:m="http://schemas.openxmlformats.org/officeDocument/2006/math">
+                    <m:oMathParaPr>
+                      <m:jc m:val="centerGroup"/>
+                    </m:oMathParaPr>
+                    <m:oMath xmlns:m="http://schemas.openxmlformats.org/officeDocument/2006/math">
+                      <m:sSub>
+                        <m:sSubPr>
+                          <m:ctrlPr>
+                            <a:rPr lang="zh-CN" altLang="zh-CN" sz="2400" i="1">
+                              <a:latin typeface="Cambria Math" panose="02040503050406030204" pitchFamily="18" charset="0"/>
+                            </a:rPr>
+                          </m:ctrlPr>
+                        </m:sSubPr>
+                        <m:e>
+                          <m:r>
+                            <a:rPr lang="en-US" altLang="zh-CN" sz="2400" i="1">
+                              <a:latin typeface="Cambria Math" panose="02040503050406030204" pitchFamily="18" charset="0"/>
+                            </a:rPr>
+                            <m:t>𝑚</m:t>
+                          </m:r>
+                        </m:e>
+                        <m:sub>
+                          <m:r>
+                            <a:rPr lang="en-US" altLang="zh-CN" sz="2400" i="1">
+                              <a:latin typeface="Cambria Math" panose="02040503050406030204" pitchFamily="18" charset="0"/>
+                            </a:rPr>
+                            <m:t>𝑑</m:t>
+                          </m:r>
+                        </m:sub>
+                      </m:sSub>
+                      <m:acc>
+                        <m:accPr>
+                          <m:chr m:val="̈"/>
+                          <m:ctrlPr>
+                            <a:rPr lang="zh-CN" altLang="zh-CN" sz="2400" i="1">
+                              <a:latin typeface="Cambria Math" panose="02040503050406030204" pitchFamily="18" charset="0"/>
+                            </a:rPr>
+                          </m:ctrlPr>
+                        </m:accPr>
+                        <m:e>
+                          <m:r>
+                            <a:rPr lang="en-US" altLang="zh-CN" sz="2400" i="1">
+                              <a:latin typeface="Cambria Math" panose="02040503050406030204" pitchFamily="18" charset="0"/>
+                            </a:rPr>
+                            <m:t>𝑥</m:t>
+                          </m:r>
+                        </m:e>
+                      </m:acc>
+                      <m:r>
+                        <a:rPr lang="en-US" altLang="zh-CN" sz="2400" i="1">
+                          <a:latin typeface="Cambria Math" panose="02040503050406030204" pitchFamily="18" charset="0"/>
+                        </a:rPr>
+                        <m:t>+</m:t>
+                      </m:r>
+                      <m:sSub>
+                        <m:sSubPr>
+                          <m:ctrlPr>
+                            <a:rPr lang="zh-CN" altLang="zh-CN" sz="2400" i="1">
+                              <a:latin typeface="Cambria Math" panose="02040503050406030204" pitchFamily="18" charset="0"/>
+                            </a:rPr>
+                          </m:ctrlPr>
+                        </m:sSubPr>
+                        <m:e>
+                          <m:r>
+                            <a:rPr lang="en-US" altLang="zh-CN" sz="2400" i="1">
+                              <a:latin typeface="Cambria Math" panose="02040503050406030204" pitchFamily="18" charset="0"/>
+                            </a:rPr>
+                            <m:t>𝑏</m:t>
+                          </m:r>
+                        </m:e>
+                        <m:sub>
+                          <m:r>
+                            <a:rPr lang="en-US" altLang="zh-CN" sz="2400" i="1">
+                              <a:latin typeface="Cambria Math" panose="02040503050406030204" pitchFamily="18" charset="0"/>
+                            </a:rPr>
+                            <m:t>𝑑</m:t>
+                          </m:r>
+                        </m:sub>
+                      </m:sSub>
+                      <m:acc>
+                        <m:accPr>
+                          <m:chr m:val="̇"/>
+                          <m:ctrlPr>
+                            <a:rPr lang="zh-CN" altLang="zh-CN" sz="2400" i="1">
+                              <a:latin typeface="Cambria Math" panose="02040503050406030204" pitchFamily="18" charset="0"/>
+                            </a:rPr>
+                          </m:ctrlPr>
+                        </m:accPr>
+                        <m:e>
+                          <m:r>
+                            <a:rPr lang="en-US" altLang="zh-CN" sz="2400" i="1">
+                              <a:latin typeface="Cambria Math" panose="02040503050406030204" pitchFamily="18" charset="0"/>
+                            </a:rPr>
+                            <m:t>𝑥</m:t>
+                          </m:r>
+                        </m:e>
+                      </m:acc>
+                      <m:r>
+                        <a:rPr lang="en-US" altLang="zh-CN" sz="2400" i="1">
+                          <a:latin typeface="Cambria Math" panose="02040503050406030204" pitchFamily="18" charset="0"/>
+                        </a:rPr>
+                        <m:t>+</m:t>
+                      </m:r>
+                      <m:sSub>
+                        <m:sSubPr>
+                          <m:ctrlPr>
+                            <a:rPr lang="zh-CN" altLang="zh-CN" sz="2400" i="1">
+                              <a:latin typeface="Cambria Math" panose="02040503050406030204" pitchFamily="18" charset="0"/>
+                            </a:rPr>
+                          </m:ctrlPr>
+                        </m:sSubPr>
+                        <m:e>
+                          <m:r>
+                            <a:rPr lang="en-US" altLang="zh-CN" sz="2400" i="1">
+                              <a:latin typeface="Cambria Math" panose="02040503050406030204" pitchFamily="18" charset="0"/>
+                            </a:rPr>
+                            <m:t>𝑘</m:t>
+                          </m:r>
+                        </m:e>
+                        <m:sub>
+                          <m:r>
+                            <a:rPr lang="en-US" altLang="zh-CN" sz="2400" i="1">
+                              <a:latin typeface="Cambria Math" panose="02040503050406030204" pitchFamily="18" charset="0"/>
+                            </a:rPr>
+                            <m:t>𝑑</m:t>
+                          </m:r>
+                        </m:sub>
+                      </m:sSub>
+                      <m:d>
+                        <m:dPr>
+                          <m:ctrlPr>
+                            <a:rPr lang="zh-CN" altLang="zh-CN" sz="2400" i="1">
+                              <a:latin typeface="Cambria Math" panose="02040503050406030204" pitchFamily="18" charset="0"/>
+                            </a:rPr>
+                          </m:ctrlPr>
+                        </m:dPr>
+                        <m:e>
+                          <m:r>
+                            <a:rPr lang="en-US" altLang="zh-CN" sz="2400" i="1">
+                              <a:latin typeface="Cambria Math" panose="02040503050406030204" pitchFamily="18" charset="0"/>
+                            </a:rPr>
+                            <m:t>𝑥</m:t>
+                          </m:r>
+                          <m:r>
+                            <a:rPr lang="en-US" altLang="zh-CN" sz="2400" i="1">
+                              <a:latin typeface="Cambria Math" panose="02040503050406030204" pitchFamily="18" charset="0"/>
+                            </a:rPr>
+                            <m:t>−</m:t>
+                          </m:r>
+                          <m:sSub>
+                            <m:sSubPr>
+                              <m:ctrlPr>
+                                <a:rPr lang="zh-CN" altLang="zh-CN" sz="2400" i="1">
+                                  <a:latin typeface="Cambria Math" panose="02040503050406030204" pitchFamily="18" charset="0"/>
+                                </a:rPr>
+                              </m:ctrlPr>
+                            </m:sSubPr>
+                            <m:e>
+                              <m:r>
+                                <a:rPr lang="en-US" altLang="zh-CN" sz="2400" i="1">
+                                  <a:latin typeface="Cambria Math" panose="02040503050406030204" pitchFamily="18" charset="0"/>
+                                </a:rPr>
+                                <m:t>𝑥</m:t>
+                              </m:r>
+                            </m:e>
+                            <m:sub>
+                              <m:r>
+                                <a:rPr lang="en-US" altLang="zh-CN" sz="2400" i="1">
+                                  <a:latin typeface="Cambria Math" panose="02040503050406030204" pitchFamily="18" charset="0"/>
+                                </a:rPr>
+                                <m:t>𝑟</m:t>
+                              </m:r>
+                            </m:sub>
+                          </m:sSub>
+                        </m:e>
+                      </m:d>
+                      <m:r>
+                        <a:rPr lang="en-US" altLang="zh-CN" sz="2400" i="1">
+                          <a:latin typeface="Cambria Math" panose="02040503050406030204" pitchFamily="18" charset="0"/>
+                        </a:rPr>
+                        <m:t>=−</m:t>
+                      </m:r>
+                      <m:r>
+                        <a:rPr lang="en-US" altLang="zh-CN" sz="2400" i="1">
+                          <a:latin typeface="Cambria Math" panose="02040503050406030204" pitchFamily="18" charset="0"/>
+                        </a:rPr>
+                        <m:t>𝐹</m:t>
+                      </m:r>
+                      <m:r>
+                        <a:rPr lang="en-US" altLang="zh-CN" sz="2400" i="1">
+                          <a:latin typeface="Cambria Math" panose="02040503050406030204" pitchFamily="18" charset="0"/>
+                        </a:rPr>
+                        <m:t> </m:t>
+                      </m:r>
+                    </m:oMath>
+                  </m:oMathPara>
+                </a14:m>
+                <a:endParaRPr lang="en-US" altLang="zh-CN" sz="2400" dirty="0" smtClean="0"/>
+              </a:p>
+              <a:p>
+                <a:pPr marL="0" indent="0">
+                  <a:buNone/>
+                </a:pPr>
+                <a:r>
+                  <a:rPr lang="zh-CN" altLang="zh-CN" sz="2400" dirty="0"/>
+                  <a:t>地面环境也简化为弹簧</a:t>
+                </a:r>
+                <a:r>
+                  <a:rPr lang="en-US" altLang="zh-CN" sz="2400" dirty="0"/>
+                  <a:t>-</a:t>
+                </a:r>
+                <a:r>
+                  <a:rPr lang="zh-CN" altLang="zh-CN" sz="2400" dirty="0"/>
+                  <a:t>阻尼模型</a:t>
+                </a:r>
+              </a:p>
+              <a:p>
+                <a:pPr marL="0" indent="0">
+                  <a:buNone/>
+                </a:pPr>
+                <a14:m>
+                  <m:oMathPara xmlns:m="http://schemas.openxmlformats.org/officeDocument/2006/math">
+                    <m:oMathParaPr>
+                      <m:jc m:val="centerGroup"/>
+                    </m:oMathParaPr>
+                    <m:oMath xmlns:m="http://schemas.openxmlformats.org/officeDocument/2006/math">
+                      <m:r>
+                        <a:rPr lang="en-US" altLang="zh-CN" sz="2400" i="1">
+                          <a:latin typeface="Cambria Math" panose="02040503050406030204" pitchFamily="18" charset="0"/>
+                        </a:rPr>
+                        <m:t>𝐹</m:t>
+                      </m:r>
+                      <m:r>
+                        <a:rPr lang="en-US" altLang="zh-CN" sz="2400" i="1">
+                          <a:latin typeface="Cambria Math" panose="02040503050406030204" pitchFamily="18" charset="0"/>
+                        </a:rPr>
+                        <m:t>=</m:t>
+                      </m:r>
+                      <m:sSub>
+                        <m:sSubPr>
+                          <m:ctrlPr>
+                            <a:rPr lang="zh-CN" altLang="zh-CN" sz="2400" i="1">
+                              <a:latin typeface="Cambria Math" panose="02040503050406030204" pitchFamily="18" charset="0"/>
+                            </a:rPr>
+                          </m:ctrlPr>
+                        </m:sSubPr>
+                        <m:e>
+                          <m:r>
+                            <a:rPr lang="en-US" altLang="zh-CN" sz="2400" i="1">
+                              <a:latin typeface="Cambria Math" panose="02040503050406030204" pitchFamily="18" charset="0"/>
+                            </a:rPr>
+                            <m:t>𝑘</m:t>
+                          </m:r>
+                        </m:e>
+                        <m:sub>
+                          <m:r>
+                            <a:rPr lang="en-US" altLang="zh-CN" sz="2400" i="1">
+                              <a:latin typeface="Cambria Math" panose="02040503050406030204" pitchFamily="18" charset="0"/>
+                            </a:rPr>
+                            <m:t>𝑒</m:t>
+                          </m:r>
+                        </m:sub>
+                      </m:sSub>
+                      <m:r>
+                        <a:rPr lang="en-US" altLang="zh-CN" sz="2400" i="1">
+                          <a:latin typeface="Cambria Math" panose="02040503050406030204" pitchFamily="18" charset="0"/>
+                        </a:rPr>
+                        <m:t>(</m:t>
+                      </m:r>
+                      <m:r>
+                        <a:rPr lang="en-US" altLang="zh-CN" sz="2400" i="1">
+                          <a:latin typeface="Cambria Math" panose="02040503050406030204" pitchFamily="18" charset="0"/>
+                        </a:rPr>
+                        <m:t>𝑥</m:t>
+                      </m:r>
+                      <m:r>
+                        <a:rPr lang="en-US" altLang="zh-CN" sz="2400" i="1">
+                          <a:latin typeface="Cambria Math" panose="02040503050406030204" pitchFamily="18" charset="0"/>
+                        </a:rPr>
+                        <m:t>−</m:t>
+                      </m:r>
+                      <m:sSub>
+                        <m:sSubPr>
+                          <m:ctrlPr>
+                            <a:rPr lang="zh-CN" altLang="zh-CN" sz="2400" i="1">
+                              <a:latin typeface="Cambria Math" panose="02040503050406030204" pitchFamily="18" charset="0"/>
+                            </a:rPr>
+                          </m:ctrlPr>
+                        </m:sSubPr>
+                        <m:e>
+                          <m:r>
+                            <a:rPr lang="en-US" altLang="zh-CN" sz="2400" i="1">
+                              <a:latin typeface="Cambria Math" panose="02040503050406030204" pitchFamily="18" charset="0"/>
+                            </a:rPr>
+                            <m:t>𝑥</m:t>
+                          </m:r>
+                        </m:e>
+                        <m:sub>
+                          <m:r>
+                            <a:rPr lang="en-US" altLang="zh-CN" sz="2400" i="1">
+                              <a:latin typeface="Cambria Math" panose="02040503050406030204" pitchFamily="18" charset="0"/>
+                            </a:rPr>
+                            <m:t>𝑒</m:t>
+                          </m:r>
+                        </m:sub>
+                      </m:sSub>
+                      <m:r>
+                        <a:rPr lang="en-US" altLang="zh-CN" sz="2400" i="1">
+                          <a:latin typeface="Cambria Math" panose="02040503050406030204" pitchFamily="18" charset="0"/>
+                        </a:rPr>
+                        <m:t>) </m:t>
+                      </m:r>
+                    </m:oMath>
+                  </m:oMathPara>
+                </a14:m>
+                <a:endParaRPr lang="zh-CN" altLang="zh-CN" sz="2400" dirty="0"/>
+              </a:p>
+              <a:p>
+                <a:pPr marL="0" indent="0">
+                  <a:buNone/>
+                </a:pPr>
+                <a:endParaRPr lang="zh-CN" altLang="zh-CN" sz="2400" dirty="0"/>
+              </a:p>
+              <a:p>
+                <a:pPr marL="0" indent="0">
+                  <a:buNone/>
+                </a:pPr>
+                <a:endParaRPr lang="zh-CN" altLang="en-US" sz="2400" dirty="0"/>
+              </a:p>
+            </p:txBody>
+          </p:sp>
+        </mc:Choice>
+        <mc:Fallback xmlns="">
+          <p:sp>
+            <p:nvSpPr>
+              <p:cNvPr id="3" name="内容占位符 2"/>
+              <p:cNvSpPr>
+                <a:spLocks noGrp="1" noRot="1" noChangeAspect="1" noMove="1" noResize="1" noEditPoints="1" noAdjustHandles="1" noChangeArrowheads="1" noChangeShapeType="1" noTextEdit="1"/>
+              </p:cNvSpPr>
+              <p:nvPr>
+                <p:ph idx="1"/>
+              </p:nvPr>
+            </p:nvSpPr>
+            <p:spPr>
+              <a:blipFill rotWithShape="0">
+                <a:blip r:embed="rId2"/>
+                <a:stretch>
+                  <a:fillRect l="-1185" t="-1203"/>
+                </a:stretch>
+              </a:blipFill>
+            </p:spPr>
+            <p:txBody>
+              <a:bodyPr/>
+              <a:lstStyle/>
+              <a:p>
+                <a:r>
+                  <a:rPr lang="zh-CN" altLang="en-US">
+                    <a:noFill/>
+                  </a:rPr>
+                  <a:t> </a:t>
+                </a:r>
+              </a:p>
+            </p:txBody>
+          </p:sp>
+        </mc:Fallback>
+      </mc:AlternateContent>
+      <p:pic>
+        <p:nvPicPr>
+          <p:cNvPr id="6" name="图片 5"/>
+          <p:cNvPicPr>
+            <a:picLocks noChangeAspect="1"/>
+          </p:cNvPicPr>
+          <p:nvPr/>
+        </p:nvPicPr>
+        <p:blipFill>
+          <a:blip r:embed="rId3">
+            <a:extLst>
+              <a:ext uri="{28A0092B-C50C-407E-A947-70E740481C1C}">
+                <a14:useLocalDpi xmlns:a14="http://schemas.microsoft.com/office/drawing/2010/main" val="0"/>
+              </a:ext>
+            </a:extLst>
+          </a:blip>
+          <a:srcRect/>
+          <a:stretch>
+            <a:fillRect/>
+          </a:stretch>
+        </p:blipFill>
+        <p:spPr bwMode="auto">
+          <a:xfrm>
+            <a:off x="2231071" y="3429000"/>
+            <a:ext cx="4632015" cy="3002091"/>
+          </a:xfrm>
+          <a:prstGeom prst="rect">
+            <a:avLst/>
+          </a:prstGeom>
+          <a:noFill/>
+          <a:ln>
+            <a:noFill/>
+          </a:ln>
+        </p:spPr>
+      </p:pic>
+    </p:spTree>
+    <p:extLst>
+      <p:ext uri="{BB962C8B-B14F-4D97-AF65-F5344CB8AC3E}">
+        <p14:creationId xmlns:p14="http://schemas.microsoft.com/office/powerpoint/2010/main" val="2322828981"/>
+      </p:ext>
+    </p:extLst>
+  </p:cSld>
+  <p:clrMapOvr>
+    <a:masterClrMapping/>
+  </p:clrMapOvr>
+</p:sld>
+</file>
+
+<file path=ppt/slides/slide45.xml><?xml version="1.0" encoding="utf-8"?>
+<p:sld xmlns:a="http://schemas.openxmlformats.org/drawingml/2006/main" xmlns:r="http://schemas.openxmlformats.org/officeDocument/2006/relationships" xmlns:p="http://schemas.openxmlformats.org/presentationml/2006/main">
+  <p:cSld>
+    <p:spTree>
+      <p:nvGrpSpPr>
+        <p:cNvPr id="1" name=""/>
+        <p:cNvGrpSpPr/>
+        <p:nvPr/>
+      </p:nvGrpSpPr>
+      <p:grpSpPr>
+        <a:xfrm>
+          <a:off x="0" y="0"/>
+          <a:ext cx="0" cy="0"/>
+          <a:chOff x="0" y="0"/>
+          <a:chExt cx="0" cy="0"/>
+        </a:xfrm>
+      </p:grpSpPr>
+      <p:sp>
+        <p:nvSpPr>
+          <p:cNvPr id="2" name="标题 1"/>
+          <p:cNvSpPr>
+            <a:spLocks noGrp="1"/>
+          </p:cNvSpPr>
+          <p:nvPr>
+            <p:ph type="title"/>
+          </p:nvPr>
+        </p:nvSpPr>
+        <p:spPr/>
+        <p:txBody>
+          <a:bodyPr/>
+          <a:lstStyle/>
+          <a:p>
+            <a:r>
+              <a:rPr lang="zh-CN" altLang="en-US" dirty="0"/>
+              <a:t> </a:t>
+            </a:r>
+            <a:r>
+              <a:rPr lang="zh-CN" altLang="en-US" dirty="0" smtClean="0"/>
+              <a:t>        应用</a:t>
+            </a:r>
+            <a:r>
+              <a:rPr lang="zh-CN" altLang="en-US" dirty="0"/>
+              <a:t>二：</a:t>
+            </a:r>
+            <a:r>
+              <a:rPr lang="zh-CN" altLang="zh-CN" dirty="0"/>
+              <a:t>六足机器人腿部柔顺控制</a:t>
+            </a:r>
+            <a:endParaRPr lang="zh-CN" altLang="en-US" dirty="0"/>
+          </a:p>
+        </p:txBody>
+      </p:sp>
+      <mc:AlternateContent xmlns:mc="http://schemas.openxmlformats.org/markup-compatibility/2006" xmlns:a14="http://schemas.microsoft.com/office/drawing/2010/main">
+        <mc:Choice Requires="a14">
+          <p:sp>
+            <p:nvSpPr>
+              <p:cNvPr id="3" name="内容占位符 2"/>
+              <p:cNvSpPr>
+                <a:spLocks noGrp="1"/>
+              </p:cNvSpPr>
+              <p:nvPr>
+                <p:ph idx="1"/>
+              </p:nvPr>
+            </p:nvSpPr>
+            <p:spPr/>
+            <p:txBody>
+              <a:bodyPr/>
+              <a:lstStyle/>
+              <a:p>
+                <a:pPr marL="0" indent="0">
+                  <a:buNone/>
+                </a:pPr>
+                <a14:m>
+                  <m:oMathPara xmlns:m="http://schemas.openxmlformats.org/officeDocument/2006/math">
+                    <m:oMathParaPr>
+                      <m:jc m:val="centerGroup"/>
+                    </m:oMathParaPr>
+                    <m:oMath xmlns:m="http://schemas.openxmlformats.org/officeDocument/2006/math">
+                      <m:sSub>
+                        <m:sSubPr>
+                          <m:ctrlPr>
+                            <a:rPr lang="zh-CN" altLang="zh-CN" sz="2400" i="1">
+                              <a:latin typeface="Cambria Math" panose="02040503050406030204" pitchFamily="18" charset="0"/>
+                            </a:rPr>
+                          </m:ctrlPr>
+                        </m:sSubPr>
+                        <m:e>
+                          <m:r>
+                            <a:rPr lang="en-US" altLang="zh-CN" sz="2400" i="1">
+                              <a:latin typeface="Cambria Math" panose="02040503050406030204" pitchFamily="18" charset="0"/>
+                            </a:rPr>
+                            <m:t>𝑚</m:t>
+                          </m:r>
+                        </m:e>
+                        <m:sub>
+                          <m:r>
+                            <a:rPr lang="en-US" altLang="zh-CN" sz="2400" i="1">
+                              <a:latin typeface="Cambria Math" panose="02040503050406030204" pitchFamily="18" charset="0"/>
+                            </a:rPr>
+                            <m:t>𝑑</m:t>
+                          </m:r>
+                        </m:sub>
+                      </m:sSub>
+                      <m:d>
+                        <m:dPr>
+                          <m:ctrlPr>
+                            <a:rPr lang="zh-CN" altLang="zh-CN" sz="2400" i="1">
+                              <a:latin typeface="Cambria Math" panose="02040503050406030204" pitchFamily="18" charset="0"/>
+                            </a:rPr>
+                          </m:ctrlPr>
+                        </m:dPr>
+                        <m:e>
+                          <m:acc>
+                            <m:accPr>
+                              <m:chr m:val="̈"/>
+                              <m:ctrlPr>
+                                <a:rPr lang="zh-CN" altLang="zh-CN" sz="2400" i="1">
+                                  <a:latin typeface="Cambria Math" panose="02040503050406030204" pitchFamily="18" charset="0"/>
+                                </a:rPr>
+                              </m:ctrlPr>
+                            </m:accPr>
+                            <m:e>
+                              <m:sSub>
+                                <m:sSubPr>
+                                  <m:ctrlPr>
+                                    <a:rPr lang="zh-CN" altLang="zh-CN" sz="2400" i="1">
+                                      <a:latin typeface="Cambria Math" panose="02040503050406030204" pitchFamily="18" charset="0"/>
+                                    </a:rPr>
+                                  </m:ctrlPr>
+                                </m:sSubPr>
+                                <m:e>
+                                  <m:r>
+                                    <a:rPr lang="en-US" altLang="zh-CN" sz="2400" i="1">
+                                      <a:latin typeface="Cambria Math" panose="02040503050406030204" pitchFamily="18" charset="0"/>
+                                    </a:rPr>
+                                    <m:t>𝐹</m:t>
+                                  </m:r>
+                                </m:e>
+                                <m:sub>
+                                  <m:r>
+                                    <a:rPr lang="en-US" altLang="zh-CN" sz="2400" i="1">
+                                      <a:latin typeface="Cambria Math" panose="02040503050406030204" pitchFamily="18" charset="0"/>
+                                    </a:rPr>
+                                    <m:t>𝑟</m:t>
+                                  </m:r>
+                                </m:sub>
+                              </m:sSub>
+                            </m:e>
+                          </m:acc>
+                          <m:r>
+                            <a:rPr lang="en-US" altLang="zh-CN" sz="2400" i="1">
+                              <a:latin typeface="Cambria Math" panose="02040503050406030204" pitchFamily="18" charset="0"/>
+                            </a:rPr>
+                            <m:t>−</m:t>
+                          </m:r>
+                          <m:acc>
+                            <m:accPr>
+                              <m:chr m:val="̈"/>
+                              <m:ctrlPr>
+                                <a:rPr lang="zh-CN" altLang="zh-CN" sz="2400" i="1">
+                                  <a:latin typeface="Cambria Math" panose="02040503050406030204" pitchFamily="18" charset="0"/>
+                                </a:rPr>
+                              </m:ctrlPr>
+                            </m:accPr>
+                            <m:e>
+                              <m:r>
+                                <a:rPr lang="en-US" altLang="zh-CN" sz="2400" i="1">
+                                  <a:latin typeface="Cambria Math" panose="02040503050406030204" pitchFamily="18" charset="0"/>
+                                </a:rPr>
+                                <m:t>𝑒</m:t>
+                              </m:r>
+                            </m:e>
+                          </m:acc>
+                        </m:e>
+                      </m:d>
+                      <m:r>
+                        <a:rPr lang="en-US" altLang="zh-CN" sz="2400" i="1">
+                          <a:latin typeface="Cambria Math" panose="02040503050406030204" pitchFamily="18" charset="0"/>
+                        </a:rPr>
+                        <m:t>+</m:t>
+                      </m:r>
+                      <m:sSub>
+                        <m:sSubPr>
+                          <m:ctrlPr>
+                            <a:rPr lang="zh-CN" altLang="zh-CN" sz="2400" i="1">
+                              <a:latin typeface="Cambria Math" panose="02040503050406030204" pitchFamily="18" charset="0"/>
+                            </a:rPr>
+                          </m:ctrlPr>
+                        </m:sSubPr>
+                        <m:e>
+                          <m:r>
+                            <a:rPr lang="en-US" altLang="zh-CN" sz="2400" i="1">
+                              <a:latin typeface="Cambria Math" panose="02040503050406030204" pitchFamily="18" charset="0"/>
+                            </a:rPr>
+                            <m:t>𝑏</m:t>
+                          </m:r>
+                        </m:e>
+                        <m:sub>
+                          <m:r>
+                            <a:rPr lang="en-US" altLang="zh-CN" sz="2400" i="1">
+                              <a:latin typeface="Cambria Math" panose="02040503050406030204" pitchFamily="18" charset="0"/>
+                            </a:rPr>
+                            <m:t>𝑑</m:t>
+                          </m:r>
+                        </m:sub>
+                      </m:sSub>
+                      <m:d>
+                        <m:dPr>
+                          <m:ctrlPr>
+                            <a:rPr lang="zh-CN" altLang="zh-CN" sz="2400" i="1">
+                              <a:latin typeface="Cambria Math" panose="02040503050406030204" pitchFamily="18" charset="0"/>
+                            </a:rPr>
+                          </m:ctrlPr>
+                        </m:dPr>
+                        <m:e>
+                          <m:acc>
+                            <m:accPr>
+                              <m:chr m:val="̇"/>
+                              <m:ctrlPr>
+                                <a:rPr lang="zh-CN" altLang="zh-CN" sz="2400" i="1">
+                                  <a:latin typeface="Cambria Math" panose="02040503050406030204" pitchFamily="18" charset="0"/>
+                                </a:rPr>
+                              </m:ctrlPr>
+                            </m:accPr>
+                            <m:e>
+                              <m:sSub>
+                                <m:sSubPr>
+                                  <m:ctrlPr>
+                                    <a:rPr lang="zh-CN" altLang="zh-CN" sz="2400" i="1">
+                                      <a:latin typeface="Cambria Math" panose="02040503050406030204" pitchFamily="18" charset="0"/>
+                                    </a:rPr>
+                                  </m:ctrlPr>
+                                </m:sSubPr>
+                                <m:e>
+                                  <m:r>
+                                    <a:rPr lang="en-US" altLang="zh-CN" sz="2400" i="1">
+                                      <a:latin typeface="Cambria Math" panose="02040503050406030204" pitchFamily="18" charset="0"/>
+                                    </a:rPr>
+                                    <m:t>𝐹</m:t>
+                                  </m:r>
+                                </m:e>
+                                <m:sub>
+                                  <m:r>
+                                    <a:rPr lang="en-US" altLang="zh-CN" sz="2400" i="1">
+                                      <a:latin typeface="Cambria Math" panose="02040503050406030204" pitchFamily="18" charset="0"/>
+                                    </a:rPr>
+                                    <m:t>𝑟</m:t>
+                                  </m:r>
+                                </m:sub>
+                              </m:sSub>
+                            </m:e>
+                          </m:acc>
+                          <m:r>
+                            <a:rPr lang="en-US" altLang="zh-CN" sz="2400" i="1">
+                              <a:latin typeface="Cambria Math" panose="02040503050406030204" pitchFamily="18" charset="0"/>
+                            </a:rPr>
+                            <m:t>−</m:t>
+                          </m:r>
+                          <m:acc>
+                            <m:accPr>
+                              <m:chr m:val="̇"/>
+                              <m:ctrlPr>
+                                <a:rPr lang="zh-CN" altLang="zh-CN" sz="2400" i="1">
+                                  <a:latin typeface="Cambria Math" panose="02040503050406030204" pitchFamily="18" charset="0"/>
+                                </a:rPr>
+                              </m:ctrlPr>
+                            </m:accPr>
+                            <m:e>
+                              <m:r>
+                                <a:rPr lang="en-US" altLang="zh-CN" sz="2400" i="1">
+                                  <a:latin typeface="Cambria Math" panose="02040503050406030204" pitchFamily="18" charset="0"/>
+                                </a:rPr>
+                                <m:t>𝑒</m:t>
+                              </m:r>
+                            </m:e>
+                          </m:acc>
+                        </m:e>
+                      </m:d>
+                      <m:r>
+                        <a:rPr lang="en-US" altLang="zh-CN" sz="2400" i="1">
+                          <a:latin typeface="Cambria Math" panose="02040503050406030204" pitchFamily="18" charset="0"/>
+                        </a:rPr>
+                        <m:t>+</m:t>
+                      </m:r>
+                      <m:sSub>
+                        <m:sSubPr>
+                          <m:ctrlPr>
+                            <a:rPr lang="zh-CN" altLang="zh-CN" sz="2400" i="1">
+                              <a:latin typeface="Cambria Math" panose="02040503050406030204" pitchFamily="18" charset="0"/>
+                            </a:rPr>
+                          </m:ctrlPr>
+                        </m:sSubPr>
+                        <m:e>
+                          <m:r>
+                            <a:rPr lang="en-US" altLang="zh-CN" sz="2400" i="1">
+                              <a:latin typeface="Cambria Math" panose="02040503050406030204" pitchFamily="18" charset="0"/>
+                            </a:rPr>
+                            <m:t>𝑘</m:t>
+                          </m:r>
+                        </m:e>
+                        <m:sub>
+                          <m:r>
+                            <a:rPr lang="en-US" altLang="zh-CN" sz="2400" i="1">
+                              <a:latin typeface="Cambria Math" panose="02040503050406030204" pitchFamily="18" charset="0"/>
+                            </a:rPr>
+                            <m:t>𝑑</m:t>
+                          </m:r>
+                        </m:sub>
+                      </m:sSub>
+                      <m:d>
+                        <m:dPr>
+                          <m:ctrlPr>
+                            <a:rPr lang="zh-CN" altLang="zh-CN" sz="2400" i="1">
+                              <a:latin typeface="Cambria Math" panose="02040503050406030204" pitchFamily="18" charset="0"/>
+                            </a:rPr>
+                          </m:ctrlPr>
+                        </m:dPr>
+                        <m:e>
+                          <m:sSub>
+                            <m:sSubPr>
+                              <m:ctrlPr>
+                                <a:rPr lang="zh-CN" altLang="zh-CN" sz="2400" i="1">
+                                  <a:latin typeface="Cambria Math" panose="02040503050406030204" pitchFamily="18" charset="0"/>
+                                </a:rPr>
+                              </m:ctrlPr>
+                            </m:sSubPr>
+                            <m:e>
+                              <m:r>
+                                <a:rPr lang="en-US" altLang="zh-CN" sz="2400" i="1">
+                                  <a:latin typeface="Cambria Math" panose="02040503050406030204" pitchFamily="18" charset="0"/>
+                                </a:rPr>
+                                <m:t>𝐹</m:t>
+                              </m:r>
+                            </m:e>
+                            <m:sub>
+                              <m:r>
+                                <a:rPr lang="en-US" altLang="zh-CN" sz="2400" i="1">
+                                  <a:latin typeface="Cambria Math" panose="02040503050406030204" pitchFamily="18" charset="0"/>
+                                </a:rPr>
+                                <m:t>𝑟</m:t>
+                              </m:r>
+                            </m:sub>
+                          </m:sSub>
+                          <m:r>
+                            <a:rPr lang="en-US" altLang="zh-CN" sz="2400" i="1">
+                              <a:latin typeface="Cambria Math" panose="02040503050406030204" pitchFamily="18" charset="0"/>
+                            </a:rPr>
+                            <m:t>−</m:t>
+                          </m:r>
+                          <m:r>
+                            <a:rPr lang="en-US" altLang="zh-CN" sz="2400" i="1">
+                              <a:latin typeface="Cambria Math" panose="02040503050406030204" pitchFamily="18" charset="0"/>
+                            </a:rPr>
+                            <m:t>𝑒</m:t>
+                          </m:r>
+                        </m:e>
+                      </m:d>
+                      <m:r>
+                        <a:rPr lang="en-US" altLang="zh-CN" sz="2400" i="1">
+                          <a:latin typeface="Cambria Math" panose="02040503050406030204" pitchFamily="18" charset="0"/>
+                        </a:rPr>
+                        <m:t>=</m:t>
+                      </m:r>
+                      <m:d>
+                        <m:dPr>
+                          <m:ctrlPr>
+                            <a:rPr lang="zh-CN" altLang="zh-CN" sz="2400" i="1">
+                              <a:latin typeface="Cambria Math" panose="02040503050406030204" pitchFamily="18" charset="0"/>
+                            </a:rPr>
+                          </m:ctrlPr>
+                        </m:dPr>
+                        <m:e>
+                          <m:r>
+                            <a:rPr lang="en-US" altLang="zh-CN" sz="2400" i="1">
+                              <a:latin typeface="Cambria Math" panose="02040503050406030204" pitchFamily="18" charset="0"/>
+                            </a:rPr>
+                            <m:t>𝑒</m:t>
+                          </m:r>
+                          <m:r>
+                            <a:rPr lang="en-US" altLang="zh-CN" sz="2400" i="1">
+                              <a:latin typeface="Cambria Math" panose="02040503050406030204" pitchFamily="18" charset="0"/>
+                            </a:rPr>
+                            <m:t>−</m:t>
+                          </m:r>
+                          <m:sSub>
+                            <m:sSubPr>
+                              <m:ctrlPr>
+                                <a:rPr lang="zh-CN" altLang="zh-CN" sz="2400" i="1">
+                                  <a:latin typeface="Cambria Math" panose="02040503050406030204" pitchFamily="18" charset="0"/>
+                                </a:rPr>
+                              </m:ctrlPr>
+                            </m:sSubPr>
+                            <m:e>
+                              <m:r>
+                                <a:rPr lang="en-US" altLang="zh-CN" sz="2400" i="1">
+                                  <a:latin typeface="Cambria Math" panose="02040503050406030204" pitchFamily="18" charset="0"/>
+                                </a:rPr>
+                                <m:t>𝐹</m:t>
+                              </m:r>
+                            </m:e>
+                            <m:sub>
+                              <m:r>
+                                <a:rPr lang="en-US" altLang="zh-CN" sz="2400" i="1">
+                                  <a:latin typeface="Cambria Math" panose="02040503050406030204" pitchFamily="18" charset="0"/>
+                                </a:rPr>
+                                <m:t>𝑟</m:t>
+                              </m:r>
+                            </m:sub>
+                          </m:sSub>
+                        </m:e>
+                      </m:d>
+                      <m:sSub>
+                        <m:sSubPr>
+                          <m:ctrlPr>
+                            <a:rPr lang="zh-CN" altLang="zh-CN" sz="2400" i="1">
+                              <a:latin typeface="Cambria Math" panose="02040503050406030204" pitchFamily="18" charset="0"/>
+                            </a:rPr>
+                          </m:ctrlPr>
+                        </m:sSubPr>
+                        <m:e>
+                          <m:r>
+                            <a:rPr lang="en-US" altLang="zh-CN" sz="2400" i="1">
+                              <a:latin typeface="Cambria Math" panose="02040503050406030204" pitchFamily="18" charset="0"/>
+                            </a:rPr>
+                            <m:t>𝑘</m:t>
+                          </m:r>
+                        </m:e>
+                        <m:sub>
+                          <m:r>
+                            <a:rPr lang="en-US" altLang="zh-CN" sz="2400" i="1">
+                              <a:latin typeface="Cambria Math" panose="02040503050406030204" pitchFamily="18" charset="0"/>
+                            </a:rPr>
+                            <m:t>𝑒</m:t>
+                          </m:r>
+                        </m:sub>
+                      </m:sSub>
+                      <m:r>
+                        <a:rPr lang="en-US" altLang="zh-CN" sz="2400" i="1">
+                          <a:latin typeface="Cambria Math" panose="02040503050406030204" pitchFamily="18" charset="0"/>
+                        </a:rPr>
+                        <m:t>+</m:t>
+                      </m:r>
+                      <m:sSub>
+                        <m:sSubPr>
+                          <m:ctrlPr>
+                            <a:rPr lang="zh-CN" altLang="zh-CN" sz="2400" i="1">
+                              <a:latin typeface="Cambria Math" panose="02040503050406030204" pitchFamily="18" charset="0"/>
+                            </a:rPr>
+                          </m:ctrlPr>
+                        </m:sSubPr>
+                        <m:e>
+                          <m:r>
+                            <a:rPr lang="en-US" altLang="zh-CN" sz="2400" i="1">
+                              <a:latin typeface="Cambria Math" panose="02040503050406030204" pitchFamily="18" charset="0"/>
+                            </a:rPr>
+                            <m:t>𝑘</m:t>
+                          </m:r>
+                        </m:e>
+                        <m:sub>
+                          <m:r>
+                            <a:rPr lang="en-US" altLang="zh-CN" sz="2400" i="1">
+                              <a:latin typeface="Cambria Math" panose="02040503050406030204" pitchFamily="18" charset="0"/>
+                            </a:rPr>
+                            <m:t>𝑑</m:t>
+                          </m:r>
+                        </m:sub>
+                      </m:sSub>
+                      <m:sSub>
+                        <m:sSubPr>
+                          <m:ctrlPr>
+                            <a:rPr lang="zh-CN" altLang="zh-CN" sz="2400" i="1">
+                              <a:latin typeface="Cambria Math" panose="02040503050406030204" pitchFamily="18" charset="0"/>
+                            </a:rPr>
+                          </m:ctrlPr>
+                        </m:sSubPr>
+                        <m:e>
+                          <m:r>
+                            <a:rPr lang="en-US" altLang="zh-CN" sz="2400" i="1">
+                              <a:latin typeface="Cambria Math" panose="02040503050406030204" pitchFamily="18" charset="0"/>
+                            </a:rPr>
+                            <m:t>𝑘</m:t>
+                          </m:r>
+                        </m:e>
+                        <m:sub>
+                          <m:r>
+                            <a:rPr lang="en-US" altLang="zh-CN" sz="2400" i="1">
+                              <a:latin typeface="Cambria Math" panose="02040503050406030204" pitchFamily="18" charset="0"/>
+                            </a:rPr>
+                            <m:t>𝑒</m:t>
+                          </m:r>
+                        </m:sub>
+                      </m:sSub>
+                      <m:r>
+                        <a:rPr lang="en-US" altLang="zh-CN" sz="2400" i="1">
+                          <a:latin typeface="Cambria Math" panose="02040503050406030204" pitchFamily="18" charset="0"/>
+                        </a:rPr>
+                        <m:t>(</m:t>
+                      </m:r>
+                      <m:sSub>
+                        <m:sSubPr>
+                          <m:ctrlPr>
+                            <a:rPr lang="zh-CN" altLang="zh-CN" sz="2400" i="1">
+                              <a:latin typeface="Cambria Math" panose="02040503050406030204" pitchFamily="18" charset="0"/>
+                            </a:rPr>
+                          </m:ctrlPr>
+                        </m:sSubPr>
+                        <m:e>
+                          <m:r>
+                            <a:rPr lang="en-US" altLang="zh-CN" sz="2400" i="1">
+                              <a:latin typeface="Cambria Math" panose="02040503050406030204" pitchFamily="18" charset="0"/>
+                            </a:rPr>
+                            <m:t>𝑥</m:t>
+                          </m:r>
+                        </m:e>
+                        <m:sub>
+                          <m:r>
+                            <a:rPr lang="en-US" altLang="zh-CN" sz="2400" i="1">
+                              <a:latin typeface="Cambria Math" panose="02040503050406030204" pitchFamily="18" charset="0"/>
+                            </a:rPr>
+                            <m:t>𝑟</m:t>
+                          </m:r>
+                        </m:sub>
+                      </m:sSub>
+                      <m:r>
+                        <a:rPr lang="en-US" altLang="zh-CN" sz="2400" i="1">
+                          <a:latin typeface="Cambria Math" panose="02040503050406030204" pitchFamily="18" charset="0"/>
+                        </a:rPr>
+                        <m:t>−</m:t>
+                      </m:r>
+                      <m:sSub>
+                        <m:sSubPr>
+                          <m:ctrlPr>
+                            <a:rPr lang="zh-CN" altLang="zh-CN" sz="2400" i="1">
+                              <a:latin typeface="Cambria Math" panose="02040503050406030204" pitchFamily="18" charset="0"/>
+                            </a:rPr>
+                          </m:ctrlPr>
+                        </m:sSubPr>
+                        <m:e>
+                          <m:r>
+                            <a:rPr lang="en-US" altLang="zh-CN" sz="2400" i="1">
+                              <a:latin typeface="Cambria Math" panose="02040503050406030204" pitchFamily="18" charset="0"/>
+                            </a:rPr>
+                            <m:t>𝑥</m:t>
+                          </m:r>
+                        </m:e>
+                        <m:sub>
+                          <m:r>
+                            <a:rPr lang="en-US" altLang="zh-CN" sz="2400" i="1">
+                              <a:latin typeface="Cambria Math" panose="02040503050406030204" pitchFamily="18" charset="0"/>
+                            </a:rPr>
+                            <m:t>𝑒</m:t>
+                          </m:r>
+                        </m:sub>
+                      </m:sSub>
+                      <m:r>
+                        <a:rPr lang="en-US" altLang="zh-CN" sz="2400" i="1">
+                          <a:latin typeface="Cambria Math" panose="02040503050406030204" pitchFamily="18" charset="0"/>
+                        </a:rPr>
+                        <m:t>)</m:t>
+                      </m:r>
+                    </m:oMath>
+                  </m:oMathPara>
+                </a14:m>
+                <a:endParaRPr lang="en-US" altLang="zh-CN" sz="2400" dirty="0" smtClean="0"/>
+              </a:p>
+              <a:p>
+                <a:pPr marL="0" indent="0">
+                  <a:buNone/>
+                </a:pPr>
+                <a:r>
+                  <a:rPr lang="zh-CN" altLang="zh-CN" sz="2400" dirty="0" smtClean="0"/>
+                  <a:t>达到</a:t>
+                </a:r>
+                <a:r>
+                  <a:rPr lang="zh-CN" altLang="zh-CN" sz="2400" dirty="0"/>
+                  <a:t>稳态时，稳态误差为</a:t>
+                </a:r>
+              </a:p>
+              <a:p>
+                <a:pPr marL="0" indent="0">
+                  <a:buNone/>
+                </a:pPr>
+                <a14:m>
+                  <m:oMathPara xmlns:m="http://schemas.openxmlformats.org/officeDocument/2006/math">
+                    <m:oMathParaPr>
+                      <m:jc m:val="centerGroup"/>
+                    </m:oMathParaPr>
+                    <m:oMath xmlns:m="http://schemas.openxmlformats.org/officeDocument/2006/math">
+                      <m:sSub>
+                        <m:sSubPr>
+                          <m:ctrlPr>
+                            <a:rPr lang="zh-CN" altLang="zh-CN" sz="2400" i="1">
+                              <a:latin typeface="Cambria Math" panose="02040503050406030204" pitchFamily="18" charset="0"/>
+                            </a:rPr>
+                          </m:ctrlPr>
+                        </m:sSubPr>
+                        <m:e>
+                          <m:r>
+                            <a:rPr lang="en-US" altLang="zh-CN" sz="2400" i="1">
+                              <a:latin typeface="Cambria Math" panose="02040503050406030204" pitchFamily="18" charset="0"/>
+                            </a:rPr>
+                            <m:t>𝑒</m:t>
+                          </m:r>
+                        </m:e>
+                        <m:sub>
+                          <m:r>
+                            <m:rPr>
+                              <m:sty m:val="p"/>
+                            </m:rPr>
+                            <a:rPr lang="en-US" altLang="zh-CN" sz="2400">
+                              <a:latin typeface="Cambria Math" panose="02040503050406030204" pitchFamily="18" charset="0"/>
+                            </a:rPr>
+                            <m:t>ss</m:t>
+                          </m:r>
+                        </m:sub>
+                      </m:sSub>
+                      <m:r>
+                        <a:rPr lang="en-US" altLang="zh-CN" sz="2400" i="1">
+                          <a:latin typeface="Cambria Math" panose="02040503050406030204" pitchFamily="18" charset="0"/>
+                        </a:rPr>
+                        <m:t>=</m:t>
+                      </m:r>
+                      <m:sSub>
+                        <m:sSubPr>
+                          <m:ctrlPr>
+                            <a:rPr lang="zh-CN" altLang="zh-CN" sz="2400" i="1">
+                              <a:latin typeface="Cambria Math" panose="02040503050406030204" pitchFamily="18" charset="0"/>
+                            </a:rPr>
+                          </m:ctrlPr>
+                        </m:sSubPr>
+                        <m:e>
+                          <m:r>
+                            <a:rPr lang="en-US" altLang="zh-CN" sz="2400" i="1">
+                              <a:latin typeface="Cambria Math" panose="02040503050406030204" pitchFamily="18" charset="0"/>
+                            </a:rPr>
+                            <m:t>𝐹</m:t>
+                          </m:r>
+                        </m:e>
+                        <m:sub>
+                          <m:r>
+                            <a:rPr lang="en-US" altLang="zh-CN" sz="2400" i="1">
+                              <a:latin typeface="Cambria Math" panose="02040503050406030204" pitchFamily="18" charset="0"/>
+                            </a:rPr>
+                            <m:t>𝑟</m:t>
+                          </m:r>
+                        </m:sub>
+                      </m:sSub>
+                      <m:r>
+                        <a:rPr lang="en-US" altLang="zh-CN" sz="2400" i="1">
+                          <a:latin typeface="Cambria Math" panose="02040503050406030204" pitchFamily="18" charset="0"/>
+                        </a:rPr>
+                        <m:t>−</m:t>
+                      </m:r>
+                      <m:f>
+                        <m:fPr>
+                          <m:ctrlPr>
+                            <a:rPr lang="zh-CN" altLang="zh-CN" sz="2400" i="1">
+                              <a:latin typeface="Cambria Math" panose="02040503050406030204" pitchFamily="18" charset="0"/>
+                            </a:rPr>
+                          </m:ctrlPr>
+                        </m:fPr>
+                        <m:num>
+                          <m:sSub>
+                            <m:sSubPr>
+                              <m:ctrlPr>
+                                <a:rPr lang="zh-CN" altLang="zh-CN" sz="2400" i="1">
+                                  <a:latin typeface="Cambria Math" panose="02040503050406030204" pitchFamily="18" charset="0"/>
+                                </a:rPr>
+                              </m:ctrlPr>
+                            </m:sSubPr>
+                            <m:e>
+                              <m:r>
+                                <a:rPr lang="en-US" altLang="zh-CN" sz="2400" i="1">
+                                  <a:latin typeface="Cambria Math" panose="02040503050406030204" pitchFamily="18" charset="0"/>
+                                </a:rPr>
+                                <m:t>𝑘</m:t>
+                              </m:r>
+                            </m:e>
+                            <m:sub>
+                              <m:r>
+                                <a:rPr lang="en-US" altLang="zh-CN" sz="2400" i="1">
+                                  <a:latin typeface="Cambria Math" panose="02040503050406030204" pitchFamily="18" charset="0"/>
+                                </a:rPr>
+                                <m:t>𝑑</m:t>
+                              </m:r>
+                            </m:sub>
+                          </m:sSub>
+                          <m:sSub>
+                            <m:sSubPr>
+                              <m:ctrlPr>
+                                <a:rPr lang="zh-CN" altLang="zh-CN" sz="2400" i="1">
+                                  <a:latin typeface="Cambria Math" panose="02040503050406030204" pitchFamily="18" charset="0"/>
+                                </a:rPr>
+                              </m:ctrlPr>
+                            </m:sSubPr>
+                            <m:e>
+                              <m:r>
+                                <a:rPr lang="en-US" altLang="zh-CN" sz="2400" i="1">
+                                  <a:latin typeface="Cambria Math" panose="02040503050406030204" pitchFamily="18" charset="0"/>
+                                </a:rPr>
+                                <m:t>𝑘</m:t>
+                              </m:r>
+                            </m:e>
+                            <m:sub>
+                              <m:r>
+                                <a:rPr lang="en-US" altLang="zh-CN" sz="2400" i="1">
+                                  <a:latin typeface="Cambria Math" panose="02040503050406030204" pitchFamily="18" charset="0"/>
+                                </a:rPr>
+                                <m:t>𝑒</m:t>
+                              </m:r>
+                            </m:sub>
+                          </m:sSub>
+                        </m:num>
+                        <m:den>
+                          <m:sSub>
+                            <m:sSubPr>
+                              <m:ctrlPr>
+                                <a:rPr lang="zh-CN" altLang="zh-CN" sz="2400" i="1">
+                                  <a:latin typeface="Cambria Math" panose="02040503050406030204" pitchFamily="18" charset="0"/>
+                                </a:rPr>
+                              </m:ctrlPr>
+                            </m:sSubPr>
+                            <m:e>
+                              <m:r>
+                                <a:rPr lang="en-US" altLang="zh-CN" sz="2400" i="1">
+                                  <a:latin typeface="Cambria Math" panose="02040503050406030204" pitchFamily="18" charset="0"/>
+                                </a:rPr>
+                                <m:t>𝑘</m:t>
+                              </m:r>
+                            </m:e>
+                            <m:sub>
+                              <m:r>
+                                <a:rPr lang="en-US" altLang="zh-CN" sz="2400" i="1">
+                                  <a:latin typeface="Cambria Math" panose="02040503050406030204" pitchFamily="18" charset="0"/>
+                                </a:rPr>
+                                <m:t>𝑑</m:t>
+                              </m:r>
+                            </m:sub>
+                          </m:sSub>
+                          <m:r>
+                            <a:rPr lang="en-US" altLang="zh-CN" sz="2400" i="1">
+                              <a:latin typeface="Cambria Math" panose="02040503050406030204" pitchFamily="18" charset="0"/>
+                            </a:rPr>
+                            <m:t>+</m:t>
+                          </m:r>
+                          <m:sSub>
+                            <m:sSubPr>
+                              <m:ctrlPr>
+                                <a:rPr lang="zh-CN" altLang="zh-CN" sz="2400" i="1">
+                                  <a:latin typeface="Cambria Math" panose="02040503050406030204" pitchFamily="18" charset="0"/>
+                                </a:rPr>
+                              </m:ctrlPr>
+                            </m:sSubPr>
+                            <m:e>
+                              <m:r>
+                                <a:rPr lang="en-US" altLang="zh-CN" sz="2400" i="1">
+                                  <a:latin typeface="Cambria Math" panose="02040503050406030204" pitchFamily="18" charset="0"/>
+                                </a:rPr>
+                                <m:t>𝑘</m:t>
+                              </m:r>
+                            </m:e>
+                            <m:sub>
+                              <m:r>
+                                <a:rPr lang="en-US" altLang="zh-CN" sz="2400" i="1">
+                                  <a:latin typeface="Cambria Math" panose="02040503050406030204" pitchFamily="18" charset="0"/>
+                                </a:rPr>
+                                <m:t>𝑒</m:t>
+                              </m:r>
+                            </m:sub>
+                          </m:sSub>
+                        </m:den>
+                      </m:f>
+                      <m:r>
+                        <a:rPr lang="en-US" altLang="zh-CN" sz="2400" i="1">
+                          <a:latin typeface="Cambria Math" panose="02040503050406030204" pitchFamily="18" charset="0"/>
+                        </a:rPr>
+                        <m:t>(</m:t>
+                      </m:r>
+                      <m:sSub>
+                        <m:sSubPr>
+                          <m:ctrlPr>
+                            <a:rPr lang="zh-CN" altLang="zh-CN" sz="2400" i="1">
+                              <a:latin typeface="Cambria Math" panose="02040503050406030204" pitchFamily="18" charset="0"/>
+                            </a:rPr>
+                          </m:ctrlPr>
+                        </m:sSubPr>
+                        <m:e>
+                          <m:r>
+                            <a:rPr lang="en-US" altLang="zh-CN" sz="2400" i="1">
+                              <a:latin typeface="Cambria Math" panose="02040503050406030204" pitchFamily="18" charset="0"/>
+                            </a:rPr>
+                            <m:t>𝑥</m:t>
+                          </m:r>
+                        </m:e>
+                        <m:sub>
+                          <m:r>
+                            <a:rPr lang="en-US" altLang="zh-CN" sz="2400" i="1">
+                              <a:latin typeface="Cambria Math" panose="02040503050406030204" pitchFamily="18" charset="0"/>
+                            </a:rPr>
+                            <m:t>𝑟</m:t>
+                          </m:r>
+                        </m:sub>
+                      </m:sSub>
+                      <m:r>
+                        <a:rPr lang="en-US" altLang="zh-CN" sz="2400" i="1">
+                          <a:latin typeface="Cambria Math" panose="02040503050406030204" pitchFamily="18" charset="0"/>
+                        </a:rPr>
+                        <m:t>−</m:t>
+                      </m:r>
+                      <m:sSub>
+                        <m:sSubPr>
+                          <m:ctrlPr>
+                            <a:rPr lang="zh-CN" altLang="zh-CN" sz="2400" i="1">
+                              <a:latin typeface="Cambria Math" panose="02040503050406030204" pitchFamily="18" charset="0"/>
+                            </a:rPr>
+                          </m:ctrlPr>
+                        </m:sSubPr>
+                        <m:e>
+                          <m:r>
+                            <a:rPr lang="en-US" altLang="zh-CN" sz="2400" i="1">
+                              <a:latin typeface="Cambria Math" panose="02040503050406030204" pitchFamily="18" charset="0"/>
+                            </a:rPr>
+                            <m:t>𝑥</m:t>
+                          </m:r>
+                        </m:e>
+                        <m:sub>
+                          <m:r>
+                            <a:rPr lang="en-US" altLang="zh-CN" sz="2400" i="1">
+                              <a:latin typeface="Cambria Math" panose="02040503050406030204" pitchFamily="18" charset="0"/>
+                            </a:rPr>
+                            <m:t>𝑒</m:t>
+                          </m:r>
+                        </m:sub>
+                      </m:sSub>
+                      <m:r>
+                        <a:rPr lang="en-US" altLang="zh-CN" sz="2400" i="1">
+                          <a:latin typeface="Cambria Math" panose="02040503050406030204" pitchFamily="18" charset="0"/>
+                        </a:rPr>
+                        <m:t>)</m:t>
+                      </m:r>
+                    </m:oMath>
+                  </m:oMathPara>
+                </a14:m>
+                <a:endParaRPr lang="zh-CN" altLang="zh-CN" sz="2400" dirty="0"/>
+              </a:p>
+              <a:p>
+                <a:pPr marL="0" indent="0">
+                  <a:buNone/>
+                </a:pPr>
+                <a14:m>
+                  <m:oMathPara xmlns:m="http://schemas.openxmlformats.org/officeDocument/2006/math">
+                    <m:oMathParaPr>
+                      <m:jc m:val="centerGroup"/>
+                    </m:oMathParaPr>
+                    <m:oMath xmlns:m="http://schemas.openxmlformats.org/officeDocument/2006/math">
+                      <m:sSub>
+                        <m:sSubPr>
+                          <m:ctrlPr>
+                            <a:rPr lang="zh-CN" altLang="zh-CN" sz="2400" i="1">
+                              <a:latin typeface="Cambria Math" panose="02040503050406030204" pitchFamily="18" charset="0"/>
+                            </a:rPr>
+                          </m:ctrlPr>
+                        </m:sSubPr>
+                        <m:e>
+                          <m:r>
+                            <a:rPr lang="en-US" altLang="zh-CN" sz="2400" i="1">
+                              <a:latin typeface="Cambria Math" panose="02040503050406030204" pitchFamily="18" charset="0"/>
+                            </a:rPr>
+                            <m:t>𝐹</m:t>
+                          </m:r>
+                        </m:e>
+                        <m:sub>
+                          <m:r>
+                            <m:rPr>
+                              <m:sty m:val="p"/>
+                            </m:rPr>
+                            <a:rPr lang="en-US" altLang="zh-CN" sz="2400">
+                              <a:latin typeface="Cambria Math" panose="02040503050406030204" pitchFamily="18" charset="0"/>
+                            </a:rPr>
+                            <m:t>ss</m:t>
+                          </m:r>
+                        </m:sub>
+                      </m:sSub>
+                      <m:r>
+                        <a:rPr lang="en-US" altLang="zh-CN" sz="2400" i="1">
+                          <a:latin typeface="Cambria Math" panose="02040503050406030204" pitchFamily="18" charset="0"/>
+                        </a:rPr>
+                        <m:t>=</m:t>
+                      </m:r>
+                      <m:f>
+                        <m:fPr>
+                          <m:ctrlPr>
+                            <a:rPr lang="zh-CN" altLang="zh-CN" sz="2400" i="1">
+                              <a:latin typeface="Cambria Math" panose="02040503050406030204" pitchFamily="18" charset="0"/>
+                            </a:rPr>
+                          </m:ctrlPr>
+                        </m:fPr>
+                        <m:num>
+                          <m:sSub>
+                            <m:sSubPr>
+                              <m:ctrlPr>
+                                <a:rPr lang="zh-CN" altLang="zh-CN" sz="2400" i="1">
+                                  <a:latin typeface="Cambria Math" panose="02040503050406030204" pitchFamily="18" charset="0"/>
+                                </a:rPr>
+                              </m:ctrlPr>
+                            </m:sSubPr>
+                            <m:e>
+                              <m:r>
+                                <a:rPr lang="en-US" altLang="zh-CN" sz="2400" i="1">
+                                  <a:latin typeface="Cambria Math" panose="02040503050406030204" pitchFamily="18" charset="0"/>
+                                </a:rPr>
+                                <m:t>𝑘</m:t>
+                              </m:r>
+                            </m:e>
+                            <m:sub>
+                              <m:r>
+                                <a:rPr lang="en-US" altLang="zh-CN" sz="2400" i="1">
+                                  <a:latin typeface="Cambria Math" panose="02040503050406030204" pitchFamily="18" charset="0"/>
+                                </a:rPr>
+                                <m:t>𝑑</m:t>
+                              </m:r>
+                            </m:sub>
+                          </m:sSub>
+                          <m:sSub>
+                            <m:sSubPr>
+                              <m:ctrlPr>
+                                <a:rPr lang="zh-CN" altLang="zh-CN" sz="2400" i="1">
+                                  <a:latin typeface="Cambria Math" panose="02040503050406030204" pitchFamily="18" charset="0"/>
+                                </a:rPr>
+                              </m:ctrlPr>
+                            </m:sSubPr>
+                            <m:e>
+                              <m:r>
+                                <a:rPr lang="en-US" altLang="zh-CN" sz="2400" i="1">
+                                  <a:latin typeface="Cambria Math" panose="02040503050406030204" pitchFamily="18" charset="0"/>
+                                </a:rPr>
+                                <m:t>𝑘</m:t>
+                              </m:r>
+                            </m:e>
+                            <m:sub>
+                              <m:r>
+                                <a:rPr lang="en-US" altLang="zh-CN" sz="2400" i="1">
+                                  <a:latin typeface="Cambria Math" panose="02040503050406030204" pitchFamily="18" charset="0"/>
+                                </a:rPr>
+                                <m:t>𝑒</m:t>
+                              </m:r>
+                            </m:sub>
+                          </m:sSub>
+                        </m:num>
+                        <m:den>
+                          <m:sSub>
+                            <m:sSubPr>
+                              <m:ctrlPr>
+                                <a:rPr lang="zh-CN" altLang="zh-CN" sz="2400" i="1">
+                                  <a:latin typeface="Cambria Math" panose="02040503050406030204" pitchFamily="18" charset="0"/>
+                                </a:rPr>
+                              </m:ctrlPr>
+                            </m:sSubPr>
+                            <m:e>
+                              <m:r>
+                                <a:rPr lang="en-US" altLang="zh-CN" sz="2400" i="1">
+                                  <a:latin typeface="Cambria Math" panose="02040503050406030204" pitchFamily="18" charset="0"/>
+                                </a:rPr>
+                                <m:t>𝑘</m:t>
+                              </m:r>
+                            </m:e>
+                            <m:sub>
+                              <m:r>
+                                <a:rPr lang="en-US" altLang="zh-CN" sz="2400" i="1">
+                                  <a:latin typeface="Cambria Math" panose="02040503050406030204" pitchFamily="18" charset="0"/>
+                                </a:rPr>
+                                <m:t>𝑑</m:t>
+                              </m:r>
+                            </m:sub>
+                          </m:sSub>
+                          <m:r>
+                            <a:rPr lang="en-US" altLang="zh-CN" sz="2400" i="1">
+                              <a:latin typeface="Cambria Math" panose="02040503050406030204" pitchFamily="18" charset="0"/>
+                            </a:rPr>
+                            <m:t>+</m:t>
+                          </m:r>
+                          <m:sSub>
+                            <m:sSubPr>
+                              <m:ctrlPr>
+                                <a:rPr lang="zh-CN" altLang="zh-CN" sz="2400" i="1">
+                                  <a:latin typeface="Cambria Math" panose="02040503050406030204" pitchFamily="18" charset="0"/>
+                                </a:rPr>
+                              </m:ctrlPr>
+                            </m:sSubPr>
+                            <m:e>
+                              <m:r>
+                                <a:rPr lang="en-US" altLang="zh-CN" sz="2400" i="1">
+                                  <a:latin typeface="Cambria Math" panose="02040503050406030204" pitchFamily="18" charset="0"/>
+                                </a:rPr>
+                                <m:t>𝑘</m:t>
+                              </m:r>
+                            </m:e>
+                            <m:sub>
+                              <m:r>
+                                <a:rPr lang="en-US" altLang="zh-CN" sz="2400" i="1">
+                                  <a:latin typeface="Cambria Math" panose="02040503050406030204" pitchFamily="18" charset="0"/>
+                                </a:rPr>
+                                <m:t>𝑒</m:t>
+                              </m:r>
+                            </m:sub>
+                          </m:sSub>
+                        </m:den>
+                      </m:f>
+                      <m:r>
+                        <a:rPr lang="en-US" altLang="zh-CN" sz="2400" i="1">
+                          <a:latin typeface="Cambria Math" panose="02040503050406030204" pitchFamily="18" charset="0"/>
+                        </a:rPr>
+                        <m:t>(</m:t>
+                      </m:r>
+                      <m:sSub>
+                        <m:sSubPr>
+                          <m:ctrlPr>
+                            <a:rPr lang="zh-CN" altLang="zh-CN" sz="2400" i="1">
+                              <a:latin typeface="Cambria Math" panose="02040503050406030204" pitchFamily="18" charset="0"/>
+                            </a:rPr>
+                          </m:ctrlPr>
+                        </m:sSubPr>
+                        <m:e>
+                          <m:r>
+                            <a:rPr lang="en-US" altLang="zh-CN" sz="2400" i="1">
+                              <a:latin typeface="Cambria Math" panose="02040503050406030204" pitchFamily="18" charset="0"/>
+                            </a:rPr>
+                            <m:t>𝑥</m:t>
+                          </m:r>
+                        </m:e>
+                        <m:sub>
+                          <m:r>
+                            <a:rPr lang="en-US" altLang="zh-CN" sz="2400" i="1">
+                              <a:latin typeface="Cambria Math" panose="02040503050406030204" pitchFamily="18" charset="0"/>
+                            </a:rPr>
+                            <m:t>𝑟</m:t>
+                          </m:r>
+                        </m:sub>
+                      </m:sSub>
+                      <m:r>
+                        <a:rPr lang="en-US" altLang="zh-CN" sz="2400" i="1">
+                          <a:latin typeface="Cambria Math" panose="02040503050406030204" pitchFamily="18" charset="0"/>
+                        </a:rPr>
+                        <m:t>−</m:t>
+                      </m:r>
+                      <m:sSub>
+                        <m:sSubPr>
+                          <m:ctrlPr>
+                            <a:rPr lang="zh-CN" altLang="zh-CN" sz="2400" i="1">
+                              <a:latin typeface="Cambria Math" panose="02040503050406030204" pitchFamily="18" charset="0"/>
+                            </a:rPr>
+                          </m:ctrlPr>
+                        </m:sSubPr>
+                        <m:e>
+                          <m:r>
+                            <a:rPr lang="en-US" altLang="zh-CN" sz="2400" i="1">
+                              <a:latin typeface="Cambria Math" panose="02040503050406030204" pitchFamily="18" charset="0"/>
+                            </a:rPr>
+                            <m:t>𝑥</m:t>
+                          </m:r>
+                        </m:e>
+                        <m:sub>
+                          <m:r>
+                            <a:rPr lang="en-US" altLang="zh-CN" sz="2400" i="1">
+                              <a:latin typeface="Cambria Math" panose="02040503050406030204" pitchFamily="18" charset="0"/>
+                            </a:rPr>
+                            <m:t>𝑒</m:t>
+                          </m:r>
+                        </m:sub>
+                      </m:sSub>
+                      <m:r>
+                        <a:rPr lang="en-US" altLang="zh-CN" sz="2400" i="1">
+                          <a:latin typeface="Cambria Math" panose="02040503050406030204" pitchFamily="18" charset="0"/>
+                        </a:rPr>
+                        <m:t>)</m:t>
+                      </m:r>
+                    </m:oMath>
+                  </m:oMathPara>
+                </a14:m>
+                <a:endParaRPr lang="zh-CN" altLang="zh-CN" sz="2400" dirty="0"/>
+              </a:p>
+              <a:p>
+                <a:pPr marL="0" indent="0">
+                  <a:buNone/>
+                </a:pPr>
+                <a:r>
+                  <a:rPr lang="zh-CN" altLang="zh-CN" sz="2400" dirty="0"/>
+                  <a:t>如果存在轨迹修正策略，则当</a:t>
+                </a:r>
+                <a14:m>
+                  <m:oMath xmlns:m="http://schemas.openxmlformats.org/officeDocument/2006/math">
+                    <m:sSub>
+                      <m:sSubPr>
+                        <m:ctrlPr>
+                          <a:rPr lang="zh-CN" altLang="zh-CN" sz="2400" i="1">
+                            <a:latin typeface="Cambria Math" panose="02040503050406030204" pitchFamily="18" charset="0"/>
+                          </a:rPr>
+                        </m:ctrlPr>
+                      </m:sSubPr>
+                      <m:e>
+                        <m:r>
+                          <a:rPr lang="en-US" altLang="zh-CN" sz="2400" i="1">
+                            <a:latin typeface="Cambria Math" panose="02040503050406030204" pitchFamily="18" charset="0"/>
+                          </a:rPr>
+                          <m:t>𝑥</m:t>
+                        </m:r>
+                      </m:e>
+                      <m:sub>
+                        <m:r>
+                          <a:rPr lang="en-US" altLang="zh-CN" sz="2400" i="1">
+                            <a:latin typeface="Cambria Math" panose="02040503050406030204" pitchFamily="18" charset="0"/>
+                          </a:rPr>
+                          <m:t>𝑟</m:t>
+                        </m:r>
+                      </m:sub>
+                    </m:sSub>
+                    <m:r>
+                      <a:rPr lang="en-US" altLang="zh-CN" sz="2400" i="1">
+                        <a:latin typeface="Cambria Math" panose="02040503050406030204" pitchFamily="18" charset="0"/>
+                      </a:rPr>
+                      <m:t>=</m:t>
+                    </m:r>
+                    <m:f>
+                      <m:fPr>
+                        <m:ctrlPr>
+                          <a:rPr lang="zh-CN" altLang="zh-CN" sz="2400" i="1">
+                            <a:latin typeface="Cambria Math" panose="02040503050406030204" pitchFamily="18" charset="0"/>
+                          </a:rPr>
+                        </m:ctrlPr>
+                      </m:fPr>
+                      <m:num>
+                        <m:sSub>
+                          <m:sSubPr>
+                            <m:ctrlPr>
+                              <a:rPr lang="zh-CN" altLang="zh-CN" sz="2400" i="1">
+                                <a:latin typeface="Cambria Math" panose="02040503050406030204" pitchFamily="18" charset="0"/>
+                              </a:rPr>
+                            </m:ctrlPr>
+                          </m:sSubPr>
+                          <m:e>
+                            <m:r>
+                              <a:rPr lang="en-US" altLang="zh-CN" sz="2400" i="1">
+                                <a:latin typeface="Cambria Math" panose="02040503050406030204" pitchFamily="18" charset="0"/>
+                              </a:rPr>
+                              <m:t>𝐹</m:t>
+                            </m:r>
+                          </m:e>
+                          <m:sub>
+                            <m:r>
+                              <a:rPr lang="en-US" altLang="zh-CN" sz="2400" i="1">
+                                <a:latin typeface="Cambria Math" panose="02040503050406030204" pitchFamily="18" charset="0"/>
+                              </a:rPr>
+                              <m:t>𝑟</m:t>
+                            </m:r>
+                          </m:sub>
+                        </m:sSub>
+                      </m:num>
+                      <m:den>
+                        <m:sSub>
+                          <m:sSubPr>
+                            <m:ctrlPr>
+                              <a:rPr lang="zh-CN" altLang="zh-CN" sz="2400" i="1">
+                                <a:latin typeface="Cambria Math" panose="02040503050406030204" pitchFamily="18" charset="0"/>
+                              </a:rPr>
+                            </m:ctrlPr>
+                          </m:sSubPr>
+                          <m:e>
+                            <m:r>
+                              <a:rPr lang="en-US" altLang="zh-CN" sz="2400" i="1">
+                                <a:latin typeface="Cambria Math" panose="02040503050406030204" pitchFamily="18" charset="0"/>
+                              </a:rPr>
+                              <m:t>𝑘</m:t>
+                            </m:r>
+                          </m:e>
+                          <m:sub>
+                            <m:r>
+                              <a:rPr lang="en-US" altLang="zh-CN" sz="2400" i="1">
+                                <a:latin typeface="Cambria Math" panose="02040503050406030204" pitchFamily="18" charset="0"/>
+                              </a:rPr>
+                              <m:t>𝑒𝑞</m:t>
+                            </m:r>
+                          </m:sub>
+                        </m:sSub>
+                      </m:den>
+                    </m:f>
+                    <m:r>
+                      <a:rPr lang="en-US" altLang="zh-CN" sz="2400" i="1">
+                        <a:latin typeface="Cambria Math" panose="02040503050406030204" pitchFamily="18" charset="0"/>
+                      </a:rPr>
+                      <m:t>+</m:t>
+                    </m:r>
+                    <m:sSub>
+                      <m:sSubPr>
+                        <m:ctrlPr>
+                          <a:rPr lang="zh-CN" altLang="zh-CN" sz="2400" i="1">
+                            <a:latin typeface="Cambria Math" panose="02040503050406030204" pitchFamily="18" charset="0"/>
+                          </a:rPr>
+                        </m:ctrlPr>
+                      </m:sSubPr>
+                      <m:e>
+                        <m:r>
+                          <a:rPr lang="en-US" altLang="zh-CN" sz="2400" i="1">
+                            <a:latin typeface="Cambria Math" panose="02040503050406030204" pitchFamily="18" charset="0"/>
+                          </a:rPr>
+                          <m:t>𝑥</m:t>
+                        </m:r>
+                      </m:e>
+                      <m:sub>
+                        <m:r>
+                          <a:rPr lang="en-US" altLang="zh-CN" sz="2400" i="1">
+                            <a:latin typeface="Cambria Math" panose="02040503050406030204" pitchFamily="18" charset="0"/>
+                          </a:rPr>
+                          <m:t>𝑒</m:t>
+                        </m:r>
+                      </m:sub>
+                    </m:sSub>
+                  </m:oMath>
+                </a14:m>
+                <a:r>
+                  <a:rPr lang="zh-CN" altLang="zh-CN" sz="2400" dirty="0"/>
+                  <a:t>时，</a:t>
+                </a:r>
+                <a14:m>
+                  <m:oMath xmlns:m="http://schemas.openxmlformats.org/officeDocument/2006/math">
+                    <m:sSub>
+                      <m:sSubPr>
+                        <m:ctrlPr>
+                          <a:rPr lang="zh-CN" altLang="zh-CN" sz="2400" i="1">
+                            <a:latin typeface="Cambria Math" panose="02040503050406030204" pitchFamily="18" charset="0"/>
+                          </a:rPr>
+                        </m:ctrlPr>
+                      </m:sSubPr>
+                      <m:e>
+                        <m:r>
+                          <a:rPr lang="en-US" altLang="zh-CN" sz="2400" i="1">
+                            <a:latin typeface="Cambria Math" panose="02040503050406030204" pitchFamily="18" charset="0"/>
+                          </a:rPr>
+                          <m:t>𝐹</m:t>
+                        </m:r>
+                      </m:e>
+                      <m:sub>
+                        <m:r>
+                          <m:rPr>
+                            <m:sty m:val="p"/>
+                          </m:rPr>
+                          <a:rPr lang="en-US" altLang="zh-CN" sz="2400">
+                            <a:latin typeface="Cambria Math" panose="02040503050406030204" pitchFamily="18" charset="0"/>
+                          </a:rPr>
+                          <m:t>ss</m:t>
+                        </m:r>
+                      </m:sub>
+                    </m:sSub>
+                    <m:r>
+                      <a:rPr lang="en-US" altLang="zh-CN" sz="2400" i="1">
+                        <a:latin typeface="Cambria Math" panose="02040503050406030204" pitchFamily="18" charset="0"/>
+                      </a:rPr>
+                      <m:t>→</m:t>
+                    </m:r>
+                    <m:sSub>
+                      <m:sSubPr>
+                        <m:ctrlPr>
+                          <a:rPr lang="zh-CN" altLang="zh-CN" sz="2400" i="1">
+                            <a:latin typeface="Cambria Math" panose="02040503050406030204" pitchFamily="18" charset="0"/>
+                          </a:rPr>
+                        </m:ctrlPr>
+                      </m:sSubPr>
+                      <m:e>
+                        <m:r>
+                          <a:rPr lang="en-US" altLang="zh-CN" sz="2400" i="1">
+                            <a:latin typeface="Cambria Math" panose="02040503050406030204" pitchFamily="18" charset="0"/>
+                          </a:rPr>
+                          <m:t>𝐹</m:t>
+                        </m:r>
+                      </m:e>
+                      <m:sub>
+                        <m:r>
+                          <a:rPr lang="en-US" altLang="zh-CN" sz="2400" i="1">
+                            <a:latin typeface="Cambria Math" panose="02040503050406030204" pitchFamily="18" charset="0"/>
+                          </a:rPr>
+                          <m:t>𝑟</m:t>
+                        </m:r>
+                      </m:sub>
+                    </m:sSub>
+                  </m:oMath>
+                </a14:m>
+                <a:r>
+                  <a:rPr lang="zh-CN" altLang="zh-CN" sz="2400" dirty="0"/>
+                  <a:t>，</a:t>
+                </a:r>
+                <a14:m>
+                  <m:oMath xmlns:m="http://schemas.openxmlformats.org/officeDocument/2006/math">
+                    <m:sSub>
+                      <m:sSubPr>
+                        <m:ctrlPr>
+                          <a:rPr lang="zh-CN" altLang="zh-CN" sz="2400" i="1">
+                            <a:latin typeface="Cambria Math" panose="02040503050406030204" pitchFamily="18" charset="0"/>
+                          </a:rPr>
+                        </m:ctrlPr>
+                      </m:sSubPr>
+                      <m:e>
+                        <m:r>
+                          <a:rPr lang="en-US" altLang="zh-CN" sz="2400" i="1">
+                            <a:latin typeface="Cambria Math" panose="02040503050406030204" pitchFamily="18" charset="0"/>
+                          </a:rPr>
+                          <m:t>𝑒</m:t>
+                        </m:r>
+                      </m:e>
+                      <m:sub>
+                        <m:r>
+                          <m:rPr>
+                            <m:sty m:val="p"/>
+                          </m:rPr>
+                          <a:rPr lang="en-US" altLang="zh-CN" sz="2400">
+                            <a:latin typeface="Cambria Math" panose="02040503050406030204" pitchFamily="18" charset="0"/>
+                          </a:rPr>
+                          <m:t>ss</m:t>
+                        </m:r>
+                      </m:sub>
+                    </m:sSub>
+                    <m:r>
+                      <a:rPr lang="en-US" altLang="zh-CN" sz="2400" i="1">
+                        <a:latin typeface="Cambria Math" panose="02040503050406030204" pitchFamily="18" charset="0"/>
+                      </a:rPr>
+                      <m:t>→0</m:t>
+                    </m:r>
+                  </m:oMath>
+                </a14:m>
+                <a:r>
+                  <a:rPr lang="zh-CN" altLang="zh-CN" sz="2400" dirty="0"/>
+                  <a:t>，其中</a:t>
+                </a:r>
+                <a14:m>
+                  <m:oMath xmlns:m="http://schemas.openxmlformats.org/officeDocument/2006/math">
+                    <m:sSub>
+                      <m:sSubPr>
+                        <m:ctrlPr>
+                          <a:rPr lang="zh-CN" altLang="zh-CN" sz="2400" i="1">
+                            <a:latin typeface="Cambria Math" panose="02040503050406030204" pitchFamily="18" charset="0"/>
+                          </a:rPr>
+                        </m:ctrlPr>
+                      </m:sSubPr>
+                      <m:e>
+                        <m:r>
+                          <a:rPr lang="en-US" altLang="zh-CN" sz="2400" i="1">
+                            <a:latin typeface="Cambria Math" panose="02040503050406030204" pitchFamily="18" charset="0"/>
+                          </a:rPr>
+                          <m:t>𝑘</m:t>
+                        </m:r>
+                      </m:e>
+                      <m:sub>
+                        <m:r>
+                          <a:rPr lang="en-US" altLang="zh-CN" sz="2400" i="1">
+                            <a:latin typeface="Cambria Math" panose="02040503050406030204" pitchFamily="18" charset="0"/>
+                          </a:rPr>
+                          <m:t>𝑒𝑞</m:t>
+                        </m:r>
+                      </m:sub>
+                    </m:sSub>
+                    <m:r>
+                      <a:rPr lang="en-US" altLang="zh-CN" sz="2400" i="1">
+                        <a:latin typeface="Cambria Math" panose="02040503050406030204" pitchFamily="18" charset="0"/>
+                      </a:rPr>
+                      <m:t>=</m:t>
+                    </m:r>
+                    <m:f>
+                      <m:fPr>
+                        <m:ctrlPr>
+                          <a:rPr lang="zh-CN" altLang="zh-CN" sz="2400" i="1">
+                            <a:latin typeface="Cambria Math" panose="02040503050406030204" pitchFamily="18" charset="0"/>
+                          </a:rPr>
+                        </m:ctrlPr>
+                      </m:fPr>
+                      <m:num>
+                        <m:sSub>
+                          <m:sSubPr>
+                            <m:ctrlPr>
+                              <a:rPr lang="zh-CN" altLang="zh-CN" sz="2400" i="1">
+                                <a:latin typeface="Cambria Math" panose="02040503050406030204" pitchFamily="18" charset="0"/>
+                              </a:rPr>
+                            </m:ctrlPr>
+                          </m:sSubPr>
+                          <m:e>
+                            <m:r>
+                              <a:rPr lang="en-US" altLang="zh-CN" sz="2400" i="1">
+                                <a:latin typeface="Cambria Math" panose="02040503050406030204" pitchFamily="18" charset="0"/>
+                              </a:rPr>
+                              <m:t>𝑘</m:t>
+                            </m:r>
+                          </m:e>
+                          <m:sub>
+                            <m:r>
+                              <a:rPr lang="en-US" altLang="zh-CN" sz="2400" i="1">
+                                <a:latin typeface="Cambria Math" panose="02040503050406030204" pitchFamily="18" charset="0"/>
+                              </a:rPr>
+                              <m:t>𝑑</m:t>
+                            </m:r>
+                          </m:sub>
+                        </m:sSub>
+                        <m:sSub>
+                          <m:sSubPr>
+                            <m:ctrlPr>
+                              <a:rPr lang="zh-CN" altLang="zh-CN" sz="2400" i="1">
+                                <a:latin typeface="Cambria Math" panose="02040503050406030204" pitchFamily="18" charset="0"/>
+                              </a:rPr>
+                            </m:ctrlPr>
+                          </m:sSubPr>
+                          <m:e>
+                            <m:r>
+                              <a:rPr lang="en-US" altLang="zh-CN" sz="2400" i="1">
+                                <a:latin typeface="Cambria Math" panose="02040503050406030204" pitchFamily="18" charset="0"/>
+                              </a:rPr>
+                              <m:t>𝑘</m:t>
+                            </m:r>
+                          </m:e>
+                          <m:sub>
+                            <m:r>
+                              <a:rPr lang="en-US" altLang="zh-CN" sz="2400" i="1">
+                                <a:latin typeface="Cambria Math" panose="02040503050406030204" pitchFamily="18" charset="0"/>
+                              </a:rPr>
+                              <m:t>𝑒</m:t>
+                            </m:r>
+                          </m:sub>
+                        </m:sSub>
+                      </m:num>
+                      <m:den>
+                        <m:sSub>
+                          <m:sSubPr>
+                            <m:ctrlPr>
+                              <a:rPr lang="zh-CN" altLang="zh-CN" sz="2400" i="1">
+                                <a:latin typeface="Cambria Math" panose="02040503050406030204" pitchFamily="18" charset="0"/>
+                              </a:rPr>
+                            </m:ctrlPr>
+                          </m:sSubPr>
+                          <m:e>
+                            <m:r>
+                              <a:rPr lang="en-US" altLang="zh-CN" sz="2400" i="1">
+                                <a:latin typeface="Cambria Math" panose="02040503050406030204" pitchFamily="18" charset="0"/>
+                              </a:rPr>
+                              <m:t>𝑘</m:t>
+                            </m:r>
+                          </m:e>
+                          <m:sub>
+                            <m:r>
+                              <a:rPr lang="en-US" altLang="zh-CN" sz="2400" i="1">
+                                <a:latin typeface="Cambria Math" panose="02040503050406030204" pitchFamily="18" charset="0"/>
+                              </a:rPr>
+                              <m:t>𝑑</m:t>
+                            </m:r>
+                          </m:sub>
+                        </m:sSub>
+                        <m:r>
+                          <a:rPr lang="en-US" altLang="zh-CN" sz="2400" i="1">
+                            <a:latin typeface="Cambria Math" panose="02040503050406030204" pitchFamily="18" charset="0"/>
+                          </a:rPr>
+                          <m:t>+</m:t>
+                        </m:r>
+                        <m:sSub>
+                          <m:sSubPr>
+                            <m:ctrlPr>
+                              <a:rPr lang="zh-CN" altLang="zh-CN" sz="2400" i="1">
+                                <a:latin typeface="Cambria Math" panose="02040503050406030204" pitchFamily="18" charset="0"/>
+                              </a:rPr>
+                            </m:ctrlPr>
+                          </m:sSubPr>
+                          <m:e>
+                            <m:r>
+                              <a:rPr lang="en-US" altLang="zh-CN" sz="2400" i="1">
+                                <a:latin typeface="Cambria Math" panose="02040503050406030204" pitchFamily="18" charset="0"/>
+                              </a:rPr>
+                              <m:t>𝑘</m:t>
+                            </m:r>
+                          </m:e>
+                          <m:sub>
+                            <m:r>
+                              <a:rPr lang="en-US" altLang="zh-CN" sz="2400" i="1">
+                                <a:latin typeface="Cambria Math" panose="02040503050406030204" pitchFamily="18" charset="0"/>
+                              </a:rPr>
+                              <m:t>𝑒</m:t>
+                            </m:r>
+                          </m:sub>
+                        </m:sSub>
+                      </m:den>
+                    </m:f>
+                  </m:oMath>
+                </a14:m>
+                <a:endParaRPr lang="zh-CN" altLang="zh-CN" sz="2400" dirty="0"/>
+              </a:p>
+              <a:p>
+                <a:pPr marL="0" indent="0">
+                  <a:buNone/>
+                </a:pPr>
+                <a:r>
+                  <a:rPr lang="zh-CN" altLang="zh-CN" sz="2400" dirty="0"/>
+                  <a:t>式中：</a:t>
+                </a:r>
+                <a14:m>
+                  <m:oMath xmlns:m="http://schemas.openxmlformats.org/officeDocument/2006/math">
+                    <m:sSub>
+                      <m:sSubPr>
+                        <m:ctrlPr>
+                          <a:rPr lang="zh-CN" altLang="zh-CN" sz="2400" i="1">
+                            <a:latin typeface="Cambria Math" panose="02040503050406030204" pitchFamily="18" charset="0"/>
+                          </a:rPr>
+                        </m:ctrlPr>
+                      </m:sSubPr>
+                      <m:e>
+                        <m:r>
+                          <a:rPr lang="en-US" altLang="zh-CN" sz="2400" i="1">
+                            <a:latin typeface="Cambria Math" panose="02040503050406030204" pitchFamily="18" charset="0"/>
+                          </a:rPr>
+                          <m:t>𝑒</m:t>
+                        </m:r>
+                      </m:e>
+                      <m:sub>
+                        <m:r>
+                          <m:rPr>
+                            <m:sty m:val="p"/>
+                          </m:rPr>
+                          <a:rPr lang="en-US" altLang="zh-CN" sz="2400">
+                            <a:latin typeface="Cambria Math" panose="02040503050406030204" pitchFamily="18" charset="0"/>
+                          </a:rPr>
+                          <m:t>ss</m:t>
+                        </m:r>
+                      </m:sub>
+                    </m:sSub>
+                  </m:oMath>
+                </a14:m>
+                <a:r>
+                  <a:rPr lang="zh-CN" altLang="zh-CN" sz="2400" dirty="0"/>
+                  <a:t>为稳态误差，</a:t>
+                </a:r>
+                <a14:m>
+                  <m:oMath xmlns:m="http://schemas.openxmlformats.org/officeDocument/2006/math">
+                    <m:sSub>
+                      <m:sSubPr>
+                        <m:ctrlPr>
+                          <a:rPr lang="zh-CN" altLang="zh-CN" sz="2400" i="1">
+                            <a:latin typeface="Cambria Math" panose="02040503050406030204" pitchFamily="18" charset="0"/>
+                          </a:rPr>
+                        </m:ctrlPr>
+                      </m:sSubPr>
+                      <m:e>
+                        <m:r>
+                          <a:rPr lang="en-US" altLang="zh-CN" sz="2400" i="1">
+                            <a:latin typeface="Cambria Math" panose="02040503050406030204" pitchFamily="18" charset="0"/>
+                          </a:rPr>
+                          <m:t>𝐹</m:t>
+                        </m:r>
+                      </m:e>
+                      <m:sub>
+                        <m:r>
+                          <m:rPr>
+                            <m:sty m:val="p"/>
+                          </m:rPr>
+                          <a:rPr lang="en-US" altLang="zh-CN" sz="2400">
+                            <a:latin typeface="Cambria Math" panose="02040503050406030204" pitchFamily="18" charset="0"/>
+                          </a:rPr>
+                          <m:t>ss</m:t>
+                        </m:r>
+                      </m:sub>
+                    </m:sSub>
+                  </m:oMath>
+                </a14:m>
+                <a:r>
+                  <a:rPr lang="zh-CN" altLang="zh-CN" sz="2400" dirty="0"/>
+                  <a:t>为稳态脚力，</a:t>
+                </a:r>
+                <a14:m>
+                  <m:oMath xmlns:m="http://schemas.openxmlformats.org/officeDocument/2006/math">
+                    <m:sSub>
+                      <m:sSubPr>
+                        <m:ctrlPr>
+                          <a:rPr lang="zh-CN" altLang="zh-CN" sz="2400" i="1">
+                            <a:latin typeface="Cambria Math" panose="02040503050406030204" pitchFamily="18" charset="0"/>
+                          </a:rPr>
+                        </m:ctrlPr>
+                      </m:sSubPr>
+                      <m:e>
+                        <m:r>
+                          <a:rPr lang="en-US" altLang="zh-CN" sz="2400" i="1">
+                            <a:latin typeface="Cambria Math" panose="02040503050406030204" pitchFamily="18" charset="0"/>
+                          </a:rPr>
+                          <m:t>𝑘</m:t>
+                        </m:r>
+                      </m:e>
+                      <m:sub>
+                        <m:r>
+                          <a:rPr lang="en-US" altLang="zh-CN" sz="2400" i="1">
+                            <a:latin typeface="Cambria Math" panose="02040503050406030204" pitchFamily="18" charset="0"/>
+                          </a:rPr>
+                          <m:t>𝑒𝑞</m:t>
+                        </m:r>
+                      </m:sub>
+                    </m:sSub>
+                  </m:oMath>
+                </a14:m>
+                <a:r>
+                  <a:rPr lang="zh-CN" altLang="zh-CN" sz="2400" dirty="0"/>
+                  <a:t>为等效刚度。</a:t>
+                </a:r>
+                <a:endParaRPr lang="zh-CN" altLang="en-US" sz="2400" dirty="0"/>
+              </a:p>
+            </p:txBody>
+          </p:sp>
+        </mc:Choice>
+        <mc:Fallback xmlns="">
+          <p:sp>
+            <p:nvSpPr>
+              <p:cNvPr id="3" name="内容占位符 2"/>
+              <p:cNvSpPr>
+                <a:spLocks noGrp="1" noRot="1" noChangeAspect="1" noMove="1" noResize="1" noEditPoints="1" noAdjustHandles="1" noChangeArrowheads="1" noChangeShapeType="1" noTextEdit="1"/>
+              </p:cNvSpPr>
+              <p:nvPr>
+                <p:ph idx="1"/>
+              </p:nvPr>
+            </p:nvSpPr>
+            <p:spPr>
+              <a:blipFill rotWithShape="0">
+                <a:blip r:embed="rId2"/>
+                <a:stretch>
+                  <a:fillRect l="-1185" b="-842"/>
+                </a:stretch>
+              </a:blipFill>
+            </p:spPr>
+            <p:txBody>
+              <a:bodyPr/>
+              <a:lstStyle/>
+              <a:p>
+                <a:r>
+                  <a:rPr lang="zh-CN" altLang="en-US">
+                    <a:noFill/>
+                  </a:rPr>
+                  <a:t> </a:t>
+                </a:r>
+              </a:p>
+            </p:txBody>
+          </p:sp>
+        </mc:Fallback>
+      </mc:AlternateContent>
+    </p:spTree>
+    <p:extLst>
+      <p:ext uri="{BB962C8B-B14F-4D97-AF65-F5344CB8AC3E}">
+        <p14:creationId xmlns:p14="http://schemas.microsoft.com/office/powerpoint/2010/main" val="572910648"/>
+      </p:ext>
+    </p:extLst>
+  </p:cSld>
+  <p:clrMapOvr>
+    <a:masterClrMapping/>
+  </p:clrMapOvr>
+</p:sld>
+</file>
+
+<file path=ppt/slides/slide46.xml><?xml version="1.0" encoding="utf-8"?>
+<p:sld xmlns:a="http://schemas.openxmlformats.org/drawingml/2006/main" xmlns:r="http://schemas.openxmlformats.org/officeDocument/2006/relationships" xmlns:p="http://schemas.openxmlformats.org/presentationml/2006/main">
+  <p:cSld>
+    <p:spTree>
+      <p:nvGrpSpPr>
+        <p:cNvPr id="1" name=""/>
+        <p:cNvGrpSpPr/>
+        <p:nvPr/>
+      </p:nvGrpSpPr>
+      <p:grpSpPr>
+        <a:xfrm>
+          <a:off x="0" y="0"/>
+          <a:ext cx="0" cy="0"/>
+          <a:chOff x="0" y="0"/>
+          <a:chExt cx="0" cy="0"/>
+        </a:xfrm>
+      </p:grpSpPr>
+      <p:sp>
+        <p:nvSpPr>
+          <p:cNvPr id="2" name="标题 1"/>
+          <p:cNvSpPr>
+            <a:spLocks noGrp="1"/>
+          </p:cNvSpPr>
+          <p:nvPr>
+            <p:ph type="title"/>
+          </p:nvPr>
+        </p:nvSpPr>
+        <p:spPr/>
+        <p:txBody>
+          <a:bodyPr/>
+          <a:lstStyle/>
+          <a:p>
+            <a:r>
+              <a:rPr lang="zh-CN" altLang="en-US" dirty="0"/>
+              <a:t> </a:t>
+            </a:r>
+            <a:r>
+              <a:rPr lang="zh-CN" altLang="en-US" dirty="0" smtClean="0"/>
+              <a:t>        应用</a:t>
+            </a:r>
+            <a:r>
+              <a:rPr lang="zh-CN" altLang="en-US" dirty="0"/>
+              <a:t>二：</a:t>
+            </a:r>
+            <a:r>
+              <a:rPr lang="zh-CN" altLang="zh-CN" dirty="0" smtClean="0"/>
+              <a:t>六</a:t>
+            </a:r>
+            <a:r>
+              <a:rPr lang="zh-CN" altLang="zh-CN" dirty="0"/>
+              <a:t>足机器人腿部柔顺控制</a:t>
+            </a:r>
+            <a:endParaRPr lang="zh-CN" altLang="en-US" dirty="0"/>
+          </a:p>
+        </p:txBody>
+      </p:sp>
+      <mc:AlternateContent xmlns:mc="http://schemas.openxmlformats.org/markup-compatibility/2006" xmlns:a14="http://schemas.microsoft.com/office/drawing/2010/main">
+        <mc:Choice Requires="a14">
+          <p:sp>
+            <p:nvSpPr>
+              <p:cNvPr id="3" name="内容占位符 2"/>
+              <p:cNvSpPr>
+                <a:spLocks noGrp="1"/>
+              </p:cNvSpPr>
+              <p:nvPr>
+                <p:ph idx="1"/>
+              </p:nvPr>
+            </p:nvSpPr>
+            <p:spPr/>
+            <p:txBody>
+              <a:bodyPr/>
+              <a:lstStyle/>
+              <a:p>
+                <a:pPr marL="0" indent="0">
+                  <a:buNone/>
+                </a:pPr>
+                <a14:m>
+                  <m:oMath xmlns:m="http://schemas.openxmlformats.org/officeDocument/2006/math">
+                    <m:sSub>
+                      <m:sSubPr>
+                        <m:ctrlPr>
+                          <a:rPr lang="zh-CN" altLang="zh-CN" i="1">
+                            <a:latin typeface="Cambria Math" panose="02040503050406030204" pitchFamily="18" charset="0"/>
+                          </a:rPr>
+                        </m:ctrlPr>
+                      </m:sSubPr>
+                      <m:e>
+                        <m:r>
+                          <a:rPr lang="en-US" altLang="zh-CN" i="1">
+                            <a:latin typeface="Cambria Math" panose="02040503050406030204" pitchFamily="18" charset="0"/>
+                          </a:rPr>
+                          <m:t>𝑘</m:t>
+                        </m:r>
+                      </m:e>
+                      <m:sub>
+                        <m:r>
+                          <a:rPr lang="en-US" altLang="zh-CN" i="1">
+                            <a:latin typeface="Cambria Math" panose="02040503050406030204" pitchFamily="18" charset="0"/>
+                          </a:rPr>
+                          <m:t>𝑒𝑞</m:t>
+                        </m:r>
+                      </m:sub>
+                    </m:sSub>
+                  </m:oMath>
+                </a14:m>
+                <a:r>
+                  <a:rPr lang="zh-CN" altLang="zh-CN" dirty="0"/>
+                  <a:t>和</a:t>
+                </a:r>
+                <a14:m>
+                  <m:oMath xmlns:m="http://schemas.openxmlformats.org/officeDocument/2006/math">
+                    <m:sSub>
+                      <m:sSubPr>
+                        <m:ctrlPr>
+                          <a:rPr lang="zh-CN" altLang="zh-CN" i="1">
+                            <a:latin typeface="Cambria Math" panose="02040503050406030204" pitchFamily="18" charset="0"/>
+                          </a:rPr>
+                        </m:ctrlPr>
+                      </m:sSubPr>
+                      <m:e>
+                        <m:r>
+                          <a:rPr lang="en-US" altLang="zh-CN" i="1">
+                            <a:latin typeface="Cambria Math" panose="02040503050406030204" pitchFamily="18" charset="0"/>
+                          </a:rPr>
+                          <m:t>𝑥</m:t>
+                        </m:r>
+                      </m:e>
+                      <m:sub>
+                        <m:r>
+                          <a:rPr lang="en-US" altLang="zh-CN" i="1">
+                            <a:latin typeface="Cambria Math" panose="02040503050406030204" pitchFamily="18" charset="0"/>
+                          </a:rPr>
+                          <m:t>𝑒</m:t>
+                        </m:r>
+                      </m:sub>
+                    </m:sSub>
+                  </m:oMath>
+                </a14:m>
+                <a:r>
+                  <a:rPr lang="zh-CN" altLang="zh-CN" dirty="0"/>
+                  <a:t>均为未知量，且难以测量。使用自适应</a:t>
+                </a:r>
+                <a:r>
+                  <a:rPr lang="en-US" altLang="zh-CN" dirty="0"/>
+                  <a:t>-</a:t>
+                </a:r>
+                <a:r>
+                  <a:rPr lang="zh-CN" altLang="zh-CN" dirty="0"/>
+                  <a:t>模糊控制算法来估算</a:t>
+                </a:r>
+                <a14:m>
+                  <m:oMath xmlns:m="http://schemas.openxmlformats.org/officeDocument/2006/math">
+                    <m:sSub>
+                      <m:sSubPr>
+                        <m:ctrlPr>
+                          <a:rPr lang="zh-CN" altLang="zh-CN" i="1">
+                            <a:latin typeface="Cambria Math" panose="02040503050406030204" pitchFamily="18" charset="0"/>
+                          </a:rPr>
+                        </m:ctrlPr>
+                      </m:sSubPr>
+                      <m:e>
+                        <m:r>
+                          <a:rPr lang="en-US" altLang="zh-CN" i="1">
+                            <a:latin typeface="Cambria Math" panose="02040503050406030204" pitchFamily="18" charset="0"/>
+                          </a:rPr>
+                          <m:t>𝑘</m:t>
+                        </m:r>
+                      </m:e>
+                      <m:sub>
+                        <m:r>
+                          <a:rPr lang="en-US" altLang="zh-CN" i="1">
+                            <a:latin typeface="Cambria Math" panose="02040503050406030204" pitchFamily="18" charset="0"/>
+                          </a:rPr>
+                          <m:t>𝑒𝑞</m:t>
+                        </m:r>
+                      </m:sub>
+                    </m:sSub>
+                  </m:oMath>
+                </a14:m>
+                <a:r>
+                  <a:rPr lang="zh-CN" altLang="zh-CN" dirty="0"/>
+                  <a:t>和</a:t>
+                </a:r>
+                <a14:m>
+                  <m:oMath xmlns:m="http://schemas.openxmlformats.org/officeDocument/2006/math">
+                    <m:sSub>
+                      <m:sSubPr>
+                        <m:ctrlPr>
+                          <a:rPr lang="zh-CN" altLang="zh-CN" i="1">
+                            <a:latin typeface="Cambria Math" panose="02040503050406030204" pitchFamily="18" charset="0"/>
+                          </a:rPr>
+                        </m:ctrlPr>
+                      </m:sSubPr>
+                      <m:e>
+                        <m:r>
+                          <a:rPr lang="en-US" altLang="zh-CN" i="1">
+                            <a:latin typeface="Cambria Math" panose="02040503050406030204" pitchFamily="18" charset="0"/>
+                          </a:rPr>
+                          <m:t>𝑥</m:t>
+                        </m:r>
+                      </m:e>
+                      <m:sub>
+                        <m:r>
+                          <a:rPr lang="en-US" altLang="zh-CN" i="1">
+                            <a:latin typeface="Cambria Math" panose="02040503050406030204" pitchFamily="18" charset="0"/>
+                          </a:rPr>
+                          <m:t>𝑒</m:t>
+                        </m:r>
+                      </m:sub>
+                    </m:sSub>
+                  </m:oMath>
+                </a14:m>
+                <a:r>
+                  <a:rPr lang="zh-CN" altLang="zh-CN" dirty="0"/>
+                  <a:t>。</a:t>
+                </a:r>
+                <a:endParaRPr lang="zh-CN" altLang="en-US" dirty="0"/>
+              </a:p>
+            </p:txBody>
+          </p:sp>
+        </mc:Choice>
+        <mc:Fallback xmlns="">
+          <p:sp>
+            <p:nvSpPr>
+              <p:cNvPr id="3" name="内容占位符 2"/>
+              <p:cNvSpPr>
+                <a:spLocks noGrp="1" noRot="1" noChangeAspect="1" noMove="1" noResize="1" noEditPoints="1" noAdjustHandles="1" noChangeArrowheads="1" noChangeShapeType="1" noTextEdit="1"/>
+              </p:cNvSpPr>
+              <p:nvPr>
+                <p:ph idx="1"/>
+              </p:nvPr>
+            </p:nvSpPr>
+            <p:spPr>
+              <a:blipFill rotWithShape="0">
+                <a:blip r:embed="rId2"/>
+                <a:stretch>
+                  <a:fillRect l="-1556" t="-963" r="-1111"/>
+                </a:stretch>
+              </a:blipFill>
+            </p:spPr>
+            <p:txBody>
+              <a:bodyPr/>
+              <a:lstStyle/>
+              <a:p>
+                <a:r>
+                  <a:rPr lang="zh-CN" altLang="en-US">
+                    <a:noFill/>
+                  </a:rPr>
+                  <a:t> </a:t>
+                </a:r>
+              </a:p>
+            </p:txBody>
+          </p:sp>
+        </mc:Fallback>
+      </mc:AlternateContent>
+      <p:pic>
+        <p:nvPicPr>
+          <p:cNvPr id="5" name="图片 4"/>
+          <p:cNvPicPr>
+            <a:picLocks noChangeAspect="1"/>
+          </p:cNvPicPr>
+          <p:nvPr/>
+        </p:nvPicPr>
+        <p:blipFill>
+          <a:blip r:embed="rId3"/>
+          <a:stretch>
+            <a:fillRect/>
+          </a:stretch>
+        </p:blipFill>
+        <p:spPr>
+          <a:xfrm>
+            <a:off x="719137" y="2780928"/>
+            <a:ext cx="7705725" cy="2514600"/>
+          </a:xfrm>
+          <a:prstGeom prst="rect">
+            <a:avLst/>
+          </a:prstGeom>
+        </p:spPr>
+      </p:pic>
+    </p:spTree>
+    <p:extLst>
+      <p:ext uri="{BB962C8B-B14F-4D97-AF65-F5344CB8AC3E}">
+        <p14:creationId xmlns:p14="http://schemas.microsoft.com/office/powerpoint/2010/main" val="2995867260"/>
+      </p:ext>
+    </p:extLst>
+  </p:cSld>
+  <p:clrMapOvr>
+    <a:masterClrMapping/>
+  </p:clrMapOvr>
+</p:sld>
+</file>
+
+<file path=ppt/slides/slide47.xml><?xml version="1.0" encoding="utf-8"?>
+<p:sld xmlns:a="http://schemas.openxmlformats.org/drawingml/2006/main" xmlns:r="http://schemas.openxmlformats.org/officeDocument/2006/relationships" xmlns:p="http://schemas.openxmlformats.org/presentationml/2006/main">
+  <p:cSld>
+    <p:spTree>
+      <p:nvGrpSpPr>
+        <p:cNvPr id="1" name=""/>
+        <p:cNvGrpSpPr/>
+        <p:nvPr/>
+      </p:nvGrpSpPr>
+      <p:grpSpPr>
+        <a:xfrm>
+          <a:off x="0" y="0"/>
+          <a:ext cx="0" cy="0"/>
+          <a:chOff x="0" y="0"/>
+          <a:chExt cx="0" cy="0"/>
+        </a:xfrm>
+      </p:grpSpPr>
+      <p:sp>
+        <p:nvSpPr>
+          <p:cNvPr id="2" name="标题 1"/>
+          <p:cNvSpPr>
+            <a:spLocks noGrp="1"/>
+          </p:cNvSpPr>
+          <p:nvPr>
+            <p:ph type="title"/>
+          </p:nvPr>
+        </p:nvSpPr>
+        <p:spPr/>
+        <p:txBody>
+          <a:bodyPr/>
+          <a:lstStyle/>
+          <a:p>
+            <a:r>
+              <a:rPr lang="zh-CN" altLang="en-US" dirty="0" smtClean="0"/>
+              <a:t>参考文献</a:t>
+            </a:r>
+            <a:endParaRPr lang="zh-CN" altLang="en-US" dirty="0"/>
+          </a:p>
+        </p:txBody>
+      </p:sp>
+      <p:sp>
+        <p:nvSpPr>
+          <p:cNvPr id="3" name="内容占位符 2"/>
+          <p:cNvSpPr>
+            <a:spLocks noGrp="1"/>
+          </p:cNvSpPr>
+          <p:nvPr>
+            <p:ph idx="1"/>
+          </p:nvPr>
+        </p:nvSpPr>
+        <p:spPr/>
+        <p:txBody>
+          <a:bodyPr/>
+          <a:lstStyle/>
+          <a:p>
+            <a:pPr marL="0" indent="0">
+              <a:buNone/>
+            </a:pPr>
+            <a:r>
+              <a:rPr lang="en-US" altLang="zh-CN" sz="2400" dirty="0"/>
+              <a:t>[1]</a:t>
+            </a:r>
+            <a:r>
+              <a:rPr lang="zh-CN" altLang="zh-CN" sz="2400" dirty="0"/>
+              <a:t>李鹏</a:t>
+            </a:r>
+            <a:r>
+              <a:rPr lang="en-US" altLang="zh-CN" sz="2400" dirty="0"/>
+              <a:t>. </a:t>
+            </a:r>
+            <a:r>
+              <a:rPr lang="zh-CN" altLang="zh-CN" sz="2400" dirty="0"/>
+              <a:t>传统和高阶滑模控制研究及其应用</a:t>
+            </a:r>
+            <a:r>
+              <a:rPr lang="en-US" altLang="zh-CN" sz="2400" dirty="0"/>
+              <a:t>[D].</a:t>
+            </a:r>
+            <a:r>
+              <a:rPr lang="zh-CN" altLang="zh-CN" sz="2400" dirty="0"/>
+              <a:t>国防科学技术大学</a:t>
+            </a:r>
+            <a:r>
+              <a:rPr lang="en-US" altLang="zh-CN" sz="2400" dirty="0"/>
+              <a:t>,2011.</a:t>
+            </a:r>
+            <a:endParaRPr lang="zh-CN" altLang="zh-CN" sz="2400" dirty="0"/>
+          </a:p>
+          <a:p>
+            <a:pPr marL="0" indent="0">
+              <a:buNone/>
+            </a:pPr>
+            <a:r>
+              <a:rPr lang="en-US" altLang="zh-CN" sz="2400" dirty="0"/>
+              <a:t>[2]</a:t>
+            </a:r>
+            <a:r>
+              <a:rPr lang="zh-CN" altLang="zh-CN" sz="2400" dirty="0"/>
+              <a:t>赵永胜</a:t>
+            </a:r>
+            <a:r>
+              <a:rPr lang="en-US" altLang="zh-CN" sz="2400" dirty="0"/>
+              <a:t>. </a:t>
+            </a:r>
+            <a:r>
+              <a:rPr lang="zh-CN" altLang="zh-CN" sz="2400" dirty="0"/>
+              <a:t>模糊滑模控制及其在机电系统中应用的研究</a:t>
+            </a:r>
+            <a:r>
+              <a:rPr lang="en-US" altLang="zh-CN" sz="2400" dirty="0"/>
+              <a:t>[D].</a:t>
+            </a:r>
+            <a:r>
+              <a:rPr lang="zh-CN" altLang="zh-CN" sz="2400" dirty="0"/>
+              <a:t>华中科技大学</a:t>
+            </a:r>
+            <a:r>
+              <a:rPr lang="en-US" altLang="zh-CN" sz="2400" dirty="0"/>
+              <a:t>,2007.</a:t>
+            </a:r>
+            <a:endParaRPr lang="zh-CN" altLang="zh-CN" sz="2400" dirty="0"/>
+          </a:p>
+          <a:p>
+            <a:pPr marL="0" indent="0">
+              <a:buNone/>
+            </a:pPr>
+            <a:r>
+              <a:rPr lang="en-US" altLang="zh-CN" sz="2400" dirty="0"/>
+              <a:t>[3]</a:t>
+            </a:r>
+            <a:r>
+              <a:rPr lang="zh-CN" altLang="zh-CN" sz="2400" dirty="0"/>
+              <a:t>傅春</a:t>
+            </a:r>
+            <a:r>
+              <a:rPr lang="en-US" altLang="zh-CN" sz="2400" dirty="0"/>
+              <a:t>,</a:t>
+            </a:r>
+            <a:r>
+              <a:rPr lang="zh-CN" altLang="zh-CN" sz="2400" dirty="0"/>
+              <a:t>谢剑英</a:t>
+            </a:r>
+            <a:r>
+              <a:rPr lang="en-US" altLang="zh-CN" sz="2400" dirty="0"/>
+              <a:t>. </a:t>
+            </a:r>
+            <a:r>
+              <a:rPr lang="zh-CN" altLang="zh-CN" sz="2400" dirty="0"/>
+              <a:t>模糊滑模控制研究综述</a:t>
+            </a:r>
+            <a:r>
+              <a:rPr lang="en-US" altLang="zh-CN" sz="2400" dirty="0"/>
+              <a:t>[J]. </a:t>
+            </a:r>
+            <a:r>
+              <a:rPr lang="zh-CN" altLang="zh-CN" sz="2400" dirty="0"/>
+              <a:t>信息与控制</a:t>
+            </a:r>
+            <a:r>
+              <a:rPr lang="en-US" altLang="zh-CN" sz="2400" dirty="0"/>
+              <a:t>,2001,(05):434-439+455.</a:t>
+            </a:r>
+            <a:endParaRPr lang="zh-CN" altLang="zh-CN" sz="2400" dirty="0"/>
+          </a:p>
+          <a:p>
+            <a:pPr marL="0" indent="0">
+              <a:buNone/>
+            </a:pPr>
+            <a:r>
+              <a:rPr lang="en-US" altLang="zh-CN" sz="2400" dirty="0"/>
+              <a:t>[4]</a:t>
+            </a:r>
+            <a:r>
+              <a:rPr lang="zh-CN" altLang="zh-CN" sz="2400" dirty="0"/>
+              <a:t>陈磊</a:t>
+            </a:r>
+            <a:r>
+              <a:rPr lang="en-US" altLang="zh-CN" sz="2400" dirty="0"/>
+              <a:t>,</a:t>
+            </a:r>
+            <a:r>
+              <a:rPr lang="zh-CN" altLang="zh-CN" sz="2400" dirty="0"/>
+              <a:t>张国良</a:t>
+            </a:r>
+            <a:r>
+              <a:rPr lang="en-US" altLang="zh-CN" sz="2400" dirty="0"/>
+              <a:t>,</a:t>
+            </a:r>
+            <a:r>
+              <a:rPr lang="zh-CN" altLang="zh-CN" sz="2400" dirty="0"/>
+              <a:t>张维平</a:t>
+            </a:r>
+            <a:r>
+              <a:rPr lang="en-US" altLang="zh-CN" sz="2400" dirty="0"/>
+              <a:t>,</a:t>
+            </a:r>
+            <a:r>
+              <a:rPr lang="zh-CN" altLang="zh-CN" sz="2400" dirty="0"/>
+              <a:t>敬斌</a:t>
+            </a:r>
+            <a:r>
+              <a:rPr lang="en-US" altLang="zh-CN" sz="2400" dirty="0"/>
+              <a:t>. </a:t>
+            </a:r>
+            <a:r>
+              <a:rPr lang="zh-CN" altLang="zh-CN" sz="2400" dirty="0"/>
+              <a:t>基于模糊控制的仿人机器人零力矩点在线调整</a:t>
+            </a:r>
+            <a:r>
+              <a:rPr lang="en-US" altLang="zh-CN" sz="2400" dirty="0"/>
+              <a:t>[J]. </a:t>
+            </a:r>
+            <a:r>
+              <a:rPr lang="zh-CN" altLang="zh-CN" sz="2400" dirty="0"/>
+              <a:t>计算机应用</a:t>
+            </a:r>
+            <a:r>
+              <a:rPr lang="en-US" altLang="zh-CN" sz="2400" dirty="0"/>
+              <a:t>,2013,(S1):298-300.</a:t>
+            </a:r>
+            <a:endParaRPr lang="zh-CN" altLang="zh-CN" sz="2400" dirty="0"/>
+          </a:p>
+          <a:p>
+            <a:pPr marL="0" indent="0">
+              <a:buNone/>
+            </a:pPr>
+            <a:r>
+              <a:rPr lang="en-US" altLang="zh-CN" sz="2400" dirty="0"/>
+              <a:t>[5]</a:t>
+            </a:r>
+            <a:r>
+              <a:rPr lang="zh-CN" altLang="zh-CN" sz="2400" dirty="0"/>
+              <a:t>朱雅光</a:t>
+            </a:r>
+            <a:r>
+              <a:rPr lang="en-US" altLang="zh-CN" sz="2400" dirty="0"/>
+              <a:t>,</a:t>
+            </a:r>
+            <a:r>
+              <a:rPr lang="zh-CN" altLang="zh-CN" sz="2400" dirty="0"/>
+              <a:t>金波</a:t>
+            </a:r>
+            <a:r>
+              <a:rPr lang="en-US" altLang="zh-CN" sz="2400" dirty="0"/>
+              <a:t>,</a:t>
+            </a:r>
+            <a:r>
+              <a:rPr lang="zh-CN" altLang="zh-CN" sz="2400" dirty="0"/>
+              <a:t>李伟</a:t>
+            </a:r>
+            <a:r>
+              <a:rPr lang="en-US" altLang="zh-CN" sz="2400" dirty="0"/>
+              <a:t>. </a:t>
+            </a:r>
+            <a:r>
+              <a:rPr lang="zh-CN" altLang="zh-CN" sz="2400" dirty="0"/>
+              <a:t>基于自适应</a:t>
+            </a:r>
+            <a:r>
+              <a:rPr lang="en-US" altLang="zh-CN" sz="2400" dirty="0"/>
+              <a:t>-</a:t>
+            </a:r>
+            <a:r>
+              <a:rPr lang="zh-CN" altLang="zh-CN" sz="2400" dirty="0"/>
+              <a:t>模糊控制的六足机器人单腿柔顺控制</a:t>
+            </a:r>
+            <a:r>
+              <a:rPr lang="en-US" altLang="zh-CN" sz="2400" dirty="0"/>
+              <a:t>[J]. </a:t>
+            </a:r>
+            <a:r>
+              <a:rPr lang="zh-CN" altLang="zh-CN" sz="2400" dirty="0"/>
+              <a:t>浙江大学学报</a:t>
+            </a:r>
+            <a:r>
+              <a:rPr lang="en-US" altLang="zh-CN" sz="2400" dirty="0"/>
+              <a:t>(</a:t>
+            </a:r>
+            <a:r>
+              <a:rPr lang="zh-CN" altLang="zh-CN" sz="2400" dirty="0"/>
+              <a:t>工学版</a:t>
+            </a:r>
+            <a:r>
+              <a:rPr lang="en-US" altLang="zh-CN" sz="2400" dirty="0"/>
+              <a:t>),2014,(08):1419-1426+1487.</a:t>
+            </a:r>
+            <a:endParaRPr lang="zh-CN" altLang="zh-CN" sz="2400" dirty="0"/>
+          </a:p>
+          <a:p>
+            <a:pPr marL="0" indent="0">
+              <a:buNone/>
+            </a:pPr>
+            <a:endParaRPr lang="zh-CN" altLang="en-US" sz="2400" dirty="0"/>
+          </a:p>
+        </p:txBody>
+      </p:sp>
+    </p:spTree>
+    <p:extLst>
+      <p:ext uri="{BB962C8B-B14F-4D97-AF65-F5344CB8AC3E}">
+        <p14:creationId xmlns:p14="http://schemas.microsoft.com/office/powerpoint/2010/main" val="237892046"/>
+      </p:ext>
+    </p:extLst>
+  </p:cSld>
+  <p:clrMapOvr>
+    <a:masterClrMapping/>
+  </p:clrMapOvr>
+</p:sld>
+</file>
+
+<file path=ppt/slides/slide48.xml><?xml version="1.0" encoding="utf-8"?>
 <p:sld xmlns:a="http://schemas.openxmlformats.org/drawingml/2006/main" xmlns:r="http://schemas.openxmlformats.org/officeDocument/2006/relationships" xmlns:p="http://schemas.openxmlformats.org/presentationml/2006/main">
   <p:cSld>
     <p:spTree>
